--- a/trayectoriaDeAnimaciones.pptx
+++ b/trayectoriaDeAnimaciones.pptx
@@ -10,6 +10,9 @@
     <p:sldId id="258" r:id="rId4"/>
     <p:sldId id="259" r:id="rId5"/>
     <p:sldId id="260" r:id="rId6"/>
+    <p:sldId id="261" r:id="rId7"/>
+    <p:sldId id="262" r:id="rId8"/>
+    <p:sldId id="263" r:id="rId9"/>
   </p:sldIdLst>
   <p:sldSz cx="12192000" cy="6858000"/>
   <p:notesSz cx="6858000" cy="9144000"/>
@@ -108,6 +111,11 @@
       </a:defRPr>
     </a:lvl9pPr>
   </p:defaultTextStyle>
+  <p:extLst>
+    <p:ext uri="{EFAFB233-063F-42B5-8137-9DF3F51BA10A}">
+      <p15:sldGuideLst xmlns:p15="http://schemas.microsoft.com/office/powerpoint/2012/main"/>
+    </p:ext>
+  </p:extLst>
 </p:presentation>
 </file>
 
@@ -4805,10 +4813,5173 @@
           <a:chExt cx="0" cy="0"/>
         </a:xfrm>
       </p:grpSpPr>
+      <p:sp>
+        <p:nvSpPr>
+          <p:cNvPr id="2" name="CuadroTexto 1">
+            <a:extLst>
+              <a:ext uri="{FF2B5EF4-FFF2-40B4-BE49-F238E27FC236}">
+                <a16:creationId xmlns:a16="http://schemas.microsoft.com/office/drawing/2014/main" id="{A750A488-DC31-4058-B854-AEAAC8F2CC5D}"/>
+              </a:ext>
+            </a:extLst>
+          </p:cNvPr>
+          <p:cNvSpPr txBox="1"/>
+          <p:nvPr/>
+        </p:nvSpPr>
+        <p:spPr>
+          <a:xfrm>
+            <a:off x="4165207" y="655385"/>
+            <a:ext cx="3860352" cy="461665"/>
+          </a:xfrm>
+          <a:prstGeom prst="rect">
+            <a:avLst/>
+          </a:prstGeom>
+          <a:noFill/>
+        </p:spPr>
+        <p:txBody>
+          <a:bodyPr wrap="none" rtlCol="0">
+            <a:spAutoFit/>
+          </a:bodyPr>
+          <a:lstStyle/>
+          <a:p>
+            <a:r>
+              <a:rPr lang="en-US" sz="2400" b="1" u="sng" dirty="0">
+                <a:latin typeface="Arial Black" panose="020B0A04020102020204" pitchFamily="34" charset="0"/>
+              </a:rPr>
+              <a:t>Tipos de </a:t>
+            </a:r>
+            <a:r>
+              <a:rPr lang="en-US" sz="2400" b="1" u="sng" dirty="0" err="1">
+                <a:latin typeface="Arial Black" panose="020B0A04020102020204" pitchFamily="34" charset="0"/>
+              </a:rPr>
+              <a:t>animaciones</a:t>
+            </a:r>
+            <a:endParaRPr lang="es-ES" sz="2400" b="1" u="sng" dirty="0">
+              <a:latin typeface="Arial Black" panose="020B0A04020102020204" pitchFamily="34" charset="0"/>
+            </a:endParaRPr>
+          </a:p>
+        </p:txBody>
+      </p:sp>
+      <p:sp>
+        <p:nvSpPr>
+          <p:cNvPr id="3" name="Elipse 2">
+            <a:extLst>
+              <a:ext uri="{FF2B5EF4-FFF2-40B4-BE49-F238E27FC236}">
+                <a16:creationId xmlns:a16="http://schemas.microsoft.com/office/drawing/2014/main" id="{961BC737-9980-4AF8-8A23-D5C3F72999C8}"/>
+              </a:ext>
+            </a:extLst>
+          </p:cNvPr>
+          <p:cNvSpPr/>
+          <p:nvPr/>
+        </p:nvSpPr>
+        <p:spPr>
+          <a:xfrm>
+            <a:off x="3108176" y="2468488"/>
+            <a:ext cx="1189112" cy="1189112"/>
+          </a:xfrm>
+          <a:prstGeom prst="ellipse">
+            <a:avLst/>
+          </a:prstGeom>
+        </p:spPr>
+        <p:style>
+          <a:lnRef idx="0">
+            <a:schemeClr val="accent6"/>
+          </a:lnRef>
+          <a:fillRef idx="3">
+            <a:schemeClr val="accent6"/>
+          </a:fillRef>
+          <a:effectRef idx="3">
+            <a:schemeClr val="accent6"/>
+          </a:effectRef>
+          <a:fontRef idx="minor">
+            <a:schemeClr val="lt1"/>
+          </a:fontRef>
+        </p:style>
+        <p:txBody>
+          <a:bodyPr rtlCol="0" anchor="ctr"/>
+          <a:lstStyle/>
+          <a:p>
+            <a:pPr algn="ctr"/>
+            <a:endParaRPr lang="es-ES"/>
+          </a:p>
+        </p:txBody>
+      </p:sp>
+      <p:sp>
+        <p:nvSpPr>
+          <p:cNvPr id="4" name="Elipse 3">
+            <a:extLst>
+              <a:ext uri="{FF2B5EF4-FFF2-40B4-BE49-F238E27FC236}">
+                <a16:creationId xmlns:a16="http://schemas.microsoft.com/office/drawing/2014/main" id="{BC77DE03-37F0-4DB7-90E5-5515F17C38A3}"/>
+              </a:ext>
+            </a:extLst>
+          </p:cNvPr>
+          <p:cNvSpPr/>
+          <p:nvPr/>
+        </p:nvSpPr>
+        <p:spPr>
+          <a:xfrm>
+            <a:off x="5489671" y="2468488"/>
+            <a:ext cx="1189112" cy="1189112"/>
+          </a:xfrm>
+          <a:prstGeom prst="ellipse">
+            <a:avLst/>
+          </a:prstGeom>
+        </p:spPr>
+        <p:style>
+          <a:lnRef idx="0">
+            <a:schemeClr val="accent4"/>
+          </a:lnRef>
+          <a:fillRef idx="3">
+            <a:schemeClr val="accent4"/>
+          </a:fillRef>
+          <a:effectRef idx="3">
+            <a:schemeClr val="accent4"/>
+          </a:effectRef>
+          <a:fontRef idx="minor">
+            <a:schemeClr val="lt1"/>
+          </a:fontRef>
+        </p:style>
+        <p:txBody>
+          <a:bodyPr rtlCol="0" anchor="ctr"/>
+          <a:lstStyle/>
+          <a:p>
+            <a:pPr algn="ctr"/>
+            <a:endParaRPr lang="es-ES" dirty="0"/>
+          </a:p>
+        </p:txBody>
+      </p:sp>
+      <p:sp>
+        <p:nvSpPr>
+          <p:cNvPr id="5" name="Elipse 4">
+            <a:extLst>
+              <a:ext uri="{FF2B5EF4-FFF2-40B4-BE49-F238E27FC236}">
+                <a16:creationId xmlns:a16="http://schemas.microsoft.com/office/drawing/2014/main" id="{09D9FC18-5DA1-4D6C-9C84-64A3BDFCB32A}"/>
+              </a:ext>
+            </a:extLst>
+          </p:cNvPr>
+          <p:cNvSpPr/>
+          <p:nvPr/>
+        </p:nvSpPr>
+        <p:spPr>
+          <a:xfrm>
+            <a:off x="7965353" y="2468488"/>
+            <a:ext cx="1189112" cy="1189112"/>
+          </a:xfrm>
+          <a:prstGeom prst="ellipse">
+            <a:avLst/>
+          </a:prstGeom>
+        </p:spPr>
+        <p:style>
+          <a:lnRef idx="0">
+            <a:schemeClr val="accent2"/>
+          </a:lnRef>
+          <a:fillRef idx="3">
+            <a:schemeClr val="accent2"/>
+          </a:fillRef>
+          <a:effectRef idx="3">
+            <a:schemeClr val="accent2"/>
+          </a:effectRef>
+          <a:fontRef idx="minor">
+            <a:schemeClr val="lt1"/>
+          </a:fontRef>
+        </p:style>
+        <p:txBody>
+          <a:bodyPr rtlCol="0" anchor="ctr"/>
+          <a:lstStyle/>
+          <a:p>
+            <a:pPr algn="ctr"/>
+            <a:endParaRPr lang="es-ES"/>
+          </a:p>
+        </p:txBody>
+      </p:sp>
+      <p:sp>
+        <p:nvSpPr>
+          <p:cNvPr id="6" name="Elipse 5">
+            <a:extLst>
+              <a:ext uri="{FF2B5EF4-FFF2-40B4-BE49-F238E27FC236}">
+                <a16:creationId xmlns:a16="http://schemas.microsoft.com/office/drawing/2014/main" id="{81027C81-D130-4773-9BCC-09A4ABF3D8C6}"/>
+              </a:ext>
+            </a:extLst>
+          </p:cNvPr>
+          <p:cNvSpPr/>
+          <p:nvPr/>
+        </p:nvSpPr>
+        <p:spPr>
+          <a:xfrm>
+            <a:off x="5551154" y="4379048"/>
+            <a:ext cx="1189112" cy="1189112"/>
+          </a:xfrm>
+          <a:prstGeom prst="ellipse">
+            <a:avLst/>
+          </a:prstGeom>
+        </p:spPr>
+        <p:style>
+          <a:lnRef idx="0">
+            <a:schemeClr val="accent5"/>
+          </a:lnRef>
+          <a:fillRef idx="3">
+            <a:schemeClr val="accent5"/>
+          </a:fillRef>
+          <a:effectRef idx="3">
+            <a:schemeClr val="accent5"/>
+          </a:effectRef>
+          <a:fontRef idx="minor">
+            <a:schemeClr val="lt1"/>
+          </a:fontRef>
+        </p:style>
+        <p:txBody>
+          <a:bodyPr rtlCol="0" anchor="ctr"/>
+          <a:lstStyle/>
+          <a:p>
+            <a:pPr algn="ctr"/>
+            <a:endParaRPr lang="es-ES"/>
+          </a:p>
+        </p:txBody>
+      </p:sp>
+      <p:sp>
+        <p:nvSpPr>
+          <p:cNvPr id="7" name="CuadroTexto 6">
+            <a:extLst>
+              <a:ext uri="{FF2B5EF4-FFF2-40B4-BE49-F238E27FC236}">
+                <a16:creationId xmlns:a16="http://schemas.microsoft.com/office/drawing/2014/main" id="{A28EF6B5-E834-435E-BF98-5BC76124B9AE}"/>
+              </a:ext>
+            </a:extLst>
+          </p:cNvPr>
+          <p:cNvSpPr txBox="1"/>
+          <p:nvPr/>
+        </p:nvSpPr>
+        <p:spPr>
+          <a:xfrm>
+            <a:off x="3246741" y="2012596"/>
+            <a:ext cx="926087" cy="369332"/>
+          </a:xfrm>
+          <a:prstGeom prst="rect">
+            <a:avLst/>
+          </a:prstGeom>
+          <a:noFill/>
+        </p:spPr>
+        <p:txBody>
+          <a:bodyPr wrap="none" rtlCol="0">
+            <a:spAutoFit/>
+          </a:bodyPr>
+          <a:lstStyle/>
+          <a:p>
+            <a:r>
+              <a:rPr lang="en-US" b="1" dirty="0"/>
+              <a:t>Entrada</a:t>
+            </a:r>
+            <a:endParaRPr lang="es-ES" b="1" dirty="0"/>
+          </a:p>
+        </p:txBody>
+      </p:sp>
+      <p:sp>
+        <p:nvSpPr>
+          <p:cNvPr id="8" name="CuadroTexto 7">
+            <a:extLst>
+              <a:ext uri="{FF2B5EF4-FFF2-40B4-BE49-F238E27FC236}">
+                <a16:creationId xmlns:a16="http://schemas.microsoft.com/office/drawing/2014/main" id="{034783BD-B1BF-4A28-A082-6472E58E62B3}"/>
+              </a:ext>
+            </a:extLst>
+          </p:cNvPr>
+          <p:cNvSpPr txBox="1"/>
+          <p:nvPr/>
+        </p:nvSpPr>
+        <p:spPr>
+          <a:xfrm>
+            <a:off x="5671004" y="2012596"/>
+            <a:ext cx="848758" cy="369332"/>
+          </a:xfrm>
+          <a:prstGeom prst="rect">
+            <a:avLst/>
+          </a:prstGeom>
+          <a:noFill/>
+        </p:spPr>
+        <p:txBody>
+          <a:bodyPr wrap="none" rtlCol="0">
+            <a:spAutoFit/>
+          </a:bodyPr>
+          <a:lstStyle/>
+          <a:p>
+            <a:r>
+              <a:rPr lang="en-US" b="1" dirty="0"/>
+              <a:t>Entasis</a:t>
+            </a:r>
+            <a:endParaRPr lang="es-ES" b="1" dirty="0"/>
+          </a:p>
+        </p:txBody>
+      </p:sp>
+      <p:sp>
+        <p:nvSpPr>
+          <p:cNvPr id="9" name="CuadroTexto 8">
+            <a:extLst>
+              <a:ext uri="{FF2B5EF4-FFF2-40B4-BE49-F238E27FC236}">
+                <a16:creationId xmlns:a16="http://schemas.microsoft.com/office/drawing/2014/main" id="{E45F0542-B7D7-42AD-9F17-EFCD4FA42303}"/>
+              </a:ext>
+            </a:extLst>
+          </p:cNvPr>
+          <p:cNvSpPr txBox="1"/>
+          <p:nvPr/>
+        </p:nvSpPr>
+        <p:spPr>
+          <a:xfrm>
+            <a:off x="8190256" y="2012596"/>
+            <a:ext cx="756938" cy="369332"/>
+          </a:xfrm>
+          <a:prstGeom prst="rect">
+            <a:avLst/>
+          </a:prstGeom>
+          <a:noFill/>
+        </p:spPr>
+        <p:txBody>
+          <a:bodyPr wrap="none" rtlCol="0">
+            <a:spAutoFit/>
+          </a:bodyPr>
+          <a:lstStyle/>
+          <a:p>
+            <a:r>
+              <a:rPr lang="en-US" b="1" dirty="0"/>
+              <a:t>Salida</a:t>
+            </a:r>
+            <a:endParaRPr lang="es-ES" b="1" dirty="0"/>
+          </a:p>
+        </p:txBody>
+      </p:sp>
+      <p:sp>
+        <p:nvSpPr>
+          <p:cNvPr id="10" name="CuadroTexto 9">
+            <a:extLst>
+              <a:ext uri="{FF2B5EF4-FFF2-40B4-BE49-F238E27FC236}">
+                <a16:creationId xmlns:a16="http://schemas.microsoft.com/office/drawing/2014/main" id="{A612A217-8833-4C60-9ADA-AF1B0571F810}"/>
+              </a:ext>
+            </a:extLst>
+          </p:cNvPr>
+          <p:cNvSpPr txBox="1"/>
+          <p:nvPr/>
+        </p:nvSpPr>
+        <p:spPr>
+          <a:xfrm>
+            <a:off x="5785932" y="3938853"/>
+            <a:ext cx="740267" cy="369332"/>
+          </a:xfrm>
+          <a:prstGeom prst="rect">
+            <a:avLst/>
+          </a:prstGeom>
+          <a:noFill/>
+        </p:spPr>
+        <p:txBody>
+          <a:bodyPr wrap="none" rtlCol="0">
+            <a:spAutoFit/>
+          </a:bodyPr>
+          <a:lstStyle/>
+          <a:p>
+            <a:r>
+              <a:rPr lang="en-US" b="1" dirty="0" err="1"/>
+              <a:t>Mixta</a:t>
+            </a:r>
+            <a:endParaRPr lang="es-ES" b="1" dirty="0"/>
+          </a:p>
+        </p:txBody>
+      </p:sp>
+      <p:sp>
+        <p:nvSpPr>
+          <p:cNvPr id="11" name="Rectángulo 10">
+            <a:extLst>
+              <a:ext uri="{FF2B5EF4-FFF2-40B4-BE49-F238E27FC236}">
+                <a16:creationId xmlns:a16="http://schemas.microsoft.com/office/drawing/2014/main" id="{30656BCA-846D-4331-88B6-FEB6E1C113E6}"/>
+              </a:ext>
+            </a:extLst>
+          </p:cNvPr>
+          <p:cNvSpPr/>
+          <p:nvPr/>
+        </p:nvSpPr>
+        <p:spPr>
+          <a:xfrm>
+            <a:off x="1" y="0"/>
+            <a:ext cx="376748" cy="6858000"/>
+          </a:xfrm>
+          <a:prstGeom prst="rect">
+            <a:avLst/>
+          </a:prstGeom>
+        </p:spPr>
+        <p:style>
+          <a:lnRef idx="1">
+            <a:schemeClr val="accent2"/>
+          </a:lnRef>
+          <a:fillRef idx="3">
+            <a:schemeClr val="accent2"/>
+          </a:fillRef>
+          <a:effectRef idx="2">
+            <a:schemeClr val="accent2"/>
+          </a:effectRef>
+          <a:fontRef idx="minor">
+            <a:schemeClr val="lt1"/>
+          </a:fontRef>
+        </p:style>
+        <p:txBody>
+          <a:bodyPr rtlCol="0" anchor="ctr"/>
+          <a:lstStyle/>
+          <a:p>
+            <a:pPr algn="ctr"/>
+            <a:endParaRPr lang="es-ES"/>
+          </a:p>
+        </p:txBody>
+      </p:sp>
     </p:spTree>
     <p:extLst>
       <p:ext uri="{BB962C8B-B14F-4D97-AF65-F5344CB8AC3E}">
         <p14:creationId xmlns:p14="http://schemas.microsoft.com/office/powerpoint/2010/main" val="2152862589"/>
+      </p:ext>
+    </p:extLst>
+  </p:cSld>
+  <p:clrMapOvr>
+    <a:masterClrMapping/>
+  </p:clrMapOvr>
+  <p:timing>
+    <p:tnLst>
+      <p:par>
+        <p:cTn id="1" dur="indefinite" restart="never" nodeType="tmRoot">
+          <p:childTnLst>
+            <p:seq concurrent="1" nextAc="seek">
+              <p:cTn id="2" dur="indefinite" nodeType="mainSeq">
+                <p:childTnLst>
+                  <p:par>
+                    <p:cTn id="3" fill="hold">
+                      <p:stCondLst>
+                        <p:cond delay="indefinite"/>
+                      </p:stCondLst>
+                      <p:childTnLst>
+                        <p:par>
+                          <p:cTn id="4" fill="hold">
+                            <p:stCondLst>
+                              <p:cond delay="0"/>
+                            </p:stCondLst>
+                            <p:childTnLst>
+                              <p:par>
+                                <p:cTn id="5" presetID="21" presetClass="entr" presetSubtype="1" fill="hold" grpId="0" nodeType="clickEffect">
+                                  <p:stCondLst>
+                                    <p:cond delay="0"/>
+                                  </p:stCondLst>
+                                  <p:childTnLst>
+                                    <p:set>
+                                      <p:cBhvr>
+                                        <p:cTn id="6" dur="1" fill="hold">
+                                          <p:stCondLst>
+                                            <p:cond delay="0"/>
+                                          </p:stCondLst>
+                                        </p:cTn>
+                                        <p:tgtEl>
+                                          <p:spTgt spid="3"/>
+                                        </p:tgtEl>
+                                        <p:attrNameLst>
+                                          <p:attrName>style.visibility</p:attrName>
+                                        </p:attrNameLst>
+                                      </p:cBhvr>
+                                      <p:to>
+                                        <p:strVal val="visible"/>
+                                      </p:to>
+                                    </p:set>
+                                    <p:animEffect transition="in" filter="wheel(1)">
+                                      <p:cBhvr>
+                                        <p:cTn id="7" dur="2000"/>
+                                        <p:tgtEl>
+                                          <p:spTgt spid="3"/>
+                                        </p:tgtEl>
+                                      </p:cBhvr>
+                                    </p:animEffect>
+                                  </p:childTnLst>
+                                </p:cTn>
+                              </p:par>
+                            </p:childTnLst>
+                          </p:cTn>
+                        </p:par>
+                      </p:childTnLst>
+                    </p:cTn>
+                  </p:par>
+                  <p:par>
+                    <p:cTn id="8" fill="hold">
+                      <p:stCondLst>
+                        <p:cond delay="indefinite"/>
+                      </p:stCondLst>
+                      <p:childTnLst>
+                        <p:par>
+                          <p:cTn id="9" fill="hold">
+                            <p:stCondLst>
+                              <p:cond delay="0"/>
+                            </p:stCondLst>
+                            <p:childTnLst>
+                              <p:par>
+                                <p:cTn id="10" presetID="26" presetClass="emph" presetSubtype="0" fill="hold" grpId="0" nodeType="clickEffect">
+                                  <p:stCondLst>
+                                    <p:cond delay="0"/>
+                                  </p:stCondLst>
+                                  <p:childTnLst>
+                                    <p:animEffect transition="out" filter="fade">
+                                      <p:cBhvr>
+                                        <p:cTn id="11" dur="500" tmFilter="0, 0; .2, .5; .8, .5; 1, 0"/>
+                                        <p:tgtEl>
+                                          <p:spTgt spid="4"/>
+                                        </p:tgtEl>
+                                      </p:cBhvr>
+                                    </p:animEffect>
+                                    <p:animScale>
+                                      <p:cBhvr>
+                                        <p:cTn id="12" dur="250" autoRev="1" fill="hold"/>
+                                        <p:tgtEl>
+                                          <p:spTgt spid="4"/>
+                                        </p:tgtEl>
+                                      </p:cBhvr>
+                                      <p:by x="105000" y="105000"/>
+                                    </p:animScale>
+                                  </p:childTnLst>
+                                </p:cTn>
+                              </p:par>
+                            </p:childTnLst>
+                          </p:cTn>
+                        </p:par>
+                      </p:childTnLst>
+                    </p:cTn>
+                  </p:par>
+                  <p:par>
+                    <p:cTn id="13" fill="hold">
+                      <p:stCondLst>
+                        <p:cond delay="indefinite"/>
+                      </p:stCondLst>
+                      <p:childTnLst>
+                        <p:par>
+                          <p:cTn id="14" fill="hold">
+                            <p:stCondLst>
+                              <p:cond delay="0"/>
+                            </p:stCondLst>
+                            <p:childTnLst>
+                              <p:par>
+                                <p:cTn id="15" presetID="10" presetClass="exit" presetSubtype="0" fill="hold" grpId="0" nodeType="clickEffect">
+                                  <p:stCondLst>
+                                    <p:cond delay="0"/>
+                                  </p:stCondLst>
+                                  <p:childTnLst>
+                                    <p:animEffect transition="out" filter="fade">
+                                      <p:cBhvr>
+                                        <p:cTn id="16" dur="500"/>
+                                        <p:tgtEl>
+                                          <p:spTgt spid="5"/>
+                                        </p:tgtEl>
+                                      </p:cBhvr>
+                                    </p:animEffect>
+                                    <p:set>
+                                      <p:cBhvr>
+                                        <p:cTn id="17" dur="1" fill="hold">
+                                          <p:stCondLst>
+                                            <p:cond delay="499"/>
+                                          </p:stCondLst>
+                                        </p:cTn>
+                                        <p:tgtEl>
+                                          <p:spTgt spid="5"/>
+                                        </p:tgtEl>
+                                        <p:attrNameLst>
+                                          <p:attrName>style.visibility</p:attrName>
+                                        </p:attrNameLst>
+                                      </p:cBhvr>
+                                      <p:to>
+                                        <p:strVal val="hidden"/>
+                                      </p:to>
+                                    </p:set>
+                                  </p:childTnLst>
+                                </p:cTn>
+                              </p:par>
+                            </p:childTnLst>
+                          </p:cTn>
+                        </p:par>
+                        <p:par>
+                          <p:cTn id="18" fill="hold">
+                            <p:stCondLst>
+                              <p:cond delay="500"/>
+                            </p:stCondLst>
+                            <p:childTnLst>
+                              <p:par>
+                                <p:cTn id="19" presetID="21" presetClass="entr" presetSubtype="1" fill="hold" grpId="0" nodeType="afterEffect">
+                                  <p:stCondLst>
+                                    <p:cond delay="0"/>
+                                  </p:stCondLst>
+                                  <p:childTnLst>
+                                    <p:set>
+                                      <p:cBhvr>
+                                        <p:cTn id="20" dur="1" fill="hold">
+                                          <p:stCondLst>
+                                            <p:cond delay="0"/>
+                                          </p:stCondLst>
+                                        </p:cTn>
+                                        <p:tgtEl>
+                                          <p:spTgt spid="6"/>
+                                        </p:tgtEl>
+                                        <p:attrNameLst>
+                                          <p:attrName>style.visibility</p:attrName>
+                                        </p:attrNameLst>
+                                      </p:cBhvr>
+                                      <p:to>
+                                        <p:strVal val="visible"/>
+                                      </p:to>
+                                    </p:set>
+                                    <p:animEffect transition="in" filter="wheel(1)">
+                                      <p:cBhvr>
+                                        <p:cTn id="21" dur="2000"/>
+                                        <p:tgtEl>
+                                          <p:spTgt spid="6"/>
+                                        </p:tgtEl>
+                                      </p:cBhvr>
+                                    </p:animEffect>
+                                  </p:childTnLst>
+                                </p:cTn>
+                              </p:par>
+                            </p:childTnLst>
+                          </p:cTn>
+                        </p:par>
+                        <p:par>
+                          <p:cTn id="22" fill="hold">
+                            <p:stCondLst>
+                              <p:cond delay="2500"/>
+                            </p:stCondLst>
+                            <p:childTnLst>
+                              <p:par>
+                                <p:cTn id="23" presetID="26" presetClass="emph" presetSubtype="0" fill="hold" grpId="1" nodeType="afterEffect">
+                                  <p:stCondLst>
+                                    <p:cond delay="0"/>
+                                  </p:stCondLst>
+                                  <p:childTnLst>
+                                    <p:animEffect transition="out" filter="fade">
+                                      <p:cBhvr>
+                                        <p:cTn id="24" dur="500" tmFilter="0, 0; .2, .5; .8, .5; 1, 0"/>
+                                        <p:tgtEl>
+                                          <p:spTgt spid="6"/>
+                                        </p:tgtEl>
+                                      </p:cBhvr>
+                                    </p:animEffect>
+                                    <p:animScale>
+                                      <p:cBhvr>
+                                        <p:cTn id="25" dur="250" autoRev="1" fill="hold"/>
+                                        <p:tgtEl>
+                                          <p:spTgt spid="6"/>
+                                        </p:tgtEl>
+                                      </p:cBhvr>
+                                      <p:by x="105000" y="105000"/>
+                                    </p:animScale>
+                                  </p:childTnLst>
+                                </p:cTn>
+                              </p:par>
+                            </p:childTnLst>
+                          </p:cTn>
+                        </p:par>
+                        <p:par>
+                          <p:cTn id="26" fill="hold">
+                            <p:stCondLst>
+                              <p:cond delay="3000"/>
+                            </p:stCondLst>
+                            <p:childTnLst>
+                              <p:par>
+                                <p:cTn id="27" presetID="10" presetClass="exit" presetSubtype="0" fill="hold" grpId="2" nodeType="afterEffect">
+                                  <p:stCondLst>
+                                    <p:cond delay="0"/>
+                                  </p:stCondLst>
+                                  <p:childTnLst>
+                                    <p:animEffect transition="out" filter="fade">
+                                      <p:cBhvr>
+                                        <p:cTn id="28" dur="500"/>
+                                        <p:tgtEl>
+                                          <p:spTgt spid="6"/>
+                                        </p:tgtEl>
+                                      </p:cBhvr>
+                                    </p:animEffect>
+                                    <p:set>
+                                      <p:cBhvr>
+                                        <p:cTn id="29" dur="1" fill="hold">
+                                          <p:stCondLst>
+                                            <p:cond delay="499"/>
+                                          </p:stCondLst>
+                                        </p:cTn>
+                                        <p:tgtEl>
+                                          <p:spTgt spid="6"/>
+                                        </p:tgtEl>
+                                        <p:attrNameLst>
+                                          <p:attrName>style.visibility</p:attrName>
+                                        </p:attrNameLst>
+                                      </p:cBhvr>
+                                      <p:to>
+                                        <p:strVal val="hidden"/>
+                                      </p:to>
+                                    </p:set>
+                                  </p:childTnLst>
+                                </p:cTn>
+                              </p:par>
+                            </p:childTnLst>
+                          </p:cTn>
+                        </p:par>
+                      </p:childTnLst>
+                    </p:cTn>
+                  </p:par>
+                </p:childTnLst>
+              </p:cTn>
+              <p:prevCondLst>
+                <p:cond evt="onPrev" delay="0">
+                  <p:tgtEl>
+                    <p:sldTgt/>
+                  </p:tgtEl>
+                </p:cond>
+              </p:prevCondLst>
+              <p:nextCondLst>
+                <p:cond evt="onNext" delay="0">
+                  <p:tgtEl>
+                    <p:sldTgt/>
+                  </p:tgtEl>
+                </p:cond>
+              </p:nextCondLst>
+            </p:seq>
+          </p:childTnLst>
+        </p:cTn>
+      </p:par>
+    </p:tnLst>
+    <p:bldLst>
+      <p:bldP spid="3" grpId="0" animBg="1"/>
+      <p:bldP spid="4" grpId="0" animBg="1"/>
+      <p:bldP spid="5" grpId="0" animBg="1"/>
+      <p:bldP spid="6" grpId="0" animBg="1"/>
+      <p:bldP spid="6" grpId="1" animBg="1"/>
+      <p:bldP spid="6" grpId="2" animBg="1"/>
+    </p:bldLst>
+  </p:timing>
+</p:sld>
+</file>
+
+<file path=ppt/slides/slide6.xml><?xml version="1.0" encoding="utf-8"?>
+<p:sld xmlns:a="http://schemas.openxmlformats.org/drawingml/2006/main" xmlns:r="http://schemas.openxmlformats.org/officeDocument/2006/relationships" xmlns:p="http://schemas.openxmlformats.org/presentationml/2006/main">
+  <p:cSld>
+    <p:spTree>
+      <p:nvGrpSpPr>
+        <p:cNvPr id="1" name=""/>
+        <p:cNvGrpSpPr/>
+        <p:nvPr/>
+      </p:nvGrpSpPr>
+      <p:grpSpPr>
+        <a:xfrm>
+          <a:off x="0" y="0"/>
+          <a:ext cx="0" cy="0"/>
+          <a:chOff x="0" y="0"/>
+          <a:chExt cx="0" cy="0"/>
+        </a:xfrm>
+      </p:grpSpPr>
+      <p:sp>
+        <p:nvSpPr>
+          <p:cNvPr id="2" name="CuadroTexto 1">
+            <a:extLst>
+              <a:ext uri="{FF2B5EF4-FFF2-40B4-BE49-F238E27FC236}">
+                <a16:creationId xmlns:a16="http://schemas.microsoft.com/office/drawing/2014/main" id="{A750A488-DC31-4058-B854-AEAAC8F2CC5D}"/>
+              </a:ext>
+            </a:extLst>
+          </p:cNvPr>
+          <p:cNvSpPr txBox="1"/>
+          <p:nvPr/>
+        </p:nvSpPr>
+        <p:spPr>
+          <a:xfrm>
+            <a:off x="4336728" y="701105"/>
+            <a:ext cx="3517310" cy="461665"/>
+          </a:xfrm>
+          <a:prstGeom prst="rect">
+            <a:avLst/>
+          </a:prstGeom>
+          <a:noFill/>
+        </p:spPr>
+        <p:txBody>
+          <a:bodyPr wrap="none" rtlCol="0">
+            <a:spAutoFit/>
+          </a:bodyPr>
+          <a:lstStyle/>
+          <a:p>
+            <a:r>
+              <a:rPr lang="en-US" sz="2400" b="1" u="sng" dirty="0">
+                <a:latin typeface="Arial Black" panose="020B0A04020102020204" pitchFamily="34" charset="0"/>
+              </a:rPr>
+              <a:t>Copiar </a:t>
+            </a:r>
+            <a:r>
+              <a:rPr lang="en-US" sz="2400" b="1" u="sng" dirty="0" err="1">
+                <a:latin typeface="Arial Black" panose="020B0A04020102020204" pitchFamily="34" charset="0"/>
+              </a:rPr>
+              <a:t>animaciones</a:t>
+            </a:r>
+            <a:endParaRPr lang="es-ES" sz="2400" b="1" u="sng" dirty="0">
+              <a:latin typeface="Arial Black" panose="020B0A04020102020204" pitchFamily="34" charset="0"/>
+            </a:endParaRPr>
+          </a:p>
+        </p:txBody>
+      </p:sp>
+      <p:sp>
+        <p:nvSpPr>
+          <p:cNvPr id="3" name="Elipse 2">
+            <a:extLst>
+              <a:ext uri="{FF2B5EF4-FFF2-40B4-BE49-F238E27FC236}">
+                <a16:creationId xmlns:a16="http://schemas.microsoft.com/office/drawing/2014/main" id="{961BC737-9980-4AF8-8A23-D5C3F72999C8}"/>
+              </a:ext>
+            </a:extLst>
+          </p:cNvPr>
+          <p:cNvSpPr/>
+          <p:nvPr/>
+        </p:nvSpPr>
+        <p:spPr>
+          <a:xfrm>
+            <a:off x="3108176" y="2468488"/>
+            <a:ext cx="1189112" cy="1189112"/>
+          </a:xfrm>
+          <a:prstGeom prst="ellipse">
+            <a:avLst/>
+          </a:prstGeom>
+        </p:spPr>
+        <p:style>
+          <a:lnRef idx="0">
+            <a:schemeClr val="accent6"/>
+          </a:lnRef>
+          <a:fillRef idx="3">
+            <a:schemeClr val="accent6"/>
+          </a:fillRef>
+          <a:effectRef idx="3">
+            <a:schemeClr val="accent6"/>
+          </a:effectRef>
+          <a:fontRef idx="minor">
+            <a:schemeClr val="lt1"/>
+          </a:fontRef>
+        </p:style>
+        <p:txBody>
+          <a:bodyPr rtlCol="0" anchor="ctr"/>
+          <a:lstStyle/>
+          <a:p>
+            <a:pPr algn="ctr"/>
+            <a:endParaRPr lang="es-ES"/>
+          </a:p>
+        </p:txBody>
+      </p:sp>
+      <p:sp>
+        <p:nvSpPr>
+          <p:cNvPr id="4" name="Elipse 3">
+            <a:extLst>
+              <a:ext uri="{FF2B5EF4-FFF2-40B4-BE49-F238E27FC236}">
+                <a16:creationId xmlns:a16="http://schemas.microsoft.com/office/drawing/2014/main" id="{BC77DE03-37F0-4DB7-90E5-5515F17C38A3}"/>
+              </a:ext>
+            </a:extLst>
+          </p:cNvPr>
+          <p:cNvSpPr/>
+          <p:nvPr/>
+        </p:nvSpPr>
+        <p:spPr>
+          <a:xfrm>
+            <a:off x="5489671" y="2468488"/>
+            <a:ext cx="1189112" cy="1189112"/>
+          </a:xfrm>
+          <a:prstGeom prst="ellipse">
+            <a:avLst/>
+          </a:prstGeom>
+        </p:spPr>
+        <p:style>
+          <a:lnRef idx="0">
+            <a:schemeClr val="accent4"/>
+          </a:lnRef>
+          <a:fillRef idx="3">
+            <a:schemeClr val="accent4"/>
+          </a:fillRef>
+          <a:effectRef idx="3">
+            <a:schemeClr val="accent4"/>
+          </a:effectRef>
+          <a:fontRef idx="minor">
+            <a:schemeClr val="lt1"/>
+          </a:fontRef>
+        </p:style>
+        <p:txBody>
+          <a:bodyPr rtlCol="0" anchor="ctr"/>
+          <a:lstStyle/>
+          <a:p>
+            <a:pPr algn="ctr"/>
+            <a:endParaRPr lang="es-ES" dirty="0"/>
+          </a:p>
+        </p:txBody>
+      </p:sp>
+      <p:sp>
+        <p:nvSpPr>
+          <p:cNvPr id="5" name="Elipse 4">
+            <a:extLst>
+              <a:ext uri="{FF2B5EF4-FFF2-40B4-BE49-F238E27FC236}">
+                <a16:creationId xmlns:a16="http://schemas.microsoft.com/office/drawing/2014/main" id="{09D9FC18-5DA1-4D6C-9C84-64A3BDFCB32A}"/>
+              </a:ext>
+            </a:extLst>
+          </p:cNvPr>
+          <p:cNvSpPr/>
+          <p:nvPr/>
+        </p:nvSpPr>
+        <p:spPr>
+          <a:xfrm>
+            <a:off x="7965353" y="2468488"/>
+            <a:ext cx="1189112" cy="1189112"/>
+          </a:xfrm>
+          <a:prstGeom prst="ellipse">
+            <a:avLst/>
+          </a:prstGeom>
+        </p:spPr>
+        <p:style>
+          <a:lnRef idx="0">
+            <a:schemeClr val="accent2"/>
+          </a:lnRef>
+          <a:fillRef idx="3">
+            <a:schemeClr val="accent2"/>
+          </a:fillRef>
+          <a:effectRef idx="3">
+            <a:schemeClr val="accent2"/>
+          </a:effectRef>
+          <a:fontRef idx="minor">
+            <a:schemeClr val="lt1"/>
+          </a:fontRef>
+        </p:style>
+        <p:txBody>
+          <a:bodyPr rtlCol="0" anchor="ctr"/>
+          <a:lstStyle/>
+          <a:p>
+            <a:pPr algn="ctr"/>
+            <a:endParaRPr lang="es-ES"/>
+          </a:p>
+        </p:txBody>
+      </p:sp>
+      <p:sp>
+        <p:nvSpPr>
+          <p:cNvPr id="11" name="Rectángulo 10">
+            <a:extLst>
+              <a:ext uri="{FF2B5EF4-FFF2-40B4-BE49-F238E27FC236}">
+                <a16:creationId xmlns:a16="http://schemas.microsoft.com/office/drawing/2014/main" id="{30656BCA-846D-4331-88B6-FEB6E1C113E6}"/>
+              </a:ext>
+            </a:extLst>
+          </p:cNvPr>
+          <p:cNvSpPr/>
+          <p:nvPr/>
+        </p:nvSpPr>
+        <p:spPr>
+          <a:xfrm>
+            <a:off x="1" y="0"/>
+            <a:ext cx="376748" cy="6858000"/>
+          </a:xfrm>
+          <a:prstGeom prst="rect">
+            <a:avLst/>
+          </a:prstGeom>
+        </p:spPr>
+        <p:style>
+          <a:lnRef idx="1">
+            <a:schemeClr val="accent2"/>
+          </a:lnRef>
+          <a:fillRef idx="3">
+            <a:schemeClr val="accent2"/>
+          </a:fillRef>
+          <a:effectRef idx="2">
+            <a:schemeClr val="accent2"/>
+          </a:effectRef>
+          <a:fontRef idx="minor">
+            <a:schemeClr val="lt1"/>
+          </a:fontRef>
+        </p:style>
+        <p:txBody>
+          <a:bodyPr rtlCol="0" anchor="ctr"/>
+          <a:lstStyle/>
+          <a:p>
+            <a:pPr algn="ctr"/>
+            <a:endParaRPr lang="es-ES"/>
+          </a:p>
+        </p:txBody>
+      </p:sp>
+    </p:spTree>
+    <p:extLst>
+      <p:ext uri="{BB962C8B-B14F-4D97-AF65-F5344CB8AC3E}">
+        <p14:creationId xmlns:p14="http://schemas.microsoft.com/office/powerpoint/2010/main" val="2813991832"/>
+      </p:ext>
+    </p:extLst>
+  </p:cSld>
+  <p:clrMapOvr>
+    <a:masterClrMapping/>
+  </p:clrMapOvr>
+  <p:timing>
+    <p:tnLst>
+      <p:par>
+        <p:cTn id="1" dur="indefinite" restart="never" nodeType="tmRoot">
+          <p:childTnLst>
+            <p:seq concurrent="1" nextAc="seek">
+              <p:cTn id="2" dur="indefinite" nodeType="mainSeq">
+                <p:childTnLst>
+                  <p:par>
+                    <p:cTn id="3" fill="hold">
+                      <p:stCondLst>
+                        <p:cond delay="indefinite"/>
+                      </p:stCondLst>
+                      <p:childTnLst>
+                        <p:par>
+                          <p:cTn id="4" fill="hold">
+                            <p:stCondLst>
+                              <p:cond delay="0"/>
+                            </p:stCondLst>
+                            <p:childTnLst>
+                              <p:par>
+                                <p:cTn id="5" presetID="21" presetClass="entr" presetSubtype="1" fill="hold" grpId="0" nodeType="clickEffect">
+                                  <p:stCondLst>
+                                    <p:cond delay="0"/>
+                                  </p:stCondLst>
+                                  <p:childTnLst>
+                                    <p:set>
+                                      <p:cBhvr>
+                                        <p:cTn id="6" dur="1" fill="hold">
+                                          <p:stCondLst>
+                                            <p:cond delay="0"/>
+                                          </p:stCondLst>
+                                        </p:cTn>
+                                        <p:tgtEl>
+                                          <p:spTgt spid="3"/>
+                                        </p:tgtEl>
+                                        <p:attrNameLst>
+                                          <p:attrName>style.visibility</p:attrName>
+                                        </p:attrNameLst>
+                                      </p:cBhvr>
+                                      <p:to>
+                                        <p:strVal val="visible"/>
+                                      </p:to>
+                                    </p:set>
+                                    <p:animEffect transition="in" filter="wheel(1)">
+                                      <p:cBhvr>
+                                        <p:cTn id="7" dur="2000"/>
+                                        <p:tgtEl>
+                                          <p:spTgt spid="3"/>
+                                        </p:tgtEl>
+                                      </p:cBhvr>
+                                    </p:animEffect>
+                                  </p:childTnLst>
+                                </p:cTn>
+                              </p:par>
+                            </p:childTnLst>
+                          </p:cTn>
+                        </p:par>
+                        <p:par>
+                          <p:cTn id="8" fill="hold">
+                            <p:stCondLst>
+                              <p:cond delay="2000"/>
+                            </p:stCondLst>
+                            <p:childTnLst>
+                              <p:par>
+                                <p:cTn id="9" presetID="26" presetClass="emph" presetSubtype="0" fill="hold" grpId="1" nodeType="afterEffect">
+                                  <p:stCondLst>
+                                    <p:cond delay="0"/>
+                                  </p:stCondLst>
+                                  <p:childTnLst>
+                                    <p:animEffect transition="out" filter="fade">
+                                      <p:cBhvr>
+                                        <p:cTn id="10" dur="500" tmFilter="0, 0; .2, .5; .8, .5; 1, 0"/>
+                                        <p:tgtEl>
+                                          <p:spTgt spid="3"/>
+                                        </p:tgtEl>
+                                      </p:cBhvr>
+                                    </p:animEffect>
+                                    <p:animScale>
+                                      <p:cBhvr>
+                                        <p:cTn id="11" dur="250" autoRev="1" fill="hold"/>
+                                        <p:tgtEl>
+                                          <p:spTgt spid="3"/>
+                                        </p:tgtEl>
+                                      </p:cBhvr>
+                                      <p:by x="105000" y="105000"/>
+                                    </p:animScale>
+                                  </p:childTnLst>
+                                </p:cTn>
+                              </p:par>
+                            </p:childTnLst>
+                          </p:cTn>
+                        </p:par>
+                        <p:par>
+                          <p:cTn id="12" fill="hold">
+                            <p:stCondLst>
+                              <p:cond delay="2500"/>
+                            </p:stCondLst>
+                            <p:childTnLst>
+                              <p:par>
+                                <p:cTn id="13" presetID="21" presetClass="entr" presetSubtype="1" fill="hold" grpId="0" nodeType="afterEffect">
+                                  <p:stCondLst>
+                                    <p:cond delay="0"/>
+                                  </p:stCondLst>
+                                  <p:childTnLst>
+                                    <p:set>
+                                      <p:cBhvr>
+                                        <p:cTn id="14" dur="1" fill="hold">
+                                          <p:stCondLst>
+                                            <p:cond delay="0"/>
+                                          </p:stCondLst>
+                                        </p:cTn>
+                                        <p:tgtEl>
+                                          <p:spTgt spid="4"/>
+                                        </p:tgtEl>
+                                        <p:attrNameLst>
+                                          <p:attrName>style.visibility</p:attrName>
+                                        </p:attrNameLst>
+                                      </p:cBhvr>
+                                      <p:to>
+                                        <p:strVal val="visible"/>
+                                      </p:to>
+                                    </p:set>
+                                    <p:animEffect transition="in" filter="wheel(1)">
+                                      <p:cBhvr>
+                                        <p:cTn id="15" dur="2000"/>
+                                        <p:tgtEl>
+                                          <p:spTgt spid="4"/>
+                                        </p:tgtEl>
+                                      </p:cBhvr>
+                                    </p:animEffect>
+                                  </p:childTnLst>
+                                </p:cTn>
+                              </p:par>
+                            </p:childTnLst>
+                          </p:cTn>
+                        </p:par>
+                        <p:par>
+                          <p:cTn id="16" fill="hold">
+                            <p:stCondLst>
+                              <p:cond delay="4500"/>
+                            </p:stCondLst>
+                            <p:childTnLst>
+                              <p:par>
+                                <p:cTn id="17" presetID="26" presetClass="emph" presetSubtype="0" fill="hold" grpId="1" nodeType="afterEffect">
+                                  <p:stCondLst>
+                                    <p:cond delay="0"/>
+                                  </p:stCondLst>
+                                  <p:childTnLst>
+                                    <p:animEffect transition="out" filter="fade">
+                                      <p:cBhvr>
+                                        <p:cTn id="18" dur="500" tmFilter="0, 0; .2, .5; .8, .5; 1, 0"/>
+                                        <p:tgtEl>
+                                          <p:spTgt spid="4"/>
+                                        </p:tgtEl>
+                                      </p:cBhvr>
+                                    </p:animEffect>
+                                    <p:animScale>
+                                      <p:cBhvr>
+                                        <p:cTn id="19" dur="250" autoRev="1" fill="hold"/>
+                                        <p:tgtEl>
+                                          <p:spTgt spid="4"/>
+                                        </p:tgtEl>
+                                      </p:cBhvr>
+                                      <p:by x="105000" y="105000"/>
+                                    </p:animScale>
+                                  </p:childTnLst>
+                                </p:cTn>
+                              </p:par>
+                            </p:childTnLst>
+                          </p:cTn>
+                        </p:par>
+                        <p:par>
+                          <p:cTn id="20" fill="hold">
+                            <p:stCondLst>
+                              <p:cond delay="5000"/>
+                            </p:stCondLst>
+                            <p:childTnLst>
+                              <p:par>
+                                <p:cTn id="21" presetID="21" presetClass="entr" presetSubtype="1" fill="hold" grpId="0" nodeType="afterEffect">
+                                  <p:stCondLst>
+                                    <p:cond delay="0"/>
+                                  </p:stCondLst>
+                                  <p:childTnLst>
+                                    <p:set>
+                                      <p:cBhvr>
+                                        <p:cTn id="22" dur="1" fill="hold">
+                                          <p:stCondLst>
+                                            <p:cond delay="0"/>
+                                          </p:stCondLst>
+                                        </p:cTn>
+                                        <p:tgtEl>
+                                          <p:spTgt spid="5"/>
+                                        </p:tgtEl>
+                                        <p:attrNameLst>
+                                          <p:attrName>style.visibility</p:attrName>
+                                        </p:attrNameLst>
+                                      </p:cBhvr>
+                                      <p:to>
+                                        <p:strVal val="visible"/>
+                                      </p:to>
+                                    </p:set>
+                                    <p:animEffect transition="in" filter="wheel(1)">
+                                      <p:cBhvr>
+                                        <p:cTn id="23" dur="2000"/>
+                                        <p:tgtEl>
+                                          <p:spTgt spid="5"/>
+                                        </p:tgtEl>
+                                      </p:cBhvr>
+                                    </p:animEffect>
+                                  </p:childTnLst>
+                                </p:cTn>
+                              </p:par>
+                            </p:childTnLst>
+                          </p:cTn>
+                        </p:par>
+                        <p:par>
+                          <p:cTn id="24" fill="hold">
+                            <p:stCondLst>
+                              <p:cond delay="7000"/>
+                            </p:stCondLst>
+                            <p:childTnLst>
+                              <p:par>
+                                <p:cTn id="25" presetID="26" presetClass="emph" presetSubtype="0" fill="hold" grpId="1" nodeType="afterEffect">
+                                  <p:stCondLst>
+                                    <p:cond delay="0"/>
+                                  </p:stCondLst>
+                                  <p:childTnLst>
+                                    <p:animEffect transition="out" filter="fade">
+                                      <p:cBhvr>
+                                        <p:cTn id="26" dur="500" tmFilter="0, 0; .2, .5; .8, .5; 1, 0"/>
+                                        <p:tgtEl>
+                                          <p:spTgt spid="5"/>
+                                        </p:tgtEl>
+                                      </p:cBhvr>
+                                    </p:animEffect>
+                                    <p:animScale>
+                                      <p:cBhvr>
+                                        <p:cTn id="27" dur="250" autoRev="1" fill="hold"/>
+                                        <p:tgtEl>
+                                          <p:spTgt spid="5"/>
+                                        </p:tgtEl>
+                                      </p:cBhvr>
+                                      <p:by x="105000" y="105000"/>
+                                    </p:animScale>
+                                  </p:childTnLst>
+                                </p:cTn>
+                              </p:par>
+                            </p:childTnLst>
+                          </p:cTn>
+                        </p:par>
+                      </p:childTnLst>
+                    </p:cTn>
+                  </p:par>
+                </p:childTnLst>
+              </p:cTn>
+              <p:prevCondLst>
+                <p:cond evt="onPrev" delay="0">
+                  <p:tgtEl>
+                    <p:sldTgt/>
+                  </p:tgtEl>
+                </p:cond>
+              </p:prevCondLst>
+              <p:nextCondLst>
+                <p:cond evt="onNext" delay="0">
+                  <p:tgtEl>
+                    <p:sldTgt/>
+                  </p:tgtEl>
+                </p:cond>
+              </p:nextCondLst>
+            </p:seq>
+          </p:childTnLst>
+        </p:cTn>
+      </p:par>
+    </p:tnLst>
+    <p:bldLst>
+      <p:bldP spid="3" grpId="0" animBg="1"/>
+      <p:bldP spid="3" grpId="1" animBg="1"/>
+      <p:bldP spid="4" grpId="0" animBg="1"/>
+      <p:bldP spid="4" grpId="1" animBg="1"/>
+      <p:bldP spid="5" grpId="0" animBg="1"/>
+      <p:bldP spid="5" grpId="1" animBg="1"/>
+    </p:bldLst>
+  </p:timing>
+</p:sld>
+</file>
+
+<file path=ppt/slides/slide7.xml><?xml version="1.0" encoding="utf-8"?>
+<p:sld xmlns:a="http://schemas.openxmlformats.org/drawingml/2006/main" xmlns:r="http://schemas.openxmlformats.org/officeDocument/2006/relationships" xmlns:p="http://schemas.openxmlformats.org/presentationml/2006/main">
+  <p:cSld>
+    <p:spTree>
+      <p:nvGrpSpPr>
+        <p:cNvPr id="1" name=""/>
+        <p:cNvGrpSpPr/>
+        <p:nvPr/>
+      </p:nvGrpSpPr>
+      <p:grpSpPr>
+        <a:xfrm>
+          <a:off x="0" y="0"/>
+          <a:ext cx="0" cy="0"/>
+          <a:chOff x="0" y="0"/>
+          <a:chExt cx="0" cy="0"/>
+        </a:xfrm>
+      </p:grpSpPr>
+      <p:sp>
+        <p:nvSpPr>
+          <p:cNvPr id="2" name="CuadroTexto 1">
+            <a:extLst>
+              <a:ext uri="{FF2B5EF4-FFF2-40B4-BE49-F238E27FC236}">
+                <a16:creationId xmlns:a16="http://schemas.microsoft.com/office/drawing/2014/main" id="{A750A488-DC31-4058-B854-AEAAC8F2CC5D}"/>
+              </a:ext>
+            </a:extLst>
+          </p:cNvPr>
+          <p:cNvSpPr txBox="1"/>
+          <p:nvPr/>
+        </p:nvSpPr>
+        <p:spPr>
+          <a:xfrm>
+            <a:off x="4336728" y="701105"/>
+            <a:ext cx="3396123" cy="461665"/>
+          </a:xfrm>
+          <a:prstGeom prst="rect">
+            <a:avLst/>
+          </a:prstGeom>
+          <a:noFill/>
+        </p:spPr>
+        <p:txBody>
+          <a:bodyPr wrap="none" rtlCol="0">
+            <a:spAutoFit/>
+          </a:bodyPr>
+          <a:lstStyle/>
+          <a:p>
+            <a:r>
+              <a:rPr lang="en-US" sz="2400" b="1" u="sng" dirty="0">
+                <a:latin typeface="Arial Black" panose="020B0A04020102020204" pitchFamily="34" charset="0"/>
+              </a:rPr>
+              <a:t>Juego de </a:t>
+            </a:r>
+            <a:r>
+              <a:rPr lang="en-US" sz="2400" b="1" u="sng" dirty="0" err="1">
+                <a:latin typeface="Arial Black" panose="020B0A04020102020204" pitchFamily="34" charset="0"/>
+              </a:rPr>
+              <a:t>hormigas</a:t>
+            </a:r>
+            <a:endParaRPr lang="es-ES" sz="2400" b="1" u="sng" dirty="0">
+              <a:latin typeface="Arial Black" panose="020B0A04020102020204" pitchFamily="34" charset="0"/>
+            </a:endParaRPr>
+          </a:p>
+        </p:txBody>
+      </p:sp>
+      <p:sp>
+        <p:nvSpPr>
+          <p:cNvPr id="11" name="Rectángulo 10">
+            <a:extLst>
+              <a:ext uri="{FF2B5EF4-FFF2-40B4-BE49-F238E27FC236}">
+                <a16:creationId xmlns:a16="http://schemas.microsoft.com/office/drawing/2014/main" id="{30656BCA-846D-4331-88B6-FEB6E1C113E6}"/>
+              </a:ext>
+            </a:extLst>
+          </p:cNvPr>
+          <p:cNvSpPr/>
+          <p:nvPr/>
+        </p:nvSpPr>
+        <p:spPr>
+          <a:xfrm>
+            <a:off x="1" y="0"/>
+            <a:ext cx="376748" cy="6858000"/>
+          </a:xfrm>
+          <a:prstGeom prst="rect">
+            <a:avLst/>
+          </a:prstGeom>
+        </p:spPr>
+        <p:style>
+          <a:lnRef idx="1">
+            <a:schemeClr val="accent2"/>
+          </a:lnRef>
+          <a:fillRef idx="3">
+            <a:schemeClr val="accent2"/>
+          </a:fillRef>
+          <a:effectRef idx="2">
+            <a:schemeClr val="accent2"/>
+          </a:effectRef>
+          <a:fontRef idx="minor">
+            <a:schemeClr val="lt1"/>
+          </a:fontRef>
+        </p:style>
+        <p:txBody>
+          <a:bodyPr rtlCol="0" anchor="ctr"/>
+          <a:lstStyle/>
+          <a:p>
+            <a:pPr algn="ctr"/>
+            <a:endParaRPr lang="es-ES"/>
+          </a:p>
+        </p:txBody>
+      </p:sp>
+      <p:pic>
+        <p:nvPicPr>
+          <p:cNvPr id="18" name="Imagen 17">
+            <a:extLst>
+              <a:ext uri="{FF2B5EF4-FFF2-40B4-BE49-F238E27FC236}">
+                <a16:creationId xmlns:a16="http://schemas.microsoft.com/office/drawing/2014/main" id="{E335A319-F442-4F20-99E1-12F4A11A08B8}"/>
+              </a:ext>
+            </a:extLst>
+          </p:cNvPr>
+          <p:cNvPicPr>
+            <a:picLocks noChangeAspect="1"/>
+          </p:cNvPicPr>
+          <p:nvPr/>
+        </p:nvPicPr>
+        <p:blipFill>
+          <a:blip r:embed="rId2">
+            <a:extLst>
+              <a:ext uri="{28A0092B-C50C-407E-A947-70E740481C1C}">
+                <a14:useLocalDpi xmlns:a14="http://schemas.microsoft.com/office/drawing/2010/main" val="0"/>
+              </a:ext>
+            </a:extLst>
+          </a:blip>
+          <a:stretch>
+            <a:fillRect/>
+          </a:stretch>
+        </p:blipFill>
+        <p:spPr>
+          <a:xfrm>
+            <a:off x="1283548" y="1630680"/>
+            <a:ext cx="1004316" cy="1004316"/>
+          </a:xfrm>
+          <a:prstGeom prst="rect">
+            <a:avLst/>
+          </a:prstGeom>
+        </p:spPr>
+      </p:pic>
+      <p:pic>
+        <p:nvPicPr>
+          <p:cNvPr id="19" name="Imagen 18">
+            <a:extLst>
+              <a:ext uri="{FF2B5EF4-FFF2-40B4-BE49-F238E27FC236}">
+                <a16:creationId xmlns:a16="http://schemas.microsoft.com/office/drawing/2014/main" id="{3AA33D24-43AE-4B92-89DD-DE4674C38736}"/>
+              </a:ext>
+            </a:extLst>
+          </p:cNvPr>
+          <p:cNvPicPr>
+            <a:picLocks noChangeAspect="1"/>
+          </p:cNvPicPr>
+          <p:nvPr/>
+        </p:nvPicPr>
+        <p:blipFill>
+          <a:blip r:embed="rId2">
+            <a:extLst>
+              <a:ext uri="{28A0092B-C50C-407E-A947-70E740481C1C}">
+                <a14:useLocalDpi xmlns:a14="http://schemas.microsoft.com/office/drawing/2010/main" val="0"/>
+              </a:ext>
+            </a:extLst>
+          </a:blip>
+          <a:stretch>
+            <a:fillRect/>
+          </a:stretch>
+        </p:blipFill>
+        <p:spPr>
+          <a:xfrm>
+            <a:off x="487860" y="2905125"/>
+            <a:ext cx="1004316" cy="1004316"/>
+          </a:xfrm>
+          <a:prstGeom prst="rect">
+            <a:avLst/>
+          </a:prstGeom>
+        </p:spPr>
+      </p:pic>
+      <p:pic>
+        <p:nvPicPr>
+          <p:cNvPr id="20" name="Imagen 19">
+            <a:extLst>
+              <a:ext uri="{FF2B5EF4-FFF2-40B4-BE49-F238E27FC236}">
+                <a16:creationId xmlns:a16="http://schemas.microsoft.com/office/drawing/2014/main" id="{711EBE86-DED6-41A2-8E37-797974937D77}"/>
+              </a:ext>
+            </a:extLst>
+          </p:cNvPr>
+          <p:cNvPicPr>
+            <a:picLocks noChangeAspect="1"/>
+          </p:cNvPicPr>
+          <p:nvPr/>
+        </p:nvPicPr>
+        <p:blipFill>
+          <a:blip r:embed="rId2">
+            <a:extLst>
+              <a:ext uri="{28A0092B-C50C-407E-A947-70E740481C1C}">
+                <a14:useLocalDpi xmlns:a14="http://schemas.microsoft.com/office/drawing/2010/main" val="0"/>
+              </a:ext>
+            </a:extLst>
+          </a:blip>
+          <a:stretch>
+            <a:fillRect/>
+          </a:stretch>
+        </p:blipFill>
+        <p:spPr>
+          <a:xfrm>
+            <a:off x="2222072" y="2708148"/>
+            <a:ext cx="1004316" cy="1004316"/>
+          </a:xfrm>
+          <a:prstGeom prst="rect">
+            <a:avLst/>
+          </a:prstGeom>
+        </p:spPr>
+      </p:pic>
+      <p:pic>
+        <p:nvPicPr>
+          <p:cNvPr id="21" name="Imagen 20">
+            <a:extLst>
+              <a:ext uri="{FF2B5EF4-FFF2-40B4-BE49-F238E27FC236}">
+                <a16:creationId xmlns:a16="http://schemas.microsoft.com/office/drawing/2014/main" id="{85B60905-84DF-4305-8E4C-E5F6CA70E1D1}"/>
+              </a:ext>
+            </a:extLst>
+          </p:cNvPr>
+          <p:cNvPicPr>
+            <a:picLocks noChangeAspect="1"/>
+          </p:cNvPicPr>
+          <p:nvPr/>
+        </p:nvPicPr>
+        <p:blipFill>
+          <a:blip r:embed="rId2">
+            <a:extLst>
+              <a:ext uri="{28A0092B-C50C-407E-A947-70E740481C1C}">
+                <a14:useLocalDpi xmlns:a14="http://schemas.microsoft.com/office/drawing/2010/main" val="0"/>
+              </a:ext>
+            </a:extLst>
+          </a:blip>
+          <a:stretch>
+            <a:fillRect/>
+          </a:stretch>
+        </p:blipFill>
+        <p:spPr>
+          <a:xfrm>
+            <a:off x="2994860" y="1935861"/>
+            <a:ext cx="1004316" cy="1004316"/>
+          </a:xfrm>
+          <a:prstGeom prst="rect">
+            <a:avLst/>
+          </a:prstGeom>
+        </p:spPr>
+      </p:pic>
+      <p:pic>
+        <p:nvPicPr>
+          <p:cNvPr id="22" name="Imagen 21">
+            <a:extLst>
+              <a:ext uri="{FF2B5EF4-FFF2-40B4-BE49-F238E27FC236}">
+                <a16:creationId xmlns:a16="http://schemas.microsoft.com/office/drawing/2014/main" id="{E2F55CF6-F9A1-4626-9E38-E45B92AB36AE}"/>
+              </a:ext>
+            </a:extLst>
+          </p:cNvPr>
+          <p:cNvPicPr>
+            <a:picLocks noChangeAspect="1"/>
+          </p:cNvPicPr>
+          <p:nvPr/>
+        </p:nvPicPr>
+        <p:blipFill>
+          <a:blip r:embed="rId2">
+            <a:extLst>
+              <a:ext uri="{28A0092B-C50C-407E-A947-70E740481C1C}">
+                <a14:useLocalDpi xmlns:a14="http://schemas.microsoft.com/office/drawing/2010/main" val="0"/>
+              </a:ext>
+            </a:extLst>
+          </a:blip>
+          <a:stretch>
+            <a:fillRect/>
+          </a:stretch>
+        </p:blipFill>
+        <p:spPr>
+          <a:xfrm>
+            <a:off x="6911340" y="2167869"/>
+            <a:ext cx="1004316" cy="1004316"/>
+          </a:xfrm>
+          <a:prstGeom prst="rect">
+            <a:avLst/>
+          </a:prstGeom>
+        </p:spPr>
+      </p:pic>
+      <p:pic>
+        <p:nvPicPr>
+          <p:cNvPr id="23" name="Imagen 22">
+            <a:extLst>
+              <a:ext uri="{FF2B5EF4-FFF2-40B4-BE49-F238E27FC236}">
+                <a16:creationId xmlns:a16="http://schemas.microsoft.com/office/drawing/2014/main" id="{09245A53-5BCE-46C5-B1A6-7F38739A8C70}"/>
+              </a:ext>
+            </a:extLst>
+          </p:cNvPr>
+          <p:cNvPicPr>
+            <a:picLocks noChangeAspect="1"/>
+          </p:cNvPicPr>
+          <p:nvPr/>
+        </p:nvPicPr>
+        <p:blipFill>
+          <a:blip r:embed="rId2">
+            <a:extLst>
+              <a:ext uri="{28A0092B-C50C-407E-A947-70E740481C1C}">
+                <a14:useLocalDpi xmlns:a14="http://schemas.microsoft.com/office/drawing/2010/main" val="0"/>
+              </a:ext>
+            </a:extLst>
+          </a:blip>
+          <a:stretch>
+            <a:fillRect/>
+          </a:stretch>
+        </p:blipFill>
+        <p:spPr>
+          <a:xfrm>
+            <a:off x="2830809" y="3406140"/>
+            <a:ext cx="1004316" cy="1004316"/>
+          </a:xfrm>
+          <a:prstGeom prst="rect">
+            <a:avLst/>
+          </a:prstGeom>
+        </p:spPr>
+      </p:pic>
+      <p:pic>
+        <p:nvPicPr>
+          <p:cNvPr id="24" name="Imagen 23">
+            <a:extLst>
+              <a:ext uri="{FF2B5EF4-FFF2-40B4-BE49-F238E27FC236}">
+                <a16:creationId xmlns:a16="http://schemas.microsoft.com/office/drawing/2014/main" id="{B3F10FB6-00C3-4141-831D-446464C65446}"/>
+              </a:ext>
+            </a:extLst>
+          </p:cNvPr>
+          <p:cNvPicPr>
+            <a:picLocks noChangeAspect="1"/>
+          </p:cNvPicPr>
+          <p:nvPr/>
+        </p:nvPicPr>
+        <p:blipFill>
+          <a:blip r:embed="rId2">
+            <a:extLst>
+              <a:ext uri="{28A0092B-C50C-407E-A947-70E740481C1C}">
+                <a14:useLocalDpi xmlns:a14="http://schemas.microsoft.com/office/drawing/2010/main" val="0"/>
+              </a:ext>
+            </a:extLst>
+          </a:blip>
+          <a:stretch>
+            <a:fillRect/>
+          </a:stretch>
+        </p:blipFill>
+        <p:spPr>
+          <a:xfrm>
+            <a:off x="1758455" y="3355467"/>
+            <a:ext cx="1004316" cy="1004316"/>
+          </a:xfrm>
+          <a:prstGeom prst="rect">
+            <a:avLst/>
+          </a:prstGeom>
+        </p:spPr>
+      </p:pic>
+      <p:pic>
+        <p:nvPicPr>
+          <p:cNvPr id="25" name="Imagen 24">
+            <a:extLst>
+              <a:ext uri="{FF2B5EF4-FFF2-40B4-BE49-F238E27FC236}">
+                <a16:creationId xmlns:a16="http://schemas.microsoft.com/office/drawing/2014/main" id="{F8C9ABD6-3750-4058-B602-9A916854AB4B}"/>
+              </a:ext>
+            </a:extLst>
+          </p:cNvPr>
+          <p:cNvPicPr>
+            <a:picLocks noChangeAspect="1"/>
+          </p:cNvPicPr>
+          <p:nvPr/>
+        </p:nvPicPr>
+        <p:blipFill>
+          <a:blip r:embed="rId2">
+            <a:extLst>
+              <a:ext uri="{28A0092B-C50C-407E-A947-70E740481C1C}">
+                <a14:useLocalDpi xmlns:a14="http://schemas.microsoft.com/office/drawing/2010/main" val="0"/>
+              </a:ext>
+            </a:extLst>
+          </a:blip>
+          <a:stretch>
+            <a:fillRect/>
+          </a:stretch>
+        </p:blipFill>
+        <p:spPr>
+          <a:xfrm>
+            <a:off x="4493032" y="2643759"/>
+            <a:ext cx="1004316" cy="1004316"/>
+          </a:xfrm>
+          <a:prstGeom prst="rect">
+            <a:avLst/>
+          </a:prstGeom>
+        </p:spPr>
+      </p:pic>
+      <p:pic>
+        <p:nvPicPr>
+          <p:cNvPr id="26" name="Imagen 25">
+            <a:extLst>
+              <a:ext uri="{FF2B5EF4-FFF2-40B4-BE49-F238E27FC236}">
+                <a16:creationId xmlns:a16="http://schemas.microsoft.com/office/drawing/2014/main" id="{3A9A0C69-E416-48AC-9D7D-17888E6E7312}"/>
+              </a:ext>
+            </a:extLst>
+          </p:cNvPr>
+          <p:cNvPicPr>
+            <a:picLocks noChangeAspect="1"/>
+          </p:cNvPicPr>
+          <p:nvPr/>
+        </p:nvPicPr>
+        <p:blipFill>
+          <a:blip r:embed="rId2">
+            <a:extLst>
+              <a:ext uri="{28A0092B-C50C-407E-A947-70E740481C1C}">
+                <a14:useLocalDpi xmlns:a14="http://schemas.microsoft.com/office/drawing/2010/main" val="0"/>
+              </a:ext>
+            </a:extLst>
+          </a:blip>
+          <a:stretch>
+            <a:fillRect/>
+          </a:stretch>
+        </p:blipFill>
+        <p:spPr>
+          <a:xfrm>
+            <a:off x="2845469" y="3908298"/>
+            <a:ext cx="1004316" cy="1004316"/>
+          </a:xfrm>
+          <a:prstGeom prst="rect">
+            <a:avLst/>
+          </a:prstGeom>
+        </p:spPr>
+      </p:pic>
+      <p:pic>
+        <p:nvPicPr>
+          <p:cNvPr id="27" name="Imagen 26">
+            <a:extLst>
+              <a:ext uri="{FF2B5EF4-FFF2-40B4-BE49-F238E27FC236}">
+                <a16:creationId xmlns:a16="http://schemas.microsoft.com/office/drawing/2014/main" id="{3D6F9126-87BF-4471-9B16-1FC806A5CFCF}"/>
+              </a:ext>
+            </a:extLst>
+          </p:cNvPr>
+          <p:cNvPicPr>
+            <a:picLocks noChangeAspect="1"/>
+          </p:cNvPicPr>
+          <p:nvPr/>
+        </p:nvPicPr>
+        <p:blipFill>
+          <a:blip r:embed="rId2">
+            <a:extLst>
+              <a:ext uri="{28A0092B-C50C-407E-A947-70E740481C1C}">
+                <a14:useLocalDpi xmlns:a14="http://schemas.microsoft.com/office/drawing/2010/main" val="0"/>
+              </a:ext>
+            </a:extLst>
+          </a:blip>
+          <a:stretch>
+            <a:fillRect/>
+          </a:stretch>
+        </p:blipFill>
+        <p:spPr>
+          <a:xfrm>
+            <a:off x="6096000" y="3123819"/>
+            <a:ext cx="1004316" cy="1004316"/>
+          </a:xfrm>
+          <a:prstGeom prst="rect">
+            <a:avLst/>
+          </a:prstGeom>
+        </p:spPr>
+      </p:pic>
+      <p:pic>
+        <p:nvPicPr>
+          <p:cNvPr id="28" name="Imagen 27">
+            <a:extLst>
+              <a:ext uri="{FF2B5EF4-FFF2-40B4-BE49-F238E27FC236}">
+                <a16:creationId xmlns:a16="http://schemas.microsoft.com/office/drawing/2014/main" id="{85A1366C-DC4C-4288-A641-ABF474C2B80A}"/>
+              </a:ext>
+            </a:extLst>
+          </p:cNvPr>
+          <p:cNvPicPr>
+            <a:picLocks noChangeAspect="1"/>
+          </p:cNvPicPr>
+          <p:nvPr/>
+        </p:nvPicPr>
+        <p:blipFill>
+          <a:blip r:embed="rId2">
+            <a:extLst>
+              <a:ext uri="{28A0092B-C50C-407E-A947-70E740481C1C}">
+                <a14:useLocalDpi xmlns:a14="http://schemas.microsoft.com/office/drawing/2010/main" val="0"/>
+              </a:ext>
+            </a:extLst>
+          </a:blip>
+          <a:stretch>
+            <a:fillRect/>
+          </a:stretch>
+        </p:blipFill>
+        <p:spPr>
+          <a:xfrm>
+            <a:off x="4329363" y="3609213"/>
+            <a:ext cx="1004316" cy="1004316"/>
+          </a:xfrm>
+          <a:prstGeom prst="rect">
+            <a:avLst/>
+          </a:prstGeom>
+        </p:spPr>
+      </p:pic>
+      <p:pic>
+        <p:nvPicPr>
+          <p:cNvPr id="29" name="Imagen 28">
+            <a:extLst>
+              <a:ext uri="{FF2B5EF4-FFF2-40B4-BE49-F238E27FC236}">
+                <a16:creationId xmlns:a16="http://schemas.microsoft.com/office/drawing/2014/main" id="{DE0ECC87-FB2E-4E9A-9646-CDE38C790B09}"/>
+              </a:ext>
+            </a:extLst>
+          </p:cNvPr>
+          <p:cNvPicPr>
+            <a:picLocks noChangeAspect="1"/>
+          </p:cNvPicPr>
+          <p:nvPr/>
+        </p:nvPicPr>
+        <p:blipFill>
+          <a:blip r:embed="rId2">
+            <a:extLst>
+              <a:ext uri="{28A0092B-C50C-407E-A947-70E740481C1C}">
+                <a14:useLocalDpi xmlns:a14="http://schemas.microsoft.com/office/drawing/2010/main" val="0"/>
+              </a:ext>
+            </a:extLst>
+          </a:blip>
+          <a:stretch>
+            <a:fillRect/>
+          </a:stretch>
+        </p:blipFill>
+        <p:spPr>
+          <a:xfrm>
+            <a:off x="5661017" y="1714077"/>
+            <a:ext cx="1004316" cy="1004316"/>
+          </a:xfrm>
+          <a:prstGeom prst="rect">
+            <a:avLst/>
+          </a:prstGeom>
+        </p:spPr>
+      </p:pic>
+      <p:pic>
+        <p:nvPicPr>
+          <p:cNvPr id="30" name="Imagen 29">
+            <a:extLst>
+              <a:ext uri="{FF2B5EF4-FFF2-40B4-BE49-F238E27FC236}">
+                <a16:creationId xmlns:a16="http://schemas.microsoft.com/office/drawing/2014/main" id="{71D7C07F-6B26-4B7C-80C3-C6CC98FDD310}"/>
+              </a:ext>
+            </a:extLst>
+          </p:cNvPr>
+          <p:cNvPicPr>
+            <a:picLocks noChangeAspect="1"/>
+          </p:cNvPicPr>
+          <p:nvPr/>
+        </p:nvPicPr>
+        <p:blipFill>
+          <a:blip r:embed="rId2">
+            <a:extLst>
+              <a:ext uri="{28A0092B-C50C-407E-A947-70E740481C1C}">
+                <a14:useLocalDpi xmlns:a14="http://schemas.microsoft.com/office/drawing/2010/main" val="0"/>
+              </a:ext>
+            </a:extLst>
+          </a:blip>
+          <a:stretch>
+            <a:fillRect/>
+          </a:stretch>
+        </p:blipFill>
+        <p:spPr>
+          <a:xfrm>
+            <a:off x="4360765" y="4765548"/>
+            <a:ext cx="1004316" cy="1004316"/>
+          </a:xfrm>
+          <a:prstGeom prst="rect">
+            <a:avLst/>
+          </a:prstGeom>
+        </p:spPr>
+      </p:pic>
+      <p:pic>
+        <p:nvPicPr>
+          <p:cNvPr id="31" name="Imagen 30">
+            <a:extLst>
+              <a:ext uri="{FF2B5EF4-FFF2-40B4-BE49-F238E27FC236}">
+                <a16:creationId xmlns:a16="http://schemas.microsoft.com/office/drawing/2014/main" id="{360F7D70-B082-4C60-814D-0992D42D502B}"/>
+              </a:ext>
+            </a:extLst>
+          </p:cNvPr>
+          <p:cNvPicPr>
+            <a:picLocks noChangeAspect="1"/>
+          </p:cNvPicPr>
+          <p:nvPr/>
+        </p:nvPicPr>
+        <p:blipFill>
+          <a:blip r:embed="rId2">
+            <a:extLst>
+              <a:ext uri="{28A0092B-C50C-407E-A947-70E740481C1C}">
+                <a14:useLocalDpi xmlns:a14="http://schemas.microsoft.com/office/drawing/2010/main" val="0"/>
+              </a:ext>
+            </a:extLst>
+          </a:blip>
+          <a:stretch>
+            <a:fillRect/>
+          </a:stretch>
+        </p:blipFill>
+        <p:spPr>
+          <a:xfrm>
+            <a:off x="7981188" y="4629912"/>
+            <a:ext cx="1004316" cy="1004316"/>
+          </a:xfrm>
+          <a:prstGeom prst="rect">
+            <a:avLst/>
+          </a:prstGeom>
+        </p:spPr>
+      </p:pic>
+      <p:pic>
+        <p:nvPicPr>
+          <p:cNvPr id="32" name="Imagen 31">
+            <a:extLst>
+              <a:ext uri="{FF2B5EF4-FFF2-40B4-BE49-F238E27FC236}">
+                <a16:creationId xmlns:a16="http://schemas.microsoft.com/office/drawing/2014/main" id="{6FAE495F-17EE-476F-A6ED-C61284ED1007}"/>
+              </a:ext>
+            </a:extLst>
+          </p:cNvPr>
+          <p:cNvPicPr>
+            <a:picLocks noChangeAspect="1"/>
+          </p:cNvPicPr>
+          <p:nvPr/>
+        </p:nvPicPr>
+        <p:blipFill>
+          <a:blip r:embed="rId2">
+            <a:extLst>
+              <a:ext uri="{28A0092B-C50C-407E-A947-70E740481C1C}">
+                <a14:useLocalDpi xmlns:a14="http://schemas.microsoft.com/office/drawing/2010/main" val="0"/>
+              </a:ext>
+            </a:extLst>
+          </a:blip>
+          <a:stretch>
+            <a:fillRect/>
+          </a:stretch>
+        </p:blipFill>
+        <p:spPr>
+          <a:xfrm>
+            <a:off x="2003298" y="5132070"/>
+            <a:ext cx="1004316" cy="1004316"/>
+          </a:xfrm>
+          <a:prstGeom prst="rect">
+            <a:avLst/>
+          </a:prstGeom>
+        </p:spPr>
+      </p:pic>
+      <p:pic>
+        <p:nvPicPr>
+          <p:cNvPr id="33" name="Imagen 32">
+            <a:extLst>
+              <a:ext uri="{FF2B5EF4-FFF2-40B4-BE49-F238E27FC236}">
+                <a16:creationId xmlns:a16="http://schemas.microsoft.com/office/drawing/2014/main" id="{C23363A2-184E-411C-9B47-9961BE119261}"/>
+              </a:ext>
+            </a:extLst>
+          </p:cNvPr>
+          <p:cNvPicPr>
+            <a:picLocks noChangeAspect="1"/>
+          </p:cNvPicPr>
+          <p:nvPr/>
+        </p:nvPicPr>
+        <p:blipFill>
+          <a:blip r:embed="rId2">
+            <a:extLst>
+              <a:ext uri="{28A0092B-C50C-407E-A947-70E740481C1C}">
+                <a14:useLocalDpi xmlns:a14="http://schemas.microsoft.com/office/drawing/2010/main" val="0"/>
+              </a:ext>
+            </a:extLst>
+          </a:blip>
+          <a:stretch>
+            <a:fillRect/>
+          </a:stretch>
+        </p:blipFill>
+        <p:spPr>
+          <a:xfrm>
+            <a:off x="5949074" y="4079769"/>
+            <a:ext cx="1004316" cy="1004316"/>
+          </a:xfrm>
+          <a:prstGeom prst="rect">
+            <a:avLst/>
+          </a:prstGeom>
+        </p:spPr>
+      </p:pic>
+      <p:pic>
+        <p:nvPicPr>
+          <p:cNvPr id="34" name="Imagen 33">
+            <a:extLst>
+              <a:ext uri="{FF2B5EF4-FFF2-40B4-BE49-F238E27FC236}">
+                <a16:creationId xmlns:a16="http://schemas.microsoft.com/office/drawing/2014/main" id="{DA757AF3-E20D-4600-9FCC-DBF3129BB873}"/>
+              </a:ext>
+            </a:extLst>
+          </p:cNvPr>
+          <p:cNvPicPr>
+            <a:picLocks noChangeAspect="1"/>
+          </p:cNvPicPr>
+          <p:nvPr/>
+        </p:nvPicPr>
+        <p:blipFill>
+          <a:blip r:embed="rId2">
+            <a:extLst>
+              <a:ext uri="{28A0092B-C50C-407E-A947-70E740481C1C}">
+                <a14:useLocalDpi xmlns:a14="http://schemas.microsoft.com/office/drawing/2010/main" val="0"/>
+              </a:ext>
+            </a:extLst>
+          </a:blip>
+          <a:stretch>
+            <a:fillRect/>
+          </a:stretch>
+        </p:blipFill>
+        <p:spPr>
+          <a:xfrm>
+            <a:off x="7568785" y="3577611"/>
+            <a:ext cx="1004316" cy="1004316"/>
+          </a:xfrm>
+          <a:prstGeom prst="rect">
+            <a:avLst/>
+          </a:prstGeom>
+        </p:spPr>
+      </p:pic>
+      <p:pic>
+        <p:nvPicPr>
+          <p:cNvPr id="35" name="Imagen 34">
+            <a:extLst>
+              <a:ext uri="{FF2B5EF4-FFF2-40B4-BE49-F238E27FC236}">
+                <a16:creationId xmlns:a16="http://schemas.microsoft.com/office/drawing/2014/main" id="{3B88715D-4508-45A9-AC57-0D63C7952AF8}"/>
+              </a:ext>
+            </a:extLst>
+          </p:cNvPr>
+          <p:cNvPicPr>
+            <a:picLocks noChangeAspect="1"/>
+          </p:cNvPicPr>
+          <p:nvPr/>
+        </p:nvPicPr>
+        <p:blipFill>
+          <a:blip r:embed="rId2">
+            <a:extLst>
+              <a:ext uri="{28A0092B-C50C-407E-A947-70E740481C1C}">
+                <a14:useLocalDpi xmlns:a14="http://schemas.microsoft.com/office/drawing/2010/main" val="0"/>
+              </a:ext>
+            </a:extLst>
+          </a:blip>
+          <a:stretch>
+            <a:fillRect/>
+          </a:stretch>
+        </p:blipFill>
+        <p:spPr>
+          <a:xfrm>
+            <a:off x="9435084" y="1552575"/>
+            <a:ext cx="1004316" cy="1004316"/>
+          </a:xfrm>
+          <a:prstGeom prst="rect">
+            <a:avLst/>
+          </a:prstGeom>
+        </p:spPr>
+      </p:pic>
+      <p:pic>
+        <p:nvPicPr>
+          <p:cNvPr id="36" name="Imagen 35">
+            <a:extLst>
+              <a:ext uri="{FF2B5EF4-FFF2-40B4-BE49-F238E27FC236}">
+                <a16:creationId xmlns:a16="http://schemas.microsoft.com/office/drawing/2014/main" id="{CDA3EB6D-94A1-498F-998A-3AB1377E4575}"/>
+              </a:ext>
+            </a:extLst>
+          </p:cNvPr>
+          <p:cNvPicPr>
+            <a:picLocks noChangeAspect="1"/>
+          </p:cNvPicPr>
+          <p:nvPr/>
+        </p:nvPicPr>
+        <p:blipFill>
+          <a:blip r:embed="rId2">
+            <a:extLst>
+              <a:ext uri="{28A0092B-C50C-407E-A947-70E740481C1C}">
+                <a14:useLocalDpi xmlns:a14="http://schemas.microsoft.com/office/drawing/2010/main" val="0"/>
+              </a:ext>
+            </a:extLst>
+          </a:blip>
+          <a:stretch>
+            <a:fillRect/>
+          </a:stretch>
+        </p:blipFill>
+        <p:spPr>
+          <a:xfrm>
+            <a:off x="10191309" y="2438019"/>
+            <a:ext cx="1004316" cy="1004316"/>
+          </a:xfrm>
+          <a:prstGeom prst="rect">
+            <a:avLst/>
+          </a:prstGeom>
+        </p:spPr>
+      </p:pic>
+      <p:pic>
+        <p:nvPicPr>
+          <p:cNvPr id="37" name="Imagen 36">
+            <a:extLst>
+              <a:ext uri="{FF2B5EF4-FFF2-40B4-BE49-F238E27FC236}">
+                <a16:creationId xmlns:a16="http://schemas.microsoft.com/office/drawing/2014/main" id="{1788688E-D013-41BA-BDD1-0EA54D3C6A53}"/>
+              </a:ext>
+            </a:extLst>
+          </p:cNvPr>
+          <p:cNvPicPr>
+            <a:picLocks noChangeAspect="1"/>
+          </p:cNvPicPr>
+          <p:nvPr/>
+        </p:nvPicPr>
+        <p:blipFill>
+          <a:blip r:embed="rId2">
+            <a:extLst>
+              <a:ext uri="{28A0092B-C50C-407E-A947-70E740481C1C}">
+                <a14:useLocalDpi xmlns:a14="http://schemas.microsoft.com/office/drawing/2010/main" val="0"/>
+              </a:ext>
+            </a:extLst>
+          </a:blip>
+          <a:stretch>
+            <a:fillRect/>
+          </a:stretch>
+        </p:blipFill>
+        <p:spPr>
+          <a:xfrm>
+            <a:off x="10188020" y="5388483"/>
+            <a:ext cx="1004316" cy="1004316"/>
+          </a:xfrm>
+          <a:prstGeom prst="rect">
+            <a:avLst/>
+          </a:prstGeom>
+        </p:spPr>
+      </p:pic>
+      <p:pic>
+        <p:nvPicPr>
+          <p:cNvPr id="38" name="Imagen 37">
+            <a:extLst>
+              <a:ext uri="{FF2B5EF4-FFF2-40B4-BE49-F238E27FC236}">
+                <a16:creationId xmlns:a16="http://schemas.microsoft.com/office/drawing/2014/main" id="{A07AA43D-7EA1-4B76-9E6E-3DCBC9BE095B}"/>
+              </a:ext>
+            </a:extLst>
+          </p:cNvPr>
+          <p:cNvPicPr>
+            <a:picLocks noChangeAspect="1"/>
+          </p:cNvPicPr>
+          <p:nvPr/>
+        </p:nvPicPr>
+        <p:blipFill>
+          <a:blip r:embed="rId2">
+            <a:extLst>
+              <a:ext uri="{28A0092B-C50C-407E-A947-70E740481C1C}">
+                <a14:useLocalDpi xmlns:a14="http://schemas.microsoft.com/office/drawing/2010/main" val="0"/>
+              </a:ext>
+            </a:extLst>
+          </a:blip>
+          <a:stretch>
+            <a:fillRect/>
+          </a:stretch>
+        </p:blipFill>
+        <p:spPr>
+          <a:xfrm>
+            <a:off x="6373909" y="5489511"/>
+            <a:ext cx="1004316" cy="1004316"/>
+          </a:xfrm>
+          <a:prstGeom prst="rect">
+            <a:avLst/>
+          </a:prstGeom>
+        </p:spPr>
+      </p:pic>
+      <p:pic>
+        <p:nvPicPr>
+          <p:cNvPr id="39" name="Imagen 38">
+            <a:extLst>
+              <a:ext uri="{FF2B5EF4-FFF2-40B4-BE49-F238E27FC236}">
+                <a16:creationId xmlns:a16="http://schemas.microsoft.com/office/drawing/2014/main" id="{1527E41A-CBA7-469A-A19A-20F27089FD87}"/>
+              </a:ext>
+            </a:extLst>
+          </p:cNvPr>
+          <p:cNvPicPr>
+            <a:picLocks noChangeAspect="1"/>
+          </p:cNvPicPr>
+          <p:nvPr/>
+        </p:nvPicPr>
+        <p:blipFill>
+          <a:blip r:embed="rId2">
+            <a:extLst>
+              <a:ext uri="{28A0092B-C50C-407E-A947-70E740481C1C}">
+                <a14:useLocalDpi xmlns:a14="http://schemas.microsoft.com/office/drawing/2010/main" val="0"/>
+              </a:ext>
+            </a:extLst>
+          </a:blip>
+          <a:stretch>
+            <a:fillRect/>
+          </a:stretch>
+        </p:blipFill>
+        <p:spPr>
+          <a:xfrm>
+            <a:off x="3448822" y="5680710"/>
+            <a:ext cx="1004316" cy="1004316"/>
+          </a:xfrm>
+          <a:prstGeom prst="rect">
+            <a:avLst/>
+          </a:prstGeom>
+        </p:spPr>
+      </p:pic>
+      <p:pic>
+        <p:nvPicPr>
+          <p:cNvPr id="40" name="Imagen 39">
+            <a:extLst>
+              <a:ext uri="{FF2B5EF4-FFF2-40B4-BE49-F238E27FC236}">
+                <a16:creationId xmlns:a16="http://schemas.microsoft.com/office/drawing/2014/main" id="{E8CB9B35-4F87-4102-8667-C2BE9C03C35D}"/>
+              </a:ext>
+            </a:extLst>
+          </p:cNvPr>
+          <p:cNvPicPr>
+            <a:picLocks noChangeAspect="1"/>
+          </p:cNvPicPr>
+          <p:nvPr/>
+        </p:nvPicPr>
+        <p:blipFill>
+          <a:blip r:embed="rId2">
+            <a:extLst>
+              <a:ext uri="{28A0092B-C50C-407E-A947-70E740481C1C}">
+                <a14:useLocalDpi xmlns:a14="http://schemas.microsoft.com/office/drawing/2010/main" val="0"/>
+              </a:ext>
+            </a:extLst>
+          </a:blip>
+          <a:stretch>
+            <a:fillRect/>
+          </a:stretch>
+        </p:blipFill>
+        <p:spPr>
+          <a:xfrm>
+            <a:off x="706986" y="4573567"/>
+            <a:ext cx="1004316" cy="1004316"/>
+          </a:xfrm>
+          <a:prstGeom prst="rect">
+            <a:avLst/>
+          </a:prstGeom>
+        </p:spPr>
+      </p:pic>
+      <p:pic>
+        <p:nvPicPr>
+          <p:cNvPr id="41" name="Imagen 40">
+            <a:extLst>
+              <a:ext uri="{FF2B5EF4-FFF2-40B4-BE49-F238E27FC236}">
+                <a16:creationId xmlns:a16="http://schemas.microsoft.com/office/drawing/2014/main" id="{2952F0A7-BEA0-4BA7-ACEF-9411B44F016A}"/>
+              </a:ext>
+            </a:extLst>
+          </p:cNvPr>
+          <p:cNvPicPr>
+            <a:picLocks noChangeAspect="1"/>
+          </p:cNvPicPr>
+          <p:nvPr/>
+        </p:nvPicPr>
+        <p:blipFill>
+          <a:blip r:embed="rId2">
+            <a:extLst>
+              <a:ext uri="{28A0092B-C50C-407E-A947-70E740481C1C}">
+                <a14:useLocalDpi xmlns:a14="http://schemas.microsoft.com/office/drawing/2010/main" val="0"/>
+              </a:ext>
+            </a:extLst>
+          </a:blip>
+          <a:stretch>
+            <a:fillRect/>
+          </a:stretch>
+        </p:blipFill>
+        <p:spPr>
+          <a:xfrm>
+            <a:off x="9716423" y="3798952"/>
+            <a:ext cx="1004316" cy="1004316"/>
+          </a:xfrm>
+          <a:prstGeom prst="rect">
+            <a:avLst/>
+          </a:prstGeom>
+        </p:spPr>
+      </p:pic>
+    </p:spTree>
+    <p:extLst>
+      <p:ext uri="{BB962C8B-B14F-4D97-AF65-F5344CB8AC3E}">
+        <p14:creationId xmlns:p14="http://schemas.microsoft.com/office/powerpoint/2010/main" val="3052000757"/>
+      </p:ext>
+    </p:extLst>
+  </p:cSld>
+  <p:clrMapOvr>
+    <a:masterClrMapping/>
+  </p:clrMapOvr>
+  <p:timing>
+    <p:tnLst>
+      <p:par>
+        <p:cTn id="1" dur="indefinite" restart="never" nodeType="tmRoot">
+          <p:childTnLst>
+            <p:seq concurrent="1" nextAc="seek">
+              <p:cTn id="2" restart="whenNotActive" fill="hold" evtFilter="cancelBubble" nodeType="interactiveSeq">
+                <p:stCondLst>
+                  <p:cond evt="onClick" delay="0">
+                    <p:tgtEl>
+                      <p:spTgt spid="18"/>
+                    </p:tgtEl>
+                  </p:cond>
+                </p:stCondLst>
+                <p:endSync evt="end" delay="0">
+                  <p:rtn val="all"/>
+                </p:endSync>
+                <p:childTnLst>
+                  <p:par>
+                    <p:cTn id="3" fill="hold">
+                      <p:stCondLst>
+                        <p:cond delay="0"/>
+                      </p:stCondLst>
+                      <p:childTnLst>
+                        <p:par>
+                          <p:cTn id="4" fill="hold">
+                            <p:stCondLst>
+                              <p:cond delay="0"/>
+                            </p:stCondLst>
+                            <p:childTnLst>
+                              <p:par>
+                                <p:cTn id="5" presetID="2" presetClass="exit" presetSubtype="1" fill="hold" nodeType="clickEffect">
+                                  <p:stCondLst>
+                                    <p:cond delay="0"/>
+                                  </p:stCondLst>
+                                  <p:childTnLst>
+                                    <p:anim calcmode="lin" valueType="num">
+                                      <p:cBhvr additive="base">
+                                        <p:cTn id="6" dur="500"/>
+                                        <p:tgtEl>
+                                          <p:spTgt spid="18"/>
+                                        </p:tgtEl>
+                                        <p:attrNameLst>
+                                          <p:attrName>ppt_x</p:attrName>
+                                        </p:attrNameLst>
+                                      </p:cBhvr>
+                                      <p:tavLst>
+                                        <p:tav tm="0">
+                                          <p:val>
+                                            <p:strVal val="ppt_x"/>
+                                          </p:val>
+                                        </p:tav>
+                                        <p:tav tm="100000">
+                                          <p:val>
+                                            <p:strVal val="ppt_x"/>
+                                          </p:val>
+                                        </p:tav>
+                                      </p:tavLst>
+                                    </p:anim>
+                                    <p:anim calcmode="lin" valueType="num">
+                                      <p:cBhvr additive="base">
+                                        <p:cTn id="7" dur="500"/>
+                                        <p:tgtEl>
+                                          <p:spTgt spid="18"/>
+                                        </p:tgtEl>
+                                        <p:attrNameLst>
+                                          <p:attrName>ppt_y</p:attrName>
+                                        </p:attrNameLst>
+                                      </p:cBhvr>
+                                      <p:tavLst>
+                                        <p:tav tm="0">
+                                          <p:val>
+                                            <p:strVal val="ppt_y"/>
+                                          </p:val>
+                                        </p:tav>
+                                        <p:tav tm="100000">
+                                          <p:val>
+                                            <p:strVal val="0-ppt_h/2"/>
+                                          </p:val>
+                                        </p:tav>
+                                      </p:tavLst>
+                                    </p:anim>
+                                    <p:set>
+                                      <p:cBhvr>
+                                        <p:cTn id="8" dur="1" fill="hold">
+                                          <p:stCondLst>
+                                            <p:cond delay="499"/>
+                                          </p:stCondLst>
+                                        </p:cTn>
+                                        <p:tgtEl>
+                                          <p:spTgt spid="18"/>
+                                        </p:tgtEl>
+                                        <p:attrNameLst>
+                                          <p:attrName>style.visibility</p:attrName>
+                                        </p:attrNameLst>
+                                      </p:cBhvr>
+                                      <p:to>
+                                        <p:strVal val="hidden"/>
+                                      </p:to>
+                                    </p:set>
+                                  </p:childTnLst>
+                                </p:cTn>
+                              </p:par>
+                            </p:childTnLst>
+                          </p:cTn>
+                        </p:par>
+                      </p:childTnLst>
+                    </p:cTn>
+                  </p:par>
+                </p:childTnLst>
+              </p:cTn>
+              <p:nextCondLst>
+                <p:cond evt="onClick" delay="0">
+                  <p:tgtEl>
+                    <p:spTgt spid="18"/>
+                  </p:tgtEl>
+                </p:cond>
+              </p:nextCondLst>
+            </p:seq>
+            <p:seq concurrent="1" nextAc="seek">
+              <p:cTn id="9" restart="whenNotActive" fill="hold" evtFilter="cancelBubble" nodeType="interactiveSeq">
+                <p:stCondLst>
+                  <p:cond evt="onClick" delay="0">
+                    <p:tgtEl>
+                      <p:spTgt spid="21"/>
+                    </p:tgtEl>
+                  </p:cond>
+                </p:stCondLst>
+                <p:endSync evt="end" delay="0">
+                  <p:rtn val="all"/>
+                </p:endSync>
+                <p:childTnLst>
+                  <p:par>
+                    <p:cTn id="10" fill="hold">
+                      <p:stCondLst>
+                        <p:cond delay="0"/>
+                      </p:stCondLst>
+                      <p:childTnLst>
+                        <p:par>
+                          <p:cTn id="11" fill="hold">
+                            <p:stCondLst>
+                              <p:cond delay="0"/>
+                            </p:stCondLst>
+                            <p:childTnLst>
+                              <p:par>
+                                <p:cTn id="12" presetID="47" presetClass="exit" presetSubtype="0" fill="hold" nodeType="clickEffect">
+                                  <p:stCondLst>
+                                    <p:cond delay="0"/>
+                                  </p:stCondLst>
+                                  <p:childTnLst>
+                                    <p:animEffect transition="out" filter="fade">
+                                      <p:cBhvr>
+                                        <p:cTn id="13" dur="1000"/>
+                                        <p:tgtEl>
+                                          <p:spTgt spid="21"/>
+                                        </p:tgtEl>
+                                      </p:cBhvr>
+                                    </p:animEffect>
+                                    <p:anim calcmode="lin" valueType="num">
+                                      <p:cBhvr>
+                                        <p:cTn id="14" dur="1000"/>
+                                        <p:tgtEl>
+                                          <p:spTgt spid="21"/>
+                                        </p:tgtEl>
+                                        <p:attrNameLst>
+                                          <p:attrName>ppt_x</p:attrName>
+                                        </p:attrNameLst>
+                                      </p:cBhvr>
+                                      <p:tavLst>
+                                        <p:tav tm="0">
+                                          <p:val>
+                                            <p:strVal val="ppt_x"/>
+                                          </p:val>
+                                        </p:tav>
+                                        <p:tav tm="100000">
+                                          <p:val>
+                                            <p:strVal val="ppt_x"/>
+                                          </p:val>
+                                        </p:tav>
+                                      </p:tavLst>
+                                    </p:anim>
+                                    <p:anim calcmode="lin" valueType="num">
+                                      <p:cBhvr>
+                                        <p:cTn id="15" dur="1000"/>
+                                        <p:tgtEl>
+                                          <p:spTgt spid="21"/>
+                                        </p:tgtEl>
+                                        <p:attrNameLst>
+                                          <p:attrName>ppt_y</p:attrName>
+                                        </p:attrNameLst>
+                                      </p:cBhvr>
+                                      <p:tavLst>
+                                        <p:tav tm="0">
+                                          <p:val>
+                                            <p:strVal val="ppt_y"/>
+                                          </p:val>
+                                        </p:tav>
+                                        <p:tav tm="100000">
+                                          <p:val>
+                                            <p:strVal val="ppt_y-.1"/>
+                                          </p:val>
+                                        </p:tav>
+                                      </p:tavLst>
+                                    </p:anim>
+                                    <p:set>
+                                      <p:cBhvr>
+                                        <p:cTn id="16" dur="1" fill="hold">
+                                          <p:stCondLst>
+                                            <p:cond delay="999"/>
+                                          </p:stCondLst>
+                                        </p:cTn>
+                                        <p:tgtEl>
+                                          <p:spTgt spid="21"/>
+                                        </p:tgtEl>
+                                        <p:attrNameLst>
+                                          <p:attrName>style.visibility</p:attrName>
+                                        </p:attrNameLst>
+                                      </p:cBhvr>
+                                      <p:to>
+                                        <p:strVal val="hidden"/>
+                                      </p:to>
+                                    </p:set>
+                                  </p:childTnLst>
+                                </p:cTn>
+                              </p:par>
+                            </p:childTnLst>
+                          </p:cTn>
+                        </p:par>
+                      </p:childTnLst>
+                    </p:cTn>
+                  </p:par>
+                </p:childTnLst>
+              </p:cTn>
+              <p:nextCondLst>
+                <p:cond evt="onClick" delay="0">
+                  <p:tgtEl>
+                    <p:spTgt spid="21"/>
+                  </p:tgtEl>
+                </p:cond>
+              </p:nextCondLst>
+            </p:seq>
+            <p:seq concurrent="1" nextAc="seek">
+              <p:cTn id="17" restart="whenNotActive" fill="hold" evtFilter="cancelBubble" nodeType="interactiveSeq">
+                <p:stCondLst>
+                  <p:cond evt="onClick" delay="0">
+                    <p:tgtEl>
+                      <p:spTgt spid="29"/>
+                    </p:tgtEl>
+                  </p:cond>
+                </p:stCondLst>
+                <p:endSync evt="end" delay="0">
+                  <p:rtn val="all"/>
+                </p:endSync>
+                <p:childTnLst>
+                  <p:par>
+                    <p:cTn id="18" fill="hold">
+                      <p:stCondLst>
+                        <p:cond delay="0"/>
+                      </p:stCondLst>
+                      <p:childTnLst>
+                        <p:par>
+                          <p:cTn id="19" fill="hold">
+                            <p:stCondLst>
+                              <p:cond delay="0"/>
+                            </p:stCondLst>
+                            <p:childTnLst>
+                              <p:par>
+                                <p:cTn id="20" presetID="47" presetClass="exit" presetSubtype="0" fill="hold" nodeType="clickEffect">
+                                  <p:stCondLst>
+                                    <p:cond delay="0"/>
+                                  </p:stCondLst>
+                                  <p:childTnLst>
+                                    <p:animEffect transition="out" filter="fade">
+                                      <p:cBhvr>
+                                        <p:cTn id="21" dur="1000"/>
+                                        <p:tgtEl>
+                                          <p:spTgt spid="29"/>
+                                        </p:tgtEl>
+                                      </p:cBhvr>
+                                    </p:animEffect>
+                                    <p:anim calcmode="lin" valueType="num">
+                                      <p:cBhvr>
+                                        <p:cTn id="22" dur="1000"/>
+                                        <p:tgtEl>
+                                          <p:spTgt spid="29"/>
+                                        </p:tgtEl>
+                                        <p:attrNameLst>
+                                          <p:attrName>ppt_x</p:attrName>
+                                        </p:attrNameLst>
+                                      </p:cBhvr>
+                                      <p:tavLst>
+                                        <p:tav tm="0">
+                                          <p:val>
+                                            <p:strVal val="ppt_x"/>
+                                          </p:val>
+                                        </p:tav>
+                                        <p:tav tm="100000">
+                                          <p:val>
+                                            <p:strVal val="ppt_x"/>
+                                          </p:val>
+                                        </p:tav>
+                                      </p:tavLst>
+                                    </p:anim>
+                                    <p:anim calcmode="lin" valueType="num">
+                                      <p:cBhvr>
+                                        <p:cTn id="23" dur="1000"/>
+                                        <p:tgtEl>
+                                          <p:spTgt spid="29"/>
+                                        </p:tgtEl>
+                                        <p:attrNameLst>
+                                          <p:attrName>ppt_y</p:attrName>
+                                        </p:attrNameLst>
+                                      </p:cBhvr>
+                                      <p:tavLst>
+                                        <p:tav tm="0">
+                                          <p:val>
+                                            <p:strVal val="ppt_y"/>
+                                          </p:val>
+                                        </p:tav>
+                                        <p:tav tm="100000">
+                                          <p:val>
+                                            <p:strVal val="ppt_y-.1"/>
+                                          </p:val>
+                                        </p:tav>
+                                      </p:tavLst>
+                                    </p:anim>
+                                    <p:set>
+                                      <p:cBhvr>
+                                        <p:cTn id="24" dur="1" fill="hold">
+                                          <p:stCondLst>
+                                            <p:cond delay="999"/>
+                                          </p:stCondLst>
+                                        </p:cTn>
+                                        <p:tgtEl>
+                                          <p:spTgt spid="29"/>
+                                        </p:tgtEl>
+                                        <p:attrNameLst>
+                                          <p:attrName>style.visibility</p:attrName>
+                                        </p:attrNameLst>
+                                      </p:cBhvr>
+                                      <p:to>
+                                        <p:strVal val="hidden"/>
+                                      </p:to>
+                                    </p:set>
+                                  </p:childTnLst>
+                                </p:cTn>
+                              </p:par>
+                            </p:childTnLst>
+                          </p:cTn>
+                        </p:par>
+                      </p:childTnLst>
+                    </p:cTn>
+                  </p:par>
+                </p:childTnLst>
+              </p:cTn>
+              <p:nextCondLst>
+                <p:cond evt="onClick" delay="0">
+                  <p:tgtEl>
+                    <p:spTgt spid="29"/>
+                  </p:tgtEl>
+                </p:cond>
+              </p:nextCondLst>
+            </p:seq>
+            <p:seq concurrent="1" nextAc="seek">
+              <p:cTn id="25" restart="whenNotActive" fill="hold" evtFilter="cancelBubble" nodeType="interactiveSeq">
+                <p:stCondLst>
+                  <p:cond evt="onClick" delay="0">
+                    <p:tgtEl>
+                      <p:spTgt spid="22"/>
+                    </p:tgtEl>
+                  </p:cond>
+                </p:stCondLst>
+                <p:endSync evt="end" delay="0">
+                  <p:rtn val="all"/>
+                </p:endSync>
+                <p:childTnLst>
+                  <p:par>
+                    <p:cTn id="26" fill="hold">
+                      <p:stCondLst>
+                        <p:cond delay="0"/>
+                      </p:stCondLst>
+                      <p:childTnLst>
+                        <p:par>
+                          <p:cTn id="27" fill="hold">
+                            <p:stCondLst>
+                              <p:cond delay="0"/>
+                            </p:stCondLst>
+                            <p:childTnLst>
+                              <p:par>
+                                <p:cTn id="28" presetID="47" presetClass="exit" presetSubtype="0" fill="hold" nodeType="clickEffect">
+                                  <p:stCondLst>
+                                    <p:cond delay="0"/>
+                                  </p:stCondLst>
+                                  <p:childTnLst>
+                                    <p:animEffect transition="out" filter="fade">
+                                      <p:cBhvr>
+                                        <p:cTn id="29" dur="1000"/>
+                                        <p:tgtEl>
+                                          <p:spTgt spid="22"/>
+                                        </p:tgtEl>
+                                      </p:cBhvr>
+                                    </p:animEffect>
+                                    <p:anim calcmode="lin" valueType="num">
+                                      <p:cBhvr>
+                                        <p:cTn id="30" dur="1000"/>
+                                        <p:tgtEl>
+                                          <p:spTgt spid="22"/>
+                                        </p:tgtEl>
+                                        <p:attrNameLst>
+                                          <p:attrName>ppt_x</p:attrName>
+                                        </p:attrNameLst>
+                                      </p:cBhvr>
+                                      <p:tavLst>
+                                        <p:tav tm="0">
+                                          <p:val>
+                                            <p:strVal val="ppt_x"/>
+                                          </p:val>
+                                        </p:tav>
+                                        <p:tav tm="100000">
+                                          <p:val>
+                                            <p:strVal val="ppt_x"/>
+                                          </p:val>
+                                        </p:tav>
+                                      </p:tavLst>
+                                    </p:anim>
+                                    <p:anim calcmode="lin" valueType="num">
+                                      <p:cBhvr>
+                                        <p:cTn id="31" dur="1000"/>
+                                        <p:tgtEl>
+                                          <p:spTgt spid="22"/>
+                                        </p:tgtEl>
+                                        <p:attrNameLst>
+                                          <p:attrName>ppt_y</p:attrName>
+                                        </p:attrNameLst>
+                                      </p:cBhvr>
+                                      <p:tavLst>
+                                        <p:tav tm="0">
+                                          <p:val>
+                                            <p:strVal val="ppt_y"/>
+                                          </p:val>
+                                        </p:tav>
+                                        <p:tav tm="100000">
+                                          <p:val>
+                                            <p:strVal val="ppt_y-.1"/>
+                                          </p:val>
+                                        </p:tav>
+                                      </p:tavLst>
+                                    </p:anim>
+                                    <p:set>
+                                      <p:cBhvr>
+                                        <p:cTn id="32" dur="1" fill="hold">
+                                          <p:stCondLst>
+                                            <p:cond delay="999"/>
+                                          </p:stCondLst>
+                                        </p:cTn>
+                                        <p:tgtEl>
+                                          <p:spTgt spid="22"/>
+                                        </p:tgtEl>
+                                        <p:attrNameLst>
+                                          <p:attrName>style.visibility</p:attrName>
+                                        </p:attrNameLst>
+                                      </p:cBhvr>
+                                      <p:to>
+                                        <p:strVal val="hidden"/>
+                                      </p:to>
+                                    </p:set>
+                                  </p:childTnLst>
+                                </p:cTn>
+                              </p:par>
+                            </p:childTnLst>
+                          </p:cTn>
+                        </p:par>
+                      </p:childTnLst>
+                    </p:cTn>
+                  </p:par>
+                </p:childTnLst>
+              </p:cTn>
+              <p:nextCondLst>
+                <p:cond evt="onClick" delay="0">
+                  <p:tgtEl>
+                    <p:spTgt spid="22"/>
+                  </p:tgtEl>
+                </p:cond>
+              </p:nextCondLst>
+            </p:seq>
+            <p:seq concurrent="1" nextAc="seek">
+              <p:cTn id="33" restart="whenNotActive" fill="hold" evtFilter="cancelBubble" nodeType="interactiveSeq">
+                <p:stCondLst>
+                  <p:cond evt="onClick" delay="0">
+                    <p:tgtEl>
+                      <p:spTgt spid="35"/>
+                    </p:tgtEl>
+                  </p:cond>
+                </p:stCondLst>
+                <p:endSync evt="end" delay="0">
+                  <p:rtn val="all"/>
+                </p:endSync>
+                <p:childTnLst>
+                  <p:par>
+                    <p:cTn id="34" fill="hold">
+                      <p:stCondLst>
+                        <p:cond delay="0"/>
+                      </p:stCondLst>
+                      <p:childTnLst>
+                        <p:par>
+                          <p:cTn id="35" fill="hold">
+                            <p:stCondLst>
+                              <p:cond delay="0"/>
+                            </p:stCondLst>
+                            <p:childTnLst>
+                              <p:par>
+                                <p:cTn id="36" presetID="47" presetClass="exit" presetSubtype="0" fill="hold" nodeType="clickEffect">
+                                  <p:stCondLst>
+                                    <p:cond delay="0"/>
+                                  </p:stCondLst>
+                                  <p:childTnLst>
+                                    <p:animEffect transition="out" filter="fade">
+                                      <p:cBhvr>
+                                        <p:cTn id="37" dur="1000"/>
+                                        <p:tgtEl>
+                                          <p:spTgt spid="35"/>
+                                        </p:tgtEl>
+                                      </p:cBhvr>
+                                    </p:animEffect>
+                                    <p:anim calcmode="lin" valueType="num">
+                                      <p:cBhvr>
+                                        <p:cTn id="38" dur="1000"/>
+                                        <p:tgtEl>
+                                          <p:spTgt spid="35"/>
+                                        </p:tgtEl>
+                                        <p:attrNameLst>
+                                          <p:attrName>ppt_x</p:attrName>
+                                        </p:attrNameLst>
+                                      </p:cBhvr>
+                                      <p:tavLst>
+                                        <p:tav tm="0">
+                                          <p:val>
+                                            <p:strVal val="ppt_x"/>
+                                          </p:val>
+                                        </p:tav>
+                                        <p:tav tm="100000">
+                                          <p:val>
+                                            <p:strVal val="ppt_x"/>
+                                          </p:val>
+                                        </p:tav>
+                                      </p:tavLst>
+                                    </p:anim>
+                                    <p:anim calcmode="lin" valueType="num">
+                                      <p:cBhvr>
+                                        <p:cTn id="39" dur="1000"/>
+                                        <p:tgtEl>
+                                          <p:spTgt spid="35"/>
+                                        </p:tgtEl>
+                                        <p:attrNameLst>
+                                          <p:attrName>ppt_y</p:attrName>
+                                        </p:attrNameLst>
+                                      </p:cBhvr>
+                                      <p:tavLst>
+                                        <p:tav tm="0">
+                                          <p:val>
+                                            <p:strVal val="ppt_y"/>
+                                          </p:val>
+                                        </p:tav>
+                                        <p:tav tm="100000">
+                                          <p:val>
+                                            <p:strVal val="ppt_y-.1"/>
+                                          </p:val>
+                                        </p:tav>
+                                      </p:tavLst>
+                                    </p:anim>
+                                    <p:set>
+                                      <p:cBhvr>
+                                        <p:cTn id="40" dur="1" fill="hold">
+                                          <p:stCondLst>
+                                            <p:cond delay="999"/>
+                                          </p:stCondLst>
+                                        </p:cTn>
+                                        <p:tgtEl>
+                                          <p:spTgt spid="35"/>
+                                        </p:tgtEl>
+                                        <p:attrNameLst>
+                                          <p:attrName>style.visibility</p:attrName>
+                                        </p:attrNameLst>
+                                      </p:cBhvr>
+                                      <p:to>
+                                        <p:strVal val="hidden"/>
+                                      </p:to>
+                                    </p:set>
+                                  </p:childTnLst>
+                                </p:cTn>
+                              </p:par>
+                            </p:childTnLst>
+                          </p:cTn>
+                        </p:par>
+                      </p:childTnLst>
+                    </p:cTn>
+                  </p:par>
+                </p:childTnLst>
+              </p:cTn>
+              <p:nextCondLst>
+                <p:cond evt="onClick" delay="0">
+                  <p:tgtEl>
+                    <p:spTgt spid="35"/>
+                  </p:tgtEl>
+                </p:cond>
+              </p:nextCondLst>
+            </p:seq>
+            <p:seq concurrent="1" nextAc="seek">
+              <p:cTn id="41" restart="whenNotActive" fill="hold" evtFilter="cancelBubble" nodeType="interactiveSeq">
+                <p:stCondLst>
+                  <p:cond evt="onClick" delay="0">
+                    <p:tgtEl>
+                      <p:spTgt spid="36"/>
+                    </p:tgtEl>
+                  </p:cond>
+                </p:stCondLst>
+                <p:endSync evt="end" delay="0">
+                  <p:rtn val="all"/>
+                </p:endSync>
+                <p:childTnLst>
+                  <p:par>
+                    <p:cTn id="42" fill="hold">
+                      <p:stCondLst>
+                        <p:cond delay="0"/>
+                      </p:stCondLst>
+                      <p:childTnLst>
+                        <p:par>
+                          <p:cTn id="43" fill="hold">
+                            <p:stCondLst>
+                              <p:cond delay="0"/>
+                            </p:stCondLst>
+                            <p:childTnLst>
+                              <p:par>
+                                <p:cTn id="44" presetID="47" presetClass="exit" presetSubtype="0" fill="hold" nodeType="clickEffect">
+                                  <p:stCondLst>
+                                    <p:cond delay="0"/>
+                                  </p:stCondLst>
+                                  <p:childTnLst>
+                                    <p:animEffect transition="out" filter="fade">
+                                      <p:cBhvr>
+                                        <p:cTn id="45" dur="1000"/>
+                                        <p:tgtEl>
+                                          <p:spTgt spid="36"/>
+                                        </p:tgtEl>
+                                      </p:cBhvr>
+                                    </p:animEffect>
+                                    <p:anim calcmode="lin" valueType="num">
+                                      <p:cBhvr>
+                                        <p:cTn id="46" dur="1000"/>
+                                        <p:tgtEl>
+                                          <p:spTgt spid="36"/>
+                                        </p:tgtEl>
+                                        <p:attrNameLst>
+                                          <p:attrName>ppt_x</p:attrName>
+                                        </p:attrNameLst>
+                                      </p:cBhvr>
+                                      <p:tavLst>
+                                        <p:tav tm="0">
+                                          <p:val>
+                                            <p:strVal val="ppt_x"/>
+                                          </p:val>
+                                        </p:tav>
+                                        <p:tav tm="100000">
+                                          <p:val>
+                                            <p:strVal val="ppt_x"/>
+                                          </p:val>
+                                        </p:tav>
+                                      </p:tavLst>
+                                    </p:anim>
+                                    <p:anim calcmode="lin" valueType="num">
+                                      <p:cBhvr>
+                                        <p:cTn id="47" dur="1000"/>
+                                        <p:tgtEl>
+                                          <p:spTgt spid="36"/>
+                                        </p:tgtEl>
+                                        <p:attrNameLst>
+                                          <p:attrName>ppt_y</p:attrName>
+                                        </p:attrNameLst>
+                                      </p:cBhvr>
+                                      <p:tavLst>
+                                        <p:tav tm="0">
+                                          <p:val>
+                                            <p:strVal val="ppt_y"/>
+                                          </p:val>
+                                        </p:tav>
+                                        <p:tav tm="100000">
+                                          <p:val>
+                                            <p:strVal val="ppt_y-.1"/>
+                                          </p:val>
+                                        </p:tav>
+                                      </p:tavLst>
+                                    </p:anim>
+                                    <p:set>
+                                      <p:cBhvr>
+                                        <p:cTn id="48" dur="1" fill="hold">
+                                          <p:stCondLst>
+                                            <p:cond delay="999"/>
+                                          </p:stCondLst>
+                                        </p:cTn>
+                                        <p:tgtEl>
+                                          <p:spTgt spid="36"/>
+                                        </p:tgtEl>
+                                        <p:attrNameLst>
+                                          <p:attrName>style.visibility</p:attrName>
+                                        </p:attrNameLst>
+                                      </p:cBhvr>
+                                      <p:to>
+                                        <p:strVal val="hidden"/>
+                                      </p:to>
+                                    </p:set>
+                                  </p:childTnLst>
+                                </p:cTn>
+                              </p:par>
+                            </p:childTnLst>
+                          </p:cTn>
+                        </p:par>
+                      </p:childTnLst>
+                    </p:cTn>
+                  </p:par>
+                </p:childTnLst>
+              </p:cTn>
+              <p:nextCondLst>
+                <p:cond evt="onClick" delay="0">
+                  <p:tgtEl>
+                    <p:spTgt spid="36"/>
+                  </p:tgtEl>
+                </p:cond>
+              </p:nextCondLst>
+            </p:seq>
+            <p:seq concurrent="1" nextAc="seek">
+              <p:cTn id="49" restart="whenNotActive" fill="hold" evtFilter="cancelBubble" nodeType="interactiveSeq">
+                <p:stCondLst>
+                  <p:cond evt="onClick" delay="0">
+                    <p:tgtEl>
+                      <p:spTgt spid="25"/>
+                    </p:tgtEl>
+                  </p:cond>
+                </p:stCondLst>
+                <p:endSync evt="end" delay="0">
+                  <p:rtn val="all"/>
+                </p:endSync>
+                <p:childTnLst>
+                  <p:par>
+                    <p:cTn id="50" fill="hold">
+                      <p:stCondLst>
+                        <p:cond delay="0"/>
+                      </p:stCondLst>
+                      <p:childTnLst>
+                        <p:par>
+                          <p:cTn id="51" fill="hold">
+                            <p:stCondLst>
+                              <p:cond delay="0"/>
+                            </p:stCondLst>
+                            <p:childTnLst>
+                              <p:par>
+                                <p:cTn id="52" presetID="47" presetClass="exit" presetSubtype="0" fill="hold" nodeType="clickEffect">
+                                  <p:stCondLst>
+                                    <p:cond delay="0"/>
+                                  </p:stCondLst>
+                                  <p:childTnLst>
+                                    <p:animEffect transition="out" filter="fade">
+                                      <p:cBhvr>
+                                        <p:cTn id="53" dur="1000"/>
+                                        <p:tgtEl>
+                                          <p:spTgt spid="25"/>
+                                        </p:tgtEl>
+                                      </p:cBhvr>
+                                    </p:animEffect>
+                                    <p:anim calcmode="lin" valueType="num">
+                                      <p:cBhvr>
+                                        <p:cTn id="54" dur="1000"/>
+                                        <p:tgtEl>
+                                          <p:spTgt spid="25"/>
+                                        </p:tgtEl>
+                                        <p:attrNameLst>
+                                          <p:attrName>ppt_x</p:attrName>
+                                        </p:attrNameLst>
+                                      </p:cBhvr>
+                                      <p:tavLst>
+                                        <p:tav tm="0">
+                                          <p:val>
+                                            <p:strVal val="ppt_x"/>
+                                          </p:val>
+                                        </p:tav>
+                                        <p:tav tm="100000">
+                                          <p:val>
+                                            <p:strVal val="ppt_x"/>
+                                          </p:val>
+                                        </p:tav>
+                                      </p:tavLst>
+                                    </p:anim>
+                                    <p:anim calcmode="lin" valueType="num">
+                                      <p:cBhvr>
+                                        <p:cTn id="55" dur="1000"/>
+                                        <p:tgtEl>
+                                          <p:spTgt spid="25"/>
+                                        </p:tgtEl>
+                                        <p:attrNameLst>
+                                          <p:attrName>ppt_y</p:attrName>
+                                        </p:attrNameLst>
+                                      </p:cBhvr>
+                                      <p:tavLst>
+                                        <p:tav tm="0">
+                                          <p:val>
+                                            <p:strVal val="ppt_y"/>
+                                          </p:val>
+                                        </p:tav>
+                                        <p:tav tm="100000">
+                                          <p:val>
+                                            <p:strVal val="ppt_y-.1"/>
+                                          </p:val>
+                                        </p:tav>
+                                      </p:tavLst>
+                                    </p:anim>
+                                    <p:set>
+                                      <p:cBhvr>
+                                        <p:cTn id="56" dur="1" fill="hold">
+                                          <p:stCondLst>
+                                            <p:cond delay="999"/>
+                                          </p:stCondLst>
+                                        </p:cTn>
+                                        <p:tgtEl>
+                                          <p:spTgt spid="25"/>
+                                        </p:tgtEl>
+                                        <p:attrNameLst>
+                                          <p:attrName>style.visibility</p:attrName>
+                                        </p:attrNameLst>
+                                      </p:cBhvr>
+                                      <p:to>
+                                        <p:strVal val="hidden"/>
+                                      </p:to>
+                                    </p:set>
+                                  </p:childTnLst>
+                                </p:cTn>
+                              </p:par>
+                            </p:childTnLst>
+                          </p:cTn>
+                        </p:par>
+                      </p:childTnLst>
+                    </p:cTn>
+                  </p:par>
+                </p:childTnLst>
+              </p:cTn>
+              <p:nextCondLst>
+                <p:cond evt="onClick" delay="0">
+                  <p:tgtEl>
+                    <p:spTgt spid="25"/>
+                  </p:tgtEl>
+                </p:cond>
+              </p:nextCondLst>
+            </p:seq>
+            <p:seq concurrent="1" nextAc="seek">
+              <p:cTn id="57" restart="whenNotActive" fill="hold" evtFilter="cancelBubble" nodeType="interactiveSeq">
+                <p:stCondLst>
+                  <p:cond evt="onClick" delay="0">
+                    <p:tgtEl>
+                      <p:spTgt spid="20"/>
+                    </p:tgtEl>
+                  </p:cond>
+                </p:stCondLst>
+                <p:endSync evt="end" delay="0">
+                  <p:rtn val="all"/>
+                </p:endSync>
+                <p:childTnLst>
+                  <p:par>
+                    <p:cTn id="58" fill="hold">
+                      <p:stCondLst>
+                        <p:cond delay="0"/>
+                      </p:stCondLst>
+                      <p:childTnLst>
+                        <p:par>
+                          <p:cTn id="59" fill="hold">
+                            <p:stCondLst>
+                              <p:cond delay="0"/>
+                            </p:stCondLst>
+                            <p:childTnLst>
+                              <p:par>
+                                <p:cTn id="60" presetID="47" presetClass="exit" presetSubtype="0" fill="hold" nodeType="clickEffect">
+                                  <p:stCondLst>
+                                    <p:cond delay="0"/>
+                                  </p:stCondLst>
+                                  <p:childTnLst>
+                                    <p:animEffect transition="out" filter="fade">
+                                      <p:cBhvr>
+                                        <p:cTn id="61" dur="1000"/>
+                                        <p:tgtEl>
+                                          <p:spTgt spid="20"/>
+                                        </p:tgtEl>
+                                      </p:cBhvr>
+                                    </p:animEffect>
+                                    <p:anim calcmode="lin" valueType="num">
+                                      <p:cBhvr>
+                                        <p:cTn id="62" dur="1000"/>
+                                        <p:tgtEl>
+                                          <p:spTgt spid="20"/>
+                                        </p:tgtEl>
+                                        <p:attrNameLst>
+                                          <p:attrName>ppt_x</p:attrName>
+                                        </p:attrNameLst>
+                                      </p:cBhvr>
+                                      <p:tavLst>
+                                        <p:tav tm="0">
+                                          <p:val>
+                                            <p:strVal val="ppt_x"/>
+                                          </p:val>
+                                        </p:tav>
+                                        <p:tav tm="100000">
+                                          <p:val>
+                                            <p:strVal val="ppt_x"/>
+                                          </p:val>
+                                        </p:tav>
+                                      </p:tavLst>
+                                    </p:anim>
+                                    <p:anim calcmode="lin" valueType="num">
+                                      <p:cBhvr>
+                                        <p:cTn id="63" dur="1000"/>
+                                        <p:tgtEl>
+                                          <p:spTgt spid="20"/>
+                                        </p:tgtEl>
+                                        <p:attrNameLst>
+                                          <p:attrName>ppt_y</p:attrName>
+                                        </p:attrNameLst>
+                                      </p:cBhvr>
+                                      <p:tavLst>
+                                        <p:tav tm="0">
+                                          <p:val>
+                                            <p:strVal val="ppt_y"/>
+                                          </p:val>
+                                        </p:tav>
+                                        <p:tav tm="100000">
+                                          <p:val>
+                                            <p:strVal val="ppt_y-.1"/>
+                                          </p:val>
+                                        </p:tav>
+                                      </p:tavLst>
+                                    </p:anim>
+                                    <p:set>
+                                      <p:cBhvr>
+                                        <p:cTn id="64" dur="1" fill="hold">
+                                          <p:stCondLst>
+                                            <p:cond delay="999"/>
+                                          </p:stCondLst>
+                                        </p:cTn>
+                                        <p:tgtEl>
+                                          <p:spTgt spid="20"/>
+                                        </p:tgtEl>
+                                        <p:attrNameLst>
+                                          <p:attrName>style.visibility</p:attrName>
+                                        </p:attrNameLst>
+                                      </p:cBhvr>
+                                      <p:to>
+                                        <p:strVal val="hidden"/>
+                                      </p:to>
+                                    </p:set>
+                                  </p:childTnLst>
+                                </p:cTn>
+                              </p:par>
+                            </p:childTnLst>
+                          </p:cTn>
+                        </p:par>
+                      </p:childTnLst>
+                    </p:cTn>
+                  </p:par>
+                </p:childTnLst>
+              </p:cTn>
+              <p:nextCondLst>
+                <p:cond evt="onClick" delay="0">
+                  <p:tgtEl>
+                    <p:spTgt spid="20"/>
+                  </p:tgtEl>
+                </p:cond>
+              </p:nextCondLst>
+            </p:seq>
+            <p:seq concurrent="1" nextAc="seek">
+              <p:cTn id="65" restart="whenNotActive" fill="hold" evtFilter="cancelBubble" nodeType="interactiveSeq">
+                <p:stCondLst>
+                  <p:cond evt="onClick" delay="0">
+                    <p:tgtEl>
+                      <p:spTgt spid="19"/>
+                    </p:tgtEl>
+                  </p:cond>
+                </p:stCondLst>
+                <p:endSync evt="end" delay="0">
+                  <p:rtn val="all"/>
+                </p:endSync>
+                <p:childTnLst>
+                  <p:par>
+                    <p:cTn id="66" fill="hold">
+                      <p:stCondLst>
+                        <p:cond delay="0"/>
+                      </p:stCondLst>
+                      <p:childTnLst>
+                        <p:par>
+                          <p:cTn id="67" fill="hold">
+                            <p:stCondLst>
+                              <p:cond delay="0"/>
+                            </p:stCondLst>
+                            <p:childTnLst>
+                              <p:par>
+                                <p:cTn id="68" presetID="47" presetClass="exit" presetSubtype="0" fill="hold" nodeType="clickEffect">
+                                  <p:stCondLst>
+                                    <p:cond delay="0"/>
+                                  </p:stCondLst>
+                                  <p:childTnLst>
+                                    <p:animEffect transition="out" filter="fade">
+                                      <p:cBhvr>
+                                        <p:cTn id="69" dur="1000"/>
+                                        <p:tgtEl>
+                                          <p:spTgt spid="19"/>
+                                        </p:tgtEl>
+                                      </p:cBhvr>
+                                    </p:animEffect>
+                                    <p:anim calcmode="lin" valueType="num">
+                                      <p:cBhvr>
+                                        <p:cTn id="70" dur="1000"/>
+                                        <p:tgtEl>
+                                          <p:spTgt spid="19"/>
+                                        </p:tgtEl>
+                                        <p:attrNameLst>
+                                          <p:attrName>ppt_x</p:attrName>
+                                        </p:attrNameLst>
+                                      </p:cBhvr>
+                                      <p:tavLst>
+                                        <p:tav tm="0">
+                                          <p:val>
+                                            <p:strVal val="ppt_x"/>
+                                          </p:val>
+                                        </p:tav>
+                                        <p:tav tm="100000">
+                                          <p:val>
+                                            <p:strVal val="ppt_x"/>
+                                          </p:val>
+                                        </p:tav>
+                                      </p:tavLst>
+                                    </p:anim>
+                                    <p:anim calcmode="lin" valueType="num">
+                                      <p:cBhvr>
+                                        <p:cTn id="71" dur="1000"/>
+                                        <p:tgtEl>
+                                          <p:spTgt spid="19"/>
+                                        </p:tgtEl>
+                                        <p:attrNameLst>
+                                          <p:attrName>ppt_y</p:attrName>
+                                        </p:attrNameLst>
+                                      </p:cBhvr>
+                                      <p:tavLst>
+                                        <p:tav tm="0">
+                                          <p:val>
+                                            <p:strVal val="ppt_y"/>
+                                          </p:val>
+                                        </p:tav>
+                                        <p:tav tm="100000">
+                                          <p:val>
+                                            <p:strVal val="ppt_y-.1"/>
+                                          </p:val>
+                                        </p:tav>
+                                      </p:tavLst>
+                                    </p:anim>
+                                    <p:set>
+                                      <p:cBhvr>
+                                        <p:cTn id="72" dur="1" fill="hold">
+                                          <p:stCondLst>
+                                            <p:cond delay="999"/>
+                                          </p:stCondLst>
+                                        </p:cTn>
+                                        <p:tgtEl>
+                                          <p:spTgt spid="19"/>
+                                        </p:tgtEl>
+                                        <p:attrNameLst>
+                                          <p:attrName>style.visibility</p:attrName>
+                                        </p:attrNameLst>
+                                      </p:cBhvr>
+                                      <p:to>
+                                        <p:strVal val="hidden"/>
+                                      </p:to>
+                                    </p:set>
+                                  </p:childTnLst>
+                                </p:cTn>
+                              </p:par>
+                            </p:childTnLst>
+                          </p:cTn>
+                        </p:par>
+                      </p:childTnLst>
+                    </p:cTn>
+                  </p:par>
+                </p:childTnLst>
+              </p:cTn>
+              <p:nextCondLst>
+                <p:cond evt="onClick" delay="0">
+                  <p:tgtEl>
+                    <p:spTgt spid="19"/>
+                  </p:tgtEl>
+                </p:cond>
+              </p:nextCondLst>
+            </p:seq>
+            <p:seq concurrent="1" nextAc="seek">
+              <p:cTn id="73" restart="whenNotActive" fill="hold" evtFilter="cancelBubble" nodeType="interactiveSeq">
+                <p:stCondLst>
+                  <p:cond evt="onClick" delay="0">
+                    <p:tgtEl>
+                      <p:spTgt spid="24"/>
+                    </p:tgtEl>
+                  </p:cond>
+                </p:stCondLst>
+                <p:endSync evt="end" delay="0">
+                  <p:rtn val="all"/>
+                </p:endSync>
+                <p:childTnLst>
+                  <p:par>
+                    <p:cTn id="74" fill="hold">
+                      <p:stCondLst>
+                        <p:cond delay="0"/>
+                      </p:stCondLst>
+                      <p:childTnLst>
+                        <p:par>
+                          <p:cTn id="75" fill="hold">
+                            <p:stCondLst>
+                              <p:cond delay="0"/>
+                            </p:stCondLst>
+                            <p:childTnLst>
+                              <p:par>
+                                <p:cTn id="76" presetID="47" presetClass="exit" presetSubtype="0" fill="hold" nodeType="clickEffect">
+                                  <p:stCondLst>
+                                    <p:cond delay="0"/>
+                                  </p:stCondLst>
+                                  <p:childTnLst>
+                                    <p:animEffect transition="out" filter="fade">
+                                      <p:cBhvr>
+                                        <p:cTn id="77" dur="1000"/>
+                                        <p:tgtEl>
+                                          <p:spTgt spid="24"/>
+                                        </p:tgtEl>
+                                      </p:cBhvr>
+                                    </p:animEffect>
+                                    <p:anim calcmode="lin" valueType="num">
+                                      <p:cBhvr>
+                                        <p:cTn id="78" dur="1000"/>
+                                        <p:tgtEl>
+                                          <p:spTgt spid="24"/>
+                                        </p:tgtEl>
+                                        <p:attrNameLst>
+                                          <p:attrName>ppt_x</p:attrName>
+                                        </p:attrNameLst>
+                                      </p:cBhvr>
+                                      <p:tavLst>
+                                        <p:tav tm="0">
+                                          <p:val>
+                                            <p:strVal val="ppt_x"/>
+                                          </p:val>
+                                        </p:tav>
+                                        <p:tav tm="100000">
+                                          <p:val>
+                                            <p:strVal val="ppt_x"/>
+                                          </p:val>
+                                        </p:tav>
+                                      </p:tavLst>
+                                    </p:anim>
+                                    <p:anim calcmode="lin" valueType="num">
+                                      <p:cBhvr>
+                                        <p:cTn id="79" dur="1000"/>
+                                        <p:tgtEl>
+                                          <p:spTgt spid="24"/>
+                                        </p:tgtEl>
+                                        <p:attrNameLst>
+                                          <p:attrName>ppt_y</p:attrName>
+                                        </p:attrNameLst>
+                                      </p:cBhvr>
+                                      <p:tavLst>
+                                        <p:tav tm="0">
+                                          <p:val>
+                                            <p:strVal val="ppt_y"/>
+                                          </p:val>
+                                        </p:tav>
+                                        <p:tav tm="100000">
+                                          <p:val>
+                                            <p:strVal val="ppt_y-.1"/>
+                                          </p:val>
+                                        </p:tav>
+                                      </p:tavLst>
+                                    </p:anim>
+                                    <p:set>
+                                      <p:cBhvr>
+                                        <p:cTn id="80" dur="1" fill="hold">
+                                          <p:stCondLst>
+                                            <p:cond delay="999"/>
+                                          </p:stCondLst>
+                                        </p:cTn>
+                                        <p:tgtEl>
+                                          <p:spTgt spid="24"/>
+                                        </p:tgtEl>
+                                        <p:attrNameLst>
+                                          <p:attrName>style.visibility</p:attrName>
+                                        </p:attrNameLst>
+                                      </p:cBhvr>
+                                      <p:to>
+                                        <p:strVal val="hidden"/>
+                                      </p:to>
+                                    </p:set>
+                                  </p:childTnLst>
+                                </p:cTn>
+                              </p:par>
+                            </p:childTnLst>
+                          </p:cTn>
+                        </p:par>
+                      </p:childTnLst>
+                    </p:cTn>
+                  </p:par>
+                </p:childTnLst>
+              </p:cTn>
+              <p:nextCondLst>
+                <p:cond evt="onClick" delay="0">
+                  <p:tgtEl>
+                    <p:spTgt spid="24"/>
+                  </p:tgtEl>
+                </p:cond>
+              </p:nextCondLst>
+            </p:seq>
+            <p:seq concurrent="1" nextAc="seek">
+              <p:cTn id="81" restart="whenNotActive" fill="hold" evtFilter="cancelBubble" nodeType="interactiveSeq">
+                <p:stCondLst>
+                  <p:cond evt="onClick" delay="0">
+                    <p:tgtEl>
+                      <p:spTgt spid="23"/>
+                    </p:tgtEl>
+                  </p:cond>
+                </p:stCondLst>
+                <p:endSync evt="end" delay="0">
+                  <p:rtn val="all"/>
+                </p:endSync>
+                <p:childTnLst>
+                  <p:par>
+                    <p:cTn id="82" fill="hold">
+                      <p:stCondLst>
+                        <p:cond delay="0"/>
+                      </p:stCondLst>
+                      <p:childTnLst>
+                        <p:par>
+                          <p:cTn id="83" fill="hold">
+                            <p:stCondLst>
+                              <p:cond delay="0"/>
+                            </p:stCondLst>
+                            <p:childTnLst>
+                              <p:par>
+                                <p:cTn id="84" presetID="47" presetClass="exit" presetSubtype="0" fill="hold" nodeType="clickEffect">
+                                  <p:stCondLst>
+                                    <p:cond delay="0"/>
+                                  </p:stCondLst>
+                                  <p:childTnLst>
+                                    <p:animEffect transition="out" filter="fade">
+                                      <p:cBhvr>
+                                        <p:cTn id="85" dur="1000"/>
+                                        <p:tgtEl>
+                                          <p:spTgt spid="23"/>
+                                        </p:tgtEl>
+                                      </p:cBhvr>
+                                    </p:animEffect>
+                                    <p:anim calcmode="lin" valueType="num">
+                                      <p:cBhvr>
+                                        <p:cTn id="86" dur="1000"/>
+                                        <p:tgtEl>
+                                          <p:spTgt spid="23"/>
+                                        </p:tgtEl>
+                                        <p:attrNameLst>
+                                          <p:attrName>ppt_x</p:attrName>
+                                        </p:attrNameLst>
+                                      </p:cBhvr>
+                                      <p:tavLst>
+                                        <p:tav tm="0">
+                                          <p:val>
+                                            <p:strVal val="ppt_x"/>
+                                          </p:val>
+                                        </p:tav>
+                                        <p:tav tm="100000">
+                                          <p:val>
+                                            <p:strVal val="ppt_x"/>
+                                          </p:val>
+                                        </p:tav>
+                                      </p:tavLst>
+                                    </p:anim>
+                                    <p:anim calcmode="lin" valueType="num">
+                                      <p:cBhvr>
+                                        <p:cTn id="87" dur="1000"/>
+                                        <p:tgtEl>
+                                          <p:spTgt spid="23"/>
+                                        </p:tgtEl>
+                                        <p:attrNameLst>
+                                          <p:attrName>ppt_y</p:attrName>
+                                        </p:attrNameLst>
+                                      </p:cBhvr>
+                                      <p:tavLst>
+                                        <p:tav tm="0">
+                                          <p:val>
+                                            <p:strVal val="ppt_y"/>
+                                          </p:val>
+                                        </p:tav>
+                                        <p:tav tm="100000">
+                                          <p:val>
+                                            <p:strVal val="ppt_y-.1"/>
+                                          </p:val>
+                                        </p:tav>
+                                      </p:tavLst>
+                                    </p:anim>
+                                    <p:set>
+                                      <p:cBhvr>
+                                        <p:cTn id="88" dur="1" fill="hold">
+                                          <p:stCondLst>
+                                            <p:cond delay="999"/>
+                                          </p:stCondLst>
+                                        </p:cTn>
+                                        <p:tgtEl>
+                                          <p:spTgt spid="23"/>
+                                        </p:tgtEl>
+                                        <p:attrNameLst>
+                                          <p:attrName>style.visibility</p:attrName>
+                                        </p:attrNameLst>
+                                      </p:cBhvr>
+                                      <p:to>
+                                        <p:strVal val="hidden"/>
+                                      </p:to>
+                                    </p:set>
+                                  </p:childTnLst>
+                                </p:cTn>
+                              </p:par>
+                            </p:childTnLst>
+                          </p:cTn>
+                        </p:par>
+                      </p:childTnLst>
+                    </p:cTn>
+                  </p:par>
+                </p:childTnLst>
+              </p:cTn>
+              <p:nextCondLst>
+                <p:cond evt="onClick" delay="0">
+                  <p:tgtEl>
+                    <p:spTgt spid="23"/>
+                  </p:tgtEl>
+                </p:cond>
+              </p:nextCondLst>
+            </p:seq>
+            <p:seq concurrent="1" nextAc="seek">
+              <p:cTn id="89" restart="whenNotActive" fill="hold" evtFilter="cancelBubble" nodeType="interactiveSeq">
+                <p:stCondLst>
+                  <p:cond evt="onClick" delay="0">
+                    <p:tgtEl>
+                      <p:spTgt spid="26"/>
+                    </p:tgtEl>
+                  </p:cond>
+                </p:stCondLst>
+                <p:endSync evt="end" delay="0">
+                  <p:rtn val="all"/>
+                </p:endSync>
+                <p:childTnLst>
+                  <p:par>
+                    <p:cTn id="90" fill="hold">
+                      <p:stCondLst>
+                        <p:cond delay="0"/>
+                      </p:stCondLst>
+                      <p:childTnLst>
+                        <p:par>
+                          <p:cTn id="91" fill="hold">
+                            <p:stCondLst>
+                              <p:cond delay="0"/>
+                            </p:stCondLst>
+                            <p:childTnLst>
+                              <p:par>
+                                <p:cTn id="92" presetID="47" presetClass="exit" presetSubtype="0" fill="hold" nodeType="clickEffect">
+                                  <p:stCondLst>
+                                    <p:cond delay="0"/>
+                                  </p:stCondLst>
+                                  <p:childTnLst>
+                                    <p:animEffect transition="out" filter="fade">
+                                      <p:cBhvr>
+                                        <p:cTn id="93" dur="1000"/>
+                                        <p:tgtEl>
+                                          <p:spTgt spid="26"/>
+                                        </p:tgtEl>
+                                      </p:cBhvr>
+                                    </p:animEffect>
+                                    <p:anim calcmode="lin" valueType="num">
+                                      <p:cBhvr>
+                                        <p:cTn id="94" dur="1000"/>
+                                        <p:tgtEl>
+                                          <p:spTgt spid="26"/>
+                                        </p:tgtEl>
+                                        <p:attrNameLst>
+                                          <p:attrName>ppt_x</p:attrName>
+                                        </p:attrNameLst>
+                                      </p:cBhvr>
+                                      <p:tavLst>
+                                        <p:tav tm="0">
+                                          <p:val>
+                                            <p:strVal val="ppt_x"/>
+                                          </p:val>
+                                        </p:tav>
+                                        <p:tav tm="100000">
+                                          <p:val>
+                                            <p:strVal val="ppt_x"/>
+                                          </p:val>
+                                        </p:tav>
+                                      </p:tavLst>
+                                    </p:anim>
+                                    <p:anim calcmode="lin" valueType="num">
+                                      <p:cBhvr>
+                                        <p:cTn id="95" dur="1000"/>
+                                        <p:tgtEl>
+                                          <p:spTgt spid="26"/>
+                                        </p:tgtEl>
+                                        <p:attrNameLst>
+                                          <p:attrName>ppt_y</p:attrName>
+                                        </p:attrNameLst>
+                                      </p:cBhvr>
+                                      <p:tavLst>
+                                        <p:tav tm="0">
+                                          <p:val>
+                                            <p:strVal val="ppt_y"/>
+                                          </p:val>
+                                        </p:tav>
+                                        <p:tav tm="100000">
+                                          <p:val>
+                                            <p:strVal val="ppt_y-.1"/>
+                                          </p:val>
+                                        </p:tav>
+                                      </p:tavLst>
+                                    </p:anim>
+                                    <p:set>
+                                      <p:cBhvr>
+                                        <p:cTn id="96" dur="1" fill="hold">
+                                          <p:stCondLst>
+                                            <p:cond delay="999"/>
+                                          </p:stCondLst>
+                                        </p:cTn>
+                                        <p:tgtEl>
+                                          <p:spTgt spid="26"/>
+                                        </p:tgtEl>
+                                        <p:attrNameLst>
+                                          <p:attrName>style.visibility</p:attrName>
+                                        </p:attrNameLst>
+                                      </p:cBhvr>
+                                      <p:to>
+                                        <p:strVal val="hidden"/>
+                                      </p:to>
+                                    </p:set>
+                                  </p:childTnLst>
+                                </p:cTn>
+                              </p:par>
+                            </p:childTnLst>
+                          </p:cTn>
+                        </p:par>
+                      </p:childTnLst>
+                    </p:cTn>
+                  </p:par>
+                </p:childTnLst>
+              </p:cTn>
+              <p:nextCondLst>
+                <p:cond evt="onClick" delay="0">
+                  <p:tgtEl>
+                    <p:spTgt spid="26"/>
+                  </p:tgtEl>
+                </p:cond>
+              </p:nextCondLst>
+            </p:seq>
+            <p:seq concurrent="1" nextAc="seek">
+              <p:cTn id="97" restart="whenNotActive" fill="hold" evtFilter="cancelBubble" nodeType="interactiveSeq">
+                <p:stCondLst>
+                  <p:cond evt="onClick" delay="0">
+                    <p:tgtEl>
+                      <p:spTgt spid="40"/>
+                    </p:tgtEl>
+                  </p:cond>
+                </p:stCondLst>
+                <p:endSync evt="end" delay="0">
+                  <p:rtn val="all"/>
+                </p:endSync>
+                <p:childTnLst>
+                  <p:par>
+                    <p:cTn id="98" fill="hold">
+                      <p:stCondLst>
+                        <p:cond delay="0"/>
+                      </p:stCondLst>
+                      <p:childTnLst>
+                        <p:par>
+                          <p:cTn id="99" fill="hold">
+                            <p:stCondLst>
+                              <p:cond delay="0"/>
+                            </p:stCondLst>
+                            <p:childTnLst>
+                              <p:par>
+                                <p:cTn id="100" presetID="47" presetClass="exit" presetSubtype="0" fill="hold" nodeType="clickEffect">
+                                  <p:stCondLst>
+                                    <p:cond delay="0"/>
+                                  </p:stCondLst>
+                                  <p:childTnLst>
+                                    <p:animEffect transition="out" filter="fade">
+                                      <p:cBhvr>
+                                        <p:cTn id="101" dur="1000"/>
+                                        <p:tgtEl>
+                                          <p:spTgt spid="40"/>
+                                        </p:tgtEl>
+                                      </p:cBhvr>
+                                    </p:animEffect>
+                                    <p:anim calcmode="lin" valueType="num">
+                                      <p:cBhvr>
+                                        <p:cTn id="102" dur="1000"/>
+                                        <p:tgtEl>
+                                          <p:spTgt spid="40"/>
+                                        </p:tgtEl>
+                                        <p:attrNameLst>
+                                          <p:attrName>ppt_x</p:attrName>
+                                        </p:attrNameLst>
+                                      </p:cBhvr>
+                                      <p:tavLst>
+                                        <p:tav tm="0">
+                                          <p:val>
+                                            <p:strVal val="ppt_x"/>
+                                          </p:val>
+                                        </p:tav>
+                                        <p:tav tm="100000">
+                                          <p:val>
+                                            <p:strVal val="ppt_x"/>
+                                          </p:val>
+                                        </p:tav>
+                                      </p:tavLst>
+                                    </p:anim>
+                                    <p:anim calcmode="lin" valueType="num">
+                                      <p:cBhvr>
+                                        <p:cTn id="103" dur="1000"/>
+                                        <p:tgtEl>
+                                          <p:spTgt spid="40"/>
+                                        </p:tgtEl>
+                                        <p:attrNameLst>
+                                          <p:attrName>ppt_y</p:attrName>
+                                        </p:attrNameLst>
+                                      </p:cBhvr>
+                                      <p:tavLst>
+                                        <p:tav tm="0">
+                                          <p:val>
+                                            <p:strVal val="ppt_y"/>
+                                          </p:val>
+                                        </p:tav>
+                                        <p:tav tm="100000">
+                                          <p:val>
+                                            <p:strVal val="ppt_y-.1"/>
+                                          </p:val>
+                                        </p:tav>
+                                      </p:tavLst>
+                                    </p:anim>
+                                    <p:set>
+                                      <p:cBhvr>
+                                        <p:cTn id="104" dur="1" fill="hold">
+                                          <p:stCondLst>
+                                            <p:cond delay="999"/>
+                                          </p:stCondLst>
+                                        </p:cTn>
+                                        <p:tgtEl>
+                                          <p:spTgt spid="40"/>
+                                        </p:tgtEl>
+                                        <p:attrNameLst>
+                                          <p:attrName>style.visibility</p:attrName>
+                                        </p:attrNameLst>
+                                      </p:cBhvr>
+                                      <p:to>
+                                        <p:strVal val="hidden"/>
+                                      </p:to>
+                                    </p:set>
+                                  </p:childTnLst>
+                                </p:cTn>
+                              </p:par>
+                            </p:childTnLst>
+                          </p:cTn>
+                        </p:par>
+                      </p:childTnLst>
+                    </p:cTn>
+                  </p:par>
+                </p:childTnLst>
+              </p:cTn>
+              <p:nextCondLst>
+                <p:cond evt="onClick" delay="0">
+                  <p:tgtEl>
+                    <p:spTgt spid="40"/>
+                  </p:tgtEl>
+                </p:cond>
+              </p:nextCondLst>
+            </p:seq>
+            <p:seq concurrent="1" nextAc="seek">
+              <p:cTn id="105" restart="whenNotActive" fill="hold" evtFilter="cancelBubble" nodeType="interactiveSeq">
+                <p:stCondLst>
+                  <p:cond evt="onClick" delay="0">
+                    <p:tgtEl>
+                      <p:spTgt spid="32"/>
+                    </p:tgtEl>
+                  </p:cond>
+                </p:stCondLst>
+                <p:endSync evt="end" delay="0">
+                  <p:rtn val="all"/>
+                </p:endSync>
+                <p:childTnLst>
+                  <p:par>
+                    <p:cTn id="106" fill="hold">
+                      <p:stCondLst>
+                        <p:cond delay="0"/>
+                      </p:stCondLst>
+                      <p:childTnLst>
+                        <p:par>
+                          <p:cTn id="107" fill="hold">
+                            <p:stCondLst>
+                              <p:cond delay="0"/>
+                            </p:stCondLst>
+                            <p:childTnLst>
+                              <p:par>
+                                <p:cTn id="108" presetID="47" presetClass="exit" presetSubtype="0" fill="hold" nodeType="clickEffect">
+                                  <p:stCondLst>
+                                    <p:cond delay="0"/>
+                                  </p:stCondLst>
+                                  <p:childTnLst>
+                                    <p:animEffect transition="out" filter="fade">
+                                      <p:cBhvr>
+                                        <p:cTn id="109" dur="1000"/>
+                                        <p:tgtEl>
+                                          <p:spTgt spid="32"/>
+                                        </p:tgtEl>
+                                      </p:cBhvr>
+                                    </p:animEffect>
+                                    <p:anim calcmode="lin" valueType="num">
+                                      <p:cBhvr>
+                                        <p:cTn id="110" dur="1000"/>
+                                        <p:tgtEl>
+                                          <p:spTgt spid="32"/>
+                                        </p:tgtEl>
+                                        <p:attrNameLst>
+                                          <p:attrName>ppt_x</p:attrName>
+                                        </p:attrNameLst>
+                                      </p:cBhvr>
+                                      <p:tavLst>
+                                        <p:tav tm="0">
+                                          <p:val>
+                                            <p:strVal val="ppt_x"/>
+                                          </p:val>
+                                        </p:tav>
+                                        <p:tav tm="100000">
+                                          <p:val>
+                                            <p:strVal val="ppt_x"/>
+                                          </p:val>
+                                        </p:tav>
+                                      </p:tavLst>
+                                    </p:anim>
+                                    <p:anim calcmode="lin" valueType="num">
+                                      <p:cBhvr>
+                                        <p:cTn id="111" dur="1000"/>
+                                        <p:tgtEl>
+                                          <p:spTgt spid="32"/>
+                                        </p:tgtEl>
+                                        <p:attrNameLst>
+                                          <p:attrName>ppt_y</p:attrName>
+                                        </p:attrNameLst>
+                                      </p:cBhvr>
+                                      <p:tavLst>
+                                        <p:tav tm="0">
+                                          <p:val>
+                                            <p:strVal val="ppt_y"/>
+                                          </p:val>
+                                        </p:tav>
+                                        <p:tav tm="100000">
+                                          <p:val>
+                                            <p:strVal val="ppt_y-.1"/>
+                                          </p:val>
+                                        </p:tav>
+                                      </p:tavLst>
+                                    </p:anim>
+                                    <p:set>
+                                      <p:cBhvr>
+                                        <p:cTn id="112" dur="1" fill="hold">
+                                          <p:stCondLst>
+                                            <p:cond delay="999"/>
+                                          </p:stCondLst>
+                                        </p:cTn>
+                                        <p:tgtEl>
+                                          <p:spTgt spid="32"/>
+                                        </p:tgtEl>
+                                        <p:attrNameLst>
+                                          <p:attrName>style.visibility</p:attrName>
+                                        </p:attrNameLst>
+                                      </p:cBhvr>
+                                      <p:to>
+                                        <p:strVal val="hidden"/>
+                                      </p:to>
+                                    </p:set>
+                                  </p:childTnLst>
+                                </p:cTn>
+                              </p:par>
+                            </p:childTnLst>
+                          </p:cTn>
+                        </p:par>
+                      </p:childTnLst>
+                    </p:cTn>
+                  </p:par>
+                </p:childTnLst>
+              </p:cTn>
+              <p:nextCondLst>
+                <p:cond evt="onClick" delay="0">
+                  <p:tgtEl>
+                    <p:spTgt spid="32"/>
+                  </p:tgtEl>
+                </p:cond>
+              </p:nextCondLst>
+            </p:seq>
+            <p:seq concurrent="1" nextAc="seek">
+              <p:cTn id="113" restart="whenNotActive" fill="hold" evtFilter="cancelBubble" nodeType="interactiveSeq">
+                <p:stCondLst>
+                  <p:cond evt="onClick" delay="0">
+                    <p:tgtEl>
+                      <p:spTgt spid="39"/>
+                    </p:tgtEl>
+                  </p:cond>
+                </p:stCondLst>
+                <p:endSync evt="end" delay="0">
+                  <p:rtn val="all"/>
+                </p:endSync>
+                <p:childTnLst>
+                  <p:par>
+                    <p:cTn id="114" fill="hold">
+                      <p:stCondLst>
+                        <p:cond delay="0"/>
+                      </p:stCondLst>
+                      <p:childTnLst>
+                        <p:par>
+                          <p:cTn id="115" fill="hold">
+                            <p:stCondLst>
+                              <p:cond delay="0"/>
+                            </p:stCondLst>
+                            <p:childTnLst>
+                              <p:par>
+                                <p:cTn id="116" presetID="47" presetClass="exit" presetSubtype="0" fill="hold" nodeType="clickEffect">
+                                  <p:stCondLst>
+                                    <p:cond delay="0"/>
+                                  </p:stCondLst>
+                                  <p:childTnLst>
+                                    <p:animEffect transition="out" filter="fade">
+                                      <p:cBhvr>
+                                        <p:cTn id="117" dur="1000"/>
+                                        <p:tgtEl>
+                                          <p:spTgt spid="39"/>
+                                        </p:tgtEl>
+                                      </p:cBhvr>
+                                    </p:animEffect>
+                                    <p:anim calcmode="lin" valueType="num">
+                                      <p:cBhvr>
+                                        <p:cTn id="118" dur="1000"/>
+                                        <p:tgtEl>
+                                          <p:spTgt spid="39"/>
+                                        </p:tgtEl>
+                                        <p:attrNameLst>
+                                          <p:attrName>ppt_x</p:attrName>
+                                        </p:attrNameLst>
+                                      </p:cBhvr>
+                                      <p:tavLst>
+                                        <p:tav tm="0">
+                                          <p:val>
+                                            <p:strVal val="ppt_x"/>
+                                          </p:val>
+                                        </p:tav>
+                                        <p:tav tm="100000">
+                                          <p:val>
+                                            <p:strVal val="ppt_x"/>
+                                          </p:val>
+                                        </p:tav>
+                                      </p:tavLst>
+                                    </p:anim>
+                                    <p:anim calcmode="lin" valueType="num">
+                                      <p:cBhvr>
+                                        <p:cTn id="119" dur="1000"/>
+                                        <p:tgtEl>
+                                          <p:spTgt spid="39"/>
+                                        </p:tgtEl>
+                                        <p:attrNameLst>
+                                          <p:attrName>ppt_y</p:attrName>
+                                        </p:attrNameLst>
+                                      </p:cBhvr>
+                                      <p:tavLst>
+                                        <p:tav tm="0">
+                                          <p:val>
+                                            <p:strVal val="ppt_y"/>
+                                          </p:val>
+                                        </p:tav>
+                                        <p:tav tm="100000">
+                                          <p:val>
+                                            <p:strVal val="ppt_y-.1"/>
+                                          </p:val>
+                                        </p:tav>
+                                      </p:tavLst>
+                                    </p:anim>
+                                    <p:set>
+                                      <p:cBhvr>
+                                        <p:cTn id="120" dur="1" fill="hold">
+                                          <p:stCondLst>
+                                            <p:cond delay="999"/>
+                                          </p:stCondLst>
+                                        </p:cTn>
+                                        <p:tgtEl>
+                                          <p:spTgt spid="39"/>
+                                        </p:tgtEl>
+                                        <p:attrNameLst>
+                                          <p:attrName>style.visibility</p:attrName>
+                                        </p:attrNameLst>
+                                      </p:cBhvr>
+                                      <p:to>
+                                        <p:strVal val="hidden"/>
+                                      </p:to>
+                                    </p:set>
+                                  </p:childTnLst>
+                                </p:cTn>
+                              </p:par>
+                            </p:childTnLst>
+                          </p:cTn>
+                        </p:par>
+                      </p:childTnLst>
+                    </p:cTn>
+                  </p:par>
+                </p:childTnLst>
+              </p:cTn>
+              <p:nextCondLst>
+                <p:cond evt="onClick" delay="0">
+                  <p:tgtEl>
+                    <p:spTgt spid="39"/>
+                  </p:tgtEl>
+                </p:cond>
+              </p:nextCondLst>
+            </p:seq>
+            <p:seq concurrent="1" nextAc="seek">
+              <p:cTn id="121" restart="whenNotActive" fill="hold" evtFilter="cancelBubble" nodeType="interactiveSeq">
+                <p:stCondLst>
+                  <p:cond evt="onClick" delay="0">
+                    <p:tgtEl>
+                      <p:spTgt spid="30"/>
+                    </p:tgtEl>
+                  </p:cond>
+                </p:stCondLst>
+                <p:endSync evt="end" delay="0">
+                  <p:rtn val="all"/>
+                </p:endSync>
+                <p:childTnLst>
+                  <p:par>
+                    <p:cTn id="122" fill="hold">
+                      <p:stCondLst>
+                        <p:cond delay="0"/>
+                      </p:stCondLst>
+                      <p:childTnLst>
+                        <p:par>
+                          <p:cTn id="123" fill="hold">
+                            <p:stCondLst>
+                              <p:cond delay="0"/>
+                            </p:stCondLst>
+                            <p:childTnLst>
+                              <p:par>
+                                <p:cTn id="124" presetID="47" presetClass="exit" presetSubtype="0" fill="hold" nodeType="clickEffect">
+                                  <p:stCondLst>
+                                    <p:cond delay="0"/>
+                                  </p:stCondLst>
+                                  <p:childTnLst>
+                                    <p:animEffect transition="out" filter="fade">
+                                      <p:cBhvr>
+                                        <p:cTn id="125" dur="1000"/>
+                                        <p:tgtEl>
+                                          <p:spTgt spid="30"/>
+                                        </p:tgtEl>
+                                      </p:cBhvr>
+                                    </p:animEffect>
+                                    <p:anim calcmode="lin" valueType="num">
+                                      <p:cBhvr>
+                                        <p:cTn id="126" dur="1000"/>
+                                        <p:tgtEl>
+                                          <p:spTgt spid="30"/>
+                                        </p:tgtEl>
+                                        <p:attrNameLst>
+                                          <p:attrName>ppt_x</p:attrName>
+                                        </p:attrNameLst>
+                                      </p:cBhvr>
+                                      <p:tavLst>
+                                        <p:tav tm="0">
+                                          <p:val>
+                                            <p:strVal val="ppt_x"/>
+                                          </p:val>
+                                        </p:tav>
+                                        <p:tav tm="100000">
+                                          <p:val>
+                                            <p:strVal val="ppt_x"/>
+                                          </p:val>
+                                        </p:tav>
+                                      </p:tavLst>
+                                    </p:anim>
+                                    <p:anim calcmode="lin" valueType="num">
+                                      <p:cBhvr>
+                                        <p:cTn id="127" dur="1000"/>
+                                        <p:tgtEl>
+                                          <p:spTgt spid="30"/>
+                                        </p:tgtEl>
+                                        <p:attrNameLst>
+                                          <p:attrName>ppt_y</p:attrName>
+                                        </p:attrNameLst>
+                                      </p:cBhvr>
+                                      <p:tavLst>
+                                        <p:tav tm="0">
+                                          <p:val>
+                                            <p:strVal val="ppt_y"/>
+                                          </p:val>
+                                        </p:tav>
+                                        <p:tav tm="100000">
+                                          <p:val>
+                                            <p:strVal val="ppt_y-.1"/>
+                                          </p:val>
+                                        </p:tav>
+                                      </p:tavLst>
+                                    </p:anim>
+                                    <p:set>
+                                      <p:cBhvr>
+                                        <p:cTn id="128" dur="1" fill="hold">
+                                          <p:stCondLst>
+                                            <p:cond delay="999"/>
+                                          </p:stCondLst>
+                                        </p:cTn>
+                                        <p:tgtEl>
+                                          <p:spTgt spid="30"/>
+                                        </p:tgtEl>
+                                        <p:attrNameLst>
+                                          <p:attrName>style.visibility</p:attrName>
+                                        </p:attrNameLst>
+                                      </p:cBhvr>
+                                      <p:to>
+                                        <p:strVal val="hidden"/>
+                                      </p:to>
+                                    </p:set>
+                                  </p:childTnLst>
+                                </p:cTn>
+                              </p:par>
+                            </p:childTnLst>
+                          </p:cTn>
+                        </p:par>
+                      </p:childTnLst>
+                    </p:cTn>
+                  </p:par>
+                </p:childTnLst>
+              </p:cTn>
+              <p:nextCondLst>
+                <p:cond evt="onClick" delay="0">
+                  <p:tgtEl>
+                    <p:spTgt spid="30"/>
+                  </p:tgtEl>
+                </p:cond>
+              </p:nextCondLst>
+            </p:seq>
+            <p:seq concurrent="1" nextAc="seek">
+              <p:cTn id="129" restart="whenNotActive" fill="hold" evtFilter="cancelBubble" nodeType="interactiveSeq">
+                <p:stCondLst>
+                  <p:cond evt="onClick" delay="0">
+                    <p:tgtEl>
+                      <p:spTgt spid="38"/>
+                    </p:tgtEl>
+                  </p:cond>
+                </p:stCondLst>
+                <p:endSync evt="end" delay="0">
+                  <p:rtn val="all"/>
+                </p:endSync>
+                <p:childTnLst>
+                  <p:par>
+                    <p:cTn id="130" fill="hold">
+                      <p:stCondLst>
+                        <p:cond delay="0"/>
+                      </p:stCondLst>
+                      <p:childTnLst>
+                        <p:par>
+                          <p:cTn id="131" fill="hold">
+                            <p:stCondLst>
+                              <p:cond delay="0"/>
+                            </p:stCondLst>
+                            <p:childTnLst>
+                              <p:par>
+                                <p:cTn id="132" presetID="47" presetClass="exit" presetSubtype="0" fill="hold" nodeType="clickEffect">
+                                  <p:stCondLst>
+                                    <p:cond delay="0"/>
+                                  </p:stCondLst>
+                                  <p:childTnLst>
+                                    <p:animEffect transition="out" filter="fade">
+                                      <p:cBhvr>
+                                        <p:cTn id="133" dur="1000"/>
+                                        <p:tgtEl>
+                                          <p:spTgt spid="38"/>
+                                        </p:tgtEl>
+                                      </p:cBhvr>
+                                    </p:animEffect>
+                                    <p:anim calcmode="lin" valueType="num">
+                                      <p:cBhvr>
+                                        <p:cTn id="134" dur="1000"/>
+                                        <p:tgtEl>
+                                          <p:spTgt spid="38"/>
+                                        </p:tgtEl>
+                                        <p:attrNameLst>
+                                          <p:attrName>ppt_x</p:attrName>
+                                        </p:attrNameLst>
+                                      </p:cBhvr>
+                                      <p:tavLst>
+                                        <p:tav tm="0">
+                                          <p:val>
+                                            <p:strVal val="ppt_x"/>
+                                          </p:val>
+                                        </p:tav>
+                                        <p:tav tm="100000">
+                                          <p:val>
+                                            <p:strVal val="ppt_x"/>
+                                          </p:val>
+                                        </p:tav>
+                                      </p:tavLst>
+                                    </p:anim>
+                                    <p:anim calcmode="lin" valueType="num">
+                                      <p:cBhvr>
+                                        <p:cTn id="135" dur="1000"/>
+                                        <p:tgtEl>
+                                          <p:spTgt spid="38"/>
+                                        </p:tgtEl>
+                                        <p:attrNameLst>
+                                          <p:attrName>ppt_y</p:attrName>
+                                        </p:attrNameLst>
+                                      </p:cBhvr>
+                                      <p:tavLst>
+                                        <p:tav tm="0">
+                                          <p:val>
+                                            <p:strVal val="ppt_y"/>
+                                          </p:val>
+                                        </p:tav>
+                                        <p:tav tm="100000">
+                                          <p:val>
+                                            <p:strVal val="ppt_y-.1"/>
+                                          </p:val>
+                                        </p:tav>
+                                      </p:tavLst>
+                                    </p:anim>
+                                    <p:set>
+                                      <p:cBhvr>
+                                        <p:cTn id="136" dur="1" fill="hold">
+                                          <p:stCondLst>
+                                            <p:cond delay="999"/>
+                                          </p:stCondLst>
+                                        </p:cTn>
+                                        <p:tgtEl>
+                                          <p:spTgt spid="38"/>
+                                        </p:tgtEl>
+                                        <p:attrNameLst>
+                                          <p:attrName>style.visibility</p:attrName>
+                                        </p:attrNameLst>
+                                      </p:cBhvr>
+                                      <p:to>
+                                        <p:strVal val="hidden"/>
+                                      </p:to>
+                                    </p:set>
+                                  </p:childTnLst>
+                                </p:cTn>
+                              </p:par>
+                            </p:childTnLst>
+                          </p:cTn>
+                        </p:par>
+                      </p:childTnLst>
+                    </p:cTn>
+                  </p:par>
+                </p:childTnLst>
+              </p:cTn>
+              <p:nextCondLst>
+                <p:cond evt="onClick" delay="0">
+                  <p:tgtEl>
+                    <p:spTgt spid="38"/>
+                  </p:tgtEl>
+                </p:cond>
+              </p:nextCondLst>
+            </p:seq>
+            <p:seq concurrent="1" nextAc="seek">
+              <p:cTn id="137" restart="whenNotActive" fill="hold" evtFilter="cancelBubble" nodeType="interactiveSeq">
+                <p:stCondLst>
+                  <p:cond evt="onClick" delay="0">
+                    <p:tgtEl>
+                      <p:spTgt spid="31"/>
+                    </p:tgtEl>
+                  </p:cond>
+                </p:stCondLst>
+                <p:endSync evt="end" delay="0">
+                  <p:rtn val="all"/>
+                </p:endSync>
+                <p:childTnLst>
+                  <p:par>
+                    <p:cTn id="138" fill="hold">
+                      <p:stCondLst>
+                        <p:cond delay="0"/>
+                      </p:stCondLst>
+                      <p:childTnLst>
+                        <p:par>
+                          <p:cTn id="139" fill="hold">
+                            <p:stCondLst>
+                              <p:cond delay="0"/>
+                            </p:stCondLst>
+                            <p:childTnLst>
+                              <p:par>
+                                <p:cTn id="140" presetID="47" presetClass="exit" presetSubtype="0" fill="hold" nodeType="clickEffect">
+                                  <p:stCondLst>
+                                    <p:cond delay="0"/>
+                                  </p:stCondLst>
+                                  <p:childTnLst>
+                                    <p:animEffect transition="out" filter="fade">
+                                      <p:cBhvr>
+                                        <p:cTn id="141" dur="1000"/>
+                                        <p:tgtEl>
+                                          <p:spTgt spid="31"/>
+                                        </p:tgtEl>
+                                      </p:cBhvr>
+                                    </p:animEffect>
+                                    <p:anim calcmode="lin" valueType="num">
+                                      <p:cBhvr>
+                                        <p:cTn id="142" dur="1000"/>
+                                        <p:tgtEl>
+                                          <p:spTgt spid="31"/>
+                                        </p:tgtEl>
+                                        <p:attrNameLst>
+                                          <p:attrName>ppt_x</p:attrName>
+                                        </p:attrNameLst>
+                                      </p:cBhvr>
+                                      <p:tavLst>
+                                        <p:tav tm="0">
+                                          <p:val>
+                                            <p:strVal val="ppt_x"/>
+                                          </p:val>
+                                        </p:tav>
+                                        <p:tav tm="100000">
+                                          <p:val>
+                                            <p:strVal val="ppt_x"/>
+                                          </p:val>
+                                        </p:tav>
+                                      </p:tavLst>
+                                    </p:anim>
+                                    <p:anim calcmode="lin" valueType="num">
+                                      <p:cBhvr>
+                                        <p:cTn id="143" dur="1000"/>
+                                        <p:tgtEl>
+                                          <p:spTgt spid="31"/>
+                                        </p:tgtEl>
+                                        <p:attrNameLst>
+                                          <p:attrName>ppt_y</p:attrName>
+                                        </p:attrNameLst>
+                                      </p:cBhvr>
+                                      <p:tavLst>
+                                        <p:tav tm="0">
+                                          <p:val>
+                                            <p:strVal val="ppt_y"/>
+                                          </p:val>
+                                        </p:tav>
+                                        <p:tav tm="100000">
+                                          <p:val>
+                                            <p:strVal val="ppt_y-.1"/>
+                                          </p:val>
+                                        </p:tav>
+                                      </p:tavLst>
+                                    </p:anim>
+                                    <p:set>
+                                      <p:cBhvr>
+                                        <p:cTn id="144" dur="1" fill="hold">
+                                          <p:stCondLst>
+                                            <p:cond delay="999"/>
+                                          </p:stCondLst>
+                                        </p:cTn>
+                                        <p:tgtEl>
+                                          <p:spTgt spid="31"/>
+                                        </p:tgtEl>
+                                        <p:attrNameLst>
+                                          <p:attrName>style.visibility</p:attrName>
+                                        </p:attrNameLst>
+                                      </p:cBhvr>
+                                      <p:to>
+                                        <p:strVal val="hidden"/>
+                                      </p:to>
+                                    </p:set>
+                                  </p:childTnLst>
+                                </p:cTn>
+                              </p:par>
+                            </p:childTnLst>
+                          </p:cTn>
+                        </p:par>
+                      </p:childTnLst>
+                    </p:cTn>
+                  </p:par>
+                </p:childTnLst>
+              </p:cTn>
+              <p:nextCondLst>
+                <p:cond evt="onClick" delay="0">
+                  <p:tgtEl>
+                    <p:spTgt spid="31"/>
+                  </p:tgtEl>
+                </p:cond>
+              </p:nextCondLst>
+            </p:seq>
+            <p:seq concurrent="1" nextAc="seek">
+              <p:cTn id="145" restart="whenNotActive" fill="hold" evtFilter="cancelBubble" nodeType="interactiveSeq">
+                <p:stCondLst>
+                  <p:cond evt="onClick" delay="0">
+                    <p:tgtEl>
+                      <p:spTgt spid="37"/>
+                    </p:tgtEl>
+                  </p:cond>
+                </p:stCondLst>
+                <p:endSync evt="end" delay="0">
+                  <p:rtn val="all"/>
+                </p:endSync>
+                <p:childTnLst>
+                  <p:par>
+                    <p:cTn id="146" fill="hold">
+                      <p:stCondLst>
+                        <p:cond delay="0"/>
+                      </p:stCondLst>
+                      <p:childTnLst>
+                        <p:par>
+                          <p:cTn id="147" fill="hold">
+                            <p:stCondLst>
+                              <p:cond delay="0"/>
+                            </p:stCondLst>
+                            <p:childTnLst>
+                              <p:par>
+                                <p:cTn id="148" presetID="47" presetClass="exit" presetSubtype="0" fill="hold" nodeType="clickEffect">
+                                  <p:stCondLst>
+                                    <p:cond delay="0"/>
+                                  </p:stCondLst>
+                                  <p:childTnLst>
+                                    <p:animEffect transition="out" filter="fade">
+                                      <p:cBhvr>
+                                        <p:cTn id="149" dur="1000"/>
+                                        <p:tgtEl>
+                                          <p:spTgt spid="37"/>
+                                        </p:tgtEl>
+                                      </p:cBhvr>
+                                    </p:animEffect>
+                                    <p:anim calcmode="lin" valueType="num">
+                                      <p:cBhvr>
+                                        <p:cTn id="150" dur="1000"/>
+                                        <p:tgtEl>
+                                          <p:spTgt spid="37"/>
+                                        </p:tgtEl>
+                                        <p:attrNameLst>
+                                          <p:attrName>ppt_x</p:attrName>
+                                        </p:attrNameLst>
+                                      </p:cBhvr>
+                                      <p:tavLst>
+                                        <p:tav tm="0">
+                                          <p:val>
+                                            <p:strVal val="ppt_x"/>
+                                          </p:val>
+                                        </p:tav>
+                                        <p:tav tm="100000">
+                                          <p:val>
+                                            <p:strVal val="ppt_x"/>
+                                          </p:val>
+                                        </p:tav>
+                                      </p:tavLst>
+                                    </p:anim>
+                                    <p:anim calcmode="lin" valueType="num">
+                                      <p:cBhvr>
+                                        <p:cTn id="151" dur="1000"/>
+                                        <p:tgtEl>
+                                          <p:spTgt spid="37"/>
+                                        </p:tgtEl>
+                                        <p:attrNameLst>
+                                          <p:attrName>ppt_y</p:attrName>
+                                        </p:attrNameLst>
+                                      </p:cBhvr>
+                                      <p:tavLst>
+                                        <p:tav tm="0">
+                                          <p:val>
+                                            <p:strVal val="ppt_y"/>
+                                          </p:val>
+                                        </p:tav>
+                                        <p:tav tm="100000">
+                                          <p:val>
+                                            <p:strVal val="ppt_y-.1"/>
+                                          </p:val>
+                                        </p:tav>
+                                      </p:tavLst>
+                                    </p:anim>
+                                    <p:set>
+                                      <p:cBhvr>
+                                        <p:cTn id="152" dur="1" fill="hold">
+                                          <p:stCondLst>
+                                            <p:cond delay="999"/>
+                                          </p:stCondLst>
+                                        </p:cTn>
+                                        <p:tgtEl>
+                                          <p:spTgt spid="37"/>
+                                        </p:tgtEl>
+                                        <p:attrNameLst>
+                                          <p:attrName>style.visibility</p:attrName>
+                                        </p:attrNameLst>
+                                      </p:cBhvr>
+                                      <p:to>
+                                        <p:strVal val="hidden"/>
+                                      </p:to>
+                                    </p:set>
+                                  </p:childTnLst>
+                                </p:cTn>
+                              </p:par>
+                            </p:childTnLst>
+                          </p:cTn>
+                        </p:par>
+                      </p:childTnLst>
+                    </p:cTn>
+                  </p:par>
+                </p:childTnLst>
+              </p:cTn>
+              <p:nextCondLst>
+                <p:cond evt="onClick" delay="0">
+                  <p:tgtEl>
+                    <p:spTgt spid="37"/>
+                  </p:tgtEl>
+                </p:cond>
+              </p:nextCondLst>
+            </p:seq>
+            <p:seq concurrent="1" nextAc="seek">
+              <p:cTn id="153" restart="whenNotActive" fill="hold" evtFilter="cancelBubble" nodeType="interactiveSeq">
+                <p:stCondLst>
+                  <p:cond evt="onClick" delay="0">
+                    <p:tgtEl>
+                      <p:spTgt spid="41"/>
+                    </p:tgtEl>
+                  </p:cond>
+                </p:stCondLst>
+                <p:endSync evt="end" delay="0">
+                  <p:rtn val="all"/>
+                </p:endSync>
+                <p:childTnLst>
+                  <p:par>
+                    <p:cTn id="154" fill="hold">
+                      <p:stCondLst>
+                        <p:cond delay="0"/>
+                      </p:stCondLst>
+                      <p:childTnLst>
+                        <p:par>
+                          <p:cTn id="155" fill="hold">
+                            <p:stCondLst>
+                              <p:cond delay="0"/>
+                            </p:stCondLst>
+                            <p:childTnLst>
+                              <p:par>
+                                <p:cTn id="156" presetID="47" presetClass="exit" presetSubtype="0" fill="hold" nodeType="clickEffect">
+                                  <p:stCondLst>
+                                    <p:cond delay="0"/>
+                                  </p:stCondLst>
+                                  <p:childTnLst>
+                                    <p:animEffect transition="out" filter="fade">
+                                      <p:cBhvr>
+                                        <p:cTn id="157" dur="1000"/>
+                                        <p:tgtEl>
+                                          <p:spTgt spid="41"/>
+                                        </p:tgtEl>
+                                      </p:cBhvr>
+                                    </p:animEffect>
+                                    <p:anim calcmode="lin" valueType="num">
+                                      <p:cBhvr>
+                                        <p:cTn id="158" dur="1000"/>
+                                        <p:tgtEl>
+                                          <p:spTgt spid="41"/>
+                                        </p:tgtEl>
+                                        <p:attrNameLst>
+                                          <p:attrName>ppt_x</p:attrName>
+                                        </p:attrNameLst>
+                                      </p:cBhvr>
+                                      <p:tavLst>
+                                        <p:tav tm="0">
+                                          <p:val>
+                                            <p:strVal val="ppt_x"/>
+                                          </p:val>
+                                        </p:tav>
+                                        <p:tav tm="100000">
+                                          <p:val>
+                                            <p:strVal val="ppt_x"/>
+                                          </p:val>
+                                        </p:tav>
+                                      </p:tavLst>
+                                    </p:anim>
+                                    <p:anim calcmode="lin" valueType="num">
+                                      <p:cBhvr>
+                                        <p:cTn id="159" dur="1000"/>
+                                        <p:tgtEl>
+                                          <p:spTgt spid="41"/>
+                                        </p:tgtEl>
+                                        <p:attrNameLst>
+                                          <p:attrName>ppt_y</p:attrName>
+                                        </p:attrNameLst>
+                                      </p:cBhvr>
+                                      <p:tavLst>
+                                        <p:tav tm="0">
+                                          <p:val>
+                                            <p:strVal val="ppt_y"/>
+                                          </p:val>
+                                        </p:tav>
+                                        <p:tav tm="100000">
+                                          <p:val>
+                                            <p:strVal val="ppt_y-.1"/>
+                                          </p:val>
+                                        </p:tav>
+                                      </p:tavLst>
+                                    </p:anim>
+                                    <p:set>
+                                      <p:cBhvr>
+                                        <p:cTn id="160" dur="1" fill="hold">
+                                          <p:stCondLst>
+                                            <p:cond delay="999"/>
+                                          </p:stCondLst>
+                                        </p:cTn>
+                                        <p:tgtEl>
+                                          <p:spTgt spid="41"/>
+                                        </p:tgtEl>
+                                        <p:attrNameLst>
+                                          <p:attrName>style.visibility</p:attrName>
+                                        </p:attrNameLst>
+                                      </p:cBhvr>
+                                      <p:to>
+                                        <p:strVal val="hidden"/>
+                                      </p:to>
+                                    </p:set>
+                                  </p:childTnLst>
+                                </p:cTn>
+                              </p:par>
+                            </p:childTnLst>
+                          </p:cTn>
+                        </p:par>
+                      </p:childTnLst>
+                    </p:cTn>
+                  </p:par>
+                </p:childTnLst>
+              </p:cTn>
+              <p:nextCondLst>
+                <p:cond evt="onClick" delay="0">
+                  <p:tgtEl>
+                    <p:spTgt spid="41"/>
+                  </p:tgtEl>
+                </p:cond>
+              </p:nextCondLst>
+            </p:seq>
+            <p:seq concurrent="1" nextAc="seek">
+              <p:cTn id="161" restart="whenNotActive" fill="hold" evtFilter="cancelBubble" nodeType="interactiveSeq">
+                <p:stCondLst>
+                  <p:cond evt="onClick" delay="0">
+                    <p:tgtEl>
+                      <p:spTgt spid="34"/>
+                    </p:tgtEl>
+                  </p:cond>
+                </p:stCondLst>
+                <p:endSync evt="end" delay="0">
+                  <p:rtn val="all"/>
+                </p:endSync>
+                <p:childTnLst>
+                  <p:par>
+                    <p:cTn id="162" fill="hold">
+                      <p:stCondLst>
+                        <p:cond delay="0"/>
+                      </p:stCondLst>
+                      <p:childTnLst>
+                        <p:par>
+                          <p:cTn id="163" fill="hold">
+                            <p:stCondLst>
+                              <p:cond delay="0"/>
+                            </p:stCondLst>
+                            <p:childTnLst>
+                              <p:par>
+                                <p:cTn id="164" presetID="47" presetClass="exit" presetSubtype="0" fill="hold" nodeType="clickEffect">
+                                  <p:stCondLst>
+                                    <p:cond delay="0"/>
+                                  </p:stCondLst>
+                                  <p:childTnLst>
+                                    <p:animEffect transition="out" filter="fade">
+                                      <p:cBhvr>
+                                        <p:cTn id="165" dur="1000"/>
+                                        <p:tgtEl>
+                                          <p:spTgt spid="34"/>
+                                        </p:tgtEl>
+                                      </p:cBhvr>
+                                    </p:animEffect>
+                                    <p:anim calcmode="lin" valueType="num">
+                                      <p:cBhvr>
+                                        <p:cTn id="166" dur="1000"/>
+                                        <p:tgtEl>
+                                          <p:spTgt spid="34"/>
+                                        </p:tgtEl>
+                                        <p:attrNameLst>
+                                          <p:attrName>ppt_x</p:attrName>
+                                        </p:attrNameLst>
+                                      </p:cBhvr>
+                                      <p:tavLst>
+                                        <p:tav tm="0">
+                                          <p:val>
+                                            <p:strVal val="ppt_x"/>
+                                          </p:val>
+                                        </p:tav>
+                                        <p:tav tm="100000">
+                                          <p:val>
+                                            <p:strVal val="ppt_x"/>
+                                          </p:val>
+                                        </p:tav>
+                                      </p:tavLst>
+                                    </p:anim>
+                                    <p:anim calcmode="lin" valueType="num">
+                                      <p:cBhvr>
+                                        <p:cTn id="167" dur="1000"/>
+                                        <p:tgtEl>
+                                          <p:spTgt spid="34"/>
+                                        </p:tgtEl>
+                                        <p:attrNameLst>
+                                          <p:attrName>ppt_y</p:attrName>
+                                        </p:attrNameLst>
+                                      </p:cBhvr>
+                                      <p:tavLst>
+                                        <p:tav tm="0">
+                                          <p:val>
+                                            <p:strVal val="ppt_y"/>
+                                          </p:val>
+                                        </p:tav>
+                                        <p:tav tm="100000">
+                                          <p:val>
+                                            <p:strVal val="ppt_y-.1"/>
+                                          </p:val>
+                                        </p:tav>
+                                      </p:tavLst>
+                                    </p:anim>
+                                    <p:set>
+                                      <p:cBhvr>
+                                        <p:cTn id="168" dur="1" fill="hold">
+                                          <p:stCondLst>
+                                            <p:cond delay="999"/>
+                                          </p:stCondLst>
+                                        </p:cTn>
+                                        <p:tgtEl>
+                                          <p:spTgt spid="34"/>
+                                        </p:tgtEl>
+                                        <p:attrNameLst>
+                                          <p:attrName>style.visibility</p:attrName>
+                                        </p:attrNameLst>
+                                      </p:cBhvr>
+                                      <p:to>
+                                        <p:strVal val="hidden"/>
+                                      </p:to>
+                                    </p:set>
+                                  </p:childTnLst>
+                                </p:cTn>
+                              </p:par>
+                            </p:childTnLst>
+                          </p:cTn>
+                        </p:par>
+                      </p:childTnLst>
+                    </p:cTn>
+                  </p:par>
+                </p:childTnLst>
+              </p:cTn>
+              <p:nextCondLst>
+                <p:cond evt="onClick" delay="0">
+                  <p:tgtEl>
+                    <p:spTgt spid="34"/>
+                  </p:tgtEl>
+                </p:cond>
+              </p:nextCondLst>
+            </p:seq>
+            <p:seq concurrent="1" nextAc="seek">
+              <p:cTn id="169" restart="whenNotActive" fill="hold" evtFilter="cancelBubble" nodeType="interactiveSeq">
+                <p:stCondLst>
+                  <p:cond evt="onClick" delay="0">
+                    <p:tgtEl>
+                      <p:spTgt spid="27"/>
+                    </p:tgtEl>
+                  </p:cond>
+                </p:stCondLst>
+                <p:endSync evt="end" delay="0">
+                  <p:rtn val="all"/>
+                </p:endSync>
+                <p:childTnLst>
+                  <p:par>
+                    <p:cTn id="170" fill="hold">
+                      <p:stCondLst>
+                        <p:cond delay="0"/>
+                      </p:stCondLst>
+                      <p:childTnLst>
+                        <p:par>
+                          <p:cTn id="171" fill="hold">
+                            <p:stCondLst>
+                              <p:cond delay="0"/>
+                            </p:stCondLst>
+                            <p:childTnLst>
+                              <p:par>
+                                <p:cTn id="172" presetID="47" presetClass="exit" presetSubtype="0" fill="hold" nodeType="clickEffect">
+                                  <p:stCondLst>
+                                    <p:cond delay="0"/>
+                                  </p:stCondLst>
+                                  <p:childTnLst>
+                                    <p:animEffect transition="out" filter="fade">
+                                      <p:cBhvr>
+                                        <p:cTn id="173" dur="1000"/>
+                                        <p:tgtEl>
+                                          <p:spTgt spid="27"/>
+                                        </p:tgtEl>
+                                      </p:cBhvr>
+                                    </p:animEffect>
+                                    <p:anim calcmode="lin" valueType="num">
+                                      <p:cBhvr>
+                                        <p:cTn id="174" dur="1000"/>
+                                        <p:tgtEl>
+                                          <p:spTgt spid="27"/>
+                                        </p:tgtEl>
+                                        <p:attrNameLst>
+                                          <p:attrName>ppt_x</p:attrName>
+                                        </p:attrNameLst>
+                                      </p:cBhvr>
+                                      <p:tavLst>
+                                        <p:tav tm="0">
+                                          <p:val>
+                                            <p:strVal val="ppt_x"/>
+                                          </p:val>
+                                        </p:tav>
+                                        <p:tav tm="100000">
+                                          <p:val>
+                                            <p:strVal val="ppt_x"/>
+                                          </p:val>
+                                        </p:tav>
+                                      </p:tavLst>
+                                    </p:anim>
+                                    <p:anim calcmode="lin" valueType="num">
+                                      <p:cBhvr>
+                                        <p:cTn id="175" dur="1000"/>
+                                        <p:tgtEl>
+                                          <p:spTgt spid="27"/>
+                                        </p:tgtEl>
+                                        <p:attrNameLst>
+                                          <p:attrName>ppt_y</p:attrName>
+                                        </p:attrNameLst>
+                                      </p:cBhvr>
+                                      <p:tavLst>
+                                        <p:tav tm="0">
+                                          <p:val>
+                                            <p:strVal val="ppt_y"/>
+                                          </p:val>
+                                        </p:tav>
+                                        <p:tav tm="100000">
+                                          <p:val>
+                                            <p:strVal val="ppt_y-.1"/>
+                                          </p:val>
+                                        </p:tav>
+                                      </p:tavLst>
+                                    </p:anim>
+                                    <p:set>
+                                      <p:cBhvr>
+                                        <p:cTn id="176" dur="1" fill="hold">
+                                          <p:stCondLst>
+                                            <p:cond delay="999"/>
+                                          </p:stCondLst>
+                                        </p:cTn>
+                                        <p:tgtEl>
+                                          <p:spTgt spid="27"/>
+                                        </p:tgtEl>
+                                        <p:attrNameLst>
+                                          <p:attrName>style.visibility</p:attrName>
+                                        </p:attrNameLst>
+                                      </p:cBhvr>
+                                      <p:to>
+                                        <p:strVal val="hidden"/>
+                                      </p:to>
+                                    </p:set>
+                                  </p:childTnLst>
+                                </p:cTn>
+                              </p:par>
+                            </p:childTnLst>
+                          </p:cTn>
+                        </p:par>
+                      </p:childTnLst>
+                    </p:cTn>
+                  </p:par>
+                </p:childTnLst>
+              </p:cTn>
+              <p:nextCondLst>
+                <p:cond evt="onClick" delay="0">
+                  <p:tgtEl>
+                    <p:spTgt spid="27"/>
+                  </p:tgtEl>
+                </p:cond>
+              </p:nextCondLst>
+            </p:seq>
+            <p:seq concurrent="1" nextAc="seek">
+              <p:cTn id="177" restart="whenNotActive" fill="hold" evtFilter="cancelBubble" nodeType="interactiveSeq">
+                <p:stCondLst>
+                  <p:cond evt="onClick" delay="0">
+                    <p:tgtEl>
+                      <p:spTgt spid="28"/>
+                    </p:tgtEl>
+                  </p:cond>
+                </p:stCondLst>
+                <p:endSync evt="end" delay="0">
+                  <p:rtn val="all"/>
+                </p:endSync>
+                <p:childTnLst>
+                  <p:par>
+                    <p:cTn id="178" fill="hold">
+                      <p:stCondLst>
+                        <p:cond delay="0"/>
+                      </p:stCondLst>
+                      <p:childTnLst>
+                        <p:par>
+                          <p:cTn id="179" fill="hold">
+                            <p:stCondLst>
+                              <p:cond delay="0"/>
+                            </p:stCondLst>
+                            <p:childTnLst>
+                              <p:par>
+                                <p:cTn id="180" presetID="47" presetClass="exit" presetSubtype="0" fill="hold" nodeType="clickEffect">
+                                  <p:stCondLst>
+                                    <p:cond delay="0"/>
+                                  </p:stCondLst>
+                                  <p:childTnLst>
+                                    <p:animEffect transition="out" filter="fade">
+                                      <p:cBhvr>
+                                        <p:cTn id="181" dur="1000"/>
+                                        <p:tgtEl>
+                                          <p:spTgt spid="28"/>
+                                        </p:tgtEl>
+                                      </p:cBhvr>
+                                    </p:animEffect>
+                                    <p:anim calcmode="lin" valueType="num">
+                                      <p:cBhvr>
+                                        <p:cTn id="182" dur="1000"/>
+                                        <p:tgtEl>
+                                          <p:spTgt spid="28"/>
+                                        </p:tgtEl>
+                                        <p:attrNameLst>
+                                          <p:attrName>ppt_x</p:attrName>
+                                        </p:attrNameLst>
+                                      </p:cBhvr>
+                                      <p:tavLst>
+                                        <p:tav tm="0">
+                                          <p:val>
+                                            <p:strVal val="ppt_x"/>
+                                          </p:val>
+                                        </p:tav>
+                                        <p:tav tm="100000">
+                                          <p:val>
+                                            <p:strVal val="ppt_x"/>
+                                          </p:val>
+                                        </p:tav>
+                                      </p:tavLst>
+                                    </p:anim>
+                                    <p:anim calcmode="lin" valueType="num">
+                                      <p:cBhvr>
+                                        <p:cTn id="183" dur="1000"/>
+                                        <p:tgtEl>
+                                          <p:spTgt spid="28"/>
+                                        </p:tgtEl>
+                                        <p:attrNameLst>
+                                          <p:attrName>ppt_y</p:attrName>
+                                        </p:attrNameLst>
+                                      </p:cBhvr>
+                                      <p:tavLst>
+                                        <p:tav tm="0">
+                                          <p:val>
+                                            <p:strVal val="ppt_y"/>
+                                          </p:val>
+                                        </p:tav>
+                                        <p:tav tm="100000">
+                                          <p:val>
+                                            <p:strVal val="ppt_y-.1"/>
+                                          </p:val>
+                                        </p:tav>
+                                      </p:tavLst>
+                                    </p:anim>
+                                    <p:set>
+                                      <p:cBhvr>
+                                        <p:cTn id="184" dur="1" fill="hold">
+                                          <p:stCondLst>
+                                            <p:cond delay="999"/>
+                                          </p:stCondLst>
+                                        </p:cTn>
+                                        <p:tgtEl>
+                                          <p:spTgt spid="28"/>
+                                        </p:tgtEl>
+                                        <p:attrNameLst>
+                                          <p:attrName>style.visibility</p:attrName>
+                                        </p:attrNameLst>
+                                      </p:cBhvr>
+                                      <p:to>
+                                        <p:strVal val="hidden"/>
+                                      </p:to>
+                                    </p:set>
+                                  </p:childTnLst>
+                                </p:cTn>
+                              </p:par>
+                            </p:childTnLst>
+                          </p:cTn>
+                        </p:par>
+                      </p:childTnLst>
+                    </p:cTn>
+                  </p:par>
+                </p:childTnLst>
+              </p:cTn>
+              <p:nextCondLst>
+                <p:cond evt="onClick" delay="0">
+                  <p:tgtEl>
+                    <p:spTgt spid="28"/>
+                  </p:tgtEl>
+                </p:cond>
+              </p:nextCondLst>
+            </p:seq>
+          </p:childTnLst>
+        </p:cTn>
+      </p:par>
+    </p:tnLst>
+  </p:timing>
+</p:sld>
+</file>
+
+<file path=ppt/slides/slide8.xml><?xml version="1.0" encoding="utf-8"?>
+<p:sld xmlns:a="http://schemas.openxmlformats.org/drawingml/2006/main" xmlns:r="http://schemas.openxmlformats.org/officeDocument/2006/relationships" xmlns:p="http://schemas.openxmlformats.org/presentationml/2006/main">
+  <p:cSld>
+    <p:spTree>
+      <p:nvGrpSpPr>
+        <p:cNvPr id="1" name=""/>
+        <p:cNvGrpSpPr/>
+        <p:nvPr/>
+      </p:nvGrpSpPr>
+      <p:grpSpPr>
+        <a:xfrm>
+          <a:off x="0" y="0"/>
+          <a:ext cx="0" cy="0"/>
+          <a:chOff x="0" y="0"/>
+          <a:chExt cx="0" cy="0"/>
+        </a:xfrm>
+      </p:grpSpPr>
+      <p:sp>
+        <p:nvSpPr>
+          <p:cNvPr id="2" name="CuadroTexto 1">
+            <a:extLst>
+              <a:ext uri="{FF2B5EF4-FFF2-40B4-BE49-F238E27FC236}">
+                <a16:creationId xmlns:a16="http://schemas.microsoft.com/office/drawing/2014/main" id="{A750A488-DC31-4058-B854-AEAAC8F2CC5D}"/>
+              </a:ext>
+            </a:extLst>
+          </p:cNvPr>
+          <p:cNvSpPr txBox="1"/>
+          <p:nvPr/>
+        </p:nvSpPr>
+        <p:spPr>
+          <a:xfrm>
+            <a:off x="4993775" y="3233993"/>
+            <a:ext cx="2204450" cy="461665"/>
+          </a:xfrm>
+          <a:prstGeom prst="rect">
+            <a:avLst/>
+          </a:prstGeom>
+          <a:noFill/>
+        </p:spPr>
+        <p:txBody>
+          <a:bodyPr wrap="none" rtlCol="0">
+            <a:spAutoFit/>
+          </a:bodyPr>
+          <a:lstStyle/>
+          <a:p>
+            <a:r>
+              <a:rPr lang="en-US" sz="2400" b="1" u="sng" dirty="0">
+                <a:latin typeface="Arial Black" panose="020B0A04020102020204" pitchFamily="34" charset="0"/>
+              </a:rPr>
+              <a:t>PERDISTE!!!</a:t>
+            </a:r>
+            <a:endParaRPr lang="es-ES" sz="2400" b="1" u="sng" dirty="0">
+              <a:latin typeface="Arial Black" panose="020B0A04020102020204" pitchFamily="34" charset="0"/>
+            </a:endParaRPr>
+          </a:p>
+        </p:txBody>
+      </p:sp>
+      <p:sp>
+        <p:nvSpPr>
+          <p:cNvPr id="11" name="Rectángulo 10">
+            <a:extLst>
+              <a:ext uri="{FF2B5EF4-FFF2-40B4-BE49-F238E27FC236}">
+                <a16:creationId xmlns:a16="http://schemas.microsoft.com/office/drawing/2014/main" id="{30656BCA-846D-4331-88B6-FEB6E1C113E6}"/>
+              </a:ext>
+            </a:extLst>
+          </p:cNvPr>
+          <p:cNvSpPr/>
+          <p:nvPr/>
+        </p:nvSpPr>
+        <p:spPr>
+          <a:xfrm>
+            <a:off x="1" y="0"/>
+            <a:ext cx="376748" cy="6858000"/>
+          </a:xfrm>
+          <a:prstGeom prst="rect">
+            <a:avLst/>
+          </a:prstGeom>
+        </p:spPr>
+        <p:style>
+          <a:lnRef idx="1">
+            <a:schemeClr val="accent2"/>
+          </a:lnRef>
+          <a:fillRef idx="3">
+            <a:schemeClr val="accent2"/>
+          </a:fillRef>
+          <a:effectRef idx="2">
+            <a:schemeClr val="accent2"/>
+          </a:effectRef>
+          <a:fontRef idx="minor">
+            <a:schemeClr val="lt1"/>
+          </a:fontRef>
+        </p:style>
+        <p:txBody>
+          <a:bodyPr rtlCol="0" anchor="ctr"/>
+          <a:lstStyle/>
+          <a:p>
+            <a:pPr algn="ctr"/>
+            <a:endParaRPr lang="es-ES"/>
+          </a:p>
+        </p:txBody>
+      </p:sp>
+    </p:spTree>
+    <p:extLst>
+      <p:ext uri="{BB962C8B-B14F-4D97-AF65-F5344CB8AC3E}">
+        <p14:creationId xmlns:p14="http://schemas.microsoft.com/office/powerpoint/2010/main" val="1503309642"/>
       </p:ext>
     </p:extLst>
   </p:cSld>

--- a/trayectoriaDeAnimaciones.pptx
+++ b/trayectoriaDeAnimaciones.pptx
@@ -13,6 +13,7 @@
     <p:sldId id="261" r:id="rId7"/>
     <p:sldId id="262" r:id="rId8"/>
     <p:sldId id="263" r:id="rId9"/>
+    <p:sldId id="264" r:id="rId10"/>
   </p:sldIdLst>
   <p:sldSz cx="12192000" cy="6858000"/>
   <p:notesSz cx="6858000" cy="9144000"/>
@@ -3910,6 +3911,90 @@
           </a:p>
         </p:txBody>
       </p:sp>
+      <p:sp>
+        <p:nvSpPr>
+          <p:cNvPr id="15" name="Rectángulo 14">
+            <a:extLst>
+              <a:ext uri="{FF2B5EF4-FFF2-40B4-BE49-F238E27FC236}">
+                <a16:creationId xmlns:a16="http://schemas.microsoft.com/office/drawing/2014/main" id="{1235B152-FDF0-4CE6-9005-96768B2F770A}"/>
+              </a:ext>
+            </a:extLst>
+          </p:cNvPr>
+          <p:cNvSpPr/>
+          <p:nvPr/>
+        </p:nvSpPr>
+        <p:spPr>
+          <a:xfrm>
+            <a:off x="1" y="0"/>
+            <a:ext cx="376748" cy="6858000"/>
+          </a:xfrm>
+          <a:prstGeom prst="rect">
+            <a:avLst/>
+          </a:prstGeom>
+        </p:spPr>
+        <p:style>
+          <a:lnRef idx="1">
+            <a:schemeClr val="accent2"/>
+          </a:lnRef>
+          <a:fillRef idx="3">
+            <a:schemeClr val="accent2"/>
+          </a:fillRef>
+          <a:effectRef idx="2">
+            <a:schemeClr val="accent2"/>
+          </a:effectRef>
+          <a:fontRef idx="minor">
+            <a:schemeClr val="lt1"/>
+          </a:fontRef>
+        </p:style>
+        <p:txBody>
+          <a:bodyPr rtlCol="0" anchor="ctr"/>
+          <a:lstStyle/>
+          <a:p>
+            <a:pPr algn="ctr"/>
+            <a:endParaRPr lang="es-ES"/>
+          </a:p>
+        </p:txBody>
+      </p:sp>
+      <p:sp>
+        <p:nvSpPr>
+          <p:cNvPr id="16" name="CuadroTexto 15">
+            <a:extLst>
+              <a:ext uri="{FF2B5EF4-FFF2-40B4-BE49-F238E27FC236}">
+                <a16:creationId xmlns:a16="http://schemas.microsoft.com/office/drawing/2014/main" id="{7CF6E84E-B974-4019-99DA-A4E1E0EDEED1}"/>
+              </a:ext>
+            </a:extLst>
+          </p:cNvPr>
+          <p:cNvSpPr txBox="1"/>
+          <p:nvPr/>
+        </p:nvSpPr>
+        <p:spPr>
+          <a:xfrm>
+            <a:off x="4605436" y="544138"/>
+            <a:ext cx="2300502" cy="461665"/>
+          </a:xfrm>
+          <a:prstGeom prst="rect">
+            <a:avLst/>
+          </a:prstGeom>
+          <a:noFill/>
+        </p:spPr>
+        <p:txBody>
+          <a:bodyPr wrap="none" rtlCol="0">
+            <a:spAutoFit/>
+          </a:bodyPr>
+          <a:lstStyle/>
+          <a:p>
+            <a:r>
+              <a:rPr lang="en-US" sz="2400" b="1" u="sng" dirty="0">
+                <a:latin typeface="Arial Black" panose="020B0A04020102020204" pitchFamily="34" charset="0"/>
+              </a:rPr>
+              <a:t>Trabajo final</a:t>
+            </a:r>
+            <a:endParaRPr lang="es-ES" sz="2400" b="1" u="sng" dirty="0">
+              <a:latin typeface="Arial Black" panose="020B0A04020102020204" pitchFamily="34" charset="0"/>
+            </a:endParaRPr>
+          </a:p>
+        </p:txBody>
+      </p:sp>
     </p:spTree>
     <p:extLst>
       <p:ext uri="{BB962C8B-B14F-4D97-AF65-F5344CB8AC3E}">
@@ -4266,6 +4351,102 @@
           </a:prstGeom>
         </p:spPr>
       </p:pic>
+      <p:sp>
+        <p:nvSpPr>
+          <p:cNvPr id="3" name="Rectángulo 2">
+            <a:extLst>
+              <a:ext uri="{FF2B5EF4-FFF2-40B4-BE49-F238E27FC236}">
+                <a16:creationId xmlns:a16="http://schemas.microsoft.com/office/drawing/2014/main" id="{CF81CA10-7F06-4DDA-9038-E5C71501EA89}"/>
+              </a:ext>
+            </a:extLst>
+          </p:cNvPr>
+          <p:cNvSpPr/>
+          <p:nvPr/>
+        </p:nvSpPr>
+        <p:spPr>
+          <a:xfrm>
+            <a:off x="1" y="0"/>
+            <a:ext cx="376748" cy="6858000"/>
+          </a:xfrm>
+          <a:prstGeom prst="rect">
+            <a:avLst/>
+          </a:prstGeom>
+        </p:spPr>
+        <p:style>
+          <a:lnRef idx="1">
+            <a:schemeClr val="accent2"/>
+          </a:lnRef>
+          <a:fillRef idx="3">
+            <a:schemeClr val="accent2"/>
+          </a:fillRef>
+          <a:effectRef idx="2">
+            <a:schemeClr val="accent2"/>
+          </a:effectRef>
+          <a:fontRef idx="minor">
+            <a:schemeClr val="lt1"/>
+          </a:fontRef>
+        </p:style>
+        <p:txBody>
+          <a:bodyPr rtlCol="0" anchor="ctr"/>
+          <a:lstStyle/>
+          <a:p>
+            <a:pPr algn="ctr"/>
+            <a:endParaRPr lang="es-ES"/>
+          </a:p>
+        </p:txBody>
+      </p:sp>
+      <p:sp>
+        <p:nvSpPr>
+          <p:cNvPr id="4" name="CuadroTexto 3">
+            <a:extLst>
+              <a:ext uri="{FF2B5EF4-FFF2-40B4-BE49-F238E27FC236}">
+                <a16:creationId xmlns:a16="http://schemas.microsoft.com/office/drawing/2014/main" id="{E9D98647-652A-4CB5-A6CC-282BE2685244}"/>
+              </a:ext>
+            </a:extLst>
+          </p:cNvPr>
+          <p:cNvSpPr txBox="1"/>
+          <p:nvPr/>
+        </p:nvSpPr>
+        <p:spPr>
+          <a:xfrm>
+            <a:off x="4165207" y="655385"/>
+            <a:ext cx="3731791" cy="461665"/>
+          </a:xfrm>
+          <a:prstGeom prst="rect">
+            <a:avLst/>
+          </a:prstGeom>
+          <a:noFill/>
+        </p:spPr>
+        <p:txBody>
+          <a:bodyPr wrap="none" rtlCol="0">
+            <a:spAutoFit/>
+          </a:bodyPr>
+          <a:lstStyle/>
+          <a:p>
+            <a:r>
+              <a:rPr lang="en-US" sz="2400" b="1" u="sng" dirty="0" err="1">
+                <a:latin typeface="Arial Black" panose="020B0A04020102020204" pitchFamily="34" charset="0"/>
+              </a:rPr>
+              <a:t>Seguimiento</a:t>
+            </a:r>
+            <a:r>
+              <a:rPr lang="en-US" sz="2400" b="1" u="sng" dirty="0">
+                <a:latin typeface="Arial Black" panose="020B0A04020102020204" pitchFamily="34" charset="0"/>
+              </a:rPr>
+              <a:t> de </a:t>
+            </a:r>
+            <a:r>
+              <a:rPr lang="en-US" sz="2400" b="1" u="sng" dirty="0" err="1">
+                <a:latin typeface="Arial Black" panose="020B0A04020102020204" pitchFamily="34" charset="0"/>
+              </a:rPr>
+              <a:t>linea</a:t>
+            </a:r>
+            <a:endParaRPr lang="es-ES" sz="2400" b="1" u="sng" dirty="0">
+              <a:latin typeface="Arial Black" panose="020B0A04020102020204" pitchFamily="34" charset="0"/>
+            </a:endParaRPr>
+          </a:p>
+        </p:txBody>
+      </p:sp>
     </p:spTree>
     <p:extLst>
       <p:ext uri="{BB962C8B-B14F-4D97-AF65-F5344CB8AC3E}">
@@ -4438,6 +4619,61 @@
           </a:prstGeom>
         </p:spPr>
       </p:pic>
+      <p:sp>
+        <p:nvSpPr>
+          <p:cNvPr id="4" name="CuadroTexto 3">
+            <a:extLst>
+              <a:ext uri="{FF2B5EF4-FFF2-40B4-BE49-F238E27FC236}">
+                <a16:creationId xmlns:a16="http://schemas.microsoft.com/office/drawing/2014/main" id="{4E0D89C4-2F9D-4687-988F-005A7DD5ED95}"/>
+              </a:ext>
+            </a:extLst>
+          </p:cNvPr>
+          <p:cNvSpPr txBox="1"/>
+          <p:nvPr/>
+        </p:nvSpPr>
+        <p:spPr>
+          <a:xfrm>
+            <a:off x="4000997" y="3276927"/>
+            <a:ext cx="4737900" cy="461665"/>
+          </a:xfrm>
+          <a:prstGeom prst="rect">
+            <a:avLst/>
+          </a:prstGeom>
+          <a:noFill/>
+        </p:spPr>
+        <p:txBody>
+          <a:bodyPr wrap="none" rtlCol="0">
+            <a:spAutoFit/>
+          </a:bodyPr>
+          <a:lstStyle/>
+          <a:p>
+            <a:r>
+              <a:rPr lang="en-US" sz="2400" b="1" u="sng" dirty="0" err="1">
+                <a:solidFill>
+                  <a:schemeClr val="bg1"/>
+                </a:solidFill>
+                <a:latin typeface="Arial Black" panose="020B0A04020102020204" pitchFamily="34" charset="0"/>
+              </a:rPr>
+              <a:t>Animacion</a:t>
+            </a:r>
+            <a:r>
+              <a:rPr lang="en-US" sz="2400" b="1" u="sng" dirty="0">
+                <a:solidFill>
+                  <a:schemeClr val="bg1"/>
+                </a:solidFill>
+                <a:latin typeface="Arial Black" panose="020B0A04020102020204" pitchFamily="34" charset="0"/>
+              </a:rPr>
+              <a:t> con movimiento</a:t>
+            </a:r>
+            <a:endParaRPr lang="es-ES" sz="2400" b="1" u="sng" dirty="0">
+              <a:solidFill>
+                <a:schemeClr val="bg1"/>
+              </a:solidFill>
+              <a:latin typeface="Arial Black" panose="020B0A04020102020204" pitchFamily="34" charset="0"/>
+            </a:endParaRPr>
+          </a:p>
+        </p:txBody>
+      </p:sp>
     </p:spTree>
     <p:extLst>
       <p:ext uri="{BB962C8B-B14F-4D97-AF65-F5344CB8AC3E}">
@@ -4899,7 +5135,7 @@
           <a:lstStyle/>
           <a:p>
             <a:pPr algn="ctr"/>
-            <a:endParaRPr lang="es-ES"/>
+            <a:endParaRPr lang="es-ES" dirty="0"/>
           </a:p>
         </p:txBody>
       </p:sp>
@@ -5254,7 +5490,7 @@
                             </p:stCondLst>
                             <p:childTnLst>
                               <p:par>
-                                <p:cTn id="5" presetID="21" presetClass="entr" presetSubtype="1" fill="hold" grpId="0" nodeType="clickEffect">
+                                <p:cTn id="5" presetID="17" presetClass="entr" presetSubtype="10" repeatCount="4000" fill="hold" grpId="0" nodeType="clickEffect">
                                   <p:stCondLst>
                                     <p:cond delay="0"/>
                                   </p:stCondLst>
@@ -5277,14 +5513,52 @@
                                         <p:strVal val="visible"/>
                                       </p:to>
                                     </p:set>
-                                    <p:animEffect transition="in" filter="wheel(1)">
-                                      <p:cBhvr>
-                                        <p:cTn id="7" dur="2000"/>
+                                    <p:anim calcmode="lin" valueType="num">
+                                      <p:cBhvr>
+                                        <p:cTn id="7" dur="500" fill="hold"/>
                                         <p:tgtEl>
                                           <p:spTgt spid="3"/>
                                         </p:tgtEl>
-                                      </p:cBhvr>
-                                    </p:animEffect>
+                                        <p:attrNameLst>
+                                          <p:attrName>ppt_w</p:attrName>
+                                        </p:attrNameLst>
+                                      </p:cBhvr>
+                                      <p:tavLst>
+                                        <p:tav tm="0">
+                                          <p:val>
+                                            <p:fltVal val="0"/>
+                                          </p:val>
+                                        </p:tav>
+                                        <p:tav tm="100000">
+                                          <p:val>
+                                            <p:strVal val="#ppt_w"/>
+                                          </p:val>
+                                        </p:tav>
+                                      </p:tavLst>
+                                    </p:anim>
+                                    <p:anim calcmode="lin" valueType="num">
+                                      <p:cBhvr>
+                                        <p:cTn id="8" dur="500" fill="hold"/>
+                                        <p:tgtEl>
+                                          <p:spTgt spid="3"/>
+                                        </p:tgtEl>
+                                        <p:attrNameLst>
+                                          <p:attrName>ppt_h</p:attrName>
+                                        </p:attrNameLst>
+                                      </p:cBhvr>
+                                      <p:tavLst>
+                                        <p:tav tm="0">
+                                          <p:val>
+                                            <p:strVal val="#ppt_h"/>
+                                          </p:val>
+                                        </p:tav>
+                                        <p:tav tm="100000">
+                                          <p:val>
+                                            <p:strVal val="#ppt_h"/>
+                                          </p:val>
+                                        </p:tav>
+                                      </p:tavLst>
+                                    </p:anim>
                                   </p:childTnLst>
                                 </p:cTn>
                               </p:par>
@@ -5295,26 +5569,26 @@
                     </p:cTn>
                   </p:par>
                   <p:par>
-                    <p:cTn id="8" fill="hold">
+                    <p:cTn id="9" fill="hold">
                       <p:stCondLst>
                         <p:cond delay="indefinite"/>
                       </p:stCondLst>
                       <p:childTnLst>
                         <p:par>
-                          <p:cTn id="9" fill="hold">
+                          <p:cTn id="10" fill="hold">
                             <p:stCondLst>
                               <p:cond delay="0"/>
                             </p:stCondLst>
                             <p:childTnLst>
                               <p:par>
-                                <p:cTn id="10" presetID="26" presetClass="emph" presetSubtype="0" fill="hold" grpId="0" nodeType="clickEffect">
+                                <p:cTn id="11" presetID="26" presetClass="emph" presetSubtype="0" fill="hold" grpId="0" nodeType="clickEffect">
                                   <p:stCondLst>
                                     <p:cond delay="0"/>
                                   </p:stCondLst>
                                   <p:childTnLst>
                                     <p:animEffect transition="out" filter="fade">
                                       <p:cBhvr>
-                                        <p:cTn id="11" dur="500" tmFilter="0, 0; .2, .5; .8, .5; 1, 0"/>
+                                        <p:cTn id="12" dur="500" tmFilter="0, 0; .2, .5; .8, .5; 1, 0"/>
                                         <p:tgtEl>
                                           <p:spTgt spid="4"/>
                                         </p:tgtEl>
@@ -5322,7 +5596,7 @@
                                     </p:animEffect>
                                     <p:animScale>
                                       <p:cBhvr>
-                                        <p:cTn id="12" dur="250" autoRev="1" fill="hold"/>
+                                        <p:cTn id="13" dur="250" autoRev="1" fill="hold"/>
                                         <p:tgtEl>
                                           <p:spTgt spid="4"/>
                                         </p:tgtEl>
@@ -5339,26 +5613,72 @@
                     </p:cTn>
                   </p:par>
                   <p:par>
-                    <p:cTn id="13" fill="hold">
+                    <p:cTn id="14" fill="hold">
                       <p:stCondLst>
                         <p:cond delay="indefinite"/>
                       </p:stCondLst>
                       <p:childTnLst>
                         <p:par>
-                          <p:cTn id="14" fill="hold">
+                          <p:cTn id="15" fill="hold">
                             <p:stCondLst>
                               <p:cond delay="0"/>
                             </p:stCondLst>
                             <p:childTnLst>
                               <p:par>
-                                <p:cTn id="15" presetID="10" presetClass="exit" presetSubtype="0" fill="hold" grpId="0" nodeType="clickEffect">
+                                <p:cTn id="16" presetID="53" presetClass="exit" presetSubtype="32" fill="hold" grpId="0" nodeType="clickEffect">
                                   <p:stCondLst>
                                     <p:cond delay="0"/>
                                   </p:stCondLst>
                                   <p:childTnLst>
+                                    <p:anim calcmode="lin" valueType="num">
+                                      <p:cBhvr>
+                                        <p:cTn id="17" dur="500"/>
+                                        <p:tgtEl>
+                                          <p:spTgt spid="5"/>
+                                        </p:tgtEl>
+                                        <p:attrNameLst>
+                                          <p:attrName>ppt_w</p:attrName>
+                                        </p:attrNameLst>
+                                      </p:cBhvr>
+                                      <p:tavLst>
+                                        <p:tav tm="0">
+                                          <p:val>
+                                            <p:strVal val="ppt_w"/>
+                                          </p:val>
+                                        </p:tav>
+                                        <p:tav tm="100000">
+                                          <p:val>
+                                            <p:fltVal val="0"/>
+                                          </p:val>
+                                        </p:tav>
+                                      </p:tavLst>
+                                    </p:anim>
+                                    <p:anim calcmode="lin" valueType="num">
+                                      <p:cBhvr>
+                                        <p:cTn id="18" dur="500"/>
+                                        <p:tgtEl>
+                                          <p:spTgt spid="5"/>
+                                        </p:tgtEl>
+                                        <p:attrNameLst>
+                                          <p:attrName>ppt_h</p:attrName>
+                                        </p:attrNameLst>
+                                      </p:cBhvr>
+                                      <p:tavLst>
+                                        <p:tav tm="0">
+                                          <p:val>
+                                            <p:strVal val="ppt_h"/>
+                                          </p:val>
+                                        </p:tav>
+                                        <p:tav tm="100000">
+                                          <p:val>
+                                            <p:fltVal val="0"/>
+                                          </p:val>
+                                        </p:tav>
+                                      </p:tavLst>
+                                    </p:anim>
                                     <p:animEffect transition="out" filter="fade">
                                       <p:cBhvr>
-                                        <p:cTn id="16" dur="500"/>
+                                        <p:cTn id="19" dur="500"/>
                                         <p:tgtEl>
                                           <p:spTgt spid="5"/>
                                         </p:tgtEl>
@@ -5366,7 +5686,7 @@
                                     </p:animEffect>
                                     <p:set>
                                       <p:cBhvr>
-                                        <p:cTn id="17" dur="1" fill="hold">
+                                        <p:cTn id="20" dur="1" fill="hold">
                                           <p:stCondLst>
                                             <p:cond delay="499"/>
                                           </p:stCondLst>
@@ -5389,20 +5709,20 @@
                           </p:cTn>
                         </p:par>
                         <p:par>
-                          <p:cTn id="18" fill="hold">
+                          <p:cTn id="21" fill="hold">
                             <p:stCondLst>
                               <p:cond delay="500"/>
                             </p:stCondLst>
                             <p:childTnLst>
                               <p:par>
-                                <p:cTn id="19" presetID="21" presetClass="entr" presetSubtype="1" fill="hold" grpId="0" nodeType="afterEffect">
+                                <p:cTn id="22" presetID="21" presetClass="entr" presetSubtype="1" fill="hold" grpId="0" nodeType="afterEffect">
                                   <p:stCondLst>
                                     <p:cond delay="0"/>
                                   </p:stCondLst>
                                   <p:childTnLst>
                                     <p:set>
                                       <p:cBhvr>
-                                        <p:cTn id="20" dur="1" fill="hold">
+                                        <p:cTn id="23" dur="1" fill="hold">
                                           <p:stCondLst>
                                             <p:cond delay="0"/>
                                           </p:stCondLst>
@@ -5420,7 +5740,7 @@
                                     </p:set>
                                     <p:animEffect transition="in" filter="wheel(1)">
                                       <p:cBhvr>
-                                        <p:cTn id="21" dur="2000"/>
+                                        <p:cTn id="24" dur="2000"/>
                                         <p:tgtEl>
                                           <p:spTgt spid="6"/>
                                         </p:tgtEl>
@@ -5433,20 +5753,20 @@
                           </p:cTn>
                         </p:par>
                         <p:par>
-                          <p:cTn id="22" fill="hold">
+                          <p:cTn id="25" fill="hold">
                             <p:stCondLst>
                               <p:cond delay="2500"/>
                             </p:stCondLst>
                             <p:childTnLst>
                               <p:par>
-                                <p:cTn id="23" presetID="26" presetClass="emph" presetSubtype="0" fill="hold" grpId="1" nodeType="afterEffect">
+                                <p:cTn id="26" presetID="26" presetClass="emph" presetSubtype="0" fill="hold" grpId="1" nodeType="afterEffect">
                                   <p:stCondLst>
                                     <p:cond delay="0"/>
                                   </p:stCondLst>
                                   <p:childTnLst>
                                     <p:animEffect transition="out" filter="fade">
                                       <p:cBhvr>
-                                        <p:cTn id="24" dur="500" tmFilter="0, 0; .2, .5; .8, .5; 1, 0"/>
+                                        <p:cTn id="27" dur="500" tmFilter="0, 0; .2, .5; .8, .5; 1, 0"/>
                                         <p:tgtEl>
                                           <p:spTgt spid="6"/>
                                         </p:tgtEl>
@@ -5454,7 +5774,7 @@
                                     </p:animEffect>
                                     <p:animScale>
                                       <p:cBhvr>
-                                        <p:cTn id="25" dur="250" autoRev="1" fill="hold"/>
+                                        <p:cTn id="28" dur="250" autoRev="1" fill="hold"/>
                                         <p:tgtEl>
                                           <p:spTgt spid="6"/>
                                         </p:tgtEl>
@@ -5468,20 +5788,20 @@
                           </p:cTn>
                         </p:par>
                         <p:par>
-                          <p:cTn id="26" fill="hold">
+                          <p:cTn id="29" fill="hold">
                             <p:stCondLst>
                               <p:cond delay="3000"/>
                             </p:stCondLst>
                             <p:childTnLst>
                               <p:par>
-                                <p:cTn id="27" presetID="10" presetClass="exit" presetSubtype="0" fill="hold" grpId="2" nodeType="afterEffect">
+                                <p:cTn id="30" presetID="10" presetClass="exit" presetSubtype="0" fill="hold" grpId="2" nodeType="afterEffect">
                                   <p:stCondLst>
                                     <p:cond delay="0"/>
                                   </p:stCondLst>
                                   <p:childTnLst>
                                     <p:animEffect transition="out" filter="fade">
                                       <p:cBhvr>
-                                        <p:cTn id="28" dur="500"/>
+                                        <p:cTn id="31" dur="500"/>
                                         <p:tgtEl>
                                           <p:spTgt spid="6"/>
                                         </p:tgtEl>
@@ -5489,7 +5809,7 @@
                                     </p:animEffect>
                                     <p:set>
                                       <p:cBhvr>
-                                        <p:cTn id="29" dur="1" fill="hold">
+                                        <p:cTn id="32" dur="1" fill="hold">
                                           <p:stCondLst>
                                             <p:cond delay="499"/>
                                           </p:stCondLst>
@@ -9986,6 +10306,3297 @@
   <p:clrMapOvr>
     <a:masterClrMapping/>
   </p:clrMapOvr>
+</p:sld>
+</file>
+
+<file path=ppt/slides/slide9.xml><?xml version="1.0" encoding="utf-8"?>
+<p:sld xmlns:a="http://schemas.openxmlformats.org/drawingml/2006/main" xmlns:r="http://schemas.openxmlformats.org/officeDocument/2006/relationships" xmlns:p="http://schemas.openxmlformats.org/presentationml/2006/main">
+  <p:cSld>
+    <p:spTree>
+      <p:nvGrpSpPr>
+        <p:cNvPr id="1" name=""/>
+        <p:cNvGrpSpPr/>
+        <p:nvPr/>
+      </p:nvGrpSpPr>
+      <p:grpSpPr>
+        <a:xfrm>
+          <a:off x="0" y="0"/>
+          <a:ext cx="0" cy="0"/>
+          <a:chOff x="0" y="0"/>
+          <a:chExt cx="0" cy="0"/>
+        </a:xfrm>
+      </p:grpSpPr>
+      <p:sp>
+        <p:nvSpPr>
+          <p:cNvPr id="2" name="CuadroTexto 1">
+            <a:extLst>
+              <a:ext uri="{FF2B5EF4-FFF2-40B4-BE49-F238E27FC236}">
+                <a16:creationId xmlns:a16="http://schemas.microsoft.com/office/drawing/2014/main" id="{A750A488-DC31-4058-B854-AEAAC8F2CC5D}"/>
+              </a:ext>
+            </a:extLst>
+          </p:cNvPr>
+          <p:cNvSpPr txBox="1"/>
+          <p:nvPr/>
+        </p:nvSpPr>
+        <p:spPr>
+          <a:xfrm>
+            <a:off x="4165207" y="655385"/>
+            <a:ext cx="3850798" cy="461665"/>
+          </a:xfrm>
+          <a:prstGeom prst="rect">
+            <a:avLst/>
+          </a:prstGeom>
+          <a:noFill/>
+        </p:spPr>
+        <p:txBody>
+          <a:bodyPr wrap="none" rtlCol="0">
+            <a:spAutoFit/>
+          </a:bodyPr>
+          <a:lstStyle/>
+          <a:p>
+            <a:r>
+              <a:rPr lang="en-US" sz="2400" b="1" u="sng" dirty="0" err="1">
+                <a:latin typeface="Arial Black" panose="020B0A04020102020204" pitchFamily="34" charset="0"/>
+              </a:rPr>
+              <a:t>Animaciones</a:t>
+            </a:r>
+            <a:r>
+              <a:rPr lang="en-US" sz="2400" b="1" u="sng" dirty="0">
+                <a:latin typeface="Arial Black" panose="020B0A04020102020204" pitchFamily="34" charset="0"/>
+              </a:rPr>
+              <a:t> </a:t>
+            </a:r>
+            <a:r>
+              <a:rPr lang="en-US" sz="2400" b="1" u="sng" dirty="0" err="1">
+                <a:latin typeface="Arial Black" panose="020B0A04020102020204" pitchFamily="34" charset="0"/>
+              </a:rPr>
+              <a:t>en</a:t>
+            </a:r>
+            <a:r>
+              <a:rPr lang="en-US" sz="2400" b="1" u="sng" dirty="0">
+                <a:latin typeface="Arial Black" panose="020B0A04020102020204" pitchFamily="34" charset="0"/>
+              </a:rPr>
+              <a:t> texto</a:t>
+            </a:r>
+            <a:endParaRPr lang="es-ES" sz="2400" b="1" u="sng" dirty="0">
+              <a:latin typeface="Arial Black" panose="020B0A04020102020204" pitchFamily="34" charset="0"/>
+            </a:endParaRPr>
+          </a:p>
+        </p:txBody>
+      </p:sp>
+      <p:sp>
+        <p:nvSpPr>
+          <p:cNvPr id="8" name="CuadroTexto 7">
+            <a:extLst>
+              <a:ext uri="{FF2B5EF4-FFF2-40B4-BE49-F238E27FC236}">
+                <a16:creationId xmlns:a16="http://schemas.microsoft.com/office/drawing/2014/main" id="{034783BD-B1BF-4A28-A082-6472E58E62B3}"/>
+              </a:ext>
+            </a:extLst>
+          </p:cNvPr>
+          <p:cNvSpPr txBox="1"/>
+          <p:nvPr/>
+        </p:nvSpPr>
+        <p:spPr>
+          <a:xfrm>
+            <a:off x="1601712" y="2044600"/>
+            <a:ext cx="3831113" cy="3139321"/>
+          </a:xfrm>
+          <a:prstGeom prst="rect">
+            <a:avLst/>
+          </a:prstGeom>
+          <a:noFill/>
+        </p:spPr>
+        <p:txBody>
+          <a:bodyPr wrap="none" rtlCol="0">
+            <a:spAutoFit/>
+          </a:bodyPr>
+          <a:lstStyle/>
+          <a:p>
+            <a:r>
+              <a:rPr lang="en-US" b="1" dirty="0"/>
+              <a:t>Este es un cuadro de texto con un </a:t>
+            </a:r>
+            <a:r>
+              <a:rPr lang="en-US" b="1" dirty="0" err="1"/>
+              <a:t>lista</a:t>
+            </a:r>
+            <a:endParaRPr lang="en-US" b="1" dirty="0"/>
+          </a:p>
+          <a:p>
+            <a:pPr marL="342900" indent="-342900">
+              <a:buAutoNum type="arabicPeriod"/>
+            </a:pPr>
+            <a:r>
+              <a:rPr lang="en-US" b="1" dirty="0"/>
+              <a:t>Item nivel uno</a:t>
+            </a:r>
+          </a:p>
+          <a:p>
+            <a:pPr marL="800100" lvl="1" indent="-342900">
+              <a:buAutoNum type="arabicPeriod"/>
+            </a:pPr>
+            <a:r>
+              <a:rPr lang="en-US" dirty="0"/>
+              <a:t>Item nivel dos</a:t>
+            </a:r>
+          </a:p>
+          <a:p>
+            <a:pPr marL="342900" indent="-342900">
+              <a:buAutoNum type="arabicPeriod"/>
+            </a:pPr>
+            <a:r>
+              <a:rPr lang="en-US" b="1" dirty="0"/>
+              <a:t>Item nivel uno</a:t>
+            </a:r>
+          </a:p>
+          <a:p>
+            <a:pPr marL="800100" lvl="1" indent="-342900">
+              <a:buAutoNum type="arabicPeriod"/>
+            </a:pPr>
+            <a:r>
+              <a:rPr lang="en-US" dirty="0"/>
+              <a:t>Item nivel dos</a:t>
+            </a:r>
+          </a:p>
+          <a:p>
+            <a:pPr marL="800100" lvl="1" indent="-342900">
+              <a:buAutoNum type="arabicPeriod"/>
+            </a:pPr>
+            <a:r>
+              <a:rPr lang="en-US" dirty="0"/>
+              <a:t>Item nivel dos</a:t>
+            </a:r>
+          </a:p>
+          <a:p>
+            <a:pPr marL="800100" lvl="1" indent="-342900">
+              <a:buAutoNum type="arabicPeriod"/>
+            </a:pPr>
+            <a:r>
+              <a:rPr lang="en-US" dirty="0"/>
+              <a:t>Item nivel dos</a:t>
+            </a:r>
+          </a:p>
+          <a:p>
+            <a:pPr marL="342900" indent="-342900">
+              <a:buAutoNum type="arabicPeriod"/>
+            </a:pPr>
+            <a:r>
+              <a:rPr lang="en-US" b="1" dirty="0"/>
+              <a:t>Item nivel uno</a:t>
+            </a:r>
+          </a:p>
+          <a:p>
+            <a:pPr marL="800100" lvl="1" indent="-342900">
+              <a:buAutoNum type="arabicPeriod"/>
+            </a:pPr>
+            <a:r>
+              <a:rPr lang="en-US" dirty="0"/>
+              <a:t>Item nivel dos</a:t>
+            </a:r>
+          </a:p>
+          <a:p>
+            <a:pPr marL="800100" lvl="1" indent="-342900">
+              <a:buAutoNum type="arabicPeriod"/>
+            </a:pPr>
+            <a:r>
+              <a:rPr lang="en-US" dirty="0"/>
+              <a:t>Item nivel dos</a:t>
+            </a:r>
+          </a:p>
+          <a:p>
+            <a:pPr marL="800100" lvl="1" indent="-342900">
+              <a:buAutoNum type="arabicPeriod"/>
+            </a:pPr>
+            <a:r>
+              <a:rPr lang="en-US" dirty="0"/>
+              <a:t>Item nivel dos</a:t>
+            </a:r>
+            <a:endParaRPr lang="es-ES" dirty="0"/>
+          </a:p>
+        </p:txBody>
+      </p:sp>
+      <p:sp>
+        <p:nvSpPr>
+          <p:cNvPr id="11" name="Rectángulo 10">
+            <a:extLst>
+              <a:ext uri="{FF2B5EF4-FFF2-40B4-BE49-F238E27FC236}">
+                <a16:creationId xmlns:a16="http://schemas.microsoft.com/office/drawing/2014/main" id="{30656BCA-846D-4331-88B6-FEB6E1C113E6}"/>
+              </a:ext>
+            </a:extLst>
+          </p:cNvPr>
+          <p:cNvSpPr/>
+          <p:nvPr/>
+        </p:nvSpPr>
+        <p:spPr>
+          <a:xfrm>
+            <a:off x="1" y="0"/>
+            <a:ext cx="376748" cy="6858000"/>
+          </a:xfrm>
+          <a:prstGeom prst="rect">
+            <a:avLst/>
+          </a:prstGeom>
+        </p:spPr>
+        <p:style>
+          <a:lnRef idx="1">
+            <a:schemeClr val="accent2"/>
+          </a:lnRef>
+          <a:fillRef idx="3">
+            <a:schemeClr val="accent2"/>
+          </a:fillRef>
+          <a:effectRef idx="2">
+            <a:schemeClr val="accent2"/>
+          </a:effectRef>
+          <a:fontRef idx="minor">
+            <a:schemeClr val="lt1"/>
+          </a:fontRef>
+        </p:style>
+        <p:txBody>
+          <a:bodyPr rtlCol="0" anchor="ctr"/>
+          <a:lstStyle/>
+          <a:p>
+            <a:pPr algn="ctr"/>
+            <a:endParaRPr lang="es-ES"/>
+          </a:p>
+        </p:txBody>
+      </p:sp>
+      <p:sp>
+        <p:nvSpPr>
+          <p:cNvPr id="12" name="CuadroTexto 11">
+            <a:extLst>
+              <a:ext uri="{FF2B5EF4-FFF2-40B4-BE49-F238E27FC236}">
+                <a16:creationId xmlns:a16="http://schemas.microsoft.com/office/drawing/2014/main" id="{0D806FB5-185A-4585-8159-D8AB9B797236}"/>
+              </a:ext>
+            </a:extLst>
+          </p:cNvPr>
+          <p:cNvSpPr txBox="1"/>
+          <p:nvPr/>
+        </p:nvSpPr>
+        <p:spPr>
+          <a:xfrm>
+            <a:off x="6239244" y="2044599"/>
+            <a:ext cx="3831113" cy="3139321"/>
+          </a:xfrm>
+          <a:prstGeom prst="rect">
+            <a:avLst/>
+          </a:prstGeom>
+          <a:noFill/>
+        </p:spPr>
+        <p:txBody>
+          <a:bodyPr wrap="none" rtlCol="0">
+            <a:spAutoFit/>
+          </a:bodyPr>
+          <a:lstStyle/>
+          <a:p>
+            <a:r>
+              <a:rPr lang="en-US" b="1" dirty="0"/>
+              <a:t>Este es un cuadro de texto con un </a:t>
+            </a:r>
+            <a:r>
+              <a:rPr lang="en-US" b="1" dirty="0" err="1"/>
+              <a:t>lista</a:t>
+            </a:r>
+            <a:endParaRPr lang="en-US" b="1" dirty="0"/>
+          </a:p>
+          <a:p>
+            <a:pPr marL="342900" indent="-342900">
+              <a:buAutoNum type="arabicPeriod"/>
+            </a:pPr>
+            <a:r>
+              <a:rPr lang="en-US" b="1" dirty="0"/>
+              <a:t>Item nivel uno</a:t>
+            </a:r>
+          </a:p>
+          <a:p>
+            <a:pPr marL="800100" lvl="1" indent="-342900">
+              <a:buAutoNum type="arabicPeriod"/>
+            </a:pPr>
+            <a:r>
+              <a:rPr lang="en-US" dirty="0"/>
+              <a:t>Item nivel dos</a:t>
+            </a:r>
+          </a:p>
+          <a:p>
+            <a:pPr marL="342900" indent="-342900">
+              <a:buAutoNum type="arabicPeriod"/>
+            </a:pPr>
+            <a:r>
+              <a:rPr lang="en-US" b="1" dirty="0"/>
+              <a:t>Item nivel uno</a:t>
+            </a:r>
+          </a:p>
+          <a:p>
+            <a:pPr marL="800100" lvl="1" indent="-342900">
+              <a:buAutoNum type="arabicPeriod"/>
+            </a:pPr>
+            <a:r>
+              <a:rPr lang="en-US" dirty="0"/>
+              <a:t>Item nivel dos</a:t>
+            </a:r>
+          </a:p>
+          <a:p>
+            <a:pPr marL="800100" lvl="1" indent="-342900">
+              <a:buAutoNum type="arabicPeriod"/>
+            </a:pPr>
+            <a:r>
+              <a:rPr lang="en-US" dirty="0"/>
+              <a:t>Item nivel dos</a:t>
+            </a:r>
+          </a:p>
+          <a:p>
+            <a:pPr marL="800100" lvl="1" indent="-342900">
+              <a:buAutoNum type="arabicPeriod"/>
+            </a:pPr>
+            <a:r>
+              <a:rPr lang="en-US" dirty="0"/>
+              <a:t>Item nivel dos</a:t>
+            </a:r>
+          </a:p>
+          <a:p>
+            <a:pPr marL="342900" indent="-342900">
+              <a:buAutoNum type="arabicPeriod"/>
+            </a:pPr>
+            <a:r>
+              <a:rPr lang="en-US" b="1" dirty="0"/>
+              <a:t>Item nivel uno</a:t>
+            </a:r>
+          </a:p>
+          <a:p>
+            <a:pPr marL="800100" lvl="1" indent="-342900">
+              <a:buAutoNum type="arabicPeriod"/>
+            </a:pPr>
+            <a:r>
+              <a:rPr lang="en-US" dirty="0"/>
+              <a:t>Item nivel dos</a:t>
+            </a:r>
+          </a:p>
+          <a:p>
+            <a:pPr marL="800100" lvl="1" indent="-342900">
+              <a:buAutoNum type="arabicPeriod"/>
+            </a:pPr>
+            <a:r>
+              <a:rPr lang="en-US" dirty="0"/>
+              <a:t>Item nivel dos</a:t>
+            </a:r>
+          </a:p>
+          <a:p>
+            <a:pPr marL="800100" lvl="1" indent="-342900">
+              <a:buAutoNum type="arabicPeriod"/>
+            </a:pPr>
+            <a:r>
+              <a:rPr lang="en-US" dirty="0"/>
+              <a:t>Item nivel dos</a:t>
+            </a:r>
+            <a:endParaRPr lang="es-ES" dirty="0"/>
+          </a:p>
+        </p:txBody>
+      </p:sp>
+    </p:spTree>
+    <p:extLst>
+      <p:ext uri="{BB962C8B-B14F-4D97-AF65-F5344CB8AC3E}">
+        <p14:creationId xmlns:p14="http://schemas.microsoft.com/office/powerpoint/2010/main" val="3845264948"/>
+      </p:ext>
+    </p:extLst>
+  </p:cSld>
+  <p:clrMapOvr>
+    <a:masterClrMapping/>
+  </p:clrMapOvr>
+  <p:timing>
+    <p:tnLst>
+      <p:par>
+        <p:cTn id="1" dur="indefinite" restart="never" nodeType="tmRoot">
+          <p:childTnLst>
+            <p:seq concurrent="1" nextAc="seek">
+              <p:cTn id="2" dur="indefinite" nodeType="mainSeq">
+                <p:childTnLst>
+                  <p:par>
+                    <p:cTn id="3" fill="hold">
+                      <p:stCondLst>
+                        <p:cond delay="indefinite"/>
+                      </p:stCondLst>
+                      <p:childTnLst>
+                        <p:par>
+                          <p:cTn id="4" fill="hold">
+                            <p:stCondLst>
+                              <p:cond delay="0"/>
+                            </p:stCondLst>
+                            <p:childTnLst>
+                              <p:par>
+                                <p:cTn id="5" presetID="49" presetClass="entr" presetSubtype="0" decel="100000" fill="hold" grpId="0" nodeType="clickEffect">
+                                  <p:stCondLst>
+                                    <p:cond delay="0"/>
+                                  </p:stCondLst>
+                                  <p:childTnLst>
+                                    <p:set>
+                                      <p:cBhvr>
+                                        <p:cTn id="6" dur="1" fill="hold">
+                                          <p:stCondLst>
+                                            <p:cond delay="0"/>
+                                          </p:stCondLst>
+                                        </p:cTn>
+                                        <p:tgtEl>
+                                          <p:spTgt spid="8">
+                                            <p:txEl>
+                                              <p:pRg st="0" end="0"/>
+                                            </p:txEl>
+                                          </p:spTgt>
+                                        </p:tgtEl>
+                                        <p:attrNameLst>
+                                          <p:attrName>style.visibility</p:attrName>
+                                        </p:attrNameLst>
+                                      </p:cBhvr>
+                                      <p:to>
+                                        <p:strVal val="visible"/>
+                                      </p:to>
+                                    </p:set>
+                                    <p:anim calcmode="lin" valueType="num">
+                                      <p:cBhvr>
+                                        <p:cTn id="7" dur="500" fill="hold"/>
+                                        <p:tgtEl>
+                                          <p:spTgt spid="8">
+                                            <p:txEl>
+                                              <p:pRg st="0" end="0"/>
+                                            </p:txEl>
+                                          </p:spTgt>
+                                        </p:tgtEl>
+                                        <p:attrNameLst>
+                                          <p:attrName>ppt_w</p:attrName>
+                                        </p:attrNameLst>
+                                      </p:cBhvr>
+                                      <p:tavLst>
+                                        <p:tav tm="0">
+                                          <p:val>
+                                            <p:fltVal val="0"/>
+                                          </p:val>
+                                        </p:tav>
+                                        <p:tav tm="100000">
+                                          <p:val>
+                                            <p:strVal val="#ppt_w"/>
+                                          </p:val>
+                                        </p:tav>
+                                      </p:tavLst>
+                                    </p:anim>
+                                    <p:anim calcmode="lin" valueType="num">
+                                      <p:cBhvr>
+                                        <p:cTn id="8" dur="500" fill="hold"/>
+                                        <p:tgtEl>
+                                          <p:spTgt spid="8">
+                                            <p:txEl>
+                                              <p:pRg st="0" end="0"/>
+                                            </p:txEl>
+                                          </p:spTgt>
+                                        </p:tgtEl>
+                                        <p:attrNameLst>
+                                          <p:attrName>ppt_h</p:attrName>
+                                        </p:attrNameLst>
+                                      </p:cBhvr>
+                                      <p:tavLst>
+                                        <p:tav tm="0">
+                                          <p:val>
+                                            <p:fltVal val="0"/>
+                                          </p:val>
+                                        </p:tav>
+                                        <p:tav tm="100000">
+                                          <p:val>
+                                            <p:strVal val="#ppt_h"/>
+                                          </p:val>
+                                        </p:tav>
+                                      </p:tavLst>
+                                    </p:anim>
+                                    <p:anim calcmode="lin" valueType="num">
+                                      <p:cBhvr>
+                                        <p:cTn id="9" dur="500" fill="hold"/>
+                                        <p:tgtEl>
+                                          <p:spTgt spid="8">
+                                            <p:txEl>
+                                              <p:pRg st="0" end="0"/>
+                                            </p:txEl>
+                                          </p:spTgt>
+                                        </p:tgtEl>
+                                        <p:attrNameLst>
+                                          <p:attrName>style.rotation</p:attrName>
+                                        </p:attrNameLst>
+                                      </p:cBhvr>
+                                      <p:tavLst>
+                                        <p:tav tm="0">
+                                          <p:val>
+                                            <p:fltVal val="360"/>
+                                          </p:val>
+                                        </p:tav>
+                                        <p:tav tm="100000">
+                                          <p:val>
+                                            <p:fltVal val="0"/>
+                                          </p:val>
+                                        </p:tav>
+                                      </p:tavLst>
+                                    </p:anim>
+                                    <p:animEffect transition="in" filter="fade">
+                                      <p:cBhvr>
+                                        <p:cTn id="10" dur="500"/>
+                                        <p:tgtEl>
+                                          <p:spTgt spid="8">
+                                            <p:txEl>
+                                              <p:pRg st="0" end="0"/>
+                                            </p:txEl>
+                                          </p:spTgt>
+                                        </p:tgtEl>
+                                      </p:cBhvr>
+                                    </p:animEffect>
+                                  </p:childTnLst>
+                                </p:cTn>
+                              </p:par>
+                            </p:childTnLst>
+                          </p:cTn>
+                        </p:par>
+                      </p:childTnLst>
+                    </p:cTn>
+                  </p:par>
+                  <p:par>
+                    <p:cTn id="11" fill="hold">
+                      <p:stCondLst>
+                        <p:cond delay="indefinite"/>
+                      </p:stCondLst>
+                      <p:childTnLst>
+                        <p:par>
+                          <p:cTn id="12" fill="hold">
+                            <p:stCondLst>
+                              <p:cond delay="0"/>
+                            </p:stCondLst>
+                            <p:childTnLst>
+                              <p:par>
+                                <p:cTn id="13" presetID="49" presetClass="entr" presetSubtype="0" decel="100000" fill="hold" grpId="0" nodeType="clickEffect">
+                                  <p:stCondLst>
+                                    <p:cond delay="0"/>
+                                  </p:stCondLst>
+                                  <p:childTnLst>
+                                    <p:set>
+                                      <p:cBhvr>
+                                        <p:cTn id="14" dur="1" fill="hold">
+                                          <p:stCondLst>
+                                            <p:cond delay="0"/>
+                                          </p:stCondLst>
+                                        </p:cTn>
+                                        <p:tgtEl>
+                                          <p:spTgt spid="8">
+                                            <p:txEl>
+                                              <p:pRg st="1" end="1"/>
+                                            </p:txEl>
+                                          </p:spTgt>
+                                        </p:tgtEl>
+                                        <p:attrNameLst>
+                                          <p:attrName>style.visibility</p:attrName>
+                                        </p:attrNameLst>
+                                      </p:cBhvr>
+                                      <p:to>
+                                        <p:strVal val="visible"/>
+                                      </p:to>
+                                    </p:set>
+                                    <p:anim calcmode="lin" valueType="num">
+                                      <p:cBhvr>
+                                        <p:cTn id="15" dur="500" fill="hold"/>
+                                        <p:tgtEl>
+                                          <p:spTgt spid="8">
+                                            <p:txEl>
+                                              <p:pRg st="1" end="1"/>
+                                            </p:txEl>
+                                          </p:spTgt>
+                                        </p:tgtEl>
+                                        <p:attrNameLst>
+                                          <p:attrName>ppt_w</p:attrName>
+                                        </p:attrNameLst>
+                                      </p:cBhvr>
+                                      <p:tavLst>
+                                        <p:tav tm="0">
+                                          <p:val>
+                                            <p:fltVal val="0"/>
+                                          </p:val>
+                                        </p:tav>
+                                        <p:tav tm="100000">
+                                          <p:val>
+                                            <p:strVal val="#ppt_w"/>
+                                          </p:val>
+                                        </p:tav>
+                                      </p:tavLst>
+                                    </p:anim>
+                                    <p:anim calcmode="lin" valueType="num">
+                                      <p:cBhvr>
+                                        <p:cTn id="16" dur="500" fill="hold"/>
+                                        <p:tgtEl>
+                                          <p:spTgt spid="8">
+                                            <p:txEl>
+                                              <p:pRg st="1" end="1"/>
+                                            </p:txEl>
+                                          </p:spTgt>
+                                        </p:tgtEl>
+                                        <p:attrNameLst>
+                                          <p:attrName>ppt_h</p:attrName>
+                                        </p:attrNameLst>
+                                      </p:cBhvr>
+                                      <p:tavLst>
+                                        <p:tav tm="0">
+                                          <p:val>
+                                            <p:fltVal val="0"/>
+                                          </p:val>
+                                        </p:tav>
+                                        <p:tav tm="100000">
+                                          <p:val>
+                                            <p:strVal val="#ppt_h"/>
+                                          </p:val>
+                                        </p:tav>
+                                      </p:tavLst>
+                                    </p:anim>
+                                    <p:anim calcmode="lin" valueType="num">
+                                      <p:cBhvr>
+                                        <p:cTn id="17" dur="500" fill="hold"/>
+                                        <p:tgtEl>
+                                          <p:spTgt spid="8">
+                                            <p:txEl>
+                                              <p:pRg st="1" end="1"/>
+                                            </p:txEl>
+                                          </p:spTgt>
+                                        </p:tgtEl>
+                                        <p:attrNameLst>
+                                          <p:attrName>style.rotation</p:attrName>
+                                        </p:attrNameLst>
+                                      </p:cBhvr>
+                                      <p:tavLst>
+                                        <p:tav tm="0">
+                                          <p:val>
+                                            <p:fltVal val="360"/>
+                                          </p:val>
+                                        </p:tav>
+                                        <p:tav tm="100000">
+                                          <p:val>
+                                            <p:fltVal val="0"/>
+                                          </p:val>
+                                        </p:tav>
+                                      </p:tavLst>
+                                    </p:anim>
+                                    <p:animEffect transition="in" filter="fade">
+                                      <p:cBhvr>
+                                        <p:cTn id="18" dur="500"/>
+                                        <p:tgtEl>
+                                          <p:spTgt spid="8">
+                                            <p:txEl>
+                                              <p:pRg st="1" end="1"/>
+                                            </p:txEl>
+                                          </p:spTgt>
+                                        </p:tgtEl>
+                                      </p:cBhvr>
+                                    </p:animEffect>
+                                  </p:childTnLst>
+                                </p:cTn>
+                              </p:par>
+                              <p:par>
+                                <p:cTn id="19" presetID="49" presetClass="entr" presetSubtype="0" decel="100000" fill="hold" grpId="0" nodeType="withEffect">
+                                  <p:stCondLst>
+                                    <p:cond delay="0"/>
+                                  </p:stCondLst>
+                                  <p:childTnLst>
+                                    <p:set>
+                                      <p:cBhvr>
+                                        <p:cTn id="20" dur="1" fill="hold">
+                                          <p:stCondLst>
+                                            <p:cond delay="0"/>
+                                          </p:stCondLst>
+                                        </p:cTn>
+                                        <p:tgtEl>
+                                          <p:spTgt spid="8">
+                                            <p:txEl>
+                                              <p:pRg st="2" end="2"/>
+                                            </p:txEl>
+                                          </p:spTgt>
+                                        </p:tgtEl>
+                                        <p:attrNameLst>
+                                          <p:attrName>style.visibility</p:attrName>
+                                        </p:attrNameLst>
+                                      </p:cBhvr>
+                                      <p:to>
+                                        <p:strVal val="visible"/>
+                                      </p:to>
+                                    </p:set>
+                                    <p:anim calcmode="lin" valueType="num">
+                                      <p:cBhvr>
+                                        <p:cTn id="21" dur="500" fill="hold"/>
+                                        <p:tgtEl>
+                                          <p:spTgt spid="8">
+                                            <p:txEl>
+                                              <p:pRg st="2" end="2"/>
+                                            </p:txEl>
+                                          </p:spTgt>
+                                        </p:tgtEl>
+                                        <p:attrNameLst>
+                                          <p:attrName>ppt_w</p:attrName>
+                                        </p:attrNameLst>
+                                      </p:cBhvr>
+                                      <p:tavLst>
+                                        <p:tav tm="0">
+                                          <p:val>
+                                            <p:fltVal val="0"/>
+                                          </p:val>
+                                        </p:tav>
+                                        <p:tav tm="100000">
+                                          <p:val>
+                                            <p:strVal val="#ppt_w"/>
+                                          </p:val>
+                                        </p:tav>
+                                      </p:tavLst>
+                                    </p:anim>
+                                    <p:anim calcmode="lin" valueType="num">
+                                      <p:cBhvr>
+                                        <p:cTn id="22" dur="500" fill="hold"/>
+                                        <p:tgtEl>
+                                          <p:spTgt spid="8">
+                                            <p:txEl>
+                                              <p:pRg st="2" end="2"/>
+                                            </p:txEl>
+                                          </p:spTgt>
+                                        </p:tgtEl>
+                                        <p:attrNameLst>
+                                          <p:attrName>ppt_h</p:attrName>
+                                        </p:attrNameLst>
+                                      </p:cBhvr>
+                                      <p:tavLst>
+                                        <p:tav tm="0">
+                                          <p:val>
+                                            <p:fltVal val="0"/>
+                                          </p:val>
+                                        </p:tav>
+                                        <p:tav tm="100000">
+                                          <p:val>
+                                            <p:strVal val="#ppt_h"/>
+                                          </p:val>
+                                        </p:tav>
+                                      </p:tavLst>
+                                    </p:anim>
+                                    <p:anim calcmode="lin" valueType="num">
+                                      <p:cBhvr>
+                                        <p:cTn id="23" dur="500" fill="hold"/>
+                                        <p:tgtEl>
+                                          <p:spTgt spid="8">
+                                            <p:txEl>
+                                              <p:pRg st="2" end="2"/>
+                                            </p:txEl>
+                                          </p:spTgt>
+                                        </p:tgtEl>
+                                        <p:attrNameLst>
+                                          <p:attrName>style.rotation</p:attrName>
+                                        </p:attrNameLst>
+                                      </p:cBhvr>
+                                      <p:tavLst>
+                                        <p:tav tm="0">
+                                          <p:val>
+                                            <p:fltVal val="360"/>
+                                          </p:val>
+                                        </p:tav>
+                                        <p:tav tm="100000">
+                                          <p:val>
+                                            <p:fltVal val="0"/>
+                                          </p:val>
+                                        </p:tav>
+                                      </p:tavLst>
+                                    </p:anim>
+                                    <p:animEffect transition="in" filter="fade">
+                                      <p:cBhvr>
+                                        <p:cTn id="24" dur="500"/>
+                                        <p:tgtEl>
+                                          <p:spTgt spid="8">
+                                            <p:txEl>
+                                              <p:pRg st="2" end="2"/>
+                                            </p:txEl>
+                                          </p:spTgt>
+                                        </p:tgtEl>
+                                      </p:cBhvr>
+                                    </p:animEffect>
+                                  </p:childTnLst>
+                                </p:cTn>
+                              </p:par>
+                            </p:childTnLst>
+                          </p:cTn>
+                        </p:par>
+                      </p:childTnLst>
+                    </p:cTn>
+                  </p:par>
+                  <p:par>
+                    <p:cTn id="25" fill="hold">
+                      <p:stCondLst>
+                        <p:cond delay="indefinite"/>
+                      </p:stCondLst>
+                      <p:childTnLst>
+                        <p:par>
+                          <p:cTn id="26" fill="hold">
+                            <p:stCondLst>
+                              <p:cond delay="0"/>
+                            </p:stCondLst>
+                            <p:childTnLst>
+                              <p:par>
+                                <p:cTn id="27" presetID="49" presetClass="entr" presetSubtype="0" decel="100000" fill="hold" grpId="0" nodeType="clickEffect">
+                                  <p:stCondLst>
+                                    <p:cond delay="0"/>
+                                  </p:stCondLst>
+                                  <p:childTnLst>
+                                    <p:set>
+                                      <p:cBhvr>
+                                        <p:cTn id="28" dur="1" fill="hold">
+                                          <p:stCondLst>
+                                            <p:cond delay="0"/>
+                                          </p:stCondLst>
+                                        </p:cTn>
+                                        <p:tgtEl>
+                                          <p:spTgt spid="8">
+                                            <p:txEl>
+                                              <p:pRg st="3" end="3"/>
+                                            </p:txEl>
+                                          </p:spTgt>
+                                        </p:tgtEl>
+                                        <p:attrNameLst>
+                                          <p:attrName>style.visibility</p:attrName>
+                                        </p:attrNameLst>
+                                      </p:cBhvr>
+                                      <p:to>
+                                        <p:strVal val="visible"/>
+                                      </p:to>
+                                    </p:set>
+                                    <p:anim calcmode="lin" valueType="num">
+                                      <p:cBhvr>
+                                        <p:cTn id="29" dur="500" fill="hold"/>
+                                        <p:tgtEl>
+                                          <p:spTgt spid="8">
+                                            <p:txEl>
+                                              <p:pRg st="3" end="3"/>
+                                            </p:txEl>
+                                          </p:spTgt>
+                                        </p:tgtEl>
+                                        <p:attrNameLst>
+                                          <p:attrName>ppt_w</p:attrName>
+                                        </p:attrNameLst>
+                                      </p:cBhvr>
+                                      <p:tavLst>
+                                        <p:tav tm="0">
+                                          <p:val>
+                                            <p:fltVal val="0"/>
+                                          </p:val>
+                                        </p:tav>
+                                        <p:tav tm="100000">
+                                          <p:val>
+                                            <p:strVal val="#ppt_w"/>
+                                          </p:val>
+                                        </p:tav>
+                                      </p:tavLst>
+                                    </p:anim>
+                                    <p:anim calcmode="lin" valueType="num">
+                                      <p:cBhvr>
+                                        <p:cTn id="30" dur="500" fill="hold"/>
+                                        <p:tgtEl>
+                                          <p:spTgt spid="8">
+                                            <p:txEl>
+                                              <p:pRg st="3" end="3"/>
+                                            </p:txEl>
+                                          </p:spTgt>
+                                        </p:tgtEl>
+                                        <p:attrNameLst>
+                                          <p:attrName>ppt_h</p:attrName>
+                                        </p:attrNameLst>
+                                      </p:cBhvr>
+                                      <p:tavLst>
+                                        <p:tav tm="0">
+                                          <p:val>
+                                            <p:fltVal val="0"/>
+                                          </p:val>
+                                        </p:tav>
+                                        <p:tav tm="100000">
+                                          <p:val>
+                                            <p:strVal val="#ppt_h"/>
+                                          </p:val>
+                                        </p:tav>
+                                      </p:tavLst>
+                                    </p:anim>
+                                    <p:anim calcmode="lin" valueType="num">
+                                      <p:cBhvr>
+                                        <p:cTn id="31" dur="500" fill="hold"/>
+                                        <p:tgtEl>
+                                          <p:spTgt spid="8">
+                                            <p:txEl>
+                                              <p:pRg st="3" end="3"/>
+                                            </p:txEl>
+                                          </p:spTgt>
+                                        </p:tgtEl>
+                                        <p:attrNameLst>
+                                          <p:attrName>style.rotation</p:attrName>
+                                        </p:attrNameLst>
+                                      </p:cBhvr>
+                                      <p:tavLst>
+                                        <p:tav tm="0">
+                                          <p:val>
+                                            <p:fltVal val="360"/>
+                                          </p:val>
+                                        </p:tav>
+                                        <p:tav tm="100000">
+                                          <p:val>
+                                            <p:fltVal val="0"/>
+                                          </p:val>
+                                        </p:tav>
+                                      </p:tavLst>
+                                    </p:anim>
+                                    <p:animEffect transition="in" filter="fade">
+                                      <p:cBhvr>
+                                        <p:cTn id="32" dur="500"/>
+                                        <p:tgtEl>
+                                          <p:spTgt spid="8">
+                                            <p:txEl>
+                                              <p:pRg st="3" end="3"/>
+                                            </p:txEl>
+                                          </p:spTgt>
+                                        </p:tgtEl>
+                                      </p:cBhvr>
+                                    </p:animEffect>
+                                  </p:childTnLst>
+                                </p:cTn>
+                              </p:par>
+                              <p:par>
+                                <p:cTn id="33" presetID="49" presetClass="entr" presetSubtype="0" decel="100000" fill="hold" grpId="0" nodeType="withEffect">
+                                  <p:stCondLst>
+                                    <p:cond delay="0"/>
+                                  </p:stCondLst>
+                                  <p:childTnLst>
+                                    <p:set>
+                                      <p:cBhvr>
+                                        <p:cTn id="34" dur="1" fill="hold">
+                                          <p:stCondLst>
+                                            <p:cond delay="0"/>
+                                          </p:stCondLst>
+                                        </p:cTn>
+                                        <p:tgtEl>
+                                          <p:spTgt spid="8">
+                                            <p:txEl>
+                                              <p:pRg st="4" end="4"/>
+                                            </p:txEl>
+                                          </p:spTgt>
+                                        </p:tgtEl>
+                                        <p:attrNameLst>
+                                          <p:attrName>style.visibility</p:attrName>
+                                        </p:attrNameLst>
+                                      </p:cBhvr>
+                                      <p:to>
+                                        <p:strVal val="visible"/>
+                                      </p:to>
+                                    </p:set>
+                                    <p:anim calcmode="lin" valueType="num">
+                                      <p:cBhvr>
+                                        <p:cTn id="35" dur="500" fill="hold"/>
+                                        <p:tgtEl>
+                                          <p:spTgt spid="8">
+                                            <p:txEl>
+                                              <p:pRg st="4" end="4"/>
+                                            </p:txEl>
+                                          </p:spTgt>
+                                        </p:tgtEl>
+                                        <p:attrNameLst>
+                                          <p:attrName>ppt_w</p:attrName>
+                                        </p:attrNameLst>
+                                      </p:cBhvr>
+                                      <p:tavLst>
+                                        <p:tav tm="0">
+                                          <p:val>
+                                            <p:fltVal val="0"/>
+                                          </p:val>
+                                        </p:tav>
+                                        <p:tav tm="100000">
+                                          <p:val>
+                                            <p:strVal val="#ppt_w"/>
+                                          </p:val>
+                                        </p:tav>
+                                      </p:tavLst>
+                                    </p:anim>
+                                    <p:anim calcmode="lin" valueType="num">
+                                      <p:cBhvr>
+                                        <p:cTn id="36" dur="500" fill="hold"/>
+                                        <p:tgtEl>
+                                          <p:spTgt spid="8">
+                                            <p:txEl>
+                                              <p:pRg st="4" end="4"/>
+                                            </p:txEl>
+                                          </p:spTgt>
+                                        </p:tgtEl>
+                                        <p:attrNameLst>
+                                          <p:attrName>ppt_h</p:attrName>
+                                        </p:attrNameLst>
+                                      </p:cBhvr>
+                                      <p:tavLst>
+                                        <p:tav tm="0">
+                                          <p:val>
+                                            <p:fltVal val="0"/>
+                                          </p:val>
+                                        </p:tav>
+                                        <p:tav tm="100000">
+                                          <p:val>
+                                            <p:strVal val="#ppt_h"/>
+                                          </p:val>
+                                        </p:tav>
+                                      </p:tavLst>
+                                    </p:anim>
+                                    <p:anim calcmode="lin" valueType="num">
+                                      <p:cBhvr>
+                                        <p:cTn id="37" dur="500" fill="hold"/>
+                                        <p:tgtEl>
+                                          <p:spTgt spid="8">
+                                            <p:txEl>
+                                              <p:pRg st="4" end="4"/>
+                                            </p:txEl>
+                                          </p:spTgt>
+                                        </p:tgtEl>
+                                        <p:attrNameLst>
+                                          <p:attrName>style.rotation</p:attrName>
+                                        </p:attrNameLst>
+                                      </p:cBhvr>
+                                      <p:tavLst>
+                                        <p:tav tm="0">
+                                          <p:val>
+                                            <p:fltVal val="360"/>
+                                          </p:val>
+                                        </p:tav>
+                                        <p:tav tm="100000">
+                                          <p:val>
+                                            <p:fltVal val="0"/>
+                                          </p:val>
+                                        </p:tav>
+                                      </p:tavLst>
+                                    </p:anim>
+                                    <p:animEffect transition="in" filter="fade">
+                                      <p:cBhvr>
+                                        <p:cTn id="38" dur="500"/>
+                                        <p:tgtEl>
+                                          <p:spTgt spid="8">
+                                            <p:txEl>
+                                              <p:pRg st="4" end="4"/>
+                                            </p:txEl>
+                                          </p:spTgt>
+                                        </p:tgtEl>
+                                      </p:cBhvr>
+                                    </p:animEffect>
+                                  </p:childTnLst>
+                                </p:cTn>
+                              </p:par>
+                              <p:par>
+                                <p:cTn id="39" presetID="49" presetClass="entr" presetSubtype="0" decel="100000" fill="hold" grpId="0" nodeType="withEffect">
+                                  <p:stCondLst>
+                                    <p:cond delay="0"/>
+                                  </p:stCondLst>
+                                  <p:childTnLst>
+                                    <p:set>
+                                      <p:cBhvr>
+                                        <p:cTn id="40" dur="1" fill="hold">
+                                          <p:stCondLst>
+                                            <p:cond delay="0"/>
+                                          </p:stCondLst>
+                                        </p:cTn>
+                                        <p:tgtEl>
+                                          <p:spTgt spid="8">
+                                            <p:txEl>
+                                              <p:pRg st="5" end="5"/>
+                                            </p:txEl>
+                                          </p:spTgt>
+                                        </p:tgtEl>
+                                        <p:attrNameLst>
+                                          <p:attrName>style.visibility</p:attrName>
+                                        </p:attrNameLst>
+                                      </p:cBhvr>
+                                      <p:to>
+                                        <p:strVal val="visible"/>
+                                      </p:to>
+                                    </p:set>
+                                    <p:anim calcmode="lin" valueType="num">
+                                      <p:cBhvr>
+                                        <p:cTn id="41" dur="500" fill="hold"/>
+                                        <p:tgtEl>
+                                          <p:spTgt spid="8">
+                                            <p:txEl>
+                                              <p:pRg st="5" end="5"/>
+                                            </p:txEl>
+                                          </p:spTgt>
+                                        </p:tgtEl>
+                                        <p:attrNameLst>
+                                          <p:attrName>ppt_w</p:attrName>
+                                        </p:attrNameLst>
+                                      </p:cBhvr>
+                                      <p:tavLst>
+                                        <p:tav tm="0">
+                                          <p:val>
+                                            <p:fltVal val="0"/>
+                                          </p:val>
+                                        </p:tav>
+                                        <p:tav tm="100000">
+                                          <p:val>
+                                            <p:strVal val="#ppt_w"/>
+                                          </p:val>
+                                        </p:tav>
+                                      </p:tavLst>
+                                    </p:anim>
+                                    <p:anim calcmode="lin" valueType="num">
+                                      <p:cBhvr>
+                                        <p:cTn id="42" dur="500" fill="hold"/>
+                                        <p:tgtEl>
+                                          <p:spTgt spid="8">
+                                            <p:txEl>
+                                              <p:pRg st="5" end="5"/>
+                                            </p:txEl>
+                                          </p:spTgt>
+                                        </p:tgtEl>
+                                        <p:attrNameLst>
+                                          <p:attrName>ppt_h</p:attrName>
+                                        </p:attrNameLst>
+                                      </p:cBhvr>
+                                      <p:tavLst>
+                                        <p:tav tm="0">
+                                          <p:val>
+                                            <p:fltVal val="0"/>
+                                          </p:val>
+                                        </p:tav>
+                                        <p:tav tm="100000">
+                                          <p:val>
+                                            <p:strVal val="#ppt_h"/>
+                                          </p:val>
+                                        </p:tav>
+                                      </p:tavLst>
+                                    </p:anim>
+                                    <p:anim calcmode="lin" valueType="num">
+                                      <p:cBhvr>
+                                        <p:cTn id="43" dur="500" fill="hold"/>
+                                        <p:tgtEl>
+                                          <p:spTgt spid="8">
+                                            <p:txEl>
+                                              <p:pRg st="5" end="5"/>
+                                            </p:txEl>
+                                          </p:spTgt>
+                                        </p:tgtEl>
+                                        <p:attrNameLst>
+                                          <p:attrName>style.rotation</p:attrName>
+                                        </p:attrNameLst>
+                                      </p:cBhvr>
+                                      <p:tavLst>
+                                        <p:tav tm="0">
+                                          <p:val>
+                                            <p:fltVal val="360"/>
+                                          </p:val>
+                                        </p:tav>
+                                        <p:tav tm="100000">
+                                          <p:val>
+                                            <p:fltVal val="0"/>
+                                          </p:val>
+                                        </p:tav>
+                                      </p:tavLst>
+                                    </p:anim>
+                                    <p:animEffect transition="in" filter="fade">
+                                      <p:cBhvr>
+                                        <p:cTn id="44" dur="500"/>
+                                        <p:tgtEl>
+                                          <p:spTgt spid="8">
+                                            <p:txEl>
+                                              <p:pRg st="5" end="5"/>
+                                            </p:txEl>
+                                          </p:spTgt>
+                                        </p:tgtEl>
+                                      </p:cBhvr>
+                                    </p:animEffect>
+                                  </p:childTnLst>
+                                </p:cTn>
+                              </p:par>
+                              <p:par>
+                                <p:cTn id="45" presetID="49" presetClass="entr" presetSubtype="0" decel="100000" fill="hold" grpId="0" nodeType="withEffect">
+                                  <p:stCondLst>
+                                    <p:cond delay="0"/>
+                                  </p:stCondLst>
+                                  <p:childTnLst>
+                                    <p:set>
+                                      <p:cBhvr>
+                                        <p:cTn id="46" dur="1" fill="hold">
+                                          <p:stCondLst>
+                                            <p:cond delay="0"/>
+                                          </p:stCondLst>
+                                        </p:cTn>
+                                        <p:tgtEl>
+                                          <p:spTgt spid="8">
+                                            <p:txEl>
+                                              <p:pRg st="6" end="6"/>
+                                            </p:txEl>
+                                          </p:spTgt>
+                                        </p:tgtEl>
+                                        <p:attrNameLst>
+                                          <p:attrName>style.visibility</p:attrName>
+                                        </p:attrNameLst>
+                                      </p:cBhvr>
+                                      <p:to>
+                                        <p:strVal val="visible"/>
+                                      </p:to>
+                                    </p:set>
+                                    <p:anim calcmode="lin" valueType="num">
+                                      <p:cBhvr>
+                                        <p:cTn id="47" dur="500" fill="hold"/>
+                                        <p:tgtEl>
+                                          <p:spTgt spid="8">
+                                            <p:txEl>
+                                              <p:pRg st="6" end="6"/>
+                                            </p:txEl>
+                                          </p:spTgt>
+                                        </p:tgtEl>
+                                        <p:attrNameLst>
+                                          <p:attrName>ppt_w</p:attrName>
+                                        </p:attrNameLst>
+                                      </p:cBhvr>
+                                      <p:tavLst>
+                                        <p:tav tm="0">
+                                          <p:val>
+                                            <p:fltVal val="0"/>
+                                          </p:val>
+                                        </p:tav>
+                                        <p:tav tm="100000">
+                                          <p:val>
+                                            <p:strVal val="#ppt_w"/>
+                                          </p:val>
+                                        </p:tav>
+                                      </p:tavLst>
+                                    </p:anim>
+                                    <p:anim calcmode="lin" valueType="num">
+                                      <p:cBhvr>
+                                        <p:cTn id="48" dur="500" fill="hold"/>
+                                        <p:tgtEl>
+                                          <p:spTgt spid="8">
+                                            <p:txEl>
+                                              <p:pRg st="6" end="6"/>
+                                            </p:txEl>
+                                          </p:spTgt>
+                                        </p:tgtEl>
+                                        <p:attrNameLst>
+                                          <p:attrName>ppt_h</p:attrName>
+                                        </p:attrNameLst>
+                                      </p:cBhvr>
+                                      <p:tavLst>
+                                        <p:tav tm="0">
+                                          <p:val>
+                                            <p:fltVal val="0"/>
+                                          </p:val>
+                                        </p:tav>
+                                        <p:tav tm="100000">
+                                          <p:val>
+                                            <p:strVal val="#ppt_h"/>
+                                          </p:val>
+                                        </p:tav>
+                                      </p:tavLst>
+                                    </p:anim>
+                                    <p:anim calcmode="lin" valueType="num">
+                                      <p:cBhvr>
+                                        <p:cTn id="49" dur="500" fill="hold"/>
+                                        <p:tgtEl>
+                                          <p:spTgt spid="8">
+                                            <p:txEl>
+                                              <p:pRg st="6" end="6"/>
+                                            </p:txEl>
+                                          </p:spTgt>
+                                        </p:tgtEl>
+                                        <p:attrNameLst>
+                                          <p:attrName>style.rotation</p:attrName>
+                                        </p:attrNameLst>
+                                      </p:cBhvr>
+                                      <p:tavLst>
+                                        <p:tav tm="0">
+                                          <p:val>
+                                            <p:fltVal val="360"/>
+                                          </p:val>
+                                        </p:tav>
+                                        <p:tav tm="100000">
+                                          <p:val>
+                                            <p:fltVal val="0"/>
+                                          </p:val>
+                                        </p:tav>
+                                      </p:tavLst>
+                                    </p:anim>
+                                    <p:animEffect transition="in" filter="fade">
+                                      <p:cBhvr>
+                                        <p:cTn id="50" dur="500"/>
+                                        <p:tgtEl>
+                                          <p:spTgt spid="8">
+                                            <p:txEl>
+                                              <p:pRg st="6" end="6"/>
+                                            </p:txEl>
+                                          </p:spTgt>
+                                        </p:tgtEl>
+                                      </p:cBhvr>
+                                    </p:animEffect>
+                                  </p:childTnLst>
+                                </p:cTn>
+                              </p:par>
+                            </p:childTnLst>
+                          </p:cTn>
+                        </p:par>
+                      </p:childTnLst>
+                    </p:cTn>
+                  </p:par>
+                  <p:par>
+                    <p:cTn id="51" fill="hold">
+                      <p:stCondLst>
+                        <p:cond delay="indefinite"/>
+                      </p:stCondLst>
+                      <p:childTnLst>
+                        <p:par>
+                          <p:cTn id="52" fill="hold">
+                            <p:stCondLst>
+                              <p:cond delay="0"/>
+                            </p:stCondLst>
+                            <p:childTnLst>
+                              <p:par>
+                                <p:cTn id="53" presetID="49" presetClass="entr" presetSubtype="0" decel="100000" fill="hold" grpId="0" nodeType="clickEffect">
+                                  <p:stCondLst>
+                                    <p:cond delay="0"/>
+                                  </p:stCondLst>
+                                  <p:childTnLst>
+                                    <p:set>
+                                      <p:cBhvr>
+                                        <p:cTn id="54" dur="1" fill="hold">
+                                          <p:stCondLst>
+                                            <p:cond delay="0"/>
+                                          </p:stCondLst>
+                                        </p:cTn>
+                                        <p:tgtEl>
+                                          <p:spTgt spid="8">
+                                            <p:txEl>
+                                              <p:pRg st="7" end="7"/>
+                                            </p:txEl>
+                                          </p:spTgt>
+                                        </p:tgtEl>
+                                        <p:attrNameLst>
+                                          <p:attrName>style.visibility</p:attrName>
+                                        </p:attrNameLst>
+                                      </p:cBhvr>
+                                      <p:to>
+                                        <p:strVal val="visible"/>
+                                      </p:to>
+                                    </p:set>
+                                    <p:anim calcmode="lin" valueType="num">
+                                      <p:cBhvr>
+                                        <p:cTn id="55" dur="500" fill="hold"/>
+                                        <p:tgtEl>
+                                          <p:spTgt spid="8">
+                                            <p:txEl>
+                                              <p:pRg st="7" end="7"/>
+                                            </p:txEl>
+                                          </p:spTgt>
+                                        </p:tgtEl>
+                                        <p:attrNameLst>
+                                          <p:attrName>ppt_w</p:attrName>
+                                        </p:attrNameLst>
+                                      </p:cBhvr>
+                                      <p:tavLst>
+                                        <p:tav tm="0">
+                                          <p:val>
+                                            <p:fltVal val="0"/>
+                                          </p:val>
+                                        </p:tav>
+                                        <p:tav tm="100000">
+                                          <p:val>
+                                            <p:strVal val="#ppt_w"/>
+                                          </p:val>
+                                        </p:tav>
+                                      </p:tavLst>
+                                    </p:anim>
+                                    <p:anim calcmode="lin" valueType="num">
+                                      <p:cBhvr>
+                                        <p:cTn id="56" dur="500" fill="hold"/>
+                                        <p:tgtEl>
+                                          <p:spTgt spid="8">
+                                            <p:txEl>
+                                              <p:pRg st="7" end="7"/>
+                                            </p:txEl>
+                                          </p:spTgt>
+                                        </p:tgtEl>
+                                        <p:attrNameLst>
+                                          <p:attrName>ppt_h</p:attrName>
+                                        </p:attrNameLst>
+                                      </p:cBhvr>
+                                      <p:tavLst>
+                                        <p:tav tm="0">
+                                          <p:val>
+                                            <p:fltVal val="0"/>
+                                          </p:val>
+                                        </p:tav>
+                                        <p:tav tm="100000">
+                                          <p:val>
+                                            <p:strVal val="#ppt_h"/>
+                                          </p:val>
+                                        </p:tav>
+                                      </p:tavLst>
+                                    </p:anim>
+                                    <p:anim calcmode="lin" valueType="num">
+                                      <p:cBhvr>
+                                        <p:cTn id="57" dur="500" fill="hold"/>
+                                        <p:tgtEl>
+                                          <p:spTgt spid="8">
+                                            <p:txEl>
+                                              <p:pRg st="7" end="7"/>
+                                            </p:txEl>
+                                          </p:spTgt>
+                                        </p:tgtEl>
+                                        <p:attrNameLst>
+                                          <p:attrName>style.rotation</p:attrName>
+                                        </p:attrNameLst>
+                                      </p:cBhvr>
+                                      <p:tavLst>
+                                        <p:tav tm="0">
+                                          <p:val>
+                                            <p:fltVal val="360"/>
+                                          </p:val>
+                                        </p:tav>
+                                        <p:tav tm="100000">
+                                          <p:val>
+                                            <p:fltVal val="0"/>
+                                          </p:val>
+                                        </p:tav>
+                                      </p:tavLst>
+                                    </p:anim>
+                                    <p:animEffect transition="in" filter="fade">
+                                      <p:cBhvr>
+                                        <p:cTn id="58" dur="500"/>
+                                        <p:tgtEl>
+                                          <p:spTgt spid="8">
+                                            <p:txEl>
+                                              <p:pRg st="7" end="7"/>
+                                            </p:txEl>
+                                          </p:spTgt>
+                                        </p:tgtEl>
+                                      </p:cBhvr>
+                                    </p:animEffect>
+                                  </p:childTnLst>
+                                </p:cTn>
+                              </p:par>
+                              <p:par>
+                                <p:cTn id="59" presetID="49" presetClass="entr" presetSubtype="0" decel="100000" fill="hold" grpId="0" nodeType="withEffect">
+                                  <p:stCondLst>
+                                    <p:cond delay="0"/>
+                                  </p:stCondLst>
+                                  <p:childTnLst>
+                                    <p:set>
+                                      <p:cBhvr>
+                                        <p:cTn id="60" dur="1" fill="hold">
+                                          <p:stCondLst>
+                                            <p:cond delay="0"/>
+                                          </p:stCondLst>
+                                        </p:cTn>
+                                        <p:tgtEl>
+                                          <p:spTgt spid="8">
+                                            <p:txEl>
+                                              <p:pRg st="8" end="8"/>
+                                            </p:txEl>
+                                          </p:spTgt>
+                                        </p:tgtEl>
+                                        <p:attrNameLst>
+                                          <p:attrName>style.visibility</p:attrName>
+                                        </p:attrNameLst>
+                                      </p:cBhvr>
+                                      <p:to>
+                                        <p:strVal val="visible"/>
+                                      </p:to>
+                                    </p:set>
+                                    <p:anim calcmode="lin" valueType="num">
+                                      <p:cBhvr>
+                                        <p:cTn id="61" dur="500" fill="hold"/>
+                                        <p:tgtEl>
+                                          <p:spTgt spid="8">
+                                            <p:txEl>
+                                              <p:pRg st="8" end="8"/>
+                                            </p:txEl>
+                                          </p:spTgt>
+                                        </p:tgtEl>
+                                        <p:attrNameLst>
+                                          <p:attrName>ppt_w</p:attrName>
+                                        </p:attrNameLst>
+                                      </p:cBhvr>
+                                      <p:tavLst>
+                                        <p:tav tm="0">
+                                          <p:val>
+                                            <p:fltVal val="0"/>
+                                          </p:val>
+                                        </p:tav>
+                                        <p:tav tm="100000">
+                                          <p:val>
+                                            <p:strVal val="#ppt_w"/>
+                                          </p:val>
+                                        </p:tav>
+                                      </p:tavLst>
+                                    </p:anim>
+                                    <p:anim calcmode="lin" valueType="num">
+                                      <p:cBhvr>
+                                        <p:cTn id="62" dur="500" fill="hold"/>
+                                        <p:tgtEl>
+                                          <p:spTgt spid="8">
+                                            <p:txEl>
+                                              <p:pRg st="8" end="8"/>
+                                            </p:txEl>
+                                          </p:spTgt>
+                                        </p:tgtEl>
+                                        <p:attrNameLst>
+                                          <p:attrName>ppt_h</p:attrName>
+                                        </p:attrNameLst>
+                                      </p:cBhvr>
+                                      <p:tavLst>
+                                        <p:tav tm="0">
+                                          <p:val>
+                                            <p:fltVal val="0"/>
+                                          </p:val>
+                                        </p:tav>
+                                        <p:tav tm="100000">
+                                          <p:val>
+                                            <p:strVal val="#ppt_h"/>
+                                          </p:val>
+                                        </p:tav>
+                                      </p:tavLst>
+                                    </p:anim>
+                                    <p:anim calcmode="lin" valueType="num">
+                                      <p:cBhvr>
+                                        <p:cTn id="63" dur="500" fill="hold"/>
+                                        <p:tgtEl>
+                                          <p:spTgt spid="8">
+                                            <p:txEl>
+                                              <p:pRg st="8" end="8"/>
+                                            </p:txEl>
+                                          </p:spTgt>
+                                        </p:tgtEl>
+                                        <p:attrNameLst>
+                                          <p:attrName>style.rotation</p:attrName>
+                                        </p:attrNameLst>
+                                      </p:cBhvr>
+                                      <p:tavLst>
+                                        <p:tav tm="0">
+                                          <p:val>
+                                            <p:fltVal val="360"/>
+                                          </p:val>
+                                        </p:tav>
+                                        <p:tav tm="100000">
+                                          <p:val>
+                                            <p:fltVal val="0"/>
+                                          </p:val>
+                                        </p:tav>
+                                      </p:tavLst>
+                                    </p:anim>
+                                    <p:animEffect transition="in" filter="fade">
+                                      <p:cBhvr>
+                                        <p:cTn id="64" dur="500"/>
+                                        <p:tgtEl>
+                                          <p:spTgt spid="8">
+                                            <p:txEl>
+                                              <p:pRg st="8" end="8"/>
+                                            </p:txEl>
+                                          </p:spTgt>
+                                        </p:tgtEl>
+                                      </p:cBhvr>
+                                    </p:animEffect>
+                                  </p:childTnLst>
+                                </p:cTn>
+                              </p:par>
+                              <p:par>
+                                <p:cTn id="65" presetID="49" presetClass="entr" presetSubtype="0" decel="100000" fill="hold" grpId="0" nodeType="withEffect">
+                                  <p:stCondLst>
+                                    <p:cond delay="0"/>
+                                  </p:stCondLst>
+                                  <p:childTnLst>
+                                    <p:set>
+                                      <p:cBhvr>
+                                        <p:cTn id="66" dur="1" fill="hold">
+                                          <p:stCondLst>
+                                            <p:cond delay="0"/>
+                                          </p:stCondLst>
+                                        </p:cTn>
+                                        <p:tgtEl>
+                                          <p:spTgt spid="8">
+                                            <p:txEl>
+                                              <p:pRg st="9" end="9"/>
+                                            </p:txEl>
+                                          </p:spTgt>
+                                        </p:tgtEl>
+                                        <p:attrNameLst>
+                                          <p:attrName>style.visibility</p:attrName>
+                                        </p:attrNameLst>
+                                      </p:cBhvr>
+                                      <p:to>
+                                        <p:strVal val="visible"/>
+                                      </p:to>
+                                    </p:set>
+                                    <p:anim calcmode="lin" valueType="num">
+                                      <p:cBhvr>
+                                        <p:cTn id="67" dur="500" fill="hold"/>
+                                        <p:tgtEl>
+                                          <p:spTgt spid="8">
+                                            <p:txEl>
+                                              <p:pRg st="9" end="9"/>
+                                            </p:txEl>
+                                          </p:spTgt>
+                                        </p:tgtEl>
+                                        <p:attrNameLst>
+                                          <p:attrName>ppt_w</p:attrName>
+                                        </p:attrNameLst>
+                                      </p:cBhvr>
+                                      <p:tavLst>
+                                        <p:tav tm="0">
+                                          <p:val>
+                                            <p:fltVal val="0"/>
+                                          </p:val>
+                                        </p:tav>
+                                        <p:tav tm="100000">
+                                          <p:val>
+                                            <p:strVal val="#ppt_w"/>
+                                          </p:val>
+                                        </p:tav>
+                                      </p:tavLst>
+                                    </p:anim>
+                                    <p:anim calcmode="lin" valueType="num">
+                                      <p:cBhvr>
+                                        <p:cTn id="68" dur="500" fill="hold"/>
+                                        <p:tgtEl>
+                                          <p:spTgt spid="8">
+                                            <p:txEl>
+                                              <p:pRg st="9" end="9"/>
+                                            </p:txEl>
+                                          </p:spTgt>
+                                        </p:tgtEl>
+                                        <p:attrNameLst>
+                                          <p:attrName>ppt_h</p:attrName>
+                                        </p:attrNameLst>
+                                      </p:cBhvr>
+                                      <p:tavLst>
+                                        <p:tav tm="0">
+                                          <p:val>
+                                            <p:fltVal val="0"/>
+                                          </p:val>
+                                        </p:tav>
+                                        <p:tav tm="100000">
+                                          <p:val>
+                                            <p:strVal val="#ppt_h"/>
+                                          </p:val>
+                                        </p:tav>
+                                      </p:tavLst>
+                                    </p:anim>
+                                    <p:anim calcmode="lin" valueType="num">
+                                      <p:cBhvr>
+                                        <p:cTn id="69" dur="500" fill="hold"/>
+                                        <p:tgtEl>
+                                          <p:spTgt spid="8">
+                                            <p:txEl>
+                                              <p:pRg st="9" end="9"/>
+                                            </p:txEl>
+                                          </p:spTgt>
+                                        </p:tgtEl>
+                                        <p:attrNameLst>
+                                          <p:attrName>style.rotation</p:attrName>
+                                        </p:attrNameLst>
+                                      </p:cBhvr>
+                                      <p:tavLst>
+                                        <p:tav tm="0">
+                                          <p:val>
+                                            <p:fltVal val="360"/>
+                                          </p:val>
+                                        </p:tav>
+                                        <p:tav tm="100000">
+                                          <p:val>
+                                            <p:fltVal val="0"/>
+                                          </p:val>
+                                        </p:tav>
+                                      </p:tavLst>
+                                    </p:anim>
+                                    <p:animEffect transition="in" filter="fade">
+                                      <p:cBhvr>
+                                        <p:cTn id="70" dur="500"/>
+                                        <p:tgtEl>
+                                          <p:spTgt spid="8">
+                                            <p:txEl>
+                                              <p:pRg st="9" end="9"/>
+                                            </p:txEl>
+                                          </p:spTgt>
+                                        </p:tgtEl>
+                                      </p:cBhvr>
+                                    </p:animEffect>
+                                  </p:childTnLst>
+                                </p:cTn>
+                              </p:par>
+                              <p:par>
+                                <p:cTn id="71" presetID="49" presetClass="entr" presetSubtype="0" decel="100000" fill="hold" grpId="0" nodeType="withEffect">
+                                  <p:stCondLst>
+                                    <p:cond delay="0"/>
+                                  </p:stCondLst>
+                                  <p:childTnLst>
+                                    <p:set>
+                                      <p:cBhvr>
+                                        <p:cTn id="72" dur="1" fill="hold">
+                                          <p:stCondLst>
+                                            <p:cond delay="0"/>
+                                          </p:stCondLst>
+                                        </p:cTn>
+                                        <p:tgtEl>
+                                          <p:spTgt spid="8">
+                                            <p:txEl>
+                                              <p:pRg st="10" end="10"/>
+                                            </p:txEl>
+                                          </p:spTgt>
+                                        </p:tgtEl>
+                                        <p:attrNameLst>
+                                          <p:attrName>style.visibility</p:attrName>
+                                        </p:attrNameLst>
+                                      </p:cBhvr>
+                                      <p:to>
+                                        <p:strVal val="visible"/>
+                                      </p:to>
+                                    </p:set>
+                                    <p:anim calcmode="lin" valueType="num">
+                                      <p:cBhvr>
+                                        <p:cTn id="73" dur="500" fill="hold"/>
+                                        <p:tgtEl>
+                                          <p:spTgt spid="8">
+                                            <p:txEl>
+                                              <p:pRg st="10" end="10"/>
+                                            </p:txEl>
+                                          </p:spTgt>
+                                        </p:tgtEl>
+                                        <p:attrNameLst>
+                                          <p:attrName>ppt_w</p:attrName>
+                                        </p:attrNameLst>
+                                      </p:cBhvr>
+                                      <p:tavLst>
+                                        <p:tav tm="0">
+                                          <p:val>
+                                            <p:fltVal val="0"/>
+                                          </p:val>
+                                        </p:tav>
+                                        <p:tav tm="100000">
+                                          <p:val>
+                                            <p:strVal val="#ppt_w"/>
+                                          </p:val>
+                                        </p:tav>
+                                      </p:tavLst>
+                                    </p:anim>
+                                    <p:anim calcmode="lin" valueType="num">
+                                      <p:cBhvr>
+                                        <p:cTn id="74" dur="500" fill="hold"/>
+                                        <p:tgtEl>
+                                          <p:spTgt spid="8">
+                                            <p:txEl>
+                                              <p:pRg st="10" end="10"/>
+                                            </p:txEl>
+                                          </p:spTgt>
+                                        </p:tgtEl>
+                                        <p:attrNameLst>
+                                          <p:attrName>ppt_h</p:attrName>
+                                        </p:attrNameLst>
+                                      </p:cBhvr>
+                                      <p:tavLst>
+                                        <p:tav tm="0">
+                                          <p:val>
+                                            <p:fltVal val="0"/>
+                                          </p:val>
+                                        </p:tav>
+                                        <p:tav tm="100000">
+                                          <p:val>
+                                            <p:strVal val="#ppt_h"/>
+                                          </p:val>
+                                        </p:tav>
+                                      </p:tavLst>
+                                    </p:anim>
+                                    <p:anim calcmode="lin" valueType="num">
+                                      <p:cBhvr>
+                                        <p:cTn id="75" dur="500" fill="hold"/>
+                                        <p:tgtEl>
+                                          <p:spTgt spid="8">
+                                            <p:txEl>
+                                              <p:pRg st="10" end="10"/>
+                                            </p:txEl>
+                                          </p:spTgt>
+                                        </p:tgtEl>
+                                        <p:attrNameLst>
+                                          <p:attrName>style.rotation</p:attrName>
+                                        </p:attrNameLst>
+                                      </p:cBhvr>
+                                      <p:tavLst>
+                                        <p:tav tm="0">
+                                          <p:val>
+                                            <p:fltVal val="360"/>
+                                          </p:val>
+                                        </p:tav>
+                                        <p:tav tm="100000">
+                                          <p:val>
+                                            <p:fltVal val="0"/>
+                                          </p:val>
+                                        </p:tav>
+                                      </p:tavLst>
+                                    </p:anim>
+                                    <p:animEffect transition="in" filter="fade">
+                                      <p:cBhvr>
+                                        <p:cTn id="76" dur="500"/>
+                                        <p:tgtEl>
+                                          <p:spTgt spid="8">
+                                            <p:txEl>
+                                              <p:pRg st="10" end="10"/>
+                                            </p:txEl>
+                                          </p:spTgt>
+                                        </p:tgtEl>
+                                      </p:cBhvr>
+                                    </p:animEffect>
+                                  </p:childTnLst>
+                                </p:cTn>
+                              </p:par>
+                            </p:childTnLst>
+                          </p:cTn>
+                        </p:par>
+                        <p:par>
+                          <p:cTn id="77" fill="hold">
+                            <p:stCondLst>
+                              <p:cond delay="500"/>
+                            </p:stCondLst>
+                            <p:childTnLst>
+                              <p:par>
+                                <p:cTn id="78" presetID="49" presetClass="entr" presetSubtype="0" decel="100000" fill="hold" grpId="0" nodeType="afterEffect">
+                                  <p:stCondLst>
+                                    <p:cond delay="0"/>
+                                  </p:stCondLst>
+                                  <p:childTnLst>
+                                    <p:set>
+                                      <p:cBhvr>
+                                        <p:cTn id="79" dur="1" fill="hold">
+                                          <p:stCondLst>
+                                            <p:cond delay="0"/>
+                                          </p:stCondLst>
+                                        </p:cTn>
+                                        <p:tgtEl>
+                                          <p:spTgt spid="12">
+                                            <p:txEl>
+                                              <p:pRg st="0" end="0"/>
+                                            </p:txEl>
+                                          </p:spTgt>
+                                        </p:tgtEl>
+                                        <p:attrNameLst>
+                                          <p:attrName>style.visibility</p:attrName>
+                                        </p:attrNameLst>
+                                      </p:cBhvr>
+                                      <p:to>
+                                        <p:strVal val="visible"/>
+                                      </p:to>
+                                    </p:set>
+                                    <p:anim calcmode="lin" valueType="num">
+                                      <p:cBhvr>
+                                        <p:cTn id="80" dur="500" fill="hold"/>
+                                        <p:tgtEl>
+                                          <p:spTgt spid="12">
+                                            <p:txEl>
+                                              <p:pRg st="0" end="0"/>
+                                            </p:txEl>
+                                          </p:spTgt>
+                                        </p:tgtEl>
+                                        <p:attrNameLst>
+                                          <p:attrName>ppt_w</p:attrName>
+                                        </p:attrNameLst>
+                                      </p:cBhvr>
+                                      <p:tavLst>
+                                        <p:tav tm="0">
+                                          <p:val>
+                                            <p:fltVal val="0"/>
+                                          </p:val>
+                                        </p:tav>
+                                        <p:tav tm="100000">
+                                          <p:val>
+                                            <p:strVal val="#ppt_w"/>
+                                          </p:val>
+                                        </p:tav>
+                                      </p:tavLst>
+                                    </p:anim>
+                                    <p:anim calcmode="lin" valueType="num">
+                                      <p:cBhvr>
+                                        <p:cTn id="81" dur="500" fill="hold"/>
+                                        <p:tgtEl>
+                                          <p:spTgt spid="12">
+                                            <p:txEl>
+                                              <p:pRg st="0" end="0"/>
+                                            </p:txEl>
+                                          </p:spTgt>
+                                        </p:tgtEl>
+                                        <p:attrNameLst>
+                                          <p:attrName>ppt_h</p:attrName>
+                                        </p:attrNameLst>
+                                      </p:cBhvr>
+                                      <p:tavLst>
+                                        <p:tav tm="0">
+                                          <p:val>
+                                            <p:fltVal val="0"/>
+                                          </p:val>
+                                        </p:tav>
+                                        <p:tav tm="100000">
+                                          <p:val>
+                                            <p:strVal val="#ppt_h"/>
+                                          </p:val>
+                                        </p:tav>
+                                      </p:tavLst>
+                                    </p:anim>
+                                    <p:anim calcmode="lin" valueType="num">
+                                      <p:cBhvr>
+                                        <p:cTn id="82" dur="500" fill="hold"/>
+                                        <p:tgtEl>
+                                          <p:spTgt spid="12">
+                                            <p:txEl>
+                                              <p:pRg st="0" end="0"/>
+                                            </p:txEl>
+                                          </p:spTgt>
+                                        </p:tgtEl>
+                                        <p:attrNameLst>
+                                          <p:attrName>style.rotation</p:attrName>
+                                        </p:attrNameLst>
+                                      </p:cBhvr>
+                                      <p:tavLst>
+                                        <p:tav tm="0">
+                                          <p:val>
+                                            <p:fltVal val="360"/>
+                                          </p:val>
+                                        </p:tav>
+                                        <p:tav tm="100000">
+                                          <p:val>
+                                            <p:fltVal val="0"/>
+                                          </p:val>
+                                        </p:tav>
+                                      </p:tavLst>
+                                    </p:anim>
+                                    <p:animEffect transition="in" filter="fade">
+                                      <p:cBhvr>
+                                        <p:cTn id="83" dur="500"/>
+                                        <p:tgtEl>
+                                          <p:spTgt spid="12">
+                                            <p:txEl>
+                                              <p:pRg st="0" end="0"/>
+                                            </p:txEl>
+                                          </p:spTgt>
+                                        </p:tgtEl>
+                                      </p:cBhvr>
+                                    </p:animEffect>
+                                  </p:childTnLst>
+                                </p:cTn>
+                              </p:par>
+                            </p:childTnLst>
+                          </p:cTn>
+                        </p:par>
+                      </p:childTnLst>
+                    </p:cTn>
+                  </p:par>
+                  <p:par>
+                    <p:cTn id="84" fill="hold">
+                      <p:stCondLst>
+                        <p:cond delay="indefinite"/>
+                      </p:stCondLst>
+                      <p:childTnLst>
+                        <p:par>
+                          <p:cTn id="85" fill="hold">
+                            <p:stCondLst>
+                              <p:cond delay="0"/>
+                            </p:stCondLst>
+                            <p:childTnLst>
+                              <p:par>
+                                <p:cTn id="86" presetID="49" presetClass="entr" presetSubtype="0" decel="100000" fill="hold" grpId="0" nodeType="clickEffect">
+                                  <p:stCondLst>
+                                    <p:cond delay="0"/>
+                                  </p:stCondLst>
+                                  <p:childTnLst>
+                                    <p:set>
+                                      <p:cBhvr>
+                                        <p:cTn id="87" dur="1" fill="hold">
+                                          <p:stCondLst>
+                                            <p:cond delay="0"/>
+                                          </p:stCondLst>
+                                        </p:cTn>
+                                        <p:tgtEl>
+                                          <p:spTgt spid="12">
+                                            <p:txEl>
+                                              <p:pRg st="1" end="1"/>
+                                            </p:txEl>
+                                          </p:spTgt>
+                                        </p:tgtEl>
+                                        <p:attrNameLst>
+                                          <p:attrName>style.visibility</p:attrName>
+                                        </p:attrNameLst>
+                                      </p:cBhvr>
+                                      <p:to>
+                                        <p:strVal val="visible"/>
+                                      </p:to>
+                                    </p:set>
+                                    <p:anim calcmode="lin" valueType="num">
+                                      <p:cBhvr>
+                                        <p:cTn id="88" dur="500" fill="hold"/>
+                                        <p:tgtEl>
+                                          <p:spTgt spid="12">
+                                            <p:txEl>
+                                              <p:pRg st="1" end="1"/>
+                                            </p:txEl>
+                                          </p:spTgt>
+                                        </p:tgtEl>
+                                        <p:attrNameLst>
+                                          <p:attrName>ppt_w</p:attrName>
+                                        </p:attrNameLst>
+                                      </p:cBhvr>
+                                      <p:tavLst>
+                                        <p:tav tm="0">
+                                          <p:val>
+                                            <p:fltVal val="0"/>
+                                          </p:val>
+                                        </p:tav>
+                                        <p:tav tm="100000">
+                                          <p:val>
+                                            <p:strVal val="#ppt_w"/>
+                                          </p:val>
+                                        </p:tav>
+                                      </p:tavLst>
+                                    </p:anim>
+                                    <p:anim calcmode="lin" valueType="num">
+                                      <p:cBhvr>
+                                        <p:cTn id="89" dur="500" fill="hold"/>
+                                        <p:tgtEl>
+                                          <p:spTgt spid="12">
+                                            <p:txEl>
+                                              <p:pRg st="1" end="1"/>
+                                            </p:txEl>
+                                          </p:spTgt>
+                                        </p:tgtEl>
+                                        <p:attrNameLst>
+                                          <p:attrName>ppt_h</p:attrName>
+                                        </p:attrNameLst>
+                                      </p:cBhvr>
+                                      <p:tavLst>
+                                        <p:tav tm="0">
+                                          <p:val>
+                                            <p:fltVal val="0"/>
+                                          </p:val>
+                                        </p:tav>
+                                        <p:tav tm="100000">
+                                          <p:val>
+                                            <p:strVal val="#ppt_h"/>
+                                          </p:val>
+                                        </p:tav>
+                                      </p:tavLst>
+                                    </p:anim>
+                                    <p:anim calcmode="lin" valueType="num">
+                                      <p:cBhvr>
+                                        <p:cTn id="90" dur="500" fill="hold"/>
+                                        <p:tgtEl>
+                                          <p:spTgt spid="12">
+                                            <p:txEl>
+                                              <p:pRg st="1" end="1"/>
+                                            </p:txEl>
+                                          </p:spTgt>
+                                        </p:tgtEl>
+                                        <p:attrNameLst>
+                                          <p:attrName>style.rotation</p:attrName>
+                                        </p:attrNameLst>
+                                      </p:cBhvr>
+                                      <p:tavLst>
+                                        <p:tav tm="0">
+                                          <p:val>
+                                            <p:fltVal val="360"/>
+                                          </p:val>
+                                        </p:tav>
+                                        <p:tav tm="100000">
+                                          <p:val>
+                                            <p:fltVal val="0"/>
+                                          </p:val>
+                                        </p:tav>
+                                      </p:tavLst>
+                                    </p:anim>
+                                    <p:animEffect transition="in" filter="fade">
+                                      <p:cBhvr>
+                                        <p:cTn id="91" dur="500"/>
+                                        <p:tgtEl>
+                                          <p:spTgt spid="12">
+                                            <p:txEl>
+                                              <p:pRg st="1" end="1"/>
+                                            </p:txEl>
+                                          </p:spTgt>
+                                        </p:tgtEl>
+                                      </p:cBhvr>
+                                    </p:animEffect>
+                                  </p:childTnLst>
+                                </p:cTn>
+                              </p:par>
+                              <p:par>
+                                <p:cTn id="92" presetID="49" presetClass="entr" presetSubtype="0" decel="100000" fill="hold" grpId="0" nodeType="withEffect">
+                                  <p:stCondLst>
+                                    <p:cond delay="0"/>
+                                  </p:stCondLst>
+                                  <p:childTnLst>
+                                    <p:set>
+                                      <p:cBhvr>
+                                        <p:cTn id="93" dur="1" fill="hold">
+                                          <p:stCondLst>
+                                            <p:cond delay="0"/>
+                                          </p:stCondLst>
+                                        </p:cTn>
+                                        <p:tgtEl>
+                                          <p:spTgt spid="12">
+                                            <p:txEl>
+                                              <p:pRg st="2" end="2"/>
+                                            </p:txEl>
+                                          </p:spTgt>
+                                        </p:tgtEl>
+                                        <p:attrNameLst>
+                                          <p:attrName>style.visibility</p:attrName>
+                                        </p:attrNameLst>
+                                      </p:cBhvr>
+                                      <p:to>
+                                        <p:strVal val="visible"/>
+                                      </p:to>
+                                    </p:set>
+                                    <p:anim calcmode="lin" valueType="num">
+                                      <p:cBhvr>
+                                        <p:cTn id="94" dur="500" fill="hold"/>
+                                        <p:tgtEl>
+                                          <p:spTgt spid="12">
+                                            <p:txEl>
+                                              <p:pRg st="2" end="2"/>
+                                            </p:txEl>
+                                          </p:spTgt>
+                                        </p:tgtEl>
+                                        <p:attrNameLst>
+                                          <p:attrName>ppt_w</p:attrName>
+                                        </p:attrNameLst>
+                                      </p:cBhvr>
+                                      <p:tavLst>
+                                        <p:tav tm="0">
+                                          <p:val>
+                                            <p:fltVal val="0"/>
+                                          </p:val>
+                                        </p:tav>
+                                        <p:tav tm="100000">
+                                          <p:val>
+                                            <p:strVal val="#ppt_w"/>
+                                          </p:val>
+                                        </p:tav>
+                                      </p:tavLst>
+                                    </p:anim>
+                                    <p:anim calcmode="lin" valueType="num">
+                                      <p:cBhvr>
+                                        <p:cTn id="95" dur="500" fill="hold"/>
+                                        <p:tgtEl>
+                                          <p:spTgt spid="12">
+                                            <p:txEl>
+                                              <p:pRg st="2" end="2"/>
+                                            </p:txEl>
+                                          </p:spTgt>
+                                        </p:tgtEl>
+                                        <p:attrNameLst>
+                                          <p:attrName>ppt_h</p:attrName>
+                                        </p:attrNameLst>
+                                      </p:cBhvr>
+                                      <p:tavLst>
+                                        <p:tav tm="0">
+                                          <p:val>
+                                            <p:fltVal val="0"/>
+                                          </p:val>
+                                        </p:tav>
+                                        <p:tav tm="100000">
+                                          <p:val>
+                                            <p:strVal val="#ppt_h"/>
+                                          </p:val>
+                                        </p:tav>
+                                      </p:tavLst>
+                                    </p:anim>
+                                    <p:anim calcmode="lin" valueType="num">
+                                      <p:cBhvr>
+                                        <p:cTn id="96" dur="500" fill="hold"/>
+                                        <p:tgtEl>
+                                          <p:spTgt spid="12">
+                                            <p:txEl>
+                                              <p:pRg st="2" end="2"/>
+                                            </p:txEl>
+                                          </p:spTgt>
+                                        </p:tgtEl>
+                                        <p:attrNameLst>
+                                          <p:attrName>style.rotation</p:attrName>
+                                        </p:attrNameLst>
+                                      </p:cBhvr>
+                                      <p:tavLst>
+                                        <p:tav tm="0">
+                                          <p:val>
+                                            <p:fltVal val="360"/>
+                                          </p:val>
+                                        </p:tav>
+                                        <p:tav tm="100000">
+                                          <p:val>
+                                            <p:fltVal val="0"/>
+                                          </p:val>
+                                        </p:tav>
+                                      </p:tavLst>
+                                    </p:anim>
+                                    <p:animEffect transition="in" filter="fade">
+                                      <p:cBhvr>
+                                        <p:cTn id="97" dur="500"/>
+                                        <p:tgtEl>
+                                          <p:spTgt spid="12">
+                                            <p:txEl>
+                                              <p:pRg st="2" end="2"/>
+                                            </p:txEl>
+                                          </p:spTgt>
+                                        </p:tgtEl>
+                                      </p:cBhvr>
+                                    </p:animEffect>
+                                  </p:childTnLst>
+                                </p:cTn>
+                              </p:par>
+                            </p:childTnLst>
+                          </p:cTn>
+                        </p:par>
+                      </p:childTnLst>
+                    </p:cTn>
+                  </p:par>
+                  <p:par>
+                    <p:cTn id="98" fill="hold">
+                      <p:stCondLst>
+                        <p:cond delay="indefinite"/>
+                      </p:stCondLst>
+                      <p:childTnLst>
+                        <p:par>
+                          <p:cTn id="99" fill="hold">
+                            <p:stCondLst>
+                              <p:cond delay="0"/>
+                            </p:stCondLst>
+                            <p:childTnLst>
+                              <p:par>
+                                <p:cTn id="100" presetID="49" presetClass="entr" presetSubtype="0" decel="100000" fill="hold" grpId="0" nodeType="clickEffect">
+                                  <p:stCondLst>
+                                    <p:cond delay="0"/>
+                                  </p:stCondLst>
+                                  <p:childTnLst>
+                                    <p:set>
+                                      <p:cBhvr>
+                                        <p:cTn id="101" dur="1" fill="hold">
+                                          <p:stCondLst>
+                                            <p:cond delay="0"/>
+                                          </p:stCondLst>
+                                        </p:cTn>
+                                        <p:tgtEl>
+                                          <p:spTgt spid="12">
+                                            <p:txEl>
+                                              <p:pRg st="3" end="3"/>
+                                            </p:txEl>
+                                          </p:spTgt>
+                                        </p:tgtEl>
+                                        <p:attrNameLst>
+                                          <p:attrName>style.visibility</p:attrName>
+                                        </p:attrNameLst>
+                                      </p:cBhvr>
+                                      <p:to>
+                                        <p:strVal val="visible"/>
+                                      </p:to>
+                                    </p:set>
+                                    <p:anim calcmode="lin" valueType="num">
+                                      <p:cBhvr>
+                                        <p:cTn id="102" dur="500" fill="hold"/>
+                                        <p:tgtEl>
+                                          <p:spTgt spid="12">
+                                            <p:txEl>
+                                              <p:pRg st="3" end="3"/>
+                                            </p:txEl>
+                                          </p:spTgt>
+                                        </p:tgtEl>
+                                        <p:attrNameLst>
+                                          <p:attrName>ppt_w</p:attrName>
+                                        </p:attrNameLst>
+                                      </p:cBhvr>
+                                      <p:tavLst>
+                                        <p:tav tm="0">
+                                          <p:val>
+                                            <p:fltVal val="0"/>
+                                          </p:val>
+                                        </p:tav>
+                                        <p:tav tm="100000">
+                                          <p:val>
+                                            <p:strVal val="#ppt_w"/>
+                                          </p:val>
+                                        </p:tav>
+                                      </p:tavLst>
+                                    </p:anim>
+                                    <p:anim calcmode="lin" valueType="num">
+                                      <p:cBhvr>
+                                        <p:cTn id="103" dur="500" fill="hold"/>
+                                        <p:tgtEl>
+                                          <p:spTgt spid="12">
+                                            <p:txEl>
+                                              <p:pRg st="3" end="3"/>
+                                            </p:txEl>
+                                          </p:spTgt>
+                                        </p:tgtEl>
+                                        <p:attrNameLst>
+                                          <p:attrName>ppt_h</p:attrName>
+                                        </p:attrNameLst>
+                                      </p:cBhvr>
+                                      <p:tavLst>
+                                        <p:tav tm="0">
+                                          <p:val>
+                                            <p:fltVal val="0"/>
+                                          </p:val>
+                                        </p:tav>
+                                        <p:tav tm="100000">
+                                          <p:val>
+                                            <p:strVal val="#ppt_h"/>
+                                          </p:val>
+                                        </p:tav>
+                                      </p:tavLst>
+                                    </p:anim>
+                                    <p:anim calcmode="lin" valueType="num">
+                                      <p:cBhvr>
+                                        <p:cTn id="104" dur="500" fill="hold"/>
+                                        <p:tgtEl>
+                                          <p:spTgt spid="12">
+                                            <p:txEl>
+                                              <p:pRg st="3" end="3"/>
+                                            </p:txEl>
+                                          </p:spTgt>
+                                        </p:tgtEl>
+                                        <p:attrNameLst>
+                                          <p:attrName>style.rotation</p:attrName>
+                                        </p:attrNameLst>
+                                      </p:cBhvr>
+                                      <p:tavLst>
+                                        <p:tav tm="0">
+                                          <p:val>
+                                            <p:fltVal val="360"/>
+                                          </p:val>
+                                        </p:tav>
+                                        <p:tav tm="100000">
+                                          <p:val>
+                                            <p:fltVal val="0"/>
+                                          </p:val>
+                                        </p:tav>
+                                      </p:tavLst>
+                                    </p:anim>
+                                    <p:animEffect transition="in" filter="fade">
+                                      <p:cBhvr>
+                                        <p:cTn id="105" dur="500"/>
+                                        <p:tgtEl>
+                                          <p:spTgt spid="12">
+                                            <p:txEl>
+                                              <p:pRg st="3" end="3"/>
+                                            </p:txEl>
+                                          </p:spTgt>
+                                        </p:tgtEl>
+                                      </p:cBhvr>
+                                    </p:animEffect>
+                                  </p:childTnLst>
+                                </p:cTn>
+                              </p:par>
+                              <p:par>
+                                <p:cTn id="106" presetID="49" presetClass="entr" presetSubtype="0" decel="100000" fill="hold" grpId="0" nodeType="withEffect">
+                                  <p:stCondLst>
+                                    <p:cond delay="0"/>
+                                  </p:stCondLst>
+                                  <p:childTnLst>
+                                    <p:set>
+                                      <p:cBhvr>
+                                        <p:cTn id="107" dur="1" fill="hold">
+                                          <p:stCondLst>
+                                            <p:cond delay="0"/>
+                                          </p:stCondLst>
+                                        </p:cTn>
+                                        <p:tgtEl>
+                                          <p:spTgt spid="12">
+                                            <p:txEl>
+                                              <p:pRg st="4" end="4"/>
+                                            </p:txEl>
+                                          </p:spTgt>
+                                        </p:tgtEl>
+                                        <p:attrNameLst>
+                                          <p:attrName>style.visibility</p:attrName>
+                                        </p:attrNameLst>
+                                      </p:cBhvr>
+                                      <p:to>
+                                        <p:strVal val="visible"/>
+                                      </p:to>
+                                    </p:set>
+                                    <p:anim calcmode="lin" valueType="num">
+                                      <p:cBhvr>
+                                        <p:cTn id="108" dur="500" fill="hold"/>
+                                        <p:tgtEl>
+                                          <p:spTgt spid="12">
+                                            <p:txEl>
+                                              <p:pRg st="4" end="4"/>
+                                            </p:txEl>
+                                          </p:spTgt>
+                                        </p:tgtEl>
+                                        <p:attrNameLst>
+                                          <p:attrName>ppt_w</p:attrName>
+                                        </p:attrNameLst>
+                                      </p:cBhvr>
+                                      <p:tavLst>
+                                        <p:tav tm="0">
+                                          <p:val>
+                                            <p:fltVal val="0"/>
+                                          </p:val>
+                                        </p:tav>
+                                        <p:tav tm="100000">
+                                          <p:val>
+                                            <p:strVal val="#ppt_w"/>
+                                          </p:val>
+                                        </p:tav>
+                                      </p:tavLst>
+                                    </p:anim>
+                                    <p:anim calcmode="lin" valueType="num">
+                                      <p:cBhvr>
+                                        <p:cTn id="109" dur="500" fill="hold"/>
+                                        <p:tgtEl>
+                                          <p:spTgt spid="12">
+                                            <p:txEl>
+                                              <p:pRg st="4" end="4"/>
+                                            </p:txEl>
+                                          </p:spTgt>
+                                        </p:tgtEl>
+                                        <p:attrNameLst>
+                                          <p:attrName>ppt_h</p:attrName>
+                                        </p:attrNameLst>
+                                      </p:cBhvr>
+                                      <p:tavLst>
+                                        <p:tav tm="0">
+                                          <p:val>
+                                            <p:fltVal val="0"/>
+                                          </p:val>
+                                        </p:tav>
+                                        <p:tav tm="100000">
+                                          <p:val>
+                                            <p:strVal val="#ppt_h"/>
+                                          </p:val>
+                                        </p:tav>
+                                      </p:tavLst>
+                                    </p:anim>
+                                    <p:anim calcmode="lin" valueType="num">
+                                      <p:cBhvr>
+                                        <p:cTn id="110" dur="500" fill="hold"/>
+                                        <p:tgtEl>
+                                          <p:spTgt spid="12">
+                                            <p:txEl>
+                                              <p:pRg st="4" end="4"/>
+                                            </p:txEl>
+                                          </p:spTgt>
+                                        </p:tgtEl>
+                                        <p:attrNameLst>
+                                          <p:attrName>style.rotation</p:attrName>
+                                        </p:attrNameLst>
+                                      </p:cBhvr>
+                                      <p:tavLst>
+                                        <p:tav tm="0">
+                                          <p:val>
+                                            <p:fltVal val="360"/>
+                                          </p:val>
+                                        </p:tav>
+                                        <p:tav tm="100000">
+                                          <p:val>
+                                            <p:fltVal val="0"/>
+                                          </p:val>
+                                        </p:tav>
+                                      </p:tavLst>
+                                    </p:anim>
+                                    <p:animEffect transition="in" filter="fade">
+                                      <p:cBhvr>
+                                        <p:cTn id="111" dur="500"/>
+                                        <p:tgtEl>
+                                          <p:spTgt spid="12">
+                                            <p:txEl>
+                                              <p:pRg st="4" end="4"/>
+                                            </p:txEl>
+                                          </p:spTgt>
+                                        </p:tgtEl>
+                                      </p:cBhvr>
+                                    </p:animEffect>
+                                  </p:childTnLst>
+                                </p:cTn>
+                              </p:par>
+                              <p:par>
+                                <p:cTn id="112" presetID="49" presetClass="entr" presetSubtype="0" decel="100000" fill="hold" grpId="0" nodeType="withEffect">
+                                  <p:stCondLst>
+                                    <p:cond delay="0"/>
+                                  </p:stCondLst>
+                                  <p:childTnLst>
+                                    <p:set>
+                                      <p:cBhvr>
+                                        <p:cTn id="113" dur="1" fill="hold">
+                                          <p:stCondLst>
+                                            <p:cond delay="0"/>
+                                          </p:stCondLst>
+                                        </p:cTn>
+                                        <p:tgtEl>
+                                          <p:spTgt spid="12">
+                                            <p:txEl>
+                                              <p:pRg st="5" end="5"/>
+                                            </p:txEl>
+                                          </p:spTgt>
+                                        </p:tgtEl>
+                                        <p:attrNameLst>
+                                          <p:attrName>style.visibility</p:attrName>
+                                        </p:attrNameLst>
+                                      </p:cBhvr>
+                                      <p:to>
+                                        <p:strVal val="visible"/>
+                                      </p:to>
+                                    </p:set>
+                                    <p:anim calcmode="lin" valueType="num">
+                                      <p:cBhvr>
+                                        <p:cTn id="114" dur="500" fill="hold"/>
+                                        <p:tgtEl>
+                                          <p:spTgt spid="12">
+                                            <p:txEl>
+                                              <p:pRg st="5" end="5"/>
+                                            </p:txEl>
+                                          </p:spTgt>
+                                        </p:tgtEl>
+                                        <p:attrNameLst>
+                                          <p:attrName>ppt_w</p:attrName>
+                                        </p:attrNameLst>
+                                      </p:cBhvr>
+                                      <p:tavLst>
+                                        <p:tav tm="0">
+                                          <p:val>
+                                            <p:fltVal val="0"/>
+                                          </p:val>
+                                        </p:tav>
+                                        <p:tav tm="100000">
+                                          <p:val>
+                                            <p:strVal val="#ppt_w"/>
+                                          </p:val>
+                                        </p:tav>
+                                      </p:tavLst>
+                                    </p:anim>
+                                    <p:anim calcmode="lin" valueType="num">
+                                      <p:cBhvr>
+                                        <p:cTn id="115" dur="500" fill="hold"/>
+                                        <p:tgtEl>
+                                          <p:spTgt spid="12">
+                                            <p:txEl>
+                                              <p:pRg st="5" end="5"/>
+                                            </p:txEl>
+                                          </p:spTgt>
+                                        </p:tgtEl>
+                                        <p:attrNameLst>
+                                          <p:attrName>ppt_h</p:attrName>
+                                        </p:attrNameLst>
+                                      </p:cBhvr>
+                                      <p:tavLst>
+                                        <p:tav tm="0">
+                                          <p:val>
+                                            <p:fltVal val="0"/>
+                                          </p:val>
+                                        </p:tav>
+                                        <p:tav tm="100000">
+                                          <p:val>
+                                            <p:strVal val="#ppt_h"/>
+                                          </p:val>
+                                        </p:tav>
+                                      </p:tavLst>
+                                    </p:anim>
+                                    <p:anim calcmode="lin" valueType="num">
+                                      <p:cBhvr>
+                                        <p:cTn id="116" dur="500" fill="hold"/>
+                                        <p:tgtEl>
+                                          <p:spTgt spid="12">
+                                            <p:txEl>
+                                              <p:pRg st="5" end="5"/>
+                                            </p:txEl>
+                                          </p:spTgt>
+                                        </p:tgtEl>
+                                        <p:attrNameLst>
+                                          <p:attrName>style.rotation</p:attrName>
+                                        </p:attrNameLst>
+                                      </p:cBhvr>
+                                      <p:tavLst>
+                                        <p:tav tm="0">
+                                          <p:val>
+                                            <p:fltVal val="360"/>
+                                          </p:val>
+                                        </p:tav>
+                                        <p:tav tm="100000">
+                                          <p:val>
+                                            <p:fltVal val="0"/>
+                                          </p:val>
+                                        </p:tav>
+                                      </p:tavLst>
+                                    </p:anim>
+                                    <p:animEffect transition="in" filter="fade">
+                                      <p:cBhvr>
+                                        <p:cTn id="117" dur="500"/>
+                                        <p:tgtEl>
+                                          <p:spTgt spid="12">
+                                            <p:txEl>
+                                              <p:pRg st="5" end="5"/>
+                                            </p:txEl>
+                                          </p:spTgt>
+                                        </p:tgtEl>
+                                      </p:cBhvr>
+                                    </p:animEffect>
+                                  </p:childTnLst>
+                                </p:cTn>
+                              </p:par>
+                              <p:par>
+                                <p:cTn id="118" presetID="49" presetClass="entr" presetSubtype="0" decel="100000" fill="hold" grpId="0" nodeType="withEffect">
+                                  <p:stCondLst>
+                                    <p:cond delay="0"/>
+                                  </p:stCondLst>
+                                  <p:childTnLst>
+                                    <p:set>
+                                      <p:cBhvr>
+                                        <p:cTn id="119" dur="1" fill="hold">
+                                          <p:stCondLst>
+                                            <p:cond delay="0"/>
+                                          </p:stCondLst>
+                                        </p:cTn>
+                                        <p:tgtEl>
+                                          <p:spTgt spid="12">
+                                            <p:txEl>
+                                              <p:pRg st="6" end="6"/>
+                                            </p:txEl>
+                                          </p:spTgt>
+                                        </p:tgtEl>
+                                        <p:attrNameLst>
+                                          <p:attrName>style.visibility</p:attrName>
+                                        </p:attrNameLst>
+                                      </p:cBhvr>
+                                      <p:to>
+                                        <p:strVal val="visible"/>
+                                      </p:to>
+                                    </p:set>
+                                    <p:anim calcmode="lin" valueType="num">
+                                      <p:cBhvr>
+                                        <p:cTn id="120" dur="500" fill="hold"/>
+                                        <p:tgtEl>
+                                          <p:spTgt spid="12">
+                                            <p:txEl>
+                                              <p:pRg st="6" end="6"/>
+                                            </p:txEl>
+                                          </p:spTgt>
+                                        </p:tgtEl>
+                                        <p:attrNameLst>
+                                          <p:attrName>ppt_w</p:attrName>
+                                        </p:attrNameLst>
+                                      </p:cBhvr>
+                                      <p:tavLst>
+                                        <p:tav tm="0">
+                                          <p:val>
+                                            <p:fltVal val="0"/>
+                                          </p:val>
+                                        </p:tav>
+                                        <p:tav tm="100000">
+                                          <p:val>
+                                            <p:strVal val="#ppt_w"/>
+                                          </p:val>
+                                        </p:tav>
+                                      </p:tavLst>
+                                    </p:anim>
+                                    <p:anim calcmode="lin" valueType="num">
+                                      <p:cBhvr>
+                                        <p:cTn id="121" dur="500" fill="hold"/>
+                                        <p:tgtEl>
+                                          <p:spTgt spid="12">
+                                            <p:txEl>
+                                              <p:pRg st="6" end="6"/>
+                                            </p:txEl>
+                                          </p:spTgt>
+                                        </p:tgtEl>
+                                        <p:attrNameLst>
+                                          <p:attrName>ppt_h</p:attrName>
+                                        </p:attrNameLst>
+                                      </p:cBhvr>
+                                      <p:tavLst>
+                                        <p:tav tm="0">
+                                          <p:val>
+                                            <p:fltVal val="0"/>
+                                          </p:val>
+                                        </p:tav>
+                                        <p:tav tm="100000">
+                                          <p:val>
+                                            <p:strVal val="#ppt_h"/>
+                                          </p:val>
+                                        </p:tav>
+                                      </p:tavLst>
+                                    </p:anim>
+                                    <p:anim calcmode="lin" valueType="num">
+                                      <p:cBhvr>
+                                        <p:cTn id="122" dur="500" fill="hold"/>
+                                        <p:tgtEl>
+                                          <p:spTgt spid="12">
+                                            <p:txEl>
+                                              <p:pRg st="6" end="6"/>
+                                            </p:txEl>
+                                          </p:spTgt>
+                                        </p:tgtEl>
+                                        <p:attrNameLst>
+                                          <p:attrName>style.rotation</p:attrName>
+                                        </p:attrNameLst>
+                                      </p:cBhvr>
+                                      <p:tavLst>
+                                        <p:tav tm="0">
+                                          <p:val>
+                                            <p:fltVal val="360"/>
+                                          </p:val>
+                                        </p:tav>
+                                        <p:tav tm="100000">
+                                          <p:val>
+                                            <p:fltVal val="0"/>
+                                          </p:val>
+                                        </p:tav>
+                                      </p:tavLst>
+                                    </p:anim>
+                                    <p:animEffect transition="in" filter="fade">
+                                      <p:cBhvr>
+                                        <p:cTn id="123" dur="500"/>
+                                        <p:tgtEl>
+                                          <p:spTgt spid="12">
+                                            <p:txEl>
+                                              <p:pRg st="6" end="6"/>
+                                            </p:txEl>
+                                          </p:spTgt>
+                                        </p:tgtEl>
+                                      </p:cBhvr>
+                                    </p:animEffect>
+                                  </p:childTnLst>
+                                </p:cTn>
+                              </p:par>
+                            </p:childTnLst>
+                          </p:cTn>
+                        </p:par>
+                      </p:childTnLst>
+                    </p:cTn>
+                  </p:par>
+                  <p:par>
+                    <p:cTn id="124" fill="hold">
+                      <p:stCondLst>
+                        <p:cond delay="indefinite"/>
+                      </p:stCondLst>
+                      <p:childTnLst>
+                        <p:par>
+                          <p:cTn id="125" fill="hold">
+                            <p:stCondLst>
+                              <p:cond delay="0"/>
+                            </p:stCondLst>
+                            <p:childTnLst>
+                              <p:par>
+                                <p:cTn id="126" presetID="49" presetClass="entr" presetSubtype="0" decel="100000" fill="hold" grpId="0" nodeType="clickEffect">
+                                  <p:stCondLst>
+                                    <p:cond delay="0"/>
+                                  </p:stCondLst>
+                                  <p:childTnLst>
+                                    <p:set>
+                                      <p:cBhvr>
+                                        <p:cTn id="127" dur="1" fill="hold">
+                                          <p:stCondLst>
+                                            <p:cond delay="0"/>
+                                          </p:stCondLst>
+                                        </p:cTn>
+                                        <p:tgtEl>
+                                          <p:spTgt spid="12">
+                                            <p:txEl>
+                                              <p:pRg st="7" end="7"/>
+                                            </p:txEl>
+                                          </p:spTgt>
+                                        </p:tgtEl>
+                                        <p:attrNameLst>
+                                          <p:attrName>style.visibility</p:attrName>
+                                        </p:attrNameLst>
+                                      </p:cBhvr>
+                                      <p:to>
+                                        <p:strVal val="visible"/>
+                                      </p:to>
+                                    </p:set>
+                                    <p:anim calcmode="lin" valueType="num">
+                                      <p:cBhvr>
+                                        <p:cTn id="128" dur="500" fill="hold"/>
+                                        <p:tgtEl>
+                                          <p:spTgt spid="12">
+                                            <p:txEl>
+                                              <p:pRg st="7" end="7"/>
+                                            </p:txEl>
+                                          </p:spTgt>
+                                        </p:tgtEl>
+                                        <p:attrNameLst>
+                                          <p:attrName>ppt_w</p:attrName>
+                                        </p:attrNameLst>
+                                      </p:cBhvr>
+                                      <p:tavLst>
+                                        <p:tav tm="0">
+                                          <p:val>
+                                            <p:fltVal val="0"/>
+                                          </p:val>
+                                        </p:tav>
+                                        <p:tav tm="100000">
+                                          <p:val>
+                                            <p:strVal val="#ppt_w"/>
+                                          </p:val>
+                                        </p:tav>
+                                      </p:tavLst>
+                                    </p:anim>
+                                    <p:anim calcmode="lin" valueType="num">
+                                      <p:cBhvr>
+                                        <p:cTn id="129" dur="500" fill="hold"/>
+                                        <p:tgtEl>
+                                          <p:spTgt spid="12">
+                                            <p:txEl>
+                                              <p:pRg st="7" end="7"/>
+                                            </p:txEl>
+                                          </p:spTgt>
+                                        </p:tgtEl>
+                                        <p:attrNameLst>
+                                          <p:attrName>ppt_h</p:attrName>
+                                        </p:attrNameLst>
+                                      </p:cBhvr>
+                                      <p:tavLst>
+                                        <p:tav tm="0">
+                                          <p:val>
+                                            <p:fltVal val="0"/>
+                                          </p:val>
+                                        </p:tav>
+                                        <p:tav tm="100000">
+                                          <p:val>
+                                            <p:strVal val="#ppt_h"/>
+                                          </p:val>
+                                        </p:tav>
+                                      </p:tavLst>
+                                    </p:anim>
+                                    <p:anim calcmode="lin" valueType="num">
+                                      <p:cBhvr>
+                                        <p:cTn id="130" dur="500" fill="hold"/>
+                                        <p:tgtEl>
+                                          <p:spTgt spid="12">
+                                            <p:txEl>
+                                              <p:pRg st="7" end="7"/>
+                                            </p:txEl>
+                                          </p:spTgt>
+                                        </p:tgtEl>
+                                        <p:attrNameLst>
+                                          <p:attrName>style.rotation</p:attrName>
+                                        </p:attrNameLst>
+                                      </p:cBhvr>
+                                      <p:tavLst>
+                                        <p:tav tm="0">
+                                          <p:val>
+                                            <p:fltVal val="360"/>
+                                          </p:val>
+                                        </p:tav>
+                                        <p:tav tm="100000">
+                                          <p:val>
+                                            <p:fltVal val="0"/>
+                                          </p:val>
+                                        </p:tav>
+                                      </p:tavLst>
+                                    </p:anim>
+                                    <p:animEffect transition="in" filter="fade">
+                                      <p:cBhvr>
+                                        <p:cTn id="131" dur="500"/>
+                                        <p:tgtEl>
+                                          <p:spTgt spid="12">
+                                            <p:txEl>
+                                              <p:pRg st="7" end="7"/>
+                                            </p:txEl>
+                                          </p:spTgt>
+                                        </p:tgtEl>
+                                      </p:cBhvr>
+                                    </p:animEffect>
+                                  </p:childTnLst>
+                                </p:cTn>
+                              </p:par>
+                              <p:par>
+                                <p:cTn id="132" presetID="49" presetClass="entr" presetSubtype="0" decel="100000" fill="hold" grpId="0" nodeType="withEffect">
+                                  <p:stCondLst>
+                                    <p:cond delay="0"/>
+                                  </p:stCondLst>
+                                  <p:childTnLst>
+                                    <p:set>
+                                      <p:cBhvr>
+                                        <p:cTn id="133" dur="1" fill="hold">
+                                          <p:stCondLst>
+                                            <p:cond delay="0"/>
+                                          </p:stCondLst>
+                                        </p:cTn>
+                                        <p:tgtEl>
+                                          <p:spTgt spid="12">
+                                            <p:txEl>
+                                              <p:pRg st="8" end="8"/>
+                                            </p:txEl>
+                                          </p:spTgt>
+                                        </p:tgtEl>
+                                        <p:attrNameLst>
+                                          <p:attrName>style.visibility</p:attrName>
+                                        </p:attrNameLst>
+                                      </p:cBhvr>
+                                      <p:to>
+                                        <p:strVal val="visible"/>
+                                      </p:to>
+                                    </p:set>
+                                    <p:anim calcmode="lin" valueType="num">
+                                      <p:cBhvr>
+                                        <p:cTn id="134" dur="500" fill="hold"/>
+                                        <p:tgtEl>
+                                          <p:spTgt spid="12">
+                                            <p:txEl>
+                                              <p:pRg st="8" end="8"/>
+                                            </p:txEl>
+                                          </p:spTgt>
+                                        </p:tgtEl>
+                                        <p:attrNameLst>
+                                          <p:attrName>ppt_w</p:attrName>
+                                        </p:attrNameLst>
+                                      </p:cBhvr>
+                                      <p:tavLst>
+                                        <p:tav tm="0">
+                                          <p:val>
+                                            <p:fltVal val="0"/>
+                                          </p:val>
+                                        </p:tav>
+                                        <p:tav tm="100000">
+                                          <p:val>
+                                            <p:strVal val="#ppt_w"/>
+                                          </p:val>
+                                        </p:tav>
+                                      </p:tavLst>
+                                    </p:anim>
+                                    <p:anim calcmode="lin" valueType="num">
+                                      <p:cBhvr>
+                                        <p:cTn id="135" dur="500" fill="hold"/>
+                                        <p:tgtEl>
+                                          <p:spTgt spid="12">
+                                            <p:txEl>
+                                              <p:pRg st="8" end="8"/>
+                                            </p:txEl>
+                                          </p:spTgt>
+                                        </p:tgtEl>
+                                        <p:attrNameLst>
+                                          <p:attrName>ppt_h</p:attrName>
+                                        </p:attrNameLst>
+                                      </p:cBhvr>
+                                      <p:tavLst>
+                                        <p:tav tm="0">
+                                          <p:val>
+                                            <p:fltVal val="0"/>
+                                          </p:val>
+                                        </p:tav>
+                                        <p:tav tm="100000">
+                                          <p:val>
+                                            <p:strVal val="#ppt_h"/>
+                                          </p:val>
+                                        </p:tav>
+                                      </p:tavLst>
+                                    </p:anim>
+                                    <p:anim calcmode="lin" valueType="num">
+                                      <p:cBhvr>
+                                        <p:cTn id="136" dur="500" fill="hold"/>
+                                        <p:tgtEl>
+                                          <p:spTgt spid="12">
+                                            <p:txEl>
+                                              <p:pRg st="8" end="8"/>
+                                            </p:txEl>
+                                          </p:spTgt>
+                                        </p:tgtEl>
+                                        <p:attrNameLst>
+                                          <p:attrName>style.rotation</p:attrName>
+                                        </p:attrNameLst>
+                                      </p:cBhvr>
+                                      <p:tavLst>
+                                        <p:tav tm="0">
+                                          <p:val>
+                                            <p:fltVal val="360"/>
+                                          </p:val>
+                                        </p:tav>
+                                        <p:tav tm="100000">
+                                          <p:val>
+                                            <p:fltVal val="0"/>
+                                          </p:val>
+                                        </p:tav>
+                                      </p:tavLst>
+                                    </p:anim>
+                                    <p:animEffect transition="in" filter="fade">
+                                      <p:cBhvr>
+                                        <p:cTn id="137" dur="500"/>
+                                        <p:tgtEl>
+                                          <p:spTgt spid="12">
+                                            <p:txEl>
+                                              <p:pRg st="8" end="8"/>
+                                            </p:txEl>
+                                          </p:spTgt>
+                                        </p:tgtEl>
+                                      </p:cBhvr>
+                                    </p:animEffect>
+                                  </p:childTnLst>
+                                </p:cTn>
+                              </p:par>
+                              <p:par>
+                                <p:cTn id="138" presetID="49" presetClass="entr" presetSubtype="0" decel="100000" fill="hold" grpId="0" nodeType="withEffect">
+                                  <p:stCondLst>
+                                    <p:cond delay="0"/>
+                                  </p:stCondLst>
+                                  <p:childTnLst>
+                                    <p:set>
+                                      <p:cBhvr>
+                                        <p:cTn id="139" dur="1" fill="hold">
+                                          <p:stCondLst>
+                                            <p:cond delay="0"/>
+                                          </p:stCondLst>
+                                        </p:cTn>
+                                        <p:tgtEl>
+                                          <p:spTgt spid="12">
+                                            <p:txEl>
+                                              <p:pRg st="9" end="9"/>
+                                            </p:txEl>
+                                          </p:spTgt>
+                                        </p:tgtEl>
+                                        <p:attrNameLst>
+                                          <p:attrName>style.visibility</p:attrName>
+                                        </p:attrNameLst>
+                                      </p:cBhvr>
+                                      <p:to>
+                                        <p:strVal val="visible"/>
+                                      </p:to>
+                                    </p:set>
+                                    <p:anim calcmode="lin" valueType="num">
+                                      <p:cBhvr>
+                                        <p:cTn id="140" dur="500" fill="hold"/>
+                                        <p:tgtEl>
+                                          <p:spTgt spid="12">
+                                            <p:txEl>
+                                              <p:pRg st="9" end="9"/>
+                                            </p:txEl>
+                                          </p:spTgt>
+                                        </p:tgtEl>
+                                        <p:attrNameLst>
+                                          <p:attrName>ppt_w</p:attrName>
+                                        </p:attrNameLst>
+                                      </p:cBhvr>
+                                      <p:tavLst>
+                                        <p:tav tm="0">
+                                          <p:val>
+                                            <p:fltVal val="0"/>
+                                          </p:val>
+                                        </p:tav>
+                                        <p:tav tm="100000">
+                                          <p:val>
+                                            <p:strVal val="#ppt_w"/>
+                                          </p:val>
+                                        </p:tav>
+                                      </p:tavLst>
+                                    </p:anim>
+                                    <p:anim calcmode="lin" valueType="num">
+                                      <p:cBhvr>
+                                        <p:cTn id="141" dur="500" fill="hold"/>
+                                        <p:tgtEl>
+                                          <p:spTgt spid="12">
+                                            <p:txEl>
+                                              <p:pRg st="9" end="9"/>
+                                            </p:txEl>
+                                          </p:spTgt>
+                                        </p:tgtEl>
+                                        <p:attrNameLst>
+                                          <p:attrName>ppt_h</p:attrName>
+                                        </p:attrNameLst>
+                                      </p:cBhvr>
+                                      <p:tavLst>
+                                        <p:tav tm="0">
+                                          <p:val>
+                                            <p:fltVal val="0"/>
+                                          </p:val>
+                                        </p:tav>
+                                        <p:tav tm="100000">
+                                          <p:val>
+                                            <p:strVal val="#ppt_h"/>
+                                          </p:val>
+                                        </p:tav>
+                                      </p:tavLst>
+                                    </p:anim>
+                                    <p:anim calcmode="lin" valueType="num">
+                                      <p:cBhvr>
+                                        <p:cTn id="142" dur="500" fill="hold"/>
+                                        <p:tgtEl>
+                                          <p:spTgt spid="12">
+                                            <p:txEl>
+                                              <p:pRg st="9" end="9"/>
+                                            </p:txEl>
+                                          </p:spTgt>
+                                        </p:tgtEl>
+                                        <p:attrNameLst>
+                                          <p:attrName>style.rotation</p:attrName>
+                                        </p:attrNameLst>
+                                      </p:cBhvr>
+                                      <p:tavLst>
+                                        <p:tav tm="0">
+                                          <p:val>
+                                            <p:fltVal val="360"/>
+                                          </p:val>
+                                        </p:tav>
+                                        <p:tav tm="100000">
+                                          <p:val>
+                                            <p:fltVal val="0"/>
+                                          </p:val>
+                                        </p:tav>
+                                      </p:tavLst>
+                                    </p:anim>
+                                    <p:animEffect transition="in" filter="fade">
+                                      <p:cBhvr>
+                                        <p:cTn id="143" dur="500"/>
+                                        <p:tgtEl>
+                                          <p:spTgt spid="12">
+                                            <p:txEl>
+                                              <p:pRg st="9" end="9"/>
+                                            </p:txEl>
+                                          </p:spTgt>
+                                        </p:tgtEl>
+                                      </p:cBhvr>
+                                    </p:animEffect>
+                                  </p:childTnLst>
+                                </p:cTn>
+                              </p:par>
+                              <p:par>
+                                <p:cTn id="144" presetID="49" presetClass="entr" presetSubtype="0" decel="100000" fill="hold" grpId="0" nodeType="withEffect">
+                                  <p:stCondLst>
+                                    <p:cond delay="0"/>
+                                  </p:stCondLst>
+                                  <p:childTnLst>
+                                    <p:set>
+                                      <p:cBhvr>
+                                        <p:cTn id="145" dur="1" fill="hold">
+                                          <p:stCondLst>
+                                            <p:cond delay="0"/>
+                                          </p:stCondLst>
+                                        </p:cTn>
+                                        <p:tgtEl>
+                                          <p:spTgt spid="12">
+                                            <p:txEl>
+                                              <p:pRg st="10" end="10"/>
+                                            </p:txEl>
+                                          </p:spTgt>
+                                        </p:tgtEl>
+                                        <p:attrNameLst>
+                                          <p:attrName>style.visibility</p:attrName>
+                                        </p:attrNameLst>
+                                      </p:cBhvr>
+                                      <p:to>
+                                        <p:strVal val="visible"/>
+                                      </p:to>
+                                    </p:set>
+                                    <p:anim calcmode="lin" valueType="num">
+                                      <p:cBhvr>
+                                        <p:cTn id="146" dur="500" fill="hold"/>
+                                        <p:tgtEl>
+                                          <p:spTgt spid="12">
+                                            <p:txEl>
+                                              <p:pRg st="10" end="10"/>
+                                            </p:txEl>
+                                          </p:spTgt>
+                                        </p:tgtEl>
+                                        <p:attrNameLst>
+                                          <p:attrName>ppt_w</p:attrName>
+                                        </p:attrNameLst>
+                                      </p:cBhvr>
+                                      <p:tavLst>
+                                        <p:tav tm="0">
+                                          <p:val>
+                                            <p:fltVal val="0"/>
+                                          </p:val>
+                                        </p:tav>
+                                        <p:tav tm="100000">
+                                          <p:val>
+                                            <p:strVal val="#ppt_w"/>
+                                          </p:val>
+                                        </p:tav>
+                                      </p:tavLst>
+                                    </p:anim>
+                                    <p:anim calcmode="lin" valueType="num">
+                                      <p:cBhvr>
+                                        <p:cTn id="147" dur="500" fill="hold"/>
+                                        <p:tgtEl>
+                                          <p:spTgt spid="12">
+                                            <p:txEl>
+                                              <p:pRg st="10" end="10"/>
+                                            </p:txEl>
+                                          </p:spTgt>
+                                        </p:tgtEl>
+                                        <p:attrNameLst>
+                                          <p:attrName>ppt_h</p:attrName>
+                                        </p:attrNameLst>
+                                      </p:cBhvr>
+                                      <p:tavLst>
+                                        <p:tav tm="0">
+                                          <p:val>
+                                            <p:fltVal val="0"/>
+                                          </p:val>
+                                        </p:tav>
+                                        <p:tav tm="100000">
+                                          <p:val>
+                                            <p:strVal val="#ppt_h"/>
+                                          </p:val>
+                                        </p:tav>
+                                      </p:tavLst>
+                                    </p:anim>
+                                    <p:anim calcmode="lin" valueType="num">
+                                      <p:cBhvr>
+                                        <p:cTn id="148" dur="500" fill="hold"/>
+                                        <p:tgtEl>
+                                          <p:spTgt spid="12">
+                                            <p:txEl>
+                                              <p:pRg st="10" end="10"/>
+                                            </p:txEl>
+                                          </p:spTgt>
+                                        </p:tgtEl>
+                                        <p:attrNameLst>
+                                          <p:attrName>style.rotation</p:attrName>
+                                        </p:attrNameLst>
+                                      </p:cBhvr>
+                                      <p:tavLst>
+                                        <p:tav tm="0">
+                                          <p:val>
+                                            <p:fltVal val="360"/>
+                                          </p:val>
+                                        </p:tav>
+                                        <p:tav tm="100000">
+                                          <p:val>
+                                            <p:fltVal val="0"/>
+                                          </p:val>
+                                        </p:tav>
+                                      </p:tavLst>
+                                    </p:anim>
+                                    <p:animEffect transition="in" filter="fade">
+                                      <p:cBhvr>
+                                        <p:cTn id="149" dur="500"/>
+                                        <p:tgtEl>
+                                          <p:spTgt spid="12">
+                                            <p:txEl>
+                                              <p:pRg st="10" end="10"/>
+                                            </p:txEl>
+                                          </p:spTgt>
+                                        </p:tgtEl>
+                                      </p:cBhvr>
+                                    </p:animEffect>
+                                  </p:childTnLst>
+                                </p:cTn>
+                              </p:par>
+                            </p:childTnLst>
+                          </p:cTn>
+                        </p:par>
+                      </p:childTnLst>
+                    </p:cTn>
+                  </p:par>
+                </p:childTnLst>
+              </p:cTn>
+              <p:prevCondLst>
+                <p:cond evt="onPrev" delay="0">
+                  <p:tgtEl>
+                    <p:sldTgt/>
+                  </p:tgtEl>
+                </p:cond>
+              </p:prevCondLst>
+              <p:nextCondLst>
+                <p:cond evt="onNext" delay="0">
+                  <p:tgtEl>
+                    <p:sldTgt/>
+                  </p:tgtEl>
+                </p:cond>
+              </p:nextCondLst>
+            </p:seq>
+          </p:childTnLst>
+        </p:cTn>
+      </p:par>
+    </p:tnLst>
+    <p:bldLst>
+      <p:bldP spid="8" grpId="0" build="p"/>
+      <p:bldP spid="12" grpId="0" build="p"/>
+    </p:bldLst>
+  </p:timing>
 </p:sld>
 </file>
 

--- a/trayectoriaDeAnimaciones.pptx
+++ b/trayectoriaDeAnimaciones.pptx
@@ -14,6 +14,7 @@
     <p:sldId id="262" r:id="rId8"/>
     <p:sldId id="263" r:id="rId9"/>
     <p:sldId id="264" r:id="rId10"/>
+    <p:sldId id="265" r:id="rId11"/>
   </p:sldIdLst>
   <p:sldSz cx="12192000" cy="6858000"/>
   <p:notesSz cx="6858000" cy="9144000"/>
@@ -267,7 +268,7 @@
           <a:p>
             <a:fld id="{05EA0CDF-7FE6-4F60-AB0A-3FF663BEA95B}" type="datetimeFigureOut">
               <a:rPr lang="es-ES" smtClean="0"/>
-              <a:t>13/04/2024</a:t>
+              <a:t>14/04/2024</a:t>
             </a:fld>
             <a:endParaRPr lang="es-ES"/>
           </a:p>
@@ -465,7 +466,7 @@
           <a:p>
             <a:fld id="{05EA0CDF-7FE6-4F60-AB0A-3FF663BEA95B}" type="datetimeFigureOut">
               <a:rPr lang="es-ES" smtClean="0"/>
-              <a:t>13/04/2024</a:t>
+              <a:t>14/04/2024</a:t>
             </a:fld>
             <a:endParaRPr lang="es-ES"/>
           </a:p>
@@ -673,7 +674,7 @@
           <a:p>
             <a:fld id="{05EA0CDF-7FE6-4F60-AB0A-3FF663BEA95B}" type="datetimeFigureOut">
               <a:rPr lang="es-ES" smtClean="0"/>
-              <a:t>13/04/2024</a:t>
+              <a:t>14/04/2024</a:t>
             </a:fld>
             <a:endParaRPr lang="es-ES"/>
           </a:p>
@@ -871,7 +872,7 @@
           <a:p>
             <a:fld id="{05EA0CDF-7FE6-4F60-AB0A-3FF663BEA95B}" type="datetimeFigureOut">
               <a:rPr lang="es-ES" smtClean="0"/>
-              <a:t>13/04/2024</a:t>
+              <a:t>14/04/2024</a:t>
             </a:fld>
             <a:endParaRPr lang="es-ES"/>
           </a:p>
@@ -1146,7 +1147,7 @@
           <a:p>
             <a:fld id="{05EA0CDF-7FE6-4F60-AB0A-3FF663BEA95B}" type="datetimeFigureOut">
               <a:rPr lang="es-ES" smtClean="0"/>
-              <a:t>13/04/2024</a:t>
+              <a:t>14/04/2024</a:t>
             </a:fld>
             <a:endParaRPr lang="es-ES"/>
           </a:p>
@@ -1411,7 +1412,7 @@
           <a:p>
             <a:fld id="{05EA0CDF-7FE6-4F60-AB0A-3FF663BEA95B}" type="datetimeFigureOut">
               <a:rPr lang="es-ES" smtClean="0"/>
-              <a:t>13/04/2024</a:t>
+              <a:t>14/04/2024</a:t>
             </a:fld>
             <a:endParaRPr lang="es-ES"/>
           </a:p>
@@ -1823,7 +1824,7 @@
           <a:p>
             <a:fld id="{05EA0CDF-7FE6-4F60-AB0A-3FF663BEA95B}" type="datetimeFigureOut">
               <a:rPr lang="es-ES" smtClean="0"/>
-              <a:t>13/04/2024</a:t>
+              <a:t>14/04/2024</a:t>
             </a:fld>
             <a:endParaRPr lang="es-ES"/>
           </a:p>
@@ -1964,7 +1965,7 @@
           <a:p>
             <a:fld id="{05EA0CDF-7FE6-4F60-AB0A-3FF663BEA95B}" type="datetimeFigureOut">
               <a:rPr lang="es-ES" smtClean="0"/>
-              <a:t>13/04/2024</a:t>
+              <a:t>14/04/2024</a:t>
             </a:fld>
             <a:endParaRPr lang="es-ES"/>
           </a:p>
@@ -2077,7 +2078,7 @@
           <a:p>
             <a:fld id="{05EA0CDF-7FE6-4F60-AB0A-3FF663BEA95B}" type="datetimeFigureOut">
               <a:rPr lang="es-ES" smtClean="0"/>
-              <a:t>13/04/2024</a:t>
+              <a:t>14/04/2024</a:t>
             </a:fld>
             <a:endParaRPr lang="es-ES"/>
           </a:p>
@@ -2388,7 +2389,7 @@
           <a:p>
             <a:fld id="{05EA0CDF-7FE6-4F60-AB0A-3FF663BEA95B}" type="datetimeFigureOut">
               <a:rPr lang="es-ES" smtClean="0"/>
-              <a:t>13/04/2024</a:t>
+              <a:t>14/04/2024</a:t>
             </a:fld>
             <a:endParaRPr lang="es-ES"/>
           </a:p>
@@ -2676,7 +2677,7 @@
           <a:p>
             <a:fld id="{05EA0CDF-7FE6-4F60-AB0A-3FF663BEA95B}" type="datetimeFigureOut">
               <a:rPr lang="es-ES" smtClean="0"/>
-              <a:t>13/04/2024</a:t>
+              <a:t>14/04/2024</a:t>
             </a:fld>
             <a:endParaRPr lang="es-ES"/>
           </a:p>
@@ -2917,7 +2918,7 @@
           <a:p>
             <a:fld id="{05EA0CDF-7FE6-4F60-AB0A-3FF663BEA95B}" type="datetimeFigureOut">
               <a:rPr lang="es-ES" smtClean="0"/>
-              <a:t>13/04/2024</a:t>
+              <a:t>14/04/2024</a:t>
             </a:fld>
             <a:endParaRPr lang="es-ES"/>
           </a:p>
@@ -4294,6 +4295,354 @@
       <p:bldP spid="26" grpId="0" animBg="1"/>
       <p:bldP spid="27" grpId="0" animBg="1"/>
     </p:bldLst>
+  </p:timing>
+</p:sld>
+</file>
+
+<file path=ppt/slides/slide10.xml><?xml version="1.0" encoding="utf-8"?>
+<p:sld xmlns:a="http://schemas.openxmlformats.org/drawingml/2006/main" xmlns:r="http://schemas.openxmlformats.org/officeDocument/2006/relationships" xmlns:p="http://schemas.openxmlformats.org/presentationml/2006/main">
+  <p:cSld>
+    <p:spTree>
+      <p:nvGrpSpPr>
+        <p:cNvPr id="1" name=""/>
+        <p:cNvGrpSpPr/>
+        <p:nvPr/>
+      </p:nvGrpSpPr>
+      <p:grpSpPr>
+        <a:xfrm>
+          <a:off x="0" y="0"/>
+          <a:ext cx="0" cy="0"/>
+          <a:chOff x="0" y="0"/>
+          <a:chExt cx="0" cy="0"/>
+        </a:xfrm>
+      </p:grpSpPr>
+      <p:sp>
+        <p:nvSpPr>
+          <p:cNvPr id="2" name="CuadroTexto 1">
+            <a:extLst>
+              <a:ext uri="{FF2B5EF4-FFF2-40B4-BE49-F238E27FC236}">
+                <a16:creationId xmlns:a16="http://schemas.microsoft.com/office/drawing/2014/main" id="{A750A488-DC31-4058-B854-AEAAC8F2CC5D}"/>
+              </a:ext>
+            </a:extLst>
+          </p:cNvPr>
+          <p:cNvSpPr txBox="1"/>
+          <p:nvPr/>
+        </p:nvSpPr>
+        <p:spPr>
+          <a:xfrm>
+            <a:off x="4165207" y="655385"/>
+            <a:ext cx="4063933" cy="461665"/>
+          </a:xfrm>
+          <a:prstGeom prst="rect">
+            <a:avLst/>
+          </a:prstGeom>
+          <a:noFill/>
+        </p:spPr>
+        <p:txBody>
+          <a:bodyPr wrap="none" rtlCol="0">
+            <a:spAutoFit/>
+          </a:bodyPr>
+          <a:lstStyle/>
+          <a:p>
+            <a:r>
+              <a:rPr lang="en-US" sz="2400" b="1" u="sng" dirty="0" err="1">
+                <a:latin typeface="Arial Black" panose="020B0A04020102020204" pitchFamily="34" charset="0"/>
+              </a:rPr>
+              <a:t>Animaciones</a:t>
+            </a:r>
+            <a:r>
+              <a:rPr lang="en-US" sz="2400" b="1" u="sng" dirty="0">
+                <a:latin typeface="Arial Black" panose="020B0A04020102020204" pitchFamily="34" charset="0"/>
+              </a:rPr>
+              <a:t> </a:t>
+            </a:r>
+            <a:r>
+              <a:rPr lang="en-US" sz="2400" b="1" u="sng" dirty="0" err="1">
+                <a:latin typeface="Arial Black" panose="020B0A04020102020204" pitchFamily="34" charset="0"/>
+              </a:rPr>
+              <a:t>en</a:t>
+            </a:r>
+            <a:r>
+              <a:rPr lang="en-US" sz="2400" b="1" u="sng" dirty="0">
+                <a:latin typeface="Arial Black" panose="020B0A04020102020204" pitchFamily="34" charset="0"/>
+              </a:rPr>
+              <a:t> videos</a:t>
+            </a:r>
+            <a:endParaRPr lang="es-ES" sz="2400" b="1" u="sng" dirty="0">
+              <a:latin typeface="Arial Black" panose="020B0A04020102020204" pitchFamily="34" charset="0"/>
+            </a:endParaRPr>
+          </a:p>
+        </p:txBody>
+      </p:sp>
+      <p:sp>
+        <p:nvSpPr>
+          <p:cNvPr id="11" name="Rectángulo 10">
+            <a:extLst>
+              <a:ext uri="{FF2B5EF4-FFF2-40B4-BE49-F238E27FC236}">
+                <a16:creationId xmlns:a16="http://schemas.microsoft.com/office/drawing/2014/main" id="{30656BCA-846D-4331-88B6-FEB6E1C113E6}"/>
+              </a:ext>
+            </a:extLst>
+          </p:cNvPr>
+          <p:cNvSpPr/>
+          <p:nvPr/>
+        </p:nvSpPr>
+        <p:spPr>
+          <a:xfrm>
+            <a:off x="1" y="0"/>
+            <a:ext cx="376748" cy="6858000"/>
+          </a:xfrm>
+          <a:prstGeom prst="rect">
+            <a:avLst/>
+          </a:prstGeom>
+        </p:spPr>
+        <p:style>
+          <a:lnRef idx="1">
+            <a:schemeClr val="accent2"/>
+          </a:lnRef>
+          <a:fillRef idx="3">
+            <a:schemeClr val="accent2"/>
+          </a:fillRef>
+          <a:effectRef idx="2">
+            <a:schemeClr val="accent2"/>
+          </a:effectRef>
+          <a:fontRef idx="minor">
+            <a:schemeClr val="lt1"/>
+          </a:fontRef>
+        </p:style>
+        <p:txBody>
+          <a:bodyPr rtlCol="0" anchor="ctr"/>
+          <a:lstStyle/>
+          <a:p>
+            <a:pPr algn="ctr"/>
+            <a:endParaRPr lang="es-ES"/>
+          </a:p>
+        </p:txBody>
+      </p:sp>
+      <p:pic>
+        <p:nvPicPr>
+          <p:cNvPr id="3" name="Elementos multimedia en línea 2" title="Internet of Things (IoT) | What is IoT | How it Works | IoT Explained | Edureka">
+            <a:hlinkClick r:id="" action="ppaction://media"/>
+            <a:extLst>
+              <a:ext uri="{FF2B5EF4-FFF2-40B4-BE49-F238E27FC236}">
+                <a16:creationId xmlns:a16="http://schemas.microsoft.com/office/drawing/2014/main" id="{4B729FB2-AC7A-494F-AD7F-CB7AF65B4BF2}"/>
+              </a:ext>
+            </a:extLst>
+          </p:cNvPr>
+          <p:cNvPicPr>
+            <a:picLocks noRot="1" noChangeAspect="1"/>
+          </p:cNvPicPr>
+          <p:nvPr>
+            <a:videoFile r:link="rId1"/>
+          </p:nvPr>
+        </p:nvPicPr>
+        <p:blipFill>
+          <a:blip r:embed="rId3"/>
+          <a:stretch>
+            <a:fillRect/>
+          </a:stretch>
+        </p:blipFill>
+        <p:spPr>
+          <a:xfrm>
+            <a:off x="2344213" y="1963096"/>
+            <a:ext cx="7503574" cy="4239519"/>
+          </a:xfrm>
+          <a:prstGeom prst="rect">
+            <a:avLst/>
+          </a:prstGeom>
+        </p:spPr>
+      </p:pic>
+      <p:sp>
+        <p:nvSpPr>
+          <p:cNvPr id="4" name="CuadroTexto 3">
+            <a:hlinkClick r:id="rId4" action="ppaction://hlinksldjump"/>
+            <a:extLst>
+              <a:ext uri="{FF2B5EF4-FFF2-40B4-BE49-F238E27FC236}">
+                <a16:creationId xmlns:a16="http://schemas.microsoft.com/office/drawing/2014/main" id="{972EC701-1D28-432F-9C21-94313FD4FF14}"/>
+              </a:ext>
+            </a:extLst>
+          </p:cNvPr>
+          <p:cNvSpPr txBox="1"/>
+          <p:nvPr/>
+        </p:nvSpPr>
+        <p:spPr>
+          <a:xfrm>
+            <a:off x="2344213" y="1355407"/>
+            <a:ext cx="1344168" cy="369332"/>
+          </a:xfrm>
+          <a:prstGeom prst="rect">
+            <a:avLst/>
+          </a:prstGeom>
+          <a:solidFill>
+            <a:srgbClr val="FF0000"/>
+          </a:solidFill>
+          <a:ln>
+            <a:solidFill>
+              <a:srgbClr val="FF0000"/>
+            </a:solidFill>
+          </a:ln>
+        </p:spPr>
+        <p:txBody>
+          <a:bodyPr wrap="square" rtlCol="0">
+            <a:spAutoFit/>
+          </a:bodyPr>
+          <a:lstStyle/>
+          <a:p>
+            <a:pPr algn="ctr"/>
+            <a:r>
+              <a:rPr lang="en-US" b="1" dirty="0" err="1">
+                <a:solidFill>
+                  <a:schemeClr val="bg1"/>
+                </a:solidFill>
+              </a:rPr>
+              <a:t>Atras</a:t>
+            </a:r>
+            <a:endParaRPr lang="es-ES" b="1" dirty="0">
+              <a:solidFill>
+                <a:schemeClr val="bg1"/>
+              </a:solidFill>
+            </a:endParaRPr>
+          </a:p>
+        </p:txBody>
+      </p:sp>
+      <p:sp>
+        <p:nvSpPr>
+          <p:cNvPr id="6" name="Rectángulo 5" descr="Rectangulo click">
+            <a:extLst>
+              <a:ext uri="{FF2B5EF4-FFF2-40B4-BE49-F238E27FC236}">
+                <a16:creationId xmlns:a16="http://schemas.microsoft.com/office/drawing/2014/main" id="{FBE544D0-9013-49D5-81B3-566095B4CF2A}"/>
+              </a:ext>
+            </a:extLst>
+          </p:cNvPr>
+          <p:cNvSpPr/>
+          <p:nvPr/>
+        </p:nvSpPr>
+        <p:spPr>
+          <a:xfrm>
+            <a:off x="8426196" y="1312164"/>
+            <a:ext cx="1344168" cy="412575"/>
+          </a:xfrm>
+          <a:prstGeom prst="rect">
+            <a:avLst/>
+          </a:prstGeom>
+        </p:spPr>
+        <p:style>
+          <a:lnRef idx="2">
+            <a:schemeClr val="accent1">
+              <a:shade val="50000"/>
+            </a:schemeClr>
+          </a:lnRef>
+          <a:fillRef idx="1">
+            <a:schemeClr val="accent1"/>
+          </a:fillRef>
+          <a:effectRef idx="0">
+            <a:schemeClr val="accent1"/>
+          </a:effectRef>
+          <a:fontRef idx="minor">
+            <a:schemeClr val="lt1"/>
+          </a:fontRef>
+        </p:style>
+        <p:txBody>
+          <a:bodyPr rtlCol="0" anchor="ctr"/>
+          <a:lstStyle/>
+          <a:p>
+            <a:pPr algn="ctr"/>
+            <a:r>
+              <a:rPr lang="en-US" dirty="0"/>
+              <a:t>Click</a:t>
+            </a:r>
+            <a:endParaRPr lang="es-ES" dirty="0"/>
+          </a:p>
+        </p:txBody>
+      </p:sp>
+    </p:spTree>
+    <p:extLst>
+      <p:ext uri="{BB962C8B-B14F-4D97-AF65-F5344CB8AC3E}">
+        <p14:creationId xmlns:p14="http://schemas.microsoft.com/office/powerpoint/2010/main" val="4183291207"/>
+      </p:ext>
+    </p:extLst>
+  </p:cSld>
+  <p:clrMapOvr>
+    <a:masterClrMapping/>
+  </p:clrMapOvr>
+  <p:timing>
+    <p:tnLst>
+      <p:par>
+        <p:cTn id="1" dur="indefinite" restart="never" nodeType="tmRoot">
+          <p:childTnLst>
+            <p:video>
+              <p:cMediaNode vol="80000">
+                <p:cTn id="2" fill="hold" display="0">
+                  <p:stCondLst>
+                    <p:cond delay="indefinite"/>
+                  </p:stCondLst>
+                </p:cTn>
+                <p:tgtEl>
+                  <p:spTgt spid="3"/>
+                </p:tgtEl>
+              </p:cMediaNode>
+            </p:video>
+            <p:seq concurrent="1" nextAc="seek">
+              <p:cTn id="3" restart="whenNotActive" fill="hold" evtFilter="cancelBubble" nodeType="interactiveSeq">
+                <p:stCondLst>
+                  <p:cond evt="onClick" delay="0">
+                    <p:tgtEl>
+                      <p:spTgt spid="6"/>
+                    </p:tgtEl>
+                  </p:cond>
+                </p:stCondLst>
+                <p:endSync evt="end" delay="0">
+                  <p:rtn val="all"/>
+                </p:endSync>
+                <p:childTnLst>
+                  <p:par>
+                    <p:cTn id="4" fill="hold">
+                      <p:stCondLst>
+                        <p:cond delay="0"/>
+                      </p:stCondLst>
+                      <p:childTnLst>
+                        <p:par>
+                          <p:cTn id="5" fill="hold">
+                            <p:stCondLst>
+                              <p:cond delay="0"/>
+                            </p:stCondLst>
+                            <p:childTnLst>
+                              <p:par>
+                                <p:cTn id="6" presetID="3" presetClass="mediacall" presetSubtype="0" fill="hold" nodeType="clickEffect">
+                                  <p:stCondLst>
+                                    <p:cond delay="0"/>
+                                  </p:stCondLst>
+                                  <p:childTnLst>
+                                    <p:cmd type="call" cmd="stop">
+                                      <p:cBhvr>
+                                        <p:cTn id="7" dur="1" fill="hold"/>
+                                        <p:tgtEl>
+                                          <p:spTgt spid="3"/>
+                                        </p:tgtEl>
+                                      </p:cBhvr>
+                                    </p:cmd>
+                                  </p:childTnLst>
+                                </p:cTn>
+                              </p:par>
+                            </p:childTnLst>
+                          </p:cTn>
+                        </p:par>
+                      </p:childTnLst>
+                    </p:cTn>
+                  </p:par>
+                </p:childTnLst>
+              </p:cTn>
+              <p:nextCondLst>
+                <p:cond evt="onClick" delay="0">
+                  <p:tgtEl>
+                    <p:spTgt spid="6"/>
+                  </p:tgtEl>
+                </p:cond>
+              </p:nextCondLst>
+            </p:seq>
+          </p:childTnLst>
+        </p:cTn>
+      </p:par>
+    </p:tnLst>
   </p:timing>
 </p:sld>
 </file>

--- a/trayectoriaDeAnimaciones.pptx
+++ b/trayectoriaDeAnimaciones.pptx
@@ -8,13 +8,12 @@
     <p:sldId id="256" r:id="rId2"/>
     <p:sldId id="257" r:id="rId3"/>
     <p:sldId id="258" r:id="rId4"/>
-    <p:sldId id="259" r:id="rId5"/>
-    <p:sldId id="260" r:id="rId6"/>
-    <p:sldId id="261" r:id="rId7"/>
-    <p:sldId id="262" r:id="rId8"/>
-    <p:sldId id="263" r:id="rId9"/>
-    <p:sldId id="264" r:id="rId10"/>
-    <p:sldId id="265" r:id="rId11"/>
+    <p:sldId id="260" r:id="rId5"/>
+    <p:sldId id="261" r:id="rId6"/>
+    <p:sldId id="262" r:id="rId7"/>
+    <p:sldId id="263" r:id="rId8"/>
+    <p:sldId id="264" r:id="rId9"/>
+    <p:sldId id="265" r:id="rId10"/>
   </p:sldIdLst>
   <p:sldSz cx="12192000" cy="6858000"/>
   <p:notesSz cx="6858000" cy="9144000"/>
@@ -3349,12 +3348,17 @@
         </p:nvSpPr>
         <p:spPr>
           <a:xfrm>
-            <a:off x="5538119" y="2927233"/>
+            <a:off x="5533355" y="2927233"/>
             <a:ext cx="440105" cy="1003533"/>
           </a:xfrm>
           <a:prstGeom prst="can">
             <a:avLst/>
           </a:prstGeom>
+          <a:solidFill>
+            <a:schemeClr val="bg1">
+              <a:lumMod val="95000"/>
+            </a:schemeClr>
+          </a:solidFill>
           <a:ln>
             <a:solidFill>
               <a:schemeClr val="tx1">
@@ -3531,7 +3535,7 @@
         </p:nvSpPr>
         <p:spPr>
           <a:xfrm>
-            <a:off x="3934945" y="4901225"/>
+            <a:off x="2972503" y="4892357"/>
             <a:ext cx="294922" cy="294922"/>
           </a:xfrm>
           <a:prstGeom prst="ellipse">
@@ -3642,7 +3646,7 @@
         </p:nvSpPr>
         <p:spPr>
           <a:xfrm>
-            <a:off x="6554345" y="1668478"/>
+            <a:off x="6446395" y="1668478"/>
             <a:ext cx="1040310" cy="1040310"/>
           </a:xfrm>
           <a:prstGeom prst="ellipse">
@@ -3684,61 +3688,23 @@
       </p:sp>
       <p:cxnSp>
         <p:nvCxnSpPr>
-          <p:cNvPr id="13" name="Conector recto 12">
+          <p:cNvPr id="14" name="Conector recto 13">
             <a:extLst>
               <a:ext uri="{FF2B5EF4-FFF2-40B4-BE49-F238E27FC236}">
-                <a16:creationId xmlns:a16="http://schemas.microsoft.com/office/drawing/2014/main" id="{DC66BF12-B013-49DE-906C-90B8D4E04C38}"/>
+                <a16:creationId xmlns:a16="http://schemas.microsoft.com/office/drawing/2014/main" id="{E4D0CEAF-6295-464D-A56B-9B630015797D}"/>
               </a:ext>
             </a:extLst>
           </p:cNvPr>
           <p:cNvCxnSpPr>
             <a:cxnSpLocks/>
-            <a:stCxn id="4" idx="0"/>
-          </p:cNvCxnSpPr>
-          <p:nvPr/>
-        </p:nvCxnSpPr>
-        <p:spPr>
-          <a:xfrm flipV="1">
-            <a:off x="5758172" y="2188633"/>
-            <a:ext cx="1886" cy="848626"/>
-          </a:xfrm>
-          <a:prstGeom prst="line">
-            <a:avLst/>
-          </a:prstGeom>
-        </p:spPr>
-        <p:style>
-          <a:lnRef idx="1">
-            <a:schemeClr val="accent1"/>
-          </a:lnRef>
-          <a:fillRef idx="0">
-            <a:schemeClr val="accent1"/>
-          </a:fillRef>
-          <a:effectRef idx="0">
-            <a:schemeClr val="accent1"/>
-          </a:effectRef>
-          <a:fontRef idx="minor">
-            <a:schemeClr val="tx1"/>
-          </a:fontRef>
-        </p:style>
-      </p:cxnSp>
-      <p:cxnSp>
-        <p:nvCxnSpPr>
-          <p:cNvPr id="14" name="Conector recto 13">
-            <a:extLst>
-              <a:ext uri="{FF2B5EF4-FFF2-40B4-BE49-F238E27FC236}">
-                <a16:creationId xmlns:a16="http://schemas.microsoft.com/office/drawing/2014/main" id="{E4D0CEAF-6295-464D-A56B-9B630015797D}"/>
-              </a:ext>
-            </a:extLst>
-          </p:cNvPr>
-          <p:cNvCxnSpPr>
-            <a:cxnSpLocks/>
+            <a:endCxn id="11" idx="2"/>
           </p:cNvCxnSpPr>
           <p:nvPr/>
         </p:nvCxnSpPr>
         <p:spPr>
           <a:xfrm>
             <a:off x="5107664" y="2188633"/>
-            <a:ext cx="1446681" cy="0"/>
+            <a:ext cx="1338731" cy="0"/>
           </a:xfrm>
           <a:prstGeom prst="line">
             <a:avLst/>
@@ -3812,7 +3778,7 @@
         </p:nvSpPr>
         <p:spPr>
           <a:xfrm>
-            <a:off x="4300053" y="4901225"/>
+            <a:off x="3349272" y="4892357"/>
             <a:ext cx="294922" cy="294922"/>
           </a:xfrm>
           <a:prstGeom prst="ellipse">
@@ -3869,7 +3835,7 @@
         </p:nvSpPr>
         <p:spPr>
           <a:xfrm>
-            <a:off x="4664224" y="4901225"/>
+            <a:off x="4550977" y="4892357"/>
             <a:ext cx="294922" cy="294922"/>
           </a:xfrm>
           <a:prstGeom prst="ellipse">
@@ -3996,6 +3962,719 @@
           </a:p>
         </p:txBody>
       </p:sp>
+      <p:cxnSp>
+        <p:nvCxnSpPr>
+          <p:cNvPr id="22" name="Conector recto 21">
+            <a:extLst>
+              <a:ext uri="{FF2B5EF4-FFF2-40B4-BE49-F238E27FC236}">
+                <a16:creationId xmlns:a16="http://schemas.microsoft.com/office/drawing/2014/main" id="{6CCCDFE1-452F-4BE5-A5D1-42CDE4045E6C}"/>
+              </a:ext>
+            </a:extLst>
+          </p:cNvPr>
+          <p:cNvCxnSpPr>
+            <a:cxnSpLocks/>
+            <a:endCxn id="4" idx="0"/>
+          </p:cNvCxnSpPr>
+          <p:nvPr/>
+        </p:nvCxnSpPr>
+        <p:spPr>
+          <a:xfrm>
+            <a:off x="5753408" y="2188633"/>
+            <a:ext cx="0" cy="848626"/>
+          </a:xfrm>
+          <a:prstGeom prst="line">
+            <a:avLst/>
+          </a:prstGeom>
+        </p:spPr>
+        <p:style>
+          <a:lnRef idx="1">
+            <a:schemeClr val="accent1"/>
+          </a:lnRef>
+          <a:fillRef idx="0">
+            <a:schemeClr val="accent1"/>
+          </a:fillRef>
+          <a:effectRef idx="0">
+            <a:schemeClr val="accent1"/>
+          </a:effectRef>
+          <a:fontRef idx="minor">
+            <a:schemeClr val="tx1"/>
+          </a:fontRef>
+        </p:style>
+      </p:cxnSp>
+      <p:sp>
+        <p:nvSpPr>
+          <p:cNvPr id="25" name="Elipse 24">
+            <a:extLst>
+              <a:ext uri="{FF2B5EF4-FFF2-40B4-BE49-F238E27FC236}">
+                <a16:creationId xmlns:a16="http://schemas.microsoft.com/office/drawing/2014/main" id="{C2363251-DC0D-4B72-B576-C34608550B5B}"/>
+              </a:ext>
+            </a:extLst>
+          </p:cNvPr>
+          <p:cNvSpPr/>
+          <p:nvPr/>
+        </p:nvSpPr>
+        <p:spPr>
+          <a:xfrm>
+            <a:off x="5606635" y="4892357"/>
+            <a:ext cx="294922" cy="294922"/>
+          </a:xfrm>
+          <a:prstGeom prst="ellipse">
+            <a:avLst/>
+          </a:prstGeom>
+          <a:solidFill>
+            <a:srgbClr val="7030A0"/>
+          </a:solidFill>
+          <a:ln>
+            <a:solidFill>
+              <a:schemeClr val="tx1">
+                <a:lumMod val="50000"/>
+                <a:lumOff val="50000"/>
+              </a:schemeClr>
+            </a:solidFill>
+          </a:ln>
+        </p:spPr>
+        <p:style>
+          <a:lnRef idx="2">
+            <a:schemeClr val="accent1">
+              <a:shade val="50000"/>
+            </a:schemeClr>
+          </a:lnRef>
+          <a:fillRef idx="1">
+            <a:schemeClr val="accent1"/>
+          </a:fillRef>
+          <a:effectRef idx="0">
+            <a:schemeClr val="accent1"/>
+          </a:effectRef>
+          <a:fontRef idx="minor">
+            <a:schemeClr val="lt1"/>
+          </a:fontRef>
+        </p:style>
+        <p:txBody>
+          <a:bodyPr rtlCol="0" anchor="ctr"/>
+          <a:lstStyle/>
+          <a:p>
+            <a:pPr algn="ctr"/>
+            <a:endParaRPr lang="es-ES"/>
+          </a:p>
+        </p:txBody>
+      </p:sp>
+      <p:sp>
+        <p:nvSpPr>
+          <p:cNvPr id="28" name="Elipse 27">
+            <a:extLst>
+              <a:ext uri="{FF2B5EF4-FFF2-40B4-BE49-F238E27FC236}">
+                <a16:creationId xmlns:a16="http://schemas.microsoft.com/office/drawing/2014/main" id="{FABE18C1-55EC-4FA9-8156-CBB40CCE7A6B}"/>
+              </a:ext>
+            </a:extLst>
+          </p:cNvPr>
+          <p:cNvSpPr/>
+          <p:nvPr/>
+        </p:nvSpPr>
+        <p:spPr>
+          <a:xfrm>
+            <a:off x="5602692" y="3336551"/>
+            <a:ext cx="294922" cy="294922"/>
+          </a:xfrm>
+          <a:prstGeom prst="ellipse">
+            <a:avLst/>
+          </a:prstGeom>
+          <a:solidFill>
+            <a:srgbClr val="7030A0"/>
+          </a:solidFill>
+          <a:ln>
+            <a:solidFill>
+              <a:schemeClr val="tx1">
+                <a:lumMod val="50000"/>
+                <a:lumOff val="50000"/>
+              </a:schemeClr>
+            </a:solidFill>
+          </a:ln>
+        </p:spPr>
+        <p:style>
+          <a:lnRef idx="2">
+            <a:schemeClr val="accent1">
+              <a:shade val="50000"/>
+            </a:schemeClr>
+          </a:lnRef>
+          <a:fillRef idx="1">
+            <a:schemeClr val="accent1"/>
+          </a:fillRef>
+          <a:effectRef idx="0">
+            <a:schemeClr val="accent1"/>
+          </a:effectRef>
+          <a:fontRef idx="minor">
+            <a:schemeClr val="lt1"/>
+          </a:fontRef>
+        </p:style>
+        <p:txBody>
+          <a:bodyPr rtlCol="0" anchor="ctr"/>
+          <a:lstStyle/>
+          <a:p>
+            <a:pPr algn="ctr"/>
+            <a:endParaRPr lang="es-ES"/>
+          </a:p>
+        </p:txBody>
+      </p:sp>
+      <p:sp>
+        <p:nvSpPr>
+          <p:cNvPr id="29" name="Elipse 28">
+            <a:extLst>
+              <a:ext uri="{FF2B5EF4-FFF2-40B4-BE49-F238E27FC236}">
+                <a16:creationId xmlns:a16="http://schemas.microsoft.com/office/drawing/2014/main" id="{FB29514C-5E9E-4F26-ABED-6009E7633BCE}"/>
+              </a:ext>
+            </a:extLst>
+          </p:cNvPr>
+          <p:cNvSpPr/>
+          <p:nvPr/>
+        </p:nvSpPr>
+        <p:spPr>
+          <a:xfrm>
+            <a:off x="5602692" y="2044577"/>
+            <a:ext cx="294922" cy="294922"/>
+          </a:xfrm>
+          <a:prstGeom prst="ellipse">
+            <a:avLst/>
+          </a:prstGeom>
+          <a:solidFill>
+            <a:srgbClr val="7030A0"/>
+          </a:solidFill>
+          <a:ln>
+            <a:solidFill>
+              <a:schemeClr val="tx1">
+                <a:lumMod val="50000"/>
+                <a:lumOff val="50000"/>
+              </a:schemeClr>
+            </a:solidFill>
+          </a:ln>
+        </p:spPr>
+        <p:style>
+          <a:lnRef idx="2">
+            <a:schemeClr val="accent1">
+              <a:shade val="50000"/>
+            </a:schemeClr>
+          </a:lnRef>
+          <a:fillRef idx="1">
+            <a:schemeClr val="accent1"/>
+          </a:fillRef>
+          <a:effectRef idx="0">
+            <a:schemeClr val="accent1"/>
+          </a:effectRef>
+          <a:fontRef idx="minor">
+            <a:schemeClr val="lt1"/>
+          </a:fontRef>
+        </p:style>
+        <p:txBody>
+          <a:bodyPr rtlCol="0" anchor="ctr"/>
+          <a:lstStyle/>
+          <a:p>
+            <a:pPr algn="ctr"/>
+            <a:endParaRPr lang="es-ES"/>
+          </a:p>
+        </p:txBody>
+      </p:sp>
+      <p:sp>
+        <p:nvSpPr>
+          <p:cNvPr id="30" name="Elipse 29">
+            <a:extLst>
+              <a:ext uri="{FF2B5EF4-FFF2-40B4-BE49-F238E27FC236}">
+                <a16:creationId xmlns:a16="http://schemas.microsoft.com/office/drawing/2014/main" id="{E25304D4-12FF-4630-B974-66FFA57D3F2B}"/>
+              </a:ext>
+            </a:extLst>
+          </p:cNvPr>
+          <p:cNvSpPr/>
+          <p:nvPr/>
+        </p:nvSpPr>
+        <p:spPr>
+          <a:xfrm>
+            <a:off x="4457975" y="2044577"/>
+            <a:ext cx="294922" cy="294922"/>
+          </a:xfrm>
+          <a:prstGeom prst="ellipse">
+            <a:avLst/>
+          </a:prstGeom>
+          <a:solidFill>
+            <a:srgbClr val="7030A0"/>
+          </a:solidFill>
+          <a:ln>
+            <a:solidFill>
+              <a:schemeClr val="tx1">
+                <a:lumMod val="50000"/>
+                <a:lumOff val="50000"/>
+              </a:schemeClr>
+            </a:solidFill>
+          </a:ln>
+        </p:spPr>
+        <p:style>
+          <a:lnRef idx="2">
+            <a:schemeClr val="accent1">
+              <a:shade val="50000"/>
+            </a:schemeClr>
+          </a:lnRef>
+          <a:fillRef idx="1">
+            <a:schemeClr val="accent1"/>
+          </a:fillRef>
+          <a:effectRef idx="0">
+            <a:schemeClr val="accent1"/>
+          </a:effectRef>
+          <a:fontRef idx="minor">
+            <a:schemeClr val="lt1"/>
+          </a:fontRef>
+        </p:style>
+        <p:txBody>
+          <a:bodyPr rtlCol="0" anchor="ctr"/>
+          <a:lstStyle/>
+          <a:p>
+            <a:pPr algn="ctr"/>
+            <a:endParaRPr lang="es-ES"/>
+          </a:p>
+        </p:txBody>
+      </p:sp>
+      <p:sp>
+        <p:nvSpPr>
+          <p:cNvPr id="35" name="Elipse 34">
+            <a:extLst>
+              <a:ext uri="{FF2B5EF4-FFF2-40B4-BE49-F238E27FC236}">
+                <a16:creationId xmlns:a16="http://schemas.microsoft.com/office/drawing/2014/main" id="{12D981AF-B117-4715-99E0-B892CFE4C750}"/>
+              </a:ext>
+            </a:extLst>
+          </p:cNvPr>
+          <p:cNvSpPr/>
+          <p:nvPr/>
+        </p:nvSpPr>
+        <p:spPr>
+          <a:xfrm>
+            <a:off x="4207458" y="4892357"/>
+            <a:ext cx="294922" cy="294922"/>
+          </a:xfrm>
+          <a:prstGeom prst="ellipse">
+            <a:avLst/>
+          </a:prstGeom>
+          <a:solidFill>
+            <a:srgbClr val="00B0F0"/>
+          </a:solidFill>
+          <a:ln>
+            <a:solidFill>
+              <a:schemeClr val="tx1">
+                <a:lumMod val="50000"/>
+                <a:lumOff val="50000"/>
+              </a:schemeClr>
+            </a:solidFill>
+          </a:ln>
+        </p:spPr>
+        <p:style>
+          <a:lnRef idx="2">
+            <a:schemeClr val="accent1">
+              <a:shade val="50000"/>
+            </a:schemeClr>
+          </a:lnRef>
+          <a:fillRef idx="1">
+            <a:schemeClr val="accent1"/>
+          </a:fillRef>
+          <a:effectRef idx="0">
+            <a:schemeClr val="accent1"/>
+          </a:effectRef>
+          <a:fontRef idx="minor">
+            <a:schemeClr val="lt1"/>
+          </a:fontRef>
+        </p:style>
+        <p:txBody>
+          <a:bodyPr rtlCol="0" anchor="ctr"/>
+          <a:lstStyle/>
+          <a:p>
+            <a:pPr algn="ctr"/>
+            <a:endParaRPr lang="es-ES"/>
+          </a:p>
+        </p:txBody>
+      </p:sp>
+      <p:sp>
+        <p:nvSpPr>
+          <p:cNvPr id="36" name="Elipse 35">
+            <a:extLst>
+              <a:ext uri="{FF2B5EF4-FFF2-40B4-BE49-F238E27FC236}">
+                <a16:creationId xmlns:a16="http://schemas.microsoft.com/office/drawing/2014/main" id="{418EDA18-A4ED-4787-A513-C4E521691FA5}"/>
+              </a:ext>
+            </a:extLst>
+          </p:cNvPr>
+          <p:cNvSpPr/>
+          <p:nvPr/>
+        </p:nvSpPr>
+        <p:spPr>
+          <a:xfrm>
+            <a:off x="3863938" y="4901225"/>
+            <a:ext cx="294922" cy="294922"/>
+          </a:xfrm>
+          <a:prstGeom prst="ellipse">
+            <a:avLst/>
+          </a:prstGeom>
+          <a:solidFill>
+            <a:srgbClr val="FFC000"/>
+          </a:solidFill>
+          <a:ln>
+            <a:solidFill>
+              <a:schemeClr val="tx1">
+                <a:lumMod val="50000"/>
+                <a:lumOff val="50000"/>
+              </a:schemeClr>
+            </a:solidFill>
+          </a:ln>
+        </p:spPr>
+        <p:style>
+          <a:lnRef idx="2">
+            <a:schemeClr val="accent1">
+              <a:shade val="50000"/>
+            </a:schemeClr>
+          </a:lnRef>
+          <a:fillRef idx="1">
+            <a:schemeClr val="accent1"/>
+          </a:fillRef>
+          <a:effectRef idx="0">
+            <a:schemeClr val="accent1"/>
+          </a:effectRef>
+          <a:fontRef idx="minor">
+            <a:schemeClr val="lt1"/>
+          </a:fontRef>
+        </p:style>
+        <p:txBody>
+          <a:bodyPr rtlCol="0" anchor="ctr"/>
+          <a:lstStyle/>
+          <a:p>
+            <a:pPr algn="ctr"/>
+            <a:endParaRPr lang="es-ES"/>
+          </a:p>
+        </p:txBody>
+      </p:sp>
+      <p:sp>
+        <p:nvSpPr>
+          <p:cNvPr id="37" name="CuadroTexto 36">
+            <a:extLst>
+              <a:ext uri="{FF2B5EF4-FFF2-40B4-BE49-F238E27FC236}">
+                <a16:creationId xmlns:a16="http://schemas.microsoft.com/office/drawing/2014/main" id="{B663AC1B-C374-4E0E-8B8C-FA1B0F03B63C}"/>
+              </a:ext>
+            </a:extLst>
+          </p:cNvPr>
+          <p:cNvSpPr txBox="1"/>
+          <p:nvPr/>
+        </p:nvSpPr>
+        <p:spPr>
+          <a:xfrm>
+            <a:off x="5356744" y="5603101"/>
+            <a:ext cx="786818" cy="461665"/>
+          </a:xfrm>
+          <a:prstGeom prst="rect">
+            <a:avLst/>
+          </a:prstGeom>
+          <a:noFill/>
+        </p:spPr>
+        <p:txBody>
+          <a:bodyPr wrap="none" rtlCol="0">
+            <a:spAutoFit/>
+          </a:bodyPr>
+          <a:lstStyle/>
+          <a:p>
+            <a:pPr algn="ctr"/>
+            <a:r>
+              <a:rPr lang="en-US" sz="1200" dirty="0"/>
+              <a:t>cashier</a:t>
+            </a:r>
+          </a:p>
+          <a:p>
+            <a:pPr algn="ctr"/>
+            <a:r>
+              <a:rPr lang="en-US" sz="1200" dirty="0"/>
+              <a:t>coroutine</a:t>
+            </a:r>
+            <a:endParaRPr lang="es-ES" sz="1200" dirty="0"/>
+          </a:p>
+        </p:txBody>
+      </p:sp>
+      <p:sp>
+        <p:nvSpPr>
+          <p:cNvPr id="38" name="CuadroTexto 37">
+            <a:extLst>
+              <a:ext uri="{FF2B5EF4-FFF2-40B4-BE49-F238E27FC236}">
+                <a16:creationId xmlns:a16="http://schemas.microsoft.com/office/drawing/2014/main" id="{AC63377D-4B11-482E-95A9-DE19501F8DEA}"/>
+              </a:ext>
+            </a:extLst>
+          </p:cNvPr>
+          <p:cNvSpPr txBox="1"/>
+          <p:nvPr/>
+        </p:nvSpPr>
+        <p:spPr>
+          <a:xfrm>
+            <a:off x="6598542" y="2751951"/>
+            <a:ext cx="786818" cy="461665"/>
+          </a:xfrm>
+          <a:prstGeom prst="rect">
+            <a:avLst/>
+          </a:prstGeom>
+          <a:noFill/>
+        </p:spPr>
+        <p:txBody>
+          <a:bodyPr wrap="none" rtlCol="0">
+            <a:spAutoFit/>
+          </a:bodyPr>
+          <a:lstStyle/>
+          <a:p>
+            <a:pPr algn="ctr"/>
+            <a:r>
+              <a:rPr lang="en-US" sz="1200" dirty="0"/>
+              <a:t>barista 2</a:t>
+            </a:r>
+          </a:p>
+          <a:p>
+            <a:pPr algn="ctr"/>
+            <a:r>
+              <a:rPr lang="es-ES" sz="1200" dirty="0" err="1"/>
+              <a:t>coroutine</a:t>
+            </a:r>
+            <a:endParaRPr lang="es-ES" sz="1200" dirty="0"/>
+          </a:p>
+        </p:txBody>
+      </p:sp>
+      <p:sp>
+        <p:nvSpPr>
+          <p:cNvPr id="39" name="CuadroTexto 38">
+            <a:extLst>
+              <a:ext uri="{FF2B5EF4-FFF2-40B4-BE49-F238E27FC236}">
+                <a16:creationId xmlns:a16="http://schemas.microsoft.com/office/drawing/2014/main" id="{2AF7B4A6-2EE0-49BA-A8BC-6633507013E0}"/>
+              </a:ext>
+            </a:extLst>
+          </p:cNvPr>
+          <p:cNvSpPr txBox="1"/>
+          <p:nvPr/>
+        </p:nvSpPr>
+        <p:spPr>
+          <a:xfrm>
+            <a:off x="4185632" y="2761414"/>
+            <a:ext cx="786818" cy="461665"/>
+          </a:xfrm>
+          <a:prstGeom prst="rect">
+            <a:avLst/>
+          </a:prstGeom>
+          <a:noFill/>
+        </p:spPr>
+        <p:txBody>
+          <a:bodyPr wrap="none" rtlCol="0">
+            <a:spAutoFit/>
+          </a:bodyPr>
+          <a:lstStyle/>
+          <a:p>
+            <a:pPr algn="ctr"/>
+            <a:r>
+              <a:rPr lang="en-US" sz="1200" dirty="0"/>
+              <a:t>barista 1</a:t>
+            </a:r>
+          </a:p>
+          <a:p>
+            <a:pPr algn="ctr"/>
+            <a:r>
+              <a:rPr lang="es-ES" sz="1200" dirty="0" err="1"/>
+              <a:t>coroutine</a:t>
+            </a:r>
+            <a:endParaRPr lang="es-ES" sz="1200" dirty="0"/>
+          </a:p>
+        </p:txBody>
+      </p:sp>
+      <p:grpSp>
+        <p:nvGrpSpPr>
+          <p:cNvPr id="42" name="Grupo 41">
+            <a:extLst>
+              <a:ext uri="{FF2B5EF4-FFF2-40B4-BE49-F238E27FC236}">
+                <a16:creationId xmlns:a16="http://schemas.microsoft.com/office/drawing/2014/main" id="{361FC21F-8E3F-4914-AD9F-31D08E715291}"/>
+              </a:ext>
+            </a:extLst>
+          </p:cNvPr>
+          <p:cNvGrpSpPr/>
+          <p:nvPr/>
+        </p:nvGrpSpPr>
+        <p:grpSpPr>
+          <a:xfrm>
+            <a:off x="3616250" y="1499760"/>
+            <a:ext cx="577850" cy="246221"/>
+            <a:chOff x="3416300" y="1503978"/>
+            <a:chExt cx="577850" cy="246221"/>
+          </a:xfrm>
+        </p:grpSpPr>
+        <p:sp>
+          <p:nvSpPr>
+            <p:cNvPr id="40" name="Elipse 39">
+              <a:extLst>
+                <a:ext uri="{FF2B5EF4-FFF2-40B4-BE49-F238E27FC236}">
+                  <a16:creationId xmlns:a16="http://schemas.microsoft.com/office/drawing/2014/main" id="{A6407E94-4630-439B-A0EF-7FC9E2EE2290}"/>
+                </a:ext>
+              </a:extLst>
+            </p:cNvPr>
+            <p:cNvSpPr/>
+            <p:nvPr/>
+          </p:nvSpPr>
+          <p:spPr>
+            <a:xfrm>
+              <a:off x="3416300" y="1584325"/>
+              <a:ext cx="107950" cy="107950"/>
+            </a:xfrm>
+            <a:prstGeom prst="ellipse">
+              <a:avLst/>
+            </a:prstGeom>
+          </p:spPr>
+          <p:style>
+            <a:lnRef idx="3">
+              <a:schemeClr val="lt1"/>
+            </a:lnRef>
+            <a:fillRef idx="1">
+              <a:schemeClr val="accent6"/>
+            </a:fillRef>
+            <a:effectRef idx="1">
+              <a:schemeClr val="accent6"/>
+            </a:effectRef>
+            <a:fontRef idx="minor">
+              <a:schemeClr val="lt1"/>
+            </a:fontRef>
+          </p:style>
+          <p:txBody>
+            <a:bodyPr rtlCol="0" anchor="ctr"/>
+            <a:lstStyle/>
+            <a:p>
+              <a:pPr algn="ctr"/>
+              <a:endParaRPr lang="es-ES"/>
+            </a:p>
+          </p:txBody>
+        </p:sp>
+        <p:sp>
+          <p:nvSpPr>
+            <p:cNvPr id="41" name="CuadroTexto 40">
+              <a:extLst>
+                <a:ext uri="{FF2B5EF4-FFF2-40B4-BE49-F238E27FC236}">
+                  <a16:creationId xmlns:a16="http://schemas.microsoft.com/office/drawing/2014/main" id="{0CB1F145-EA18-405C-A37B-8186ECED9822}"/>
+                </a:ext>
+              </a:extLst>
+            </p:cNvPr>
+            <p:cNvSpPr txBox="1"/>
+            <p:nvPr/>
+          </p:nvSpPr>
+          <p:spPr>
+            <a:xfrm>
+              <a:off x="3451224" y="1503978"/>
+              <a:ext cx="542926" cy="246221"/>
+            </a:xfrm>
+            <a:prstGeom prst="rect">
+              <a:avLst/>
+            </a:prstGeom>
+            <a:noFill/>
+          </p:spPr>
+          <p:txBody>
+            <a:bodyPr wrap="square" rtlCol="0">
+              <a:spAutoFit/>
+            </a:bodyPr>
+            <a:lstStyle/>
+            <a:p>
+              <a:r>
+                <a:rPr lang="en-US" sz="1000" dirty="0"/>
+                <a:t>active</a:t>
+              </a:r>
+            </a:p>
+          </p:txBody>
+        </p:sp>
+      </p:grpSp>
+      <p:grpSp>
+        <p:nvGrpSpPr>
+          <p:cNvPr id="43" name="Grupo 42">
+            <a:extLst>
+              <a:ext uri="{FF2B5EF4-FFF2-40B4-BE49-F238E27FC236}">
+                <a16:creationId xmlns:a16="http://schemas.microsoft.com/office/drawing/2014/main" id="{2974E041-A0BA-4C95-8460-FEEA1A47ED54}"/>
+              </a:ext>
+            </a:extLst>
+          </p:cNvPr>
+          <p:cNvGrpSpPr/>
+          <p:nvPr/>
+        </p:nvGrpSpPr>
+        <p:grpSpPr>
+          <a:xfrm>
+            <a:off x="7612999" y="1502204"/>
+            <a:ext cx="577850" cy="246221"/>
+            <a:chOff x="3416300" y="1503978"/>
+            <a:chExt cx="577850" cy="246221"/>
+          </a:xfrm>
+        </p:grpSpPr>
+        <p:sp>
+          <p:nvSpPr>
+            <p:cNvPr id="44" name="Elipse 43">
+              <a:extLst>
+                <a:ext uri="{FF2B5EF4-FFF2-40B4-BE49-F238E27FC236}">
+                  <a16:creationId xmlns:a16="http://schemas.microsoft.com/office/drawing/2014/main" id="{4CF62B35-B749-4948-87AD-814E3839EFF0}"/>
+                </a:ext>
+              </a:extLst>
+            </p:cNvPr>
+            <p:cNvSpPr/>
+            <p:nvPr/>
+          </p:nvSpPr>
+          <p:spPr>
+            <a:xfrm>
+              <a:off x="3416300" y="1584325"/>
+              <a:ext cx="107950" cy="107950"/>
+            </a:xfrm>
+            <a:prstGeom prst="ellipse">
+              <a:avLst/>
+            </a:prstGeom>
+          </p:spPr>
+          <p:style>
+            <a:lnRef idx="3">
+              <a:schemeClr val="lt1"/>
+            </a:lnRef>
+            <a:fillRef idx="1">
+              <a:schemeClr val="accent6"/>
+            </a:fillRef>
+            <a:effectRef idx="1">
+              <a:schemeClr val="accent6"/>
+            </a:effectRef>
+            <a:fontRef idx="minor">
+              <a:schemeClr val="lt1"/>
+            </a:fontRef>
+          </p:style>
+          <p:txBody>
+            <a:bodyPr rtlCol="0" anchor="ctr"/>
+            <a:lstStyle/>
+            <a:p>
+              <a:pPr algn="ctr"/>
+              <a:endParaRPr lang="es-ES"/>
+            </a:p>
+          </p:txBody>
+        </p:sp>
+        <p:sp>
+          <p:nvSpPr>
+            <p:cNvPr id="45" name="CuadroTexto 44">
+              <a:extLst>
+                <a:ext uri="{FF2B5EF4-FFF2-40B4-BE49-F238E27FC236}">
+                  <a16:creationId xmlns:a16="http://schemas.microsoft.com/office/drawing/2014/main" id="{F195382A-7041-459E-9207-1E7C6DAF380E}"/>
+                </a:ext>
+              </a:extLst>
+            </p:cNvPr>
+            <p:cNvSpPr txBox="1"/>
+            <p:nvPr/>
+          </p:nvSpPr>
+          <p:spPr>
+            <a:xfrm>
+              <a:off x="3451224" y="1503978"/>
+              <a:ext cx="542926" cy="246221"/>
+            </a:xfrm>
+            <a:prstGeom prst="rect">
+              <a:avLst/>
+            </a:prstGeom>
+            <a:noFill/>
+          </p:spPr>
+          <p:txBody>
+            <a:bodyPr wrap="square" rtlCol="0">
+              <a:spAutoFit/>
+            </a:bodyPr>
+            <a:lstStyle/>
+            <a:p>
+              <a:r>
+                <a:rPr lang="en-US" sz="1000" dirty="0"/>
+                <a:t>active</a:t>
+              </a:r>
+            </a:p>
+          </p:txBody>
+        </p:sp>
+      </p:grpSp>
     </p:spTree>
     <p:extLst>
       <p:ext uri="{BB962C8B-B14F-4D97-AF65-F5344CB8AC3E}">
@@ -4027,7 +4706,7 @@
                             </p:stCondLst>
                             <p:childTnLst>
                               <p:par>
-                                <p:cTn id="5" presetID="2" presetClass="entr" presetSubtype="8" fill="hold" grpId="0" nodeType="clickEffect">
+                                <p:cTn id="5" presetID="1" presetClass="entr" presetSubtype="0" fill="hold" grpId="0" nodeType="clickEffect">
                                   <p:stCondLst>
                                     <p:cond delay="0"/>
                                   </p:stCondLst>
@@ -4050,52 +4729,91 @@
                                         <p:strVal val="visible"/>
                                       </p:to>
                                     </p:set>
-                                    <p:anim calcmode="lin" valueType="num">
-                                      <p:cBhvr additive="base">
-                                        <p:cTn id="7" dur="500" fill="hold"/>
+                                  </p:childTnLst>
+                                </p:cTn>
+                              </p:par>
+                            </p:childTnLst>
+                          </p:cTn>
+                        </p:par>
+                      </p:childTnLst>
+                    </p:cTn>
+                  </p:par>
+                  <p:par>
+                    <p:cTn id="7" fill="hold">
+                      <p:stCondLst>
+                        <p:cond delay="indefinite"/>
+                      </p:stCondLst>
+                      <p:childTnLst>
+                        <p:par>
+                          <p:cTn id="8" fill="hold">
+                            <p:stCondLst>
+                              <p:cond delay="0"/>
+                            </p:stCondLst>
+                            <p:childTnLst>
+                              <p:par>
+                                <p:cTn id="9" presetID="63" presetClass="path" presetSubtype="0" accel="50000" decel="50000" fill="hold" grpId="1" nodeType="clickEffect">
+                                  <p:stCondLst>
+                                    <p:cond delay="0"/>
+                                  </p:stCondLst>
+                                  <p:childTnLst>
+                                    <p:animMotion origin="layout" path="M 3.33333E-6 -3.7037E-6 L 0.08659 -3.7037E-6 " pathEditMode="relative" rAng="0" ptsTypes="AA">
+                                      <p:cBhvr>
+                                        <p:cTn id="10" dur="2000" fill="hold"/>
                                         <p:tgtEl>
                                           <p:spTgt spid="27"/>
                                         </p:tgtEl>
                                         <p:attrNameLst>
                                           <p:attrName>ppt_x</p:attrName>
-                                        </p:attrNameLst>
-                                      </p:cBhvr>
-                                      <p:tavLst>
-                                        <p:tav tm="0">
-                                          <p:val>
-                                            <p:strVal val="0-#ppt_w/2"/>
-                                          </p:val>
-                                        </p:tav>
-                                        <p:tav tm="100000">
-                                          <p:val>
-                                            <p:strVal val="#ppt_x"/>
-                                          </p:val>
-                                        </p:tav>
-                                      </p:tavLst>
-                                    </p:anim>
-                                    <p:anim calcmode="lin" valueType="num">
-                                      <p:cBhvr additive="base">
-                                        <p:cTn id="8" dur="500" fill="hold"/>
+                                          <p:attrName>ppt_y</p:attrName>
+                                        </p:attrNameLst>
+                                      </p:cBhvr>
+                                      <p:rCtr x="4323" y="0"/>
+                                    </p:animMotion>
+                                  </p:childTnLst>
+                                </p:cTn>
+                              </p:par>
+                            </p:childTnLst>
+                          </p:cTn>
+                        </p:par>
+                      </p:childTnLst>
+                    </p:cTn>
+                  </p:par>
+                  <p:par>
+                    <p:cTn id="11" fill="hold">
+                      <p:stCondLst>
+                        <p:cond delay="indefinite"/>
+                      </p:stCondLst>
+                      <p:childTnLst>
+                        <p:par>
+                          <p:cTn id="12" fill="hold">
+                            <p:stCondLst>
+                              <p:cond delay="0"/>
+                            </p:stCondLst>
+                            <p:childTnLst>
+                              <p:par>
+                                <p:cTn id="13" presetID="1" presetClass="exit" presetSubtype="0" fill="hold" grpId="2" nodeType="clickEffect">
+                                  <p:stCondLst>
+                                    <p:cond delay="0"/>
+                                  </p:stCondLst>
+                                  <p:childTnLst>
+                                    <p:set>
+                                      <p:cBhvr>
+                                        <p:cTn id="14" dur="1" fill="hold">
+                                          <p:stCondLst>
+                                            <p:cond delay="0"/>
+                                          </p:stCondLst>
+                                        </p:cTn>
                                         <p:tgtEl>
                                           <p:spTgt spid="27"/>
                                         </p:tgtEl>
                                         <p:attrNameLst>
-                                          <p:attrName>ppt_y</p:attrName>
-                                        </p:attrNameLst>
-                                      </p:cBhvr>
-                                      <p:tavLst>
-                                        <p:tav tm="0">
-                                          <p:val>
-                                            <p:strVal val="#ppt_y"/>
-                                          </p:val>
-                                        </p:tav>
-                                        <p:tav tm="100000">
-                                          <p:val>
-                                            <p:strVal val="#ppt_y"/>
-                                          </p:val>
-                                        </p:tav>
-                                      </p:tavLst>
-                                    </p:anim>
+                                          <p:attrName>style.visibility</p:attrName>
+                                        </p:attrNameLst>
+                                      </p:cBhvr>
+                                      <p:to>
+                                        <p:strVal val="hidden"/>
+                                      </p:to>
+                                    </p:set>
                                   </p:childTnLst>
                                 </p:cTn>
                               </p:par>
@@ -4103,26 +4821,26 @@
                           </p:cTn>
                         </p:par>
                         <p:par>
-                          <p:cTn id="9" fill="hold">
+                          <p:cTn id="15" fill="hold">
                             <p:stCondLst>
-                              <p:cond delay="500"/>
+                              <p:cond delay="0"/>
                             </p:stCondLst>
                             <p:childTnLst>
                               <p:par>
-                                <p:cTn id="10" presetID="2" presetClass="entr" presetSubtype="8" fill="hold" grpId="0" nodeType="afterEffect">
+                                <p:cTn id="16" presetID="1" presetClass="entr" presetSubtype="0" fill="hold" grpId="0" nodeType="afterEffect">
                                   <p:stCondLst>
                                     <p:cond delay="0"/>
                                   </p:stCondLst>
                                   <p:childTnLst>
                                     <p:set>
                                       <p:cBhvr>
-                                        <p:cTn id="11" dur="1" fill="hold">
+                                        <p:cTn id="17" dur="1" fill="hold">
                                           <p:stCondLst>
                                             <p:cond delay="0"/>
                                           </p:stCondLst>
                                         </p:cTn>
                                         <p:tgtEl>
-                                          <p:spTgt spid="26"/>
+                                          <p:spTgt spid="25"/>
                                         </p:tgtEl>
                                         <p:attrNameLst>
                                           <p:attrName>style.visibility</p:attrName>
@@ -4132,52 +4850,6 @@
                                         <p:strVal val="visible"/>
                                       </p:to>
                                     </p:set>
-                                    <p:anim calcmode="lin" valueType="num">
-                                      <p:cBhvr additive="base">
-                                        <p:cTn id="12" dur="500" fill="hold"/>
-                                        <p:tgtEl>
-                                          <p:spTgt spid="26"/>
-                                        </p:tgtEl>
-                                        <p:attrNameLst>
-                                          <p:attrName>ppt_x</p:attrName>
-                                        </p:attrNameLst>
-                                      </p:cBhvr>
-                                      <p:tavLst>
-                                        <p:tav tm="0">
-                                          <p:val>
-                                            <p:strVal val="0-#ppt_w/2"/>
-                                          </p:val>
-                                        </p:tav>
-                                        <p:tav tm="100000">
-                                          <p:val>
-                                            <p:strVal val="#ppt_x"/>
-                                          </p:val>
-                                        </p:tav>
-                                      </p:tavLst>
-                                    </p:anim>
-                                    <p:anim calcmode="lin" valueType="num">
-                                      <p:cBhvr additive="base">
-                                        <p:cTn id="13" dur="500" fill="hold"/>
-                                        <p:tgtEl>
-                                          <p:spTgt spid="26"/>
-                                        </p:tgtEl>
-                                        <p:attrNameLst>
-                                          <p:attrName>ppt_y</p:attrName>
-                                        </p:attrNameLst>
-                                      </p:cBhvr>
-                                      <p:tavLst>
-                                        <p:tav tm="0">
-                                          <p:val>
-                                            <p:strVal val="#ppt_y"/>
-                                          </p:val>
-                                        </p:tav>
-                                        <p:tav tm="100000">
-                                          <p:val>
-                                            <p:strVal val="#ppt_y"/>
-                                          </p:val>
-                                        </p:tav>
-                                      </p:tavLst>
-                                    </p:anim>
                                   </p:childTnLst>
                                 </p:cTn>
                               </p:par>
@@ -4185,26 +4857,93 @@
                           </p:cTn>
                         </p:par>
                         <p:par>
-                          <p:cTn id="14" fill="hold">
+                          <p:cTn id="18" fill="hold">
                             <p:stCondLst>
-                              <p:cond delay="1000"/>
+                              <p:cond delay="0"/>
                             </p:stCondLst>
                             <p:childTnLst>
                               <p:par>
-                                <p:cTn id="15" presetID="2" presetClass="entr" presetSubtype="8" fill="hold" grpId="0" nodeType="afterEffect">
+                                <p:cTn id="19" presetID="64" presetClass="path" presetSubtype="0" accel="50000" decel="50000" fill="hold" grpId="1" nodeType="afterEffect">
+                                  <p:stCondLst>
+                                    <p:cond delay="0"/>
+                                  </p:stCondLst>
+                                  <p:childTnLst>
+                                    <p:animMotion origin="layout" path="M 4.79167E-6 -3.7037E-6 L -0.00027 -0.22731 " pathEditMode="relative" rAng="0" ptsTypes="AA">
+                                      <p:cBhvr>
+                                        <p:cTn id="20" dur="2000" fill="hold"/>
+                                        <p:tgtEl>
+                                          <p:spTgt spid="25"/>
+                                        </p:tgtEl>
+                                        <p:attrNameLst>
+                                          <p:attrName>ppt_x</p:attrName>
+                                          <p:attrName>ppt_y</p:attrName>
+                                        </p:attrNameLst>
+                                      </p:cBhvr>
+                                      <p:rCtr x="-13" y="-11366"/>
+                                    </p:animMotion>
+                                  </p:childTnLst>
+                                </p:cTn>
+                              </p:par>
+                            </p:childTnLst>
+                          </p:cTn>
+                        </p:par>
+                        <p:par>
+                          <p:cTn id="21" fill="hold">
+                            <p:stCondLst>
+                              <p:cond delay="2000"/>
+                            </p:stCondLst>
+                            <p:childTnLst>
+                              <p:par>
+                                <p:cTn id="22" presetID="1" presetClass="exit" presetSubtype="0" fill="hold" grpId="2" nodeType="afterEffect">
                                   <p:stCondLst>
                                     <p:cond delay="0"/>
                                   </p:stCondLst>
                                   <p:childTnLst>
                                     <p:set>
                                       <p:cBhvr>
-                                        <p:cTn id="16" dur="1" fill="hold">
+                                        <p:cTn id="23" dur="1" fill="hold">
                                           <p:stCondLst>
                                             <p:cond delay="0"/>
                                           </p:stCondLst>
                                         </p:cTn>
                                         <p:tgtEl>
-                                          <p:spTgt spid="9"/>
+                                          <p:spTgt spid="25"/>
+                                        </p:tgtEl>
+                                        <p:attrNameLst>
+                                          <p:attrName>style.visibility</p:attrName>
+                                        </p:attrNameLst>
+                                      </p:cBhvr>
+                                      <p:to>
+                                        <p:strVal val="hidden"/>
+                                      </p:to>
+                                    </p:set>
+                                  </p:childTnLst>
+                                </p:cTn>
+                              </p:par>
+                            </p:childTnLst>
+                          </p:cTn>
+                        </p:par>
+                        <p:par>
+                          <p:cTn id="24" fill="hold">
+                            <p:stCondLst>
+                              <p:cond delay="2000"/>
+                            </p:stCondLst>
+                            <p:childTnLst>
+                              <p:par>
+                                <p:cTn id="25" presetID="1" presetClass="entr" presetSubtype="0" fill="hold" grpId="0" nodeType="afterEffect">
+                                  <p:stCondLst>
+                                    <p:cond delay="0"/>
+                                  </p:stCondLst>
+                                  <p:childTnLst>
+                                    <p:set>
+                                      <p:cBhvr>
+                                        <p:cTn id="26" dur="1" fill="hold">
+                                          <p:stCondLst>
+                                            <p:cond delay="0"/>
+                                          </p:stCondLst>
+                                        </p:cTn>
+                                        <p:tgtEl>
+                                          <p:spTgt spid="28"/>
                                         </p:tgtEl>
                                         <p:attrNameLst>
                                           <p:attrName>style.visibility</p:attrName>
@@ -4214,52 +4953,490 @@
                                         <p:strVal val="visible"/>
                                       </p:to>
                                     </p:set>
-                                    <p:anim calcmode="lin" valueType="num">
-                                      <p:cBhvr additive="base">
-                                        <p:cTn id="17" dur="500" fill="hold"/>
+                                  </p:childTnLst>
+                                </p:cTn>
+                              </p:par>
+                            </p:childTnLst>
+                          </p:cTn>
+                        </p:par>
+                        <p:par>
+                          <p:cTn id="27" fill="hold">
+                            <p:stCondLst>
+                              <p:cond delay="2000"/>
+                            </p:stCondLst>
+                            <p:childTnLst>
+                              <p:par>
+                                <p:cTn id="28" presetID="64" presetClass="path" presetSubtype="0" accel="50000" decel="50000" fill="hold" grpId="1" nodeType="afterEffect">
+                                  <p:stCondLst>
+                                    <p:cond delay="0"/>
+                                  </p:stCondLst>
+                                  <p:childTnLst>
+                                    <p:animMotion origin="layout" path="M -4.58333E-6 -1.85185E-6 L -4.58333E-6 -0.18889 " pathEditMode="relative" rAng="0" ptsTypes="AA">
+                                      <p:cBhvr>
+                                        <p:cTn id="29" dur="2000" fill="hold"/>
+                                        <p:tgtEl>
+                                          <p:spTgt spid="28"/>
+                                        </p:tgtEl>
+                                        <p:attrNameLst>
+                                          <p:attrName>ppt_x</p:attrName>
+                                          <p:attrName>ppt_y</p:attrName>
+                                        </p:attrNameLst>
+                                      </p:cBhvr>
+                                      <p:rCtr x="0" y="-9444"/>
+                                    </p:animMotion>
+                                  </p:childTnLst>
+                                </p:cTn>
+                              </p:par>
+                            </p:childTnLst>
+                          </p:cTn>
+                        </p:par>
+                        <p:par>
+                          <p:cTn id="30" fill="hold">
+                            <p:stCondLst>
+                              <p:cond delay="4000"/>
+                            </p:stCondLst>
+                            <p:childTnLst>
+                              <p:par>
+                                <p:cTn id="31" presetID="1" presetClass="exit" presetSubtype="0" fill="hold" grpId="2" nodeType="afterEffect">
+                                  <p:stCondLst>
+                                    <p:cond delay="0"/>
+                                  </p:stCondLst>
+                                  <p:childTnLst>
+                                    <p:set>
+                                      <p:cBhvr>
+                                        <p:cTn id="32" dur="1" fill="hold">
+                                          <p:stCondLst>
+                                            <p:cond delay="0"/>
+                                          </p:stCondLst>
+                                        </p:cTn>
+                                        <p:tgtEl>
+                                          <p:spTgt spid="28"/>
+                                        </p:tgtEl>
+                                        <p:attrNameLst>
+                                          <p:attrName>style.visibility</p:attrName>
+                                        </p:attrNameLst>
+                                      </p:cBhvr>
+                                      <p:to>
+                                        <p:strVal val="hidden"/>
+                                      </p:to>
+                                    </p:set>
+                                  </p:childTnLst>
+                                </p:cTn>
+                              </p:par>
+                            </p:childTnLst>
+                          </p:cTn>
+                        </p:par>
+                        <p:par>
+                          <p:cTn id="33" fill="hold">
+                            <p:stCondLst>
+                              <p:cond delay="4000"/>
+                            </p:stCondLst>
+                            <p:childTnLst>
+                              <p:par>
+                                <p:cTn id="34" presetID="1" presetClass="entr" presetSubtype="0" fill="hold" grpId="0" nodeType="afterEffect">
+                                  <p:stCondLst>
+                                    <p:cond delay="0"/>
+                                  </p:stCondLst>
+                                  <p:childTnLst>
+                                    <p:set>
+                                      <p:cBhvr>
+                                        <p:cTn id="35" dur="1" fill="hold">
+                                          <p:stCondLst>
+                                            <p:cond delay="0"/>
+                                          </p:stCondLst>
+                                        </p:cTn>
+                                        <p:tgtEl>
+                                          <p:spTgt spid="29"/>
+                                        </p:tgtEl>
+                                        <p:attrNameLst>
+                                          <p:attrName>style.visibility</p:attrName>
+                                        </p:attrNameLst>
+                                      </p:cBhvr>
+                                      <p:to>
+                                        <p:strVal val="visible"/>
+                                      </p:to>
+                                    </p:set>
+                                  </p:childTnLst>
+                                </p:cTn>
+                              </p:par>
+                            </p:childTnLst>
+                          </p:cTn>
+                        </p:par>
+                        <p:par>
+                          <p:cTn id="36" fill="hold">
+                            <p:stCondLst>
+                              <p:cond delay="4000"/>
+                            </p:stCondLst>
+                            <p:childTnLst>
+                              <p:par>
+                                <p:cTn id="37" presetID="35" presetClass="path" presetSubtype="0" accel="50000" decel="50000" fill="hold" grpId="1" nodeType="afterEffect">
+                                  <p:stCondLst>
+                                    <p:cond delay="0"/>
+                                  </p:stCondLst>
+                                  <p:childTnLst>
+                                    <p:animMotion origin="layout" path="M -4.58333E-6 4.07407E-6 L -0.09388 -0.00047 " pathEditMode="relative" rAng="0" ptsTypes="AA">
+                                      <p:cBhvr>
+                                        <p:cTn id="38" dur="2000" fill="hold"/>
+                                        <p:tgtEl>
+                                          <p:spTgt spid="29"/>
+                                        </p:tgtEl>
+                                        <p:attrNameLst>
+                                          <p:attrName>ppt_x</p:attrName>
+                                          <p:attrName>ppt_y</p:attrName>
+                                        </p:attrNameLst>
+                                      </p:cBhvr>
+                                      <p:rCtr x="-4701" y="-23"/>
+                                    </p:animMotion>
+                                  </p:childTnLst>
+                                </p:cTn>
+                              </p:par>
+                            </p:childTnLst>
+                          </p:cTn>
+                        </p:par>
+                        <p:par>
+                          <p:cTn id="39" fill="hold">
+                            <p:stCondLst>
+                              <p:cond delay="6000"/>
+                            </p:stCondLst>
+                            <p:childTnLst>
+                              <p:par>
+                                <p:cTn id="40" presetID="1" presetClass="exit" presetSubtype="0" fill="hold" grpId="2" nodeType="afterEffect">
+                                  <p:stCondLst>
+                                    <p:cond delay="0"/>
+                                  </p:stCondLst>
+                                  <p:childTnLst>
+                                    <p:set>
+                                      <p:cBhvr>
+                                        <p:cTn id="41" dur="1" fill="hold">
+                                          <p:stCondLst>
+                                            <p:cond delay="0"/>
+                                          </p:stCondLst>
+                                        </p:cTn>
+                                        <p:tgtEl>
+                                          <p:spTgt spid="29"/>
+                                        </p:tgtEl>
+                                        <p:attrNameLst>
+                                          <p:attrName>style.visibility</p:attrName>
+                                        </p:attrNameLst>
+                                      </p:cBhvr>
+                                      <p:to>
+                                        <p:strVal val="hidden"/>
+                                      </p:to>
+                                    </p:set>
+                                  </p:childTnLst>
+                                </p:cTn>
+                              </p:par>
+                            </p:childTnLst>
+                          </p:cTn>
+                        </p:par>
+                        <p:par>
+                          <p:cTn id="42" fill="hold">
+                            <p:stCondLst>
+                              <p:cond delay="6000"/>
+                            </p:stCondLst>
+                            <p:childTnLst>
+                              <p:par>
+                                <p:cTn id="43" presetID="1" presetClass="entr" presetSubtype="0" fill="hold" grpId="0" nodeType="afterEffect">
+                                  <p:stCondLst>
+                                    <p:cond delay="0"/>
+                                  </p:stCondLst>
+                                  <p:childTnLst>
+                                    <p:set>
+                                      <p:cBhvr>
+                                        <p:cTn id="44" dur="1" fill="hold">
+                                          <p:stCondLst>
+                                            <p:cond delay="0"/>
+                                          </p:stCondLst>
+                                        </p:cTn>
+                                        <p:tgtEl>
+                                          <p:spTgt spid="30"/>
+                                        </p:tgtEl>
+                                        <p:attrNameLst>
+                                          <p:attrName>style.visibility</p:attrName>
+                                        </p:attrNameLst>
+                                      </p:cBhvr>
+                                      <p:to>
+                                        <p:strVal val="visible"/>
+                                      </p:to>
+                                    </p:set>
+                                  </p:childTnLst>
+                                </p:cTn>
+                              </p:par>
+                            </p:childTnLst>
+                          </p:cTn>
+                        </p:par>
+                        <p:par>
+                          <p:cTn id="45" fill="hold">
+                            <p:stCondLst>
+                              <p:cond delay="6000"/>
+                            </p:stCondLst>
+                            <p:childTnLst>
+                              <p:par>
+                                <p:cTn id="46" presetID="1" presetClass="entr" presetSubtype="0" fill="hold" grpId="0" nodeType="afterEffect">
+                                  <p:stCondLst>
+                                    <p:cond delay="0"/>
+                                  </p:stCondLst>
+                                  <p:childTnLst>
+                                    <p:set>
+                                      <p:cBhvr>
+                                        <p:cTn id="47" dur="1" fill="hold">
+                                          <p:stCondLst>
+                                            <p:cond delay="0"/>
+                                          </p:stCondLst>
+                                        </p:cTn>
+                                        <p:tgtEl>
+                                          <p:spTgt spid="26"/>
+                                        </p:tgtEl>
+                                        <p:attrNameLst>
+                                          <p:attrName>style.visibility</p:attrName>
+                                        </p:attrNameLst>
+                                      </p:cBhvr>
+                                      <p:to>
+                                        <p:strVal val="visible"/>
+                                      </p:to>
+                                    </p:set>
+                                  </p:childTnLst>
+                                </p:cTn>
+                              </p:par>
+                            </p:childTnLst>
+                          </p:cTn>
+                        </p:par>
+                        <p:par>
+                          <p:cTn id="48" fill="hold">
+                            <p:stCondLst>
+                              <p:cond delay="6000"/>
+                            </p:stCondLst>
+                            <p:childTnLst>
+                              <p:par>
+                                <p:cTn id="49" presetID="63" presetClass="path" presetSubtype="0" accel="50000" decel="50000" fill="hold" grpId="1" nodeType="afterEffect">
+                                  <p:stCondLst>
+                                    <p:cond delay="0"/>
+                                  </p:stCondLst>
+                                  <p:childTnLst>
+                                    <p:animMotion origin="layout" path="M 1.04167E-6 -3.7037E-6 L 0.06966 -3.7037E-6 " pathEditMode="relative" rAng="0" ptsTypes="AA">
+                                      <p:cBhvr>
+                                        <p:cTn id="50" dur="2000" fill="hold"/>
+                                        <p:tgtEl>
+                                          <p:spTgt spid="26"/>
+                                        </p:tgtEl>
+                                        <p:attrNameLst>
+                                          <p:attrName>ppt_x</p:attrName>
+                                          <p:attrName>ppt_y</p:attrName>
+                                        </p:attrNameLst>
+                                      </p:cBhvr>
+                                      <p:rCtr x="3477" y="0"/>
+                                    </p:animMotion>
+                                  </p:childTnLst>
+                                </p:cTn>
+                              </p:par>
+                            </p:childTnLst>
+                          </p:cTn>
+                        </p:par>
+                        <p:par>
+                          <p:cTn id="51" fill="hold">
+                            <p:stCondLst>
+                              <p:cond delay="8000"/>
+                            </p:stCondLst>
+                            <p:childTnLst>
+                              <p:par>
+                                <p:cTn id="52" presetID="1" presetClass="exit" presetSubtype="0" fill="hold" grpId="2" nodeType="afterEffect">
+                                  <p:stCondLst>
+                                    <p:cond delay="0"/>
+                                  </p:stCondLst>
+                                  <p:childTnLst>
+                                    <p:set>
+                                      <p:cBhvr>
+                                        <p:cTn id="53" dur="1" fill="hold">
+                                          <p:stCondLst>
+                                            <p:cond delay="0"/>
+                                          </p:stCondLst>
+                                        </p:cTn>
+                                        <p:tgtEl>
+                                          <p:spTgt spid="26"/>
+                                        </p:tgtEl>
+                                        <p:attrNameLst>
+                                          <p:attrName>style.visibility</p:attrName>
+                                        </p:attrNameLst>
+                                      </p:cBhvr>
+                                      <p:to>
+                                        <p:strVal val="hidden"/>
+                                      </p:to>
+                                    </p:set>
+                                  </p:childTnLst>
+                                </p:cTn>
+                              </p:par>
+                            </p:childTnLst>
+                          </p:cTn>
+                        </p:par>
+                        <p:par>
+                          <p:cTn id="54" fill="hold">
+                            <p:stCondLst>
+                              <p:cond delay="8000"/>
+                            </p:stCondLst>
+                            <p:childTnLst>
+                              <p:par>
+                                <p:cTn id="55" presetID="1" presetClass="entr" presetSubtype="0" fill="hold" grpId="0" nodeType="afterEffect">
+                                  <p:stCondLst>
+                                    <p:cond delay="0"/>
+                                  </p:stCondLst>
+                                  <p:childTnLst>
+                                    <p:set>
+                                      <p:cBhvr>
+                                        <p:cTn id="56" dur="1" fill="hold">
+                                          <p:stCondLst>
+                                            <p:cond delay="0"/>
+                                          </p:stCondLst>
+                                        </p:cTn>
+                                        <p:tgtEl>
+                                          <p:spTgt spid="35"/>
+                                        </p:tgtEl>
+                                        <p:attrNameLst>
+                                          <p:attrName>style.visibility</p:attrName>
+                                        </p:attrNameLst>
+                                      </p:cBhvr>
+                                      <p:to>
+                                        <p:strVal val="visible"/>
+                                      </p:to>
+                                    </p:set>
+                                  </p:childTnLst>
+                                </p:cTn>
+                              </p:par>
+                            </p:childTnLst>
+                          </p:cTn>
+                        </p:par>
+                        <p:par>
+                          <p:cTn id="57" fill="hold">
+                            <p:stCondLst>
+                              <p:cond delay="8000"/>
+                            </p:stCondLst>
+                            <p:childTnLst>
+                              <p:par>
+                                <p:cTn id="58" presetID="1" presetClass="entr" presetSubtype="0" fill="hold" grpId="0" nodeType="afterEffect">
+                                  <p:stCondLst>
+                                    <p:cond delay="0"/>
+                                  </p:stCondLst>
+                                  <p:childTnLst>
+                                    <p:set>
+                                      <p:cBhvr>
+                                        <p:cTn id="59" dur="1" fill="hold">
+                                          <p:stCondLst>
+                                            <p:cond delay="0"/>
+                                          </p:stCondLst>
+                                        </p:cTn>
                                         <p:tgtEl>
                                           <p:spTgt spid="9"/>
                                         </p:tgtEl>
                                         <p:attrNameLst>
+                                          <p:attrName>style.visibility</p:attrName>
+                                        </p:attrNameLst>
+                                      </p:cBhvr>
+                                      <p:to>
+                                        <p:strVal val="visible"/>
+                                      </p:to>
+                                    </p:set>
+                                  </p:childTnLst>
+                                </p:cTn>
+                              </p:par>
+                            </p:childTnLst>
+                          </p:cTn>
+                        </p:par>
+                        <p:par>
+                          <p:cTn id="60" fill="hold">
+                            <p:stCondLst>
+                              <p:cond delay="8000"/>
+                            </p:stCondLst>
+                            <p:childTnLst>
+                              <p:par>
+                                <p:cTn id="61" presetID="63" presetClass="path" presetSubtype="0" accel="50000" decel="50000" fill="hold" grpId="1" nodeType="afterEffect">
+                                  <p:stCondLst>
+                                    <p:cond delay="0"/>
+                                  </p:stCondLst>
+                                  <p:childTnLst>
+                                    <p:animMotion origin="layout" path="M 6.25E-7 -3.7037E-6 L 0.07253 0.00116 " pathEditMode="relative" rAng="0" ptsTypes="AA">
+                                      <p:cBhvr>
+                                        <p:cTn id="62" dur="2000" fill="hold"/>
+                                        <p:tgtEl>
+                                          <p:spTgt spid="9"/>
+                                        </p:tgtEl>
+                                        <p:attrNameLst>
                                           <p:attrName>ppt_x</p:attrName>
-                                        </p:attrNameLst>
-                                      </p:cBhvr>
-                                      <p:tavLst>
-                                        <p:tav tm="0">
-                                          <p:val>
-                                            <p:strVal val="0-#ppt_w/2"/>
-                                          </p:val>
-                                        </p:tav>
-                                        <p:tav tm="100000">
-                                          <p:val>
-                                            <p:strVal val="#ppt_x"/>
-                                          </p:val>
-                                        </p:tav>
-                                      </p:tavLst>
-                                    </p:anim>
-                                    <p:anim calcmode="lin" valueType="num">
-                                      <p:cBhvr additive="base">
-                                        <p:cTn id="18" dur="500" fill="hold"/>
+                                          <p:attrName>ppt_y</p:attrName>
+                                        </p:attrNameLst>
+                                      </p:cBhvr>
+                                      <p:rCtr x="3620" y="46"/>
+                                    </p:animMotion>
+                                  </p:childTnLst>
+                                </p:cTn>
+                              </p:par>
+                            </p:childTnLst>
+                          </p:cTn>
+                        </p:par>
+                        <p:par>
+                          <p:cTn id="63" fill="hold">
+                            <p:stCondLst>
+                              <p:cond delay="10000"/>
+                            </p:stCondLst>
+                            <p:childTnLst>
+                              <p:par>
+                                <p:cTn id="64" presetID="1" presetClass="exit" presetSubtype="0" fill="hold" grpId="2" nodeType="afterEffect">
+                                  <p:stCondLst>
+                                    <p:cond delay="0"/>
+                                  </p:stCondLst>
+                                  <p:childTnLst>
+                                    <p:set>
+                                      <p:cBhvr>
+                                        <p:cTn id="65" dur="1" fill="hold">
+                                          <p:stCondLst>
+                                            <p:cond delay="0"/>
+                                          </p:stCondLst>
+                                        </p:cTn>
                                         <p:tgtEl>
                                           <p:spTgt spid="9"/>
                                         </p:tgtEl>
                                         <p:attrNameLst>
-                                          <p:attrName>ppt_y</p:attrName>
-                                        </p:attrNameLst>
-                                      </p:cBhvr>
-                                      <p:tavLst>
-                                        <p:tav tm="0">
-                                          <p:val>
-                                            <p:strVal val="#ppt_y"/>
-                                          </p:val>
-                                        </p:tav>
-                                        <p:tav tm="100000">
-                                          <p:val>
-                                            <p:strVal val="#ppt_y"/>
-                                          </p:val>
-                                        </p:tav>
-                                      </p:tavLst>
-                                    </p:anim>
+                                          <p:attrName>style.visibility</p:attrName>
+                                        </p:attrNameLst>
+                                      </p:cBhvr>
+                                      <p:to>
+                                        <p:strVal val="hidden"/>
+                                      </p:to>
+                                    </p:set>
+                                  </p:childTnLst>
+                                </p:cTn>
+                              </p:par>
+                            </p:childTnLst>
+                          </p:cTn>
+                        </p:par>
+                        <p:par>
+                          <p:cTn id="66" fill="hold">
+                            <p:stCondLst>
+                              <p:cond delay="10000"/>
+                            </p:stCondLst>
+                            <p:childTnLst>
+                              <p:par>
+                                <p:cTn id="67" presetID="1" presetClass="entr" presetSubtype="0" fill="hold" grpId="0" nodeType="afterEffect">
+                                  <p:stCondLst>
+                                    <p:cond delay="0"/>
+                                  </p:stCondLst>
+                                  <p:childTnLst>
+                                    <p:set>
+                                      <p:cBhvr>
+                                        <p:cTn id="68" dur="1" fill="hold">
+                                          <p:stCondLst>
+                                            <p:cond delay="0"/>
+                                          </p:stCondLst>
+                                        </p:cTn>
+                                        <p:tgtEl>
+                                          <p:spTgt spid="36"/>
+                                        </p:tgtEl>
+                                        <p:attrNameLst>
+                                          <p:attrName>style.visibility</p:attrName>
+                                        </p:attrNameLst>
+                                      </p:cBhvr>
+                                      <p:to>
+                                        <p:strVal val="visible"/>
+                                      </p:to>
+                                    </p:set>
                                   </p:childTnLst>
                                 </p:cTn>
                               </p:par>
@@ -4292,357 +5469,27 @@
     </p:tnLst>
     <p:bldLst>
       <p:bldP spid="9" grpId="0" animBg="1"/>
+      <p:bldP spid="9" grpId="1" animBg="1"/>
+      <p:bldP spid="9" grpId="2" animBg="1"/>
       <p:bldP spid="26" grpId="0" animBg="1"/>
+      <p:bldP spid="26" grpId="1" animBg="1"/>
+      <p:bldP spid="26" grpId="2" animBg="1"/>
       <p:bldP spid="27" grpId="0" animBg="1"/>
+      <p:bldP spid="27" grpId="1" animBg="1"/>
+      <p:bldP spid="27" grpId="2" animBg="1"/>
+      <p:bldP spid="25" grpId="0" animBg="1"/>
+      <p:bldP spid="25" grpId="1" animBg="1"/>
+      <p:bldP spid="25" grpId="2" animBg="1"/>
+      <p:bldP spid="28" grpId="0" animBg="1"/>
+      <p:bldP spid="28" grpId="1" animBg="1"/>
+      <p:bldP spid="28" grpId="2" animBg="1"/>
+      <p:bldP spid="29" grpId="0" animBg="1"/>
+      <p:bldP spid="29" grpId="1" animBg="1"/>
+      <p:bldP spid="29" grpId="2" animBg="1"/>
+      <p:bldP spid="30" grpId="0" animBg="1"/>
+      <p:bldP spid="35" grpId="0" animBg="1"/>
+      <p:bldP spid="36" grpId="0" animBg="1"/>
     </p:bldLst>
-  </p:timing>
-</p:sld>
-</file>
-
-<file path=ppt/slides/slide10.xml><?xml version="1.0" encoding="utf-8"?>
-<p:sld xmlns:a="http://schemas.openxmlformats.org/drawingml/2006/main" xmlns:r="http://schemas.openxmlformats.org/officeDocument/2006/relationships" xmlns:p="http://schemas.openxmlformats.org/presentationml/2006/main">
-  <p:cSld>
-    <p:spTree>
-      <p:nvGrpSpPr>
-        <p:cNvPr id="1" name=""/>
-        <p:cNvGrpSpPr/>
-        <p:nvPr/>
-      </p:nvGrpSpPr>
-      <p:grpSpPr>
-        <a:xfrm>
-          <a:off x="0" y="0"/>
-          <a:ext cx="0" cy="0"/>
-          <a:chOff x="0" y="0"/>
-          <a:chExt cx="0" cy="0"/>
-        </a:xfrm>
-      </p:grpSpPr>
-      <p:sp>
-        <p:nvSpPr>
-          <p:cNvPr id="2" name="CuadroTexto 1">
-            <a:extLst>
-              <a:ext uri="{FF2B5EF4-FFF2-40B4-BE49-F238E27FC236}">
-                <a16:creationId xmlns:a16="http://schemas.microsoft.com/office/drawing/2014/main" id="{A750A488-DC31-4058-B854-AEAAC8F2CC5D}"/>
-              </a:ext>
-            </a:extLst>
-          </p:cNvPr>
-          <p:cNvSpPr txBox="1"/>
-          <p:nvPr/>
-        </p:nvSpPr>
-        <p:spPr>
-          <a:xfrm>
-            <a:off x="4165207" y="655385"/>
-            <a:ext cx="4063933" cy="461665"/>
-          </a:xfrm>
-          <a:prstGeom prst="rect">
-            <a:avLst/>
-          </a:prstGeom>
-          <a:noFill/>
-        </p:spPr>
-        <p:txBody>
-          <a:bodyPr wrap="none" rtlCol="0">
-            <a:spAutoFit/>
-          </a:bodyPr>
-          <a:lstStyle/>
-          <a:p>
-            <a:r>
-              <a:rPr lang="en-US" sz="2400" b="1" u="sng" dirty="0" err="1">
-                <a:latin typeface="Arial Black" panose="020B0A04020102020204" pitchFamily="34" charset="0"/>
-              </a:rPr>
-              <a:t>Animaciones</a:t>
-            </a:r>
-            <a:r>
-              <a:rPr lang="en-US" sz="2400" b="1" u="sng" dirty="0">
-                <a:latin typeface="Arial Black" panose="020B0A04020102020204" pitchFamily="34" charset="0"/>
-              </a:rPr>
-              <a:t> </a:t>
-            </a:r>
-            <a:r>
-              <a:rPr lang="en-US" sz="2400" b="1" u="sng" dirty="0" err="1">
-                <a:latin typeface="Arial Black" panose="020B0A04020102020204" pitchFamily="34" charset="0"/>
-              </a:rPr>
-              <a:t>en</a:t>
-            </a:r>
-            <a:r>
-              <a:rPr lang="en-US" sz="2400" b="1" u="sng" dirty="0">
-                <a:latin typeface="Arial Black" panose="020B0A04020102020204" pitchFamily="34" charset="0"/>
-              </a:rPr>
-              <a:t> videos</a:t>
-            </a:r>
-            <a:endParaRPr lang="es-ES" sz="2400" b="1" u="sng" dirty="0">
-              <a:latin typeface="Arial Black" panose="020B0A04020102020204" pitchFamily="34" charset="0"/>
-            </a:endParaRPr>
-          </a:p>
-        </p:txBody>
-      </p:sp>
-      <p:sp>
-        <p:nvSpPr>
-          <p:cNvPr id="11" name="Rectángulo 10">
-            <a:extLst>
-              <a:ext uri="{FF2B5EF4-FFF2-40B4-BE49-F238E27FC236}">
-                <a16:creationId xmlns:a16="http://schemas.microsoft.com/office/drawing/2014/main" id="{30656BCA-846D-4331-88B6-FEB6E1C113E6}"/>
-              </a:ext>
-            </a:extLst>
-          </p:cNvPr>
-          <p:cNvSpPr/>
-          <p:nvPr/>
-        </p:nvSpPr>
-        <p:spPr>
-          <a:xfrm>
-            <a:off x="1" y="0"/>
-            <a:ext cx="376748" cy="6858000"/>
-          </a:xfrm>
-          <a:prstGeom prst="rect">
-            <a:avLst/>
-          </a:prstGeom>
-        </p:spPr>
-        <p:style>
-          <a:lnRef idx="1">
-            <a:schemeClr val="accent2"/>
-          </a:lnRef>
-          <a:fillRef idx="3">
-            <a:schemeClr val="accent2"/>
-          </a:fillRef>
-          <a:effectRef idx="2">
-            <a:schemeClr val="accent2"/>
-          </a:effectRef>
-          <a:fontRef idx="minor">
-            <a:schemeClr val="lt1"/>
-          </a:fontRef>
-        </p:style>
-        <p:txBody>
-          <a:bodyPr rtlCol="0" anchor="ctr"/>
-          <a:lstStyle/>
-          <a:p>
-            <a:pPr algn="ctr"/>
-            <a:endParaRPr lang="es-ES"/>
-          </a:p>
-        </p:txBody>
-      </p:sp>
-      <p:pic>
-        <p:nvPicPr>
-          <p:cNvPr id="3" name="Elementos multimedia en línea 2" title="Internet of Things (IoT) | What is IoT | How it Works | IoT Explained | Edureka">
-            <a:hlinkClick r:id="" action="ppaction://media"/>
-            <a:extLst>
-              <a:ext uri="{FF2B5EF4-FFF2-40B4-BE49-F238E27FC236}">
-                <a16:creationId xmlns:a16="http://schemas.microsoft.com/office/drawing/2014/main" id="{4B729FB2-AC7A-494F-AD7F-CB7AF65B4BF2}"/>
-              </a:ext>
-            </a:extLst>
-          </p:cNvPr>
-          <p:cNvPicPr>
-            <a:picLocks noRot="1" noChangeAspect="1"/>
-          </p:cNvPicPr>
-          <p:nvPr>
-            <a:videoFile r:link="rId1"/>
-          </p:nvPr>
-        </p:nvPicPr>
-        <p:blipFill>
-          <a:blip r:embed="rId3"/>
-          <a:stretch>
-            <a:fillRect/>
-          </a:stretch>
-        </p:blipFill>
-        <p:spPr>
-          <a:xfrm>
-            <a:off x="2344213" y="1963096"/>
-            <a:ext cx="7503574" cy="4239519"/>
-          </a:xfrm>
-          <a:prstGeom prst="rect">
-            <a:avLst/>
-          </a:prstGeom>
-        </p:spPr>
-      </p:pic>
-      <p:sp>
-        <p:nvSpPr>
-          <p:cNvPr id="4" name="CuadroTexto 3">
-            <a:hlinkClick r:id="rId4" action="ppaction://hlinksldjump"/>
-            <a:extLst>
-              <a:ext uri="{FF2B5EF4-FFF2-40B4-BE49-F238E27FC236}">
-                <a16:creationId xmlns:a16="http://schemas.microsoft.com/office/drawing/2014/main" id="{972EC701-1D28-432F-9C21-94313FD4FF14}"/>
-              </a:ext>
-            </a:extLst>
-          </p:cNvPr>
-          <p:cNvSpPr txBox="1"/>
-          <p:nvPr/>
-        </p:nvSpPr>
-        <p:spPr>
-          <a:xfrm>
-            <a:off x="2344213" y="1355407"/>
-            <a:ext cx="1344168" cy="369332"/>
-          </a:xfrm>
-          <a:prstGeom prst="rect">
-            <a:avLst/>
-          </a:prstGeom>
-          <a:solidFill>
-            <a:srgbClr val="FF0000"/>
-          </a:solidFill>
-          <a:ln>
-            <a:solidFill>
-              <a:srgbClr val="FF0000"/>
-            </a:solidFill>
-          </a:ln>
-        </p:spPr>
-        <p:txBody>
-          <a:bodyPr wrap="square" rtlCol="0">
-            <a:spAutoFit/>
-          </a:bodyPr>
-          <a:lstStyle/>
-          <a:p>
-            <a:pPr algn="ctr"/>
-            <a:r>
-              <a:rPr lang="en-US" b="1" dirty="0" err="1">
-                <a:solidFill>
-                  <a:schemeClr val="bg1"/>
-                </a:solidFill>
-              </a:rPr>
-              <a:t>Atras</a:t>
-            </a:r>
-            <a:endParaRPr lang="es-ES" b="1" dirty="0">
-              <a:solidFill>
-                <a:schemeClr val="bg1"/>
-              </a:solidFill>
-            </a:endParaRPr>
-          </a:p>
-        </p:txBody>
-      </p:sp>
-      <p:sp>
-        <p:nvSpPr>
-          <p:cNvPr id="6" name="Rectángulo 5" descr="Rectangulo click">
-            <a:extLst>
-              <a:ext uri="{FF2B5EF4-FFF2-40B4-BE49-F238E27FC236}">
-                <a16:creationId xmlns:a16="http://schemas.microsoft.com/office/drawing/2014/main" id="{FBE544D0-9013-49D5-81B3-566095B4CF2A}"/>
-              </a:ext>
-            </a:extLst>
-          </p:cNvPr>
-          <p:cNvSpPr/>
-          <p:nvPr/>
-        </p:nvSpPr>
-        <p:spPr>
-          <a:xfrm>
-            <a:off x="8426196" y="1312164"/>
-            <a:ext cx="1344168" cy="412575"/>
-          </a:xfrm>
-          <a:prstGeom prst="rect">
-            <a:avLst/>
-          </a:prstGeom>
-        </p:spPr>
-        <p:style>
-          <a:lnRef idx="2">
-            <a:schemeClr val="accent1">
-              <a:shade val="50000"/>
-            </a:schemeClr>
-          </a:lnRef>
-          <a:fillRef idx="1">
-            <a:schemeClr val="accent1"/>
-          </a:fillRef>
-          <a:effectRef idx="0">
-            <a:schemeClr val="accent1"/>
-          </a:effectRef>
-          <a:fontRef idx="minor">
-            <a:schemeClr val="lt1"/>
-          </a:fontRef>
-        </p:style>
-        <p:txBody>
-          <a:bodyPr rtlCol="0" anchor="ctr"/>
-          <a:lstStyle/>
-          <a:p>
-            <a:pPr algn="ctr"/>
-            <a:r>
-              <a:rPr lang="en-US" dirty="0"/>
-              <a:t>Click</a:t>
-            </a:r>
-            <a:endParaRPr lang="es-ES" dirty="0"/>
-          </a:p>
-        </p:txBody>
-      </p:sp>
-    </p:spTree>
-    <p:extLst>
-      <p:ext uri="{BB962C8B-B14F-4D97-AF65-F5344CB8AC3E}">
-        <p14:creationId xmlns:p14="http://schemas.microsoft.com/office/powerpoint/2010/main" val="4183291207"/>
-      </p:ext>
-    </p:extLst>
-  </p:cSld>
-  <p:clrMapOvr>
-    <a:masterClrMapping/>
-  </p:clrMapOvr>
-  <p:timing>
-    <p:tnLst>
-      <p:par>
-        <p:cTn id="1" dur="indefinite" restart="never" nodeType="tmRoot">
-          <p:childTnLst>
-            <p:video>
-              <p:cMediaNode vol="80000">
-                <p:cTn id="2" fill="hold" display="0">
-                  <p:stCondLst>
-                    <p:cond delay="indefinite"/>
-                  </p:stCondLst>
-                </p:cTn>
-                <p:tgtEl>
-                  <p:spTgt spid="3"/>
-                </p:tgtEl>
-              </p:cMediaNode>
-            </p:video>
-            <p:seq concurrent="1" nextAc="seek">
-              <p:cTn id="3" restart="whenNotActive" fill="hold" evtFilter="cancelBubble" nodeType="interactiveSeq">
-                <p:stCondLst>
-                  <p:cond evt="onClick" delay="0">
-                    <p:tgtEl>
-                      <p:spTgt spid="6"/>
-                    </p:tgtEl>
-                  </p:cond>
-                </p:stCondLst>
-                <p:endSync evt="end" delay="0">
-                  <p:rtn val="all"/>
-                </p:endSync>
-                <p:childTnLst>
-                  <p:par>
-                    <p:cTn id="4" fill="hold">
-                      <p:stCondLst>
-                        <p:cond delay="0"/>
-                      </p:stCondLst>
-                      <p:childTnLst>
-                        <p:par>
-                          <p:cTn id="5" fill="hold">
-                            <p:stCondLst>
-                              <p:cond delay="0"/>
-                            </p:stCondLst>
-                            <p:childTnLst>
-                              <p:par>
-                                <p:cTn id="6" presetID="3" presetClass="mediacall" presetSubtype="0" fill="hold" nodeType="clickEffect">
-                                  <p:stCondLst>
-                                    <p:cond delay="0"/>
-                                  </p:stCondLst>
-                                  <p:childTnLst>
-                                    <p:cmd type="call" cmd="stop">
-                                      <p:cBhvr>
-                                        <p:cTn id="7" dur="1" fill="hold"/>
-                                        <p:tgtEl>
-                                          <p:spTgt spid="3"/>
-                                        </p:tgtEl>
-                                      </p:cBhvr>
-                                    </p:cmd>
-                                  </p:childTnLst>
-                                </p:cTn>
-                              </p:par>
-                            </p:childTnLst>
-                          </p:cTn>
-                        </p:par>
-                      </p:childTnLst>
-                    </p:cTn>
-                  </p:par>
-                </p:childTnLst>
-              </p:cTn>
-              <p:nextCondLst>
-                <p:cond evt="onClick" delay="0">
-                  <p:tgtEl>
-                    <p:spTgt spid="6"/>
-                  </p:tgtEl>
-                </p:cond>
-              </p:nextCondLst>
-            </p:seq>
-          </p:childTnLst>
-        </p:cTn>
-      </p:par>
-    </p:tnLst>
   </p:timing>
 </p:sld>
 </file>
@@ -5125,281 +5972,6 @@
       </p:grpSpPr>
       <p:sp>
         <p:nvSpPr>
-          <p:cNvPr id="4" name="Rectángulo 3">
-            <a:extLst>
-              <a:ext uri="{FF2B5EF4-FFF2-40B4-BE49-F238E27FC236}">
-                <a16:creationId xmlns:a16="http://schemas.microsoft.com/office/drawing/2014/main" id="{A9E776D9-6879-4FE7-8562-4DBA43D3AF8A}"/>
-              </a:ext>
-            </a:extLst>
-          </p:cNvPr>
-          <p:cNvSpPr/>
-          <p:nvPr/>
-        </p:nvSpPr>
-        <p:spPr>
-          <a:xfrm>
-            <a:off x="-12192000" y="6806143"/>
-            <a:ext cx="12192000" cy="69850"/>
-          </a:xfrm>
-          <a:prstGeom prst="rect">
-            <a:avLst/>
-          </a:prstGeom>
-          <a:solidFill>
-            <a:srgbClr val="FF0000"/>
-          </a:solidFill>
-          <a:ln>
-            <a:noFill/>
-          </a:ln>
-        </p:spPr>
-        <p:style>
-          <a:lnRef idx="2">
-            <a:schemeClr val="accent1">
-              <a:shade val="50000"/>
-            </a:schemeClr>
-          </a:lnRef>
-          <a:fillRef idx="1">
-            <a:schemeClr val="accent1"/>
-          </a:fillRef>
-          <a:effectRef idx="0">
-            <a:schemeClr val="accent1"/>
-          </a:effectRef>
-          <a:fontRef idx="minor">
-            <a:schemeClr val="lt1"/>
-          </a:fontRef>
-        </p:style>
-        <p:txBody>
-          <a:bodyPr rtlCol="0" anchor="ctr"/>
-          <a:lstStyle/>
-          <a:p>
-            <a:pPr algn="ctr"/>
-            <a:endParaRPr lang="es-ES" dirty="0"/>
-          </a:p>
-        </p:txBody>
-      </p:sp>
-      <p:sp>
-        <p:nvSpPr>
-          <p:cNvPr id="5" name="Pentágono 4">
-            <a:extLst>
-              <a:ext uri="{FF2B5EF4-FFF2-40B4-BE49-F238E27FC236}">
-                <a16:creationId xmlns:a16="http://schemas.microsoft.com/office/drawing/2014/main" id="{A759173B-10B9-49A5-AB25-A19DCF8D6981}"/>
-              </a:ext>
-            </a:extLst>
-          </p:cNvPr>
-          <p:cNvSpPr/>
-          <p:nvPr/>
-        </p:nvSpPr>
-        <p:spPr>
-          <a:xfrm>
-            <a:off x="1778001" y="1989666"/>
-            <a:ext cx="960120" cy="914400"/>
-          </a:xfrm>
-          <a:prstGeom prst="pentagon">
-            <a:avLst/>
-          </a:prstGeom>
-        </p:spPr>
-        <p:style>
-          <a:lnRef idx="2">
-            <a:schemeClr val="accent1">
-              <a:shade val="50000"/>
-            </a:schemeClr>
-          </a:lnRef>
-          <a:fillRef idx="1">
-            <a:schemeClr val="accent1"/>
-          </a:fillRef>
-          <a:effectRef idx="0">
-            <a:schemeClr val="accent1"/>
-          </a:effectRef>
-          <a:fontRef idx="minor">
-            <a:schemeClr val="lt1"/>
-          </a:fontRef>
-        </p:style>
-        <p:txBody>
-          <a:bodyPr rtlCol="0" anchor="ctr"/>
-          <a:lstStyle/>
-          <a:p>
-            <a:pPr algn="ctr"/>
-            <a:endParaRPr lang="es-ES"/>
-          </a:p>
-        </p:txBody>
-      </p:sp>
-    </p:spTree>
-    <p:extLst>
-      <p:ext uri="{BB962C8B-B14F-4D97-AF65-F5344CB8AC3E}">
-        <p14:creationId xmlns:p14="http://schemas.microsoft.com/office/powerpoint/2010/main" val="4215212976"/>
-      </p:ext>
-    </p:extLst>
-  </p:cSld>
-  <p:clrMapOvr>
-    <a:masterClrMapping/>
-  </p:clrMapOvr>
-  <p:timing>
-    <p:tnLst>
-      <p:par>
-        <p:cTn id="1" dur="indefinite" restart="never" nodeType="tmRoot">
-          <p:childTnLst>
-            <p:seq concurrent="1" nextAc="seek">
-              <p:cTn id="2" dur="indefinite" nodeType="mainSeq">
-                <p:childTnLst>
-                  <p:par>
-                    <p:cTn id="3" fill="hold">
-                      <p:stCondLst>
-                        <p:cond delay="indefinite"/>
-                      </p:stCondLst>
-                      <p:childTnLst>
-                        <p:par>
-                          <p:cTn id="4" fill="hold">
-                            <p:stCondLst>
-                              <p:cond delay="0"/>
-                            </p:stCondLst>
-                            <p:childTnLst>
-                              <p:par>
-                                <p:cTn id="5" presetID="42" presetClass="path" presetSubtype="0" fill="hold" grpId="0" nodeType="clickEffect">
-                                  <p:stCondLst>
-                                    <p:cond delay="0"/>
-                                  </p:stCondLst>
-                                  <p:childTnLst>
-                                    <p:animMotion origin="layout" path="M 0 0.00348 L 1 -0.00162 " pathEditMode="relative" rAng="0" ptsTypes="AA">
-                                      <p:cBhvr>
-                                        <p:cTn id="6" dur="120000" fill="hold"/>
-                                        <p:tgtEl>
-                                          <p:spTgt spid="4"/>
-                                        </p:tgtEl>
-                                        <p:attrNameLst>
-                                          <p:attrName>ppt_x</p:attrName>
-                                          <p:attrName>ppt_y</p:attrName>
-                                        </p:attrNameLst>
-                                      </p:cBhvr>
-                                      <p:rCtr x="50000" y="-255"/>
-                                    </p:animMotion>
-                                  </p:childTnLst>
-                                </p:cTn>
-                              </p:par>
-                              <p:par>
-                                <p:cTn id="7" presetID="2" presetClass="entr" presetSubtype="4" fill="hold" grpId="0" nodeType="withEffect">
-                                  <p:stCondLst>
-                                    <p:cond delay="0"/>
-                                  </p:stCondLst>
-                                  <p:childTnLst>
-                                    <p:set>
-                                      <p:cBhvr>
-                                        <p:cTn id="8" dur="1" fill="hold">
-                                          <p:stCondLst>
-                                            <p:cond delay="0"/>
-                                          </p:stCondLst>
-                                        </p:cTn>
-                                        <p:tgtEl>
-                                          <p:spTgt spid="5"/>
-                                        </p:tgtEl>
-                                        <p:attrNameLst>
-                                          <p:attrName>style.visibility</p:attrName>
-                                        </p:attrNameLst>
-                                      </p:cBhvr>
-                                      <p:to>
-                                        <p:strVal val="visible"/>
-                                      </p:to>
-                                    </p:set>
-                                    <p:anim calcmode="lin" valueType="num">
-                                      <p:cBhvr additive="base">
-                                        <p:cTn id="9" dur="500" fill="hold"/>
-                                        <p:tgtEl>
-                                          <p:spTgt spid="5"/>
-                                        </p:tgtEl>
-                                        <p:attrNameLst>
-                                          <p:attrName>ppt_x</p:attrName>
-                                        </p:attrNameLst>
-                                      </p:cBhvr>
-                                      <p:tavLst>
-                                        <p:tav tm="0">
-                                          <p:val>
-                                            <p:strVal val="#ppt_x"/>
-                                          </p:val>
-                                        </p:tav>
-                                        <p:tav tm="100000">
-                                          <p:val>
-                                            <p:strVal val="#ppt_x"/>
-                                          </p:val>
-                                        </p:tav>
-                                      </p:tavLst>
-                                    </p:anim>
-                                    <p:anim calcmode="lin" valueType="num">
-                                      <p:cBhvr additive="base">
-                                        <p:cTn id="10" dur="500" fill="hold"/>
-                                        <p:tgtEl>
-                                          <p:spTgt spid="5"/>
-                                        </p:tgtEl>
-                                        <p:attrNameLst>
-                                          <p:attrName>ppt_y</p:attrName>
-                                        </p:attrNameLst>
-                                      </p:cBhvr>
-                                      <p:tavLst>
-                                        <p:tav tm="0">
-                                          <p:val>
-                                            <p:strVal val="1+#ppt_h/2"/>
-                                          </p:val>
-                                        </p:tav>
-                                        <p:tav tm="100000">
-                                          <p:val>
-                                            <p:strVal val="#ppt_y"/>
-                                          </p:val>
-                                        </p:tav>
-                                      </p:tavLst>
-                                    </p:anim>
-                                  </p:childTnLst>
-                                </p:cTn>
-                              </p:par>
-                            </p:childTnLst>
-                          </p:cTn>
-                        </p:par>
-                      </p:childTnLst>
-                    </p:cTn>
-                  </p:par>
-                </p:childTnLst>
-              </p:cTn>
-              <p:prevCondLst>
-                <p:cond evt="onPrev" delay="0">
-                  <p:tgtEl>
-                    <p:sldTgt/>
-                  </p:tgtEl>
-                </p:cond>
-              </p:prevCondLst>
-              <p:nextCondLst>
-                <p:cond evt="onNext" delay="0">
-                  <p:tgtEl>
-                    <p:sldTgt/>
-                  </p:tgtEl>
-                </p:cond>
-              </p:nextCondLst>
-            </p:seq>
-          </p:childTnLst>
-        </p:cTn>
-      </p:par>
-    </p:tnLst>
-    <p:bldLst>
-      <p:bldP spid="4" grpId="0" animBg="1"/>
-      <p:bldP spid="5" grpId="0" animBg="1"/>
-    </p:bldLst>
-  </p:timing>
-</p:sld>
-</file>
-
-<file path=ppt/slides/slide5.xml><?xml version="1.0" encoding="utf-8"?>
-<p:sld xmlns:a="http://schemas.openxmlformats.org/drawingml/2006/main" xmlns:r="http://schemas.openxmlformats.org/officeDocument/2006/relationships" xmlns:p="http://schemas.openxmlformats.org/presentationml/2006/main">
-  <p:cSld>
-    <p:spTree>
-      <p:nvGrpSpPr>
-        <p:cNvPr id="1" name=""/>
-        <p:cNvGrpSpPr/>
-        <p:nvPr/>
-      </p:nvGrpSpPr>
-      <p:grpSpPr>
-        <a:xfrm>
-          <a:off x="0" y="0"/>
-          <a:ext cx="0" cy="0"/>
-          <a:chOff x="0" y="0"/>
-          <a:chExt cx="0" cy="0"/>
-        </a:xfrm>
-      </p:grpSpPr>
-      <p:sp>
-        <p:nvSpPr>
           <p:cNvPr id="2" name="CuadroTexto 1">
             <a:extLst>
               <a:ext uri="{FF2B5EF4-FFF2-40B4-BE49-F238E27FC236}">
@@ -6216,7 +6788,7 @@
 </p:sld>
 </file>
 
-<file path=ppt/slides/slide6.xml><?xml version="1.0" encoding="utf-8"?>
+<file path=ppt/slides/slide5.xml><?xml version="1.0" encoding="utf-8"?>
 <p:sld xmlns:a="http://schemas.openxmlformats.org/drawingml/2006/main" xmlns:r="http://schemas.openxmlformats.org/officeDocument/2006/relationships" xmlns:p="http://schemas.openxmlformats.org/presentationml/2006/main">
   <p:cSld>
     <p:spTree>
@@ -6752,7 +7324,7 @@
 </p:sld>
 </file>
 
-<file path=ppt/slides/slide7.xml><?xml version="1.0" encoding="utf-8"?>
+<file path=ppt/slides/slide6.xml><?xml version="1.0" encoding="utf-8"?>
 <p:sld xmlns:a="http://schemas.openxmlformats.org/drawingml/2006/main" xmlns:r="http://schemas.openxmlformats.org/officeDocument/2006/relationships" xmlns:p="http://schemas.openxmlformats.org/presentationml/2006/main">
   <p:cSld>
     <p:spTree>
@@ -10544,7 +11116,7 @@
 </p:sld>
 </file>
 
-<file path=ppt/slides/slide8.xml><?xml version="1.0" encoding="utf-8"?>
+<file path=ppt/slides/slide7.xml><?xml version="1.0" encoding="utf-8"?>
 <p:sld xmlns:a="http://schemas.openxmlformats.org/drawingml/2006/main" xmlns:r="http://schemas.openxmlformats.org/officeDocument/2006/relationships" xmlns:p="http://schemas.openxmlformats.org/presentationml/2006/main">
   <p:cSld>
     <p:spTree>
@@ -10658,7 +11230,7 @@
 </p:sld>
 </file>
 
-<file path=ppt/slides/slide9.xml><?xml version="1.0" encoding="utf-8"?>
+<file path=ppt/slides/slide8.xml><?xml version="1.0" encoding="utf-8"?>
 <p:sld xmlns:a="http://schemas.openxmlformats.org/drawingml/2006/main" xmlns:r="http://schemas.openxmlformats.org/officeDocument/2006/relationships" xmlns:p="http://schemas.openxmlformats.org/presentationml/2006/main">
   <p:cSld>
     <p:spTree>
@@ -13945,6 +14517,354 @@
       <p:bldP spid="8" grpId="0" build="p"/>
       <p:bldP spid="12" grpId="0" build="p"/>
     </p:bldLst>
+  </p:timing>
+</p:sld>
+</file>
+
+<file path=ppt/slides/slide9.xml><?xml version="1.0" encoding="utf-8"?>
+<p:sld xmlns:a="http://schemas.openxmlformats.org/drawingml/2006/main" xmlns:r="http://schemas.openxmlformats.org/officeDocument/2006/relationships" xmlns:p="http://schemas.openxmlformats.org/presentationml/2006/main">
+  <p:cSld>
+    <p:spTree>
+      <p:nvGrpSpPr>
+        <p:cNvPr id="1" name=""/>
+        <p:cNvGrpSpPr/>
+        <p:nvPr/>
+      </p:nvGrpSpPr>
+      <p:grpSpPr>
+        <a:xfrm>
+          <a:off x="0" y="0"/>
+          <a:ext cx="0" cy="0"/>
+          <a:chOff x="0" y="0"/>
+          <a:chExt cx="0" cy="0"/>
+        </a:xfrm>
+      </p:grpSpPr>
+      <p:sp>
+        <p:nvSpPr>
+          <p:cNvPr id="2" name="CuadroTexto 1">
+            <a:extLst>
+              <a:ext uri="{FF2B5EF4-FFF2-40B4-BE49-F238E27FC236}">
+                <a16:creationId xmlns:a16="http://schemas.microsoft.com/office/drawing/2014/main" id="{A750A488-DC31-4058-B854-AEAAC8F2CC5D}"/>
+              </a:ext>
+            </a:extLst>
+          </p:cNvPr>
+          <p:cNvSpPr txBox="1"/>
+          <p:nvPr/>
+        </p:nvSpPr>
+        <p:spPr>
+          <a:xfrm>
+            <a:off x="4165207" y="655385"/>
+            <a:ext cx="4063933" cy="461665"/>
+          </a:xfrm>
+          <a:prstGeom prst="rect">
+            <a:avLst/>
+          </a:prstGeom>
+          <a:noFill/>
+        </p:spPr>
+        <p:txBody>
+          <a:bodyPr wrap="none" rtlCol="0">
+            <a:spAutoFit/>
+          </a:bodyPr>
+          <a:lstStyle/>
+          <a:p>
+            <a:r>
+              <a:rPr lang="en-US" sz="2400" b="1" u="sng" dirty="0" err="1">
+                <a:latin typeface="Arial Black" panose="020B0A04020102020204" pitchFamily="34" charset="0"/>
+              </a:rPr>
+              <a:t>Animaciones</a:t>
+            </a:r>
+            <a:r>
+              <a:rPr lang="en-US" sz="2400" b="1" u="sng" dirty="0">
+                <a:latin typeface="Arial Black" panose="020B0A04020102020204" pitchFamily="34" charset="0"/>
+              </a:rPr>
+              <a:t> </a:t>
+            </a:r>
+            <a:r>
+              <a:rPr lang="en-US" sz="2400" b="1" u="sng" dirty="0" err="1">
+                <a:latin typeface="Arial Black" panose="020B0A04020102020204" pitchFamily="34" charset="0"/>
+              </a:rPr>
+              <a:t>en</a:t>
+            </a:r>
+            <a:r>
+              <a:rPr lang="en-US" sz="2400" b="1" u="sng" dirty="0">
+                <a:latin typeface="Arial Black" panose="020B0A04020102020204" pitchFamily="34" charset="0"/>
+              </a:rPr>
+              <a:t> videos</a:t>
+            </a:r>
+            <a:endParaRPr lang="es-ES" sz="2400" b="1" u="sng" dirty="0">
+              <a:latin typeface="Arial Black" panose="020B0A04020102020204" pitchFamily="34" charset="0"/>
+            </a:endParaRPr>
+          </a:p>
+        </p:txBody>
+      </p:sp>
+      <p:sp>
+        <p:nvSpPr>
+          <p:cNvPr id="11" name="Rectángulo 10">
+            <a:extLst>
+              <a:ext uri="{FF2B5EF4-FFF2-40B4-BE49-F238E27FC236}">
+                <a16:creationId xmlns:a16="http://schemas.microsoft.com/office/drawing/2014/main" id="{30656BCA-846D-4331-88B6-FEB6E1C113E6}"/>
+              </a:ext>
+            </a:extLst>
+          </p:cNvPr>
+          <p:cNvSpPr/>
+          <p:nvPr/>
+        </p:nvSpPr>
+        <p:spPr>
+          <a:xfrm>
+            <a:off x="1" y="0"/>
+            <a:ext cx="376748" cy="6858000"/>
+          </a:xfrm>
+          <a:prstGeom prst="rect">
+            <a:avLst/>
+          </a:prstGeom>
+        </p:spPr>
+        <p:style>
+          <a:lnRef idx="1">
+            <a:schemeClr val="accent2"/>
+          </a:lnRef>
+          <a:fillRef idx="3">
+            <a:schemeClr val="accent2"/>
+          </a:fillRef>
+          <a:effectRef idx="2">
+            <a:schemeClr val="accent2"/>
+          </a:effectRef>
+          <a:fontRef idx="minor">
+            <a:schemeClr val="lt1"/>
+          </a:fontRef>
+        </p:style>
+        <p:txBody>
+          <a:bodyPr rtlCol="0" anchor="ctr"/>
+          <a:lstStyle/>
+          <a:p>
+            <a:pPr algn="ctr"/>
+            <a:endParaRPr lang="es-ES"/>
+          </a:p>
+        </p:txBody>
+      </p:sp>
+      <p:pic>
+        <p:nvPicPr>
+          <p:cNvPr id="3" name="Elementos multimedia en línea 2" title="Internet of Things (IoT) | What is IoT | How it Works | IoT Explained | Edureka">
+            <a:hlinkClick r:id="" action="ppaction://media"/>
+            <a:extLst>
+              <a:ext uri="{FF2B5EF4-FFF2-40B4-BE49-F238E27FC236}">
+                <a16:creationId xmlns:a16="http://schemas.microsoft.com/office/drawing/2014/main" id="{4B729FB2-AC7A-494F-AD7F-CB7AF65B4BF2}"/>
+              </a:ext>
+            </a:extLst>
+          </p:cNvPr>
+          <p:cNvPicPr>
+            <a:picLocks noRot="1" noChangeAspect="1"/>
+          </p:cNvPicPr>
+          <p:nvPr>
+            <a:videoFile r:link="rId1"/>
+          </p:nvPr>
+        </p:nvPicPr>
+        <p:blipFill>
+          <a:blip r:embed="rId3"/>
+          <a:stretch>
+            <a:fillRect/>
+          </a:stretch>
+        </p:blipFill>
+        <p:spPr>
+          <a:xfrm>
+            <a:off x="2344213" y="1963096"/>
+            <a:ext cx="7503574" cy="4239519"/>
+          </a:xfrm>
+          <a:prstGeom prst="rect">
+            <a:avLst/>
+          </a:prstGeom>
+        </p:spPr>
+      </p:pic>
+      <p:sp>
+        <p:nvSpPr>
+          <p:cNvPr id="4" name="CuadroTexto 3">
+            <a:hlinkClick r:id="rId4" action="ppaction://hlinksldjump"/>
+            <a:extLst>
+              <a:ext uri="{FF2B5EF4-FFF2-40B4-BE49-F238E27FC236}">
+                <a16:creationId xmlns:a16="http://schemas.microsoft.com/office/drawing/2014/main" id="{972EC701-1D28-432F-9C21-94313FD4FF14}"/>
+              </a:ext>
+            </a:extLst>
+          </p:cNvPr>
+          <p:cNvSpPr txBox="1"/>
+          <p:nvPr/>
+        </p:nvSpPr>
+        <p:spPr>
+          <a:xfrm>
+            <a:off x="2344213" y="1355407"/>
+            <a:ext cx="1344168" cy="369332"/>
+          </a:xfrm>
+          <a:prstGeom prst="rect">
+            <a:avLst/>
+          </a:prstGeom>
+          <a:solidFill>
+            <a:srgbClr val="FF0000"/>
+          </a:solidFill>
+          <a:ln>
+            <a:solidFill>
+              <a:srgbClr val="FF0000"/>
+            </a:solidFill>
+          </a:ln>
+        </p:spPr>
+        <p:txBody>
+          <a:bodyPr wrap="square" rtlCol="0">
+            <a:spAutoFit/>
+          </a:bodyPr>
+          <a:lstStyle/>
+          <a:p>
+            <a:pPr algn="ctr"/>
+            <a:r>
+              <a:rPr lang="en-US" b="1" dirty="0" err="1">
+                <a:solidFill>
+                  <a:schemeClr val="bg1"/>
+                </a:solidFill>
+              </a:rPr>
+              <a:t>Atras</a:t>
+            </a:r>
+            <a:endParaRPr lang="es-ES" b="1" dirty="0">
+              <a:solidFill>
+                <a:schemeClr val="bg1"/>
+              </a:solidFill>
+            </a:endParaRPr>
+          </a:p>
+        </p:txBody>
+      </p:sp>
+      <p:sp>
+        <p:nvSpPr>
+          <p:cNvPr id="6" name="Rectángulo 5" descr="Rectangulo click">
+            <a:extLst>
+              <a:ext uri="{FF2B5EF4-FFF2-40B4-BE49-F238E27FC236}">
+                <a16:creationId xmlns:a16="http://schemas.microsoft.com/office/drawing/2014/main" id="{FBE544D0-9013-49D5-81B3-566095B4CF2A}"/>
+              </a:ext>
+            </a:extLst>
+          </p:cNvPr>
+          <p:cNvSpPr/>
+          <p:nvPr/>
+        </p:nvSpPr>
+        <p:spPr>
+          <a:xfrm>
+            <a:off x="8426196" y="1312164"/>
+            <a:ext cx="1344168" cy="412575"/>
+          </a:xfrm>
+          <a:prstGeom prst="rect">
+            <a:avLst/>
+          </a:prstGeom>
+        </p:spPr>
+        <p:style>
+          <a:lnRef idx="2">
+            <a:schemeClr val="accent1">
+              <a:shade val="50000"/>
+            </a:schemeClr>
+          </a:lnRef>
+          <a:fillRef idx="1">
+            <a:schemeClr val="accent1"/>
+          </a:fillRef>
+          <a:effectRef idx="0">
+            <a:schemeClr val="accent1"/>
+          </a:effectRef>
+          <a:fontRef idx="minor">
+            <a:schemeClr val="lt1"/>
+          </a:fontRef>
+        </p:style>
+        <p:txBody>
+          <a:bodyPr rtlCol="0" anchor="ctr"/>
+          <a:lstStyle/>
+          <a:p>
+            <a:pPr algn="ctr"/>
+            <a:r>
+              <a:rPr lang="en-US" dirty="0"/>
+              <a:t>Click</a:t>
+            </a:r>
+            <a:endParaRPr lang="es-ES" dirty="0"/>
+          </a:p>
+        </p:txBody>
+      </p:sp>
+    </p:spTree>
+    <p:extLst>
+      <p:ext uri="{BB962C8B-B14F-4D97-AF65-F5344CB8AC3E}">
+        <p14:creationId xmlns:p14="http://schemas.microsoft.com/office/powerpoint/2010/main" val="4183291207"/>
+      </p:ext>
+    </p:extLst>
+  </p:cSld>
+  <p:clrMapOvr>
+    <a:masterClrMapping/>
+  </p:clrMapOvr>
+  <p:timing>
+    <p:tnLst>
+      <p:par>
+        <p:cTn id="1" dur="indefinite" restart="never" nodeType="tmRoot">
+          <p:childTnLst>
+            <p:video>
+              <p:cMediaNode vol="80000">
+                <p:cTn id="2" fill="hold" display="0">
+                  <p:stCondLst>
+                    <p:cond delay="indefinite"/>
+                  </p:stCondLst>
+                </p:cTn>
+                <p:tgtEl>
+                  <p:spTgt spid="3"/>
+                </p:tgtEl>
+              </p:cMediaNode>
+            </p:video>
+            <p:seq concurrent="1" nextAc="seek">
+              <p:cTn id="3" restart="whenNotActive" fill="hold" evtFilter="cancelBubble" nodeType="interactiveSeq">
+                <p:stCondLst>
+                  <p:cond evt="onClick" delay="0">
+                    <p:tgtEl>
+                      <p:spTgt spid="6"/>
+                    </p:tgtEl>
+                  </p:cond>
+                </p:stCondLst>
+                <p:endSync evt="end" delay="0">
+                  <p:rtn val="all"/>
+                </p:endSync>
+                <p:childTnLst>
+                  <p:par>
+                    <p:cTn id="4" fill="hold">
+                      <p:stCondLst>
+                        <p:cond delay="0"/>
+                      </p:stCondLst>
+                      <p:childTnLst>
+                        <p:par>
+                          <p:cTn id="5" fill="hold">
+                            <p:stCondLst>
+                              <p:cond delay="0"/>
+                            </p:stCondLst>
+                            <p:childTnLst>
+                              <p:par>
+                                <p:cTn id="6" presetID="3" presetClass="mediacall" presetSubtype="0" fill="hold" nodeType="clickEffect">
+                                  <p:stCondLst>
+                                    <p:cond delay="0"/>
+                                  </p:stCondLst>
+                                  <p:childTnLst>
+                                    <p:cmd type="call" cmd="stop">
+                                      <p:cBhvr>
+                                        <p:cTn id="7" dur="1" fill="hold"/>
+                                        <p:tgtEl>
+                                          <p:spTgt spid="3"/>
+                                        </p:tgtEl>
+                                      </p:cBhvr>
+                                    </p:cmd>
+                                  </p:childTnLst>
+                                </p:cTn>
+                              </p:par>
+                            </p:childTnLst>
+                          </p:cTn>
+                        </p:par>
+                      </p:childTnLst>
+                    </p:cTn>
+                  </p:par>
+                </p:childTnLst>
+              </p:cTn>
+              <p:nextCondLst>
+                <p:cond evt="onClick" delay="0">
+                  <p:tgtEl>
+                    <p:spTgt spid="6"/>
+                  </p:tgtEl>
+                </p:cond>
+              </p:nextCondLst>
+            </p:seq>
+          </p:childTnLst>
+        </p:cTn>
+      </p:par>
+    </p:tnLst>
   </p:timing>
 </p:sld>
 </file>
